--- a/wsnlab-ss25-final-group2.pptx
+++ b/wsnlab-ss25-final-group2.pptx
@@ -3,14 +3,17 @@
 <p:presentation xmlns:a="http://schemas.openxmlformats.org/drawingml/2006/main" xmlns:r="http://schemas.openxmlformats.org/officeDocument/2006/relationships" xmlns:p="http://schemas.openxmlformats.org/presentationml/2006/main">
   <p:sldMasterIdLst>
     <p:sldMasterId id="2147483648" r:id="rId1"/>
+    <p:sldMasterId id="2147483660" r:id="rId2"/>
+    <p:sldMasterId id="2147483662" r:id="rId3"/>
   </p:sldMasterIdLst>
   <p:sldIdLst>
-    <p:sldId id="256" r:id="rId2"/>
-    <p:sldId id="257" r:id="rId3"/>
-    <p:sldId id="258" r:id="rId4"/>
-    <p:sldId id="263" r:id="rId5"/>
-    <p:sldId id="261" r:id="rId6"/>
-    <p:sldId id="262" r:id="rId7"/>
+    <p:sldId id="425" r:id="rId4"/>
+    <p:sldId id="257" r:id="rId5"/>
+    <p:sldId id="258" r:id="rId6"/>
+    <p:sldId id="357" r:id="rId7"/>
+    <p:sldId id="358" r:id="rId8"/>
+    <p:sldId id="265" r:id="rId9"/>
+    <p:sldId id="262" r:id="rId10"/>
   </p:sldIdLst>
   <p:sldSz cx="12192000" cy="6858000"/>
   <p:notesSz cx="6858000" cy="9144000"/>
@@ -1141,7 +1144,7 @@
           <a:p>
             <a:fld id="{D997B5FA-0921-464F-AAE1-844C04324D75}" type="datetimeFigureOut">
               <a:rPr lang="zh-CN" altLang="en-US" smtClean="0"/>
-              <a:t>2025/7/10</a:t>
+              <a:t>2025/7/13</a:t>
             </a:fld>
             <a:endParaRPr lang="zh-CN" altLang="en-US"/>
           </a:p>
@@ -1304,7 +1307,7 @@
           <a:p>
             <a:fld id="{D997B5FA-0921-464F-AAE1-844C04324D75}" type="datetimeFigureOut">
               <a:rPr lang="zh-CN" altLang="en-US" smtClean="0"/>
-              <a:t>2025/7/10</a:t>
+              <a:t>2025/7/13</a:t>
             </a:fld>
             <a:endParaRPr lang="zh-CN" altLang="en-US"/>
           </a:p>
@@ -1477,7 +1480,7 @@
           <a:p>
             <a:fld id="{D997B5FA-0921-464F-AAE1-844C04324D75}" type="datetimeFigureOut">
               <a:rPr lang="zh-CN" altLang="en-US" smtClean="0"/>
-              <a:t>2025/7/10</a:t>
+              <a:t>2025/7/13</a:t>
             </a:fld>
             <a:endParaRPr lang="zh-CN" altLang="en-US"/>
           </a:p>
@@ -1526,6 +1529,1842 @@
         </p:txBody>
       </p:sp>
     </p:spTree>
+  </p:cSld>
+  <p:clrMapOvr>
+    <a:masterClrMapping/>
+  </p:clrMapOvr>
+</p:sldLayout>
+</file>
+
+<file path=ppt/slideLayouts/slideLayout12.xml><?xml version="1.0" encoding="utf-8"?>
+<p:sldLayout xmlns:a="http://schemas.openxmlformats.org/drawingml/2006/main" xmlns:r="http://schemas.openxmlformats.org/officeDocument/2006/relationships" xmlns:p="http://schemas.openxmlformats.org/presentationml/2006/main" preserve="1" userDrawn="1">
+  <p:cSld name="Start">
+    <p:spTree>
+      <p:nvGrpSpPr>
+        <p:cNvPr id="1" name=""/>
+        <p:cNvGrpSpPr/>
+        <p:nvPr/>
+      </p:nvGrpSpPr>
+      <p:grpSpPr>
+        <a:xfrm>
+          <a:off x="0" y="0"/>
+          <a:ext cx="0" cy="0"/>
+          <a:chOff x="0" y="0"/>
+          <a:chExt cx="0" cy="0"/>
+        </a:xfrm>
+      </p:grpSpPr>
+      <p:sp>
+        <p:nvSpPr>
+          <p:cNvPr id="12" name="Titel 1"/>
+          <p:cNvSpPr>
+            <a:spLocks noGrp="1"/>
+          </p:cNvSpPr>
+          <p:nvPr>
+            <p:ph type="title" hasCustomPrompt="1"/>
+          </p:nvPr>
+        </p:nvSpPr>
+        <p:spPr>
+          <a:xfrm>
+            <a:off x="425454" y="1296000"/>
+            <a:ext cx="11345332" cy="501651"/>
+          </a:xfrm>
+          <a:prstGeom prst="rect">
+            <a:avLst/>
+          </a:prstGeom>
+          <a:noFill/>
+          <a:ln w="9525">
+            <a:noFill/>
+            <a:miter lim="800000"/>
+            <a:headEnd/>
+            <a:tailEnd/>
+          </a:ln>
+        </p:spPr>
+        <p:txBody>
+          <a:bodyPr vert="horz" wrap="square" lIns="0" tIns="0" rIns="0" bIns="0" numCol="1" anchor="t" anchorCtr="0" compatLnSpc="1">
+            <a:prstTxWarp prst="textNoShape">
+              <a:avLst/>
+            </a:prstTxWarp>
+          </a:bodyPr>
+          <a:lstStyle>
+            <a:lvl1pPr>
+              <a:lnSpc>
+                <a:spcPts val="4267"/>
+              </a:lnSpc>
+              <a:defRPr lang="de-DE" sz="3333" noProof="0" dirty="0">
+                <a:solidFill>
+                  <a:schemeClr val="bg1"/>
+                </a:solidFill>
+              </a:defRPr>
+            </a:lvl1pPr>
+          </a:lstStyle>
+          <a:p>
+            <a:pPr lvl="0"/>
+            <a:r>
+              <a:rPr lang="de-DE" noProof="0" dirty="0"/>
+              <a:t>Titel der Präsentation durch Klicken bearbeiten</a:t>
+            </a:r>
+          </a:p>
+        </p:txBody>
+      </p:sp>
+      <p:sp>
+        <p:nvSpPr>
+          <p:cNvPr id="16" name="Inhaltsplatzhalter 2"/>
+          <p:cNvSpPr>
+            <a:spLocks noGrp="1"/>
+          </p:cNvSpPr>
+          <p:nvPr>
+            <p:ph idx="10" hasCustomPrompt="1"/>
+          </p:nvPr>
+        </p:nvSpPr>
+        <p:spPr>
+          <a:xfrm>
+            <a:off x="425451" y="1978720"/>
+            <a:ext cx="11345332" cy="1274125"/>
+          </a:xfrm>
+          <a:prstGeom prst="rect">
+            <a:avLst/>
+          </a:prstGeom>
+          <a:noFill/>
+          <a:ln w="9525">
+            <a:noFill/>
+            <a:miter lim="800000"/>
+            <a:headEnd/>
+            <a:tailEnd/>
+          </a:ln>
+        </p:spPr>
+        <p:txBody>
+          <a:bodyPr vert="horz" wrap="square" lIns="0" tIns="0" rIns="0" bIns="0" numCol="1" anchor="t" anchorCtr="0" compatLnSpc="1">
+            <a:prstTxWarp prst="textNoShape">
+              <a:avLst/>
+            </a:prstTxWarp>
+          </a:bodyPr>
+          <a:lstStyle>
+            <a:lvl1pPr>
+              <a:lnSpc>
+                <a:spcPct val="150000"/>
+              </a:lnSpc>
+              <a:defRPr lang="de-DE" sz="2133" baseline="0" noProof="0" dirty="0" smtClean="0">
+                <a:solidFill>
+                  <a:schemeClr val="bg1"/>
+                </a:solidFill>
+              </a:defRPr>
+            </a:lvl1pPr>
+            <a:lvl2pPr>
+              <a:defRPr lang="de-DE" noProof="0" dirty="0" smtClean="0"/>
+            </a:lvl2pPr>
+          </a:lstStyle>
+          <a:p>
+            <a:pPr lvl="0"/>
+            <a:r>
+              <a:rPr lang="de-DE" noProof="0" dirty="0"/>
+              <a:t>Referent</a:t>
+            </a:r>
+            <a:br>
+              <a:rPr lang="de-DE" noProof="0" dirty="0"/>
+            </a:br>
+            <a:r>
+              <a:rPr lang="de-DE" noProof="0" dirty="0"/>
+              <a:t>Ort, Datum (Schreibweise: 00. Januar 2015)</a:t>
+            </a:r>
+          </a:p>
+        </p:txBody>
+      </p:sp>
+      <p:sp>
+        <p:nvSpPr>
+          <p:cNvPr id="5" name="Foliennummernplatzhalter 4"/>
+          <p:cNvSpPr>
+            <a:spLocks noGrp="1"/>
+          </p:cNvSpPr>
+          <p:nvPr>
+            <p:ph type="sldNum" sz="quarter" idx="12"/>
+          </p:nvPr>
+        </p:nvSpPr>
+        <p:spPr/>
+        <p:txBody>
+          <a:bodyPr/>
+          <a:lstStyle>
+            <a:lvl1pPr>
+              <a:defRPr>
+                <a:solidFill>
+                  <a:schemeClr val="bg1"/>
+                </a:solidFill>
+              </a:defRPr>
+            </a:lvl1pPr>
+          </a:lstStyle>
+          <a:p>
+            <a:fld id="{CE58CB1E-F828-4F11-99E0-327109AF9DA4}" type="slidenum">
+              <a:rPr lang="de-DE" smtClean="0"/>
+              <a:pPr/>
+              <a:t>‹#›</a:t>
+            </a:fld>
+            <a:endParaRPr lang="de-DE" dirty="0"/>
+          </a:p>
+        </p:txBody>
+      </p:sp>
+      <p:sp>
+        <p:nvSpPr>
+          <p:cNvPr id="7" name="Fußzeilenplatzhalter 6"/>
+          <p:cNvSpPr>
+            <a:spLocks noGrp="1"/>
+          </p:cNvSpPr>
+          <p:nvPr>
+            <p:ph type="ftr" sz="quarter" idx="13"/>
+          </p:nvPr>
+        </p:nvSpPr>
+        <p:spPr/>
+        <p:txBody>
+          <a:bodyPr/>
+          <a:lstStyle>
+            <a:lvl1pPr>
+              <a:defRPr>
+                <a:solidFill>
+                  <a:schemeClr val="bg1"/>
+                </a:solidFill>
+              </a:defRPr>
+            </a:lvl1pPr>
+          </a:lstStyle>
+          <a:p>
+            <a:r>
+              <a:rPr lang="de-DE" dirty="0"/>
+              <a:t>Prof. Dr.-Ing. Ralf Brederlow |</a:t>
+            </a:r>
+            <a:endParaRPr lang="en-US" dirty="0"/>
+          </a:p>
+          <a:p>
+            <a:endParaRPr lang="en-US" dirty="0"/>
+          </a:p>
+        </p:txBody>
+      </p:sp>
+    </p:spTree>
+    <p:extLst>
+      <p:ext uri="{BB962C8B-B14F-4D97-AF65-F5344CB8AC3E}">
+        <p14:creationId xmlns:p14="http://schemas.microsoft.com/office/powerpoint/2010/main" val="3305639149"/>
+      </p:ext>
+    </p:extLst>
+  </p:cSld>
+  <p:clrMapOvr>
+    <a:masterClrMapping/>
+  </p:clrMapOvr>
+</p:sldLayout>
+</file>
+
+<file path=ppt/slideLayouts/slideLayout13.xml><?xml version="1.0" encoding="utf-8"?>
+<p:sldLayout xmlns:a="http://schemas.openxmlformats.org/drawingml/2006/main" xmlns:r="http://schemas.openxmlformats.org/officeDocument/2006/relationships" xmlns:p="http://schemas.openxmlformats.org/presentationml/2006/main" type="title" preserve="1">
+  <p:cSld name="标题幻灯片">
+    <p:spTree>
+      <p:nvGrpSpPr>
+        <p:cNvPr id="1" name=""/>
+        <p:cNvGrpSpPr/>
+        <p:nvPr/>
+      </p:nvGrpSpPr>
+      <p:grpSpPr>
+        <a:xfrm>
+          <a:off x="0" y="0"/>
+          <a:ext cx="0" cy="0"/>
+          <a:chOff x="0" y="0"/>
+          <a:chExt cx="0" cy="0"/>
+        </a:xfrm>
+      </p:grpSpPr>
+      <p:sp>
+        <p:nvSpPr>
+          <p:cNvPr id="2" name="标题 1">
+            <a:extLst>
+              <a:ext uri="{FF2B5EF4-FFF2-40B4-BE49-F238E27FC236}">
+                <a16:creationId xmlns:a16="http://schemas.microsoft.com/office/drawing/2014/main" id="{43EA4F71-3115-A6B5-F304-EDED60F70FC0}"/>
+              </a:ext>
+            </a:extLst>
+          </p:cNvPr>
+          <p:cNvSpPr>
+            <a:spLocks noGrp="1"/>
+          </p:cNvSpPr>
+          <p:nvPr>
+            <p:ph type="ctrTitle"/>
+          </p:nvPr>
+        </p:nvSpPr>
+        <p:spPr>
+          <a:xfrm>
+            <a:off x="1524000" y="1122363"/>
+            <a:ext cx="9144000" cy="2387600"/>
+          </a:xfrm>
+        </p:spPr>
+        <p:txBody>
+          <a:bodyPr anchor="b"/>
+          <a:lstStyle>
+            <a:lvl1pPr algn="ctr">
+              <a:defRPr sz="6000"/>
+            </a:lvl1pPr>
+          </a:lstStyle>
+          <a:p>
+            <a:r>
+              <a:rPr lang="zh-CN" altLang="en-US"/>
+              <a:t>单击此处编辑母版标题样式</a:t>
+            </a:r>
+          </a:p>
+        </p:txBody>
+      </p:sp>
+      <p:sp>
+        <p:nvSpPr>
+          <p:cNvPr id="3" name="副标题 2">
+            <a:extLst>
+              <a:ext uri="{FF2B5EF4-FFF2-40B4-BE49-F238E27FC236}">
+                <a16:creationId xmlns:a16="http://schemas.microsoft.com/office/drawing/2014/main" id="{16486B9A-1EAA-0658-C6AE-11EBF598C952}"/>
+              </a:ext>
+            </a:extLst>
+          </p:cNvPr>
+          <p:cNvSpPr>
+            <a:spLocks noGrp="1"/>
+          </p:cNvSpPr>
+          <p:nvPr>
+            <p:ph type="subTitle" idx="1"/>
+          </p:nvPr>
+        </p:nvSpPr>
+        <p:spPr>
+          <a:xfrm>
+            <a:off x="1524000" y="3602038"/>
+            <a:ext cx="9144000" cy="1655762"/>
+          </a:xfrm>
+        </p:spPr>
+        <p:txBody>
+          <a:bodyPr/>
+          <a:lstStyle>
+            <a:lvl1pPr marL="0" indent="0" algn="ctr">
+              <a:buNone/>
+              <a:defRPr sz="2400"/>
+            </a:lvl1pPr>
+            <a:lvl2pPr marL="457200" indent="0" algn="ctr">
+              <a:buNone/>
+              <a:defRPr sz="2000"/>
+            </a:lvl2pPr>
+            <a:lvl3pPr marL="914400" indent="0" algn="ctr">
+              <a:buNone/>
+              <a:defRPr sz="1800"/>
+            </a:lvl3pPr>
+            <a:lvl4pPr marL="1371600" indent="0" algn="ctr">
+              <a:buNone/>
+              <a:defRPr sz="1600"/>
+            </a:lvl4pPr>
+            <a:lvl5pPr marL="1828800" indent="0" algn="ctr">
+              <a:buNone/>
+              <a:defRPr sz="1600"/>
+            </a:lvl5pPr>
+            <a:lvl6pPr marL="2286000" indent="0" algn="ctr">
+              <a:buNone/>
+              <a:defRPr sz="1600"/>
+            </a:lvl6pPr>
+            <a:lvl7pPr marL="2743200" indent="0" algn="ctr">
+              <a:buNone/>
+              <a:defRPr sz="1600"/>
+            </a:lvl7pPr>
+            <a:lvl8pPr marL="3200400" indent="0" algn="ctr">
+              <a:buNone/>
+              <a:defRPr sz="1600"/>
+            </a:lvl8pPr>
+            <a:lvl9pPr marL="3657600" indent="0" algn="ctr">
+              <a:buNone/>
+              <a:defRPr sz="1600"/>
+            </a:lvl9pPr>
+          </a:lstStyle>
+          <a:p>
+            <a:r>
+              <a:rPr lang="zh-CN" altLang="en-US"/>
+              <a:t>单击此处编辑母版副标题样式</a:t>
+            </a:r>
+          </a:p>
+        </p:txBody>
+      </p:sp>
+      <p:sp>
+        <p:nvSpPr>
+          <p:cNvPr id="4" name="日期占位符 3">
+            <a:extLst>
+              <a:ext uri="{FF2B5EF4-FFF2-40B4-BE49-F238E27FC236}">
+                <a16:creationId xmlns:a16="http://schemas.microsoft.com/office/drawing/2014/main" id="{2153DB47-42BE-283B-9137-1AD5AD7CB0A1}"/>
+              </a:ext>
+            </a:extLst>
+          </p:cNvPr>
+          <p:cNvSpPr>
+            <a:spLocks noGrp="1"/>
+          </p:cNvSpPr>
+          <p:nvPr>
+            <p:ph type="dt" sz="half" idx="10"/>
+          </p:nvPr>
+        </p:nvSpPr>
+        <p:spPr/>
+        <p:txBody>
+          <a:bodyPr/>
+          <a:lstStyle/>
+          <a:p>
+            <a:fld id="{FA15884E-CCDC-4F76-8302-022391C33F35}" type="datetimeFigureOut">
+              <a:rPr lang="zh-CN" altLang="en-US" smtClean="0"/>
+              <a:t>2025/7/13</a:t>
+            </a:fld>
+            <a:endParaRPr lang="zh-CN" altLang="en-US"/>
+          </a:p>
+        </p:txBody>
+      </p:sp>
+      <p:sp>
+        <p:nvSpPr>
+          <p:cNvPr id="5" name="页脚占位符 4">
+            <a:extLst>
+              <a:ext uri="{FF2B5EF4-FFF2-40B4-BE49-F238E27FC236}">
+                <a16:creationId xmlns:a16="http://schemas.microsoft.com/office/drawing/2014/main" id="{39D94A23-2404-8C81-7D7F-05185369C5C8}"/>
+              </a:ext>
+            </a:extLst>
+          </p:cNvPr>
+          <p:cNvSpPr>
+            <a:spLocks noGrp="1"/>
+          </p:cNvSpPr>
+          <p:nvPr>
+            <p:ph type="ftr" sz="quarter" idx="11"/>
+          </p:nvPr>
+        </p:nvSpPr>
+        <p:spPr/>
+        <p:txBody>
+          <a:bodyPr/>
+          <a:lstStyle/>
+          <a:p>
+            <a:endParaRPr lang="zh-CN" altLang="en-US"/>
+          </a:p>
+        </p:txBody>
+      </p:sp>
+      <p:sp>
+        <p:nvSpPr>
+          <p:cNvPr id="6" name="灯片编号占位符 5">
+            <a:extLst>
+              <a:ext uri="{FF2B5EF4-FFF2-40B4-BE49-F238E27FC236}">
+                <a16:creationId xmlns:a16="http://schemas.microsoft.com/office/drawing/2014/main" id="{5D8C80CA-ADD6-BCDC-344C-09D67211F77B}"/>
+              </a:ext>
+            </a:extLst>
+          </p:cNvPr>
+          <p:cNvSpPr>
+            <a:spLocks noGrp="1"/>
+          </p:cNvSpPr>
+          <p:nvPr>
+            <p:ph type="sldNum" sz="quarter" idx="12"/>
+          </p:nvPr>
+        </p:nvSpPr>
+        <p:spPr/>
+        <p:txBody>
+          <a:bodyPr/>
+          <a:lstStyle/>
+          <a:p>
+            <a:fld id="{CFC2AFCB-56BD-4CD2-8271-89EDC912AF71}" type="slidenum">
+              <a:rPr lang="zh-CN" altLang="en-US" smtClean="0"/>
+              <a:t>‹#›</a:t>
+            </a:fld>
+            <a:endParaRPr lang="zh-CN" altLang="en-US"/>
+          </a:p>
+        </p:txBody>
+      </p:sp>
+    </p:spTree>
+    <p:extLst>
+      <p:ext uri="{BB962C8B-B14F-4D97-AF65-F5344CB8AC3E}">
+        <p14:creationId xmlns:p14="http://schemas.microsoft.com/office/powerpoint/2010/main" val="4114797600"/>
+      </p:ext>
+    </p:extLst>
+  </p:cSld>
+  <p:clrMapOvr>
+    <a:masterClrMapping/>
+  </p:clrMapOvr>
+</p:sldLayout>
+</file>
+
+<file path=ppt/slideLayouts/slideLayout14.xml><?xml version="1.0" encoding="utf-8"?>
+<p:sldLayout xmlns:a="http://schemas.openxmlformats.org/drawingml/2006/main" xmlns:r="http://schemas.openxmlformats.org/officeDocument/2006/relationships" xmlns:p="http://schemas.openxmlformats.org/presentationml/2006/main" type="obj" preserve="1">
+  <p:cSld name="标题和内容">
+    <p:spTree>
+      <p:nvGrpSpPr>
+        <p:cNvPr id="1" name=""/>
+        <p:cNvGrpSpPr/>
+        <p:nvPr/>
+      </p:nvGrpSpPr>
+      <p:grpSpPr>
+        <a:xfrm>
+          <a:off x="0" y="0"/>
+          <a:ext cx="0" cy="0"/>
+          <a:chOff x="0" y="0"/>
+          <a:chExt cx="0" cy="0"/>
+        </a:xfrm>
+      </p:grpSpPr>
+      <p:sp>
+        <p:nvSpPr>
+          <p:cNvPr id="2" name="标题 1">
+            <a:extLst>
+              <a:ext uri="{FF2B5EF4-FFF2-40B4-BE49-F238E27FC236}">
+                <a16:creationId xmlns:a16="http://schemas.microsoft.com/office/drawing/2014/main" id="{DD376541-CF74-4B82-00E8-5BF3E020560D}"/>
+              </a:ext>
+            </a:extLst>
+          </p:cNvPr>
+          <p:cNvSpPr>
+            <a:spLocks noGrp="1"/>
+          </p:cNvSpPr>
+          <p:nvPr>
+            <p:ph type="title"/>
+          </p:nvPr>
+        </p:nvSpPr>
+        <p:spPr/>
+        <p:txBody>
+          <a:bodyPr/>
+          <a:lstStyle/>
+          <a:p>
+            <a:r>
+              <a:rPr lang="zh-CN" altLang="en-US"/>
+              <a:t>单击此处编辑母版标题样式</a:t>
+            </a:r>
+          </a:p>
+        </p:txBody>
+      </p:sp>
+      <p:sp>
+        <p:nvSpPr>
+          <p:cNvPr id="3" name="内容占位符 2">
+            <a:extLst>
+              <a:ext uri="{FF2B5EF4-FFF2-40B4-BE49-F238E27FC236}">
+                <a16:creationId xmlns:a16="http://schemas.microsoft.com/office/drawing/2014/main" id="{40402024-7D51-6BFE-A244-66DF3F65A31C}"/>
+              </a:ext>
+            </a:extLst>
+          </p:cNvPr>
+          <p:cNvSpPr>
+            <a:spLocks noGrp="1"/>
+          </p:cNvSpPr>
+          <p:nvPr>
+            <p:ph idx="1"/>
+          </p:nvPr>
+        </p:nvSpPr>
+        <p:spPr/>
+        <p:txBody>
+          <a:bodyPr/>
+          <a:lstStyle/>
+          <a:p>
+            <a:pPr lvl="0"/>
+            <a:r>
+              <a:rPr lang="zh-CN" altLang="en-US"/>
+              <a:t>单击此处编辑母版文本样式</a:t>
+            </a:r>
+          </a:p>
+          <a:p>
+            <a:pPr lvl="1"/>
+            <a:r>
+              <a:rPr lang="zh-CN" altLang="en-US"/>
+              <a:t>二级</a:t>
+            </a:r>
+          </a:p>
+          <a:p>
+            <a:pPr lvl="2"/>
+            <a:r>
+              <a:rPr lang="zh-CN" altLang="en-US"/>
+              <a:t>三级</a:t>
+            </a:r>
+          </a:p>
+          <a:p>
+            <a:pPr lvl="3"/>
+            <a:r>
+              <a:rPr lang="zh-CN" altLang="en-US"/>
+              <a:t>四级</a:t>
+            </a:r>
+          </a:p>
+          <a:p>
+            <a:pPr lvl="4"/>
+            <a:r>
+              <a:rPr lang="zh-CN" altLang="en-US"/>
+              <a:t>五级</a:t>
+            </a:r>
+          </a:p>
+        </p:txBody>
+      </p:sp>
+      <p:sp>
+        <p:nvSpPr>
+          <p:cNvPr id="4" name="日期占位符 3">
+            <a:extLst>
+              <a:ext uri="{FF2B5EF4-FFF2-40B4-BE49-F238E27FC236}">
+                <a16:creationId xmlns:a16="http://schemas.microsoft.com/office/drawing/2014/main" id="{222CBB54-B545-89FF-C22E-73F3C158BF40}"/>
+              </a:ext>
+            </a:extLst>
+          </p:cNvPr>
+          <p:cNvSpPr>
+            <a:spLocks noGrp="1"/>
+          </p:cNvSpPr>
+          <p:nvPr>
+            <p:ph type="dt" sz="half" idx="10"/>
+          </p:nvPr>
+        </p:nvSpPr>
+        <p:spPr/>
+        <p:txBody>
+          <a:bodyPr/>
+          <a:lstStyle/>
+          <a:p>
+            <a:fld id="{FA15884E-CCDC-4F76-8302-022391C33F35}" type="datetimeFigureOut">
+              <a:rPr lang="zh-CN" altLang="en-US" smtClean="0"/>
+              <a:t>2025/7/13</a:t>
+            </a:fld>
+            <a:endParaRPr lang="zh-CN" altLang="en-US"/>
+          </a:p>
+        </p:txBody>
+      </p:sp>
+      <p:sp>
+        <p:nvSpPr>
+          <p:cNvPr id="5" name="页脚占位符 4">
+            <a:extLst>
+              <a:ext uri="{FF2B5EF4-FFF2-40B4-BE49-F238E27FC236}">
+                <a16:creationId xmlns:a16="http://schemas.microsoft.com/office/drawing/2014/main" id="{9D06EDED-B982-E75A-CD35-1F4DB6616DE6}"/>
+              </a:ext>
+            </a:extLst>
+          </p:cNvPr>
+          <p:cNvSpPr>
+            <a:spLocks noGrp="1"/>
+          </p:cNvSpPr>
+          <p:nvPr>
+            <p:ph type="ftr" sz="quarter" idx="11"/>
+          </p:nvPr>
+        </p:nvSpPr>
+        <p:spPr/>
+        <p:txBody>
+          <a:bodyPr/>
+          <a:lstStyle/>
+          <a:p>
+            <a:endParaRPr lang="zh-CN" altLang="en-US"/>
+          </a:p>
+        </p:txBody>
+      </p:sp>
+      <p:sp>
+        <p:nvSpPr>
+          <p:cNvPr id="6" name="灯片编号占位符 5">
+            <a:extLst>
+              <a:ext uri="{FF2B5EF4-FFF2-40B4-BE49-F238E27FC236}">
+                <a16:creationId xmlns:a16="http://schemas.microsoft.com/office/drawing/2014/main" id="{464B56C0-A06A-5E35-8D85-3F0760C537CF}"/>
+              </a:ext>
+            </a:extLst>
+          </p:cNvPr>
+          <p:cNvSpPr>
+            <a:spLocks noGrp="1"/>
+          </p:cNvSpPr>
+          <p:nvPr>
+            <p:ph type="sldNum" sz="quarter" idx="12"/>
+          </p:nvPr>
+        </p:nvSpPr>
+        <p:spPr/>
+        <p:txBody>
+          <a:bodyPr/>
+          <a:lstStyle/>
+          <a:p>
+            <a:fld id="{CFC2AFCB-56BD-4CD2-8271-89EDC912AF71}" type="slidenum">
+              <a:rPr lang="zh-CN" altLang="en-US" smtClean="0"/>
+              <a:t>‹#›</a:t>
+            </a:fld>
+            <a:endParaRPr lang="zh-CN" altLang="en-US"/>
+          </a:p>
+        </p:txBody>
+      </p:sp>
+    </p:spTree>
+    <p:extLst>
+      <p:ext uri="{BB962C8B-B14F-4D97-AF65-F5344CB8AC3E}">
+        <p14:creationId xmlns:p14="http://schemas.microsoft.com/office/powerpoint/2010/main" val="722354195"/>
+      </p:ext>
+    </p:extLst>
+  </p:cSld>
+  <p:clrMapOvr>
+    <a:masterClrMapping/>
+  </p:clrMapOvr>
+</p:sldLayout>
+</file>
+
+<file path=ppt/slideLayouts/slideLayout15.xml><?xml version="1.0" encoding="utf-8"?>
+<p:sldLayout xmlns:a="http://schemas.openxmlformats.org/drawingml/2006/main" xmlns:r="http://schemas.openxmlformats.org/officeDocument/2006/relationships" xmlns:p="http://schemas.openxmlformats.org/presentationml/2006/main" type="secHead" preserve="1">
+  <p:cSld name="节标题">
+    <p:spTree>
+      <p:nvGrpSpPr>
+        <p:cNvPr id="1" name=""/>
+        <p:cNvGrpSpPr/>
+        <p:nvPr/>
+      </p:nvGrpSpPr>
+      <p:grpSpPr>
+        <a:xfrm>
+          <a:off x="0" y="0"/>
+          <a:ext cx="0" cy="0"/>
+          <a:chOff x="0" y="0"/>
+          <a:chExt cx="0" cy="0"/>
+        </a:xfrm>
+      </p:grpSpPr>
+      <p:sp>
+        <p:nvSpPr>
+          <p:cNvPr id="2" name="标题 1">
+            <a:extLst>
+              <a:ext uri="{FF2B5EF4-FFF2-40B4-BE49-F238E27FC236}">
+                <a16:creationId xmlns:a16="http://schemas.microsoft.com/office/drawing/2014/main" id="{C409B44D-C74E-5649-E430-415856184793}"/>
+              </a:ext>
+            </a:extLst>
+          </p:cNvPr>
+          <p:cNvSpPr>
+            <a:spLocks noGrp="1"/>
+          </p:cNvSpPr>
+          <p:nvPr>
+            <p:ph type="title"/>
+          </p:nvPr>
+        </p:nvSpPr>
+        <p:spPr>
+          <a:xfrm>
+            <a:off x="831850" y="1709738"/>
+            <a:ext cx="10515600" cy="2852737"/>
+          </a:xfrm>
+        </p:spPr>
+        <p:txBody>
+          <a:bodyPr anchor="b"/>
+          <a:lstStyle>
+            <a:lvl1pPr>
+              <a:defRPr sz="6000"/>
+            </a:lvl1pPr>
+          </a:lstStyle>
+          <a:p>
+            <a:r>
+              <a:rPr lang="zh-CN" altLang="en-US"/>
+              <a:t>单击此处编辑母版标题样式</a:t>
+            </a:r>
+          </a:p>
+        </p:txBody>
+      </p:sp>
+      <p:sp>
+        <p:nvSpPr>
+          <p:cNvPr id="3" name="文本占位符 2">
+            <a:extLst>
+              <a:ext uri="{FF2B5EF4-FFF2-40B4-BE49-F238E27FC236}">
+                <a16:creationId xmlns:a16="http://schemas.microsoft.com/office/drawing/2014/main" id="{F38C356E-A1EC-EA70-DF2D-DAAEC49865E8}"/>
+              </a:ext>
+            </a:extLst>
+          </p:cNvPr>
+          <p:cNvSpPr>
+            <a:spLocks noGrp="1"/>
+          </p:cNvSpPr>
+          <p:nvPr>
+            <p:ph type="body" idx="1"/>
+          </p:nvPr>
+        </p:nvSpPr>
+        <p:spPr>
+          <a:xfrm>
+            <a:off x="831850" y="4589463"/>
+            <a:ext cx="10515600" cy="1500187"/>
+          </a:xfrm>
+        </p:spPr>
+        <p:txBody>
+          <a:bodyPr/>
+          <a:lstStyle>
+            <a:lvl1pPr marL="0" indent="0">
+              <a:buNone/>
+              <a:defRPr sz="2400">
+                <a:solidFill>
+                  <a:schemeClr val="tx1">
+                    <a:tint val="75000"/>
+                  </a:schemeClr>
+                </a:solidFill>
+              </a:defRPr>
+            </a:lvl1pPr>
+            <a:lvl2pPr marL="457200" indent="0">
+              <a:buNone/>
+              <a:defRPr sz="2000">
+                <a:solidFill>
+                  <a:schemeClr val="tx1">
+                    <a:tint val="75000"/>
+                  </a:schemeClr>
+                </a:solidFill>
+              </a:defRPr>
+            </a:lvl2pPr>
+            <a:lvl3pPr marL="914400" indent="0">
+              <a:buNone/>
+              <a:defRPr sz="1800">
+                <a:solidFill>
+                  <a:schemeClr val="tx1">
+                    <a:tint val="75000"/>
+                  </a:schemeClr>
+                </a:solidFill>
+              </a:defRPr>
+            </a:lvl3pPr>
+            <a:lvl4pPr marL="1371600" indent="0">
+              <a:buNone/>
+              <a:defRPr sz="1600">
+                <a:solidFill>
+                  <a:schemeClr val="tx1">
+                    <a:tint val="75000"/>
+                  </a:schemeClr>
+                </a:solidFill>
+              </a:defRPr>
+            </a:lvl4pPr>
+            <a:lvl5pPr marL="1828800" indent="0">
+              <a:buNone/>
+              <a:defRPr sz="1600">
+                <a:solidFill>
+                  <a:schemeClr val="tx1">
+                    <a:tint val="75000"/>
+                  </a:schemeClr>
+                </a:solidFill>
+              </a:defRPr>
+            </a:lvl5pPr>
+            <a:lvl6pPr marL="2286000" indent="0">
+              <a:buNone/>
+              <a:defRPr sz="1600">
+                <a:solidFill>
+                  <a:schemeClr val="tx1">
+                    <a:tint val="75000"/>
+                  </a:schemeClr>
+                </a:solidFill>
+              </a:defRPr>
+            </a:lvl6pPr>
+            <a:lvl7pPr marL="2743200" indent="0">
+              <a:buNone/>
+              <a:defRPr sz="1600">
+                <a:solidFill>
+                  <a:schemeClr val="tx1">
+                    <a:tint val="75000"/>
+                  </a:schemeClr>
+                </a:solidFill>
+              </a:defRPr>
+            </a:lvl7pPr>
+            <a:lvl8pPr marL="3200400" indent="0">
+              <a:buNone/>
+              <a:defRPr sz="1600">
+                <a:solidFill>
+                  <a:schemeClr val="tx1">
+                    <a:tint val="75000"/>
+                  </a:schemeClr>
+                </a:solidFill>
+              </a:defRPr>
+            </a:lvl8pPr>
+            <a:lvl9pPr marL="3657600" indent="0">
+              <a:buNone/>
+              <a:defRPr sz="1600">
+                <a:solidFill>
+                  <a:schemeClr val="tx1">
+                    <a:tint val="75000"/>
+                  </a:schemeClr>
+                </a:solidFill>
+              </a:defRPr>
+            </a:lvl9pPr>
+          </a:lstStyle>
+          <a:p>
+            <a:pPr lvl="0"/>
+            <a:r>
+              <a:rPr lang="zh-CN" altLang="en-US"/>
+              <a:t>单击此处编辑母版文本样式</a:t>
+            </a:r>
+          </a:p>
+        </p:txBody>
+      </p:sp>
+      <p:sp>
+        <p:nvSpPr>
+          <p:cNvPr id="4" name="日期占位符 3">
+            <a:extLst>
+              <a:ext uri="{FF2B5EF4-FFF2-40B4-BE49-F238E27FC236}">
+                <a16:creationId xmlns:a16="http://schemas.microsoft.com/office/drawing/2014/main" id="{A3D831C4-6546-F953-D543-8908363E1A35}"/>
+              </a:ext>
+            </a:extLst>
+          </p:cNvPr>
+          <p:cNvSpPr>
+            <a:spLocks noGrp="1"/>
+          </p:cNvSpPr>
+          <p:nvPr>
+            <p:ph type="dt" sz="half" idx="10"/>
+          </p:nvPr>
+        </p:nvSpPr>
+        <p:spPr/>
+        <p:txBody>
+          <a:bodyPr/>
+          <a:lstStyle/>
+          <a:p>
+            <a:fld id="{FA15884E-CCDC-4F76-8302-022391C33F35}" type="datetimeFigureOut">
+              <a:rPr lang="zh-CN" altLang="en-US" smtClean="0"/>
+              <a:t>2025/7/13</a:t>
+            </a:fld>
+            <a:endParaRPr lang="zh-CN" altLang="en-US"/>
+          </a:p>
+        </p:txBody>
+      </p:sp>
+      <p:sp>
+        <p:nvSpPr>
+          <p:cNvPr id="5" name="页脚占位符 4">
+            <a:extLst>
+              <a:ext uri="{FF2B5EF4-FFF2-40B4-BE49-F238E27FC236}">
+                <a16:creationId xmlns:a16="http://schemas.microsoft.com/office/drawing/2014/main" id="{03611B14-3B89-A790-BDB1-5C2B7C634BF6}"/>
+              </a:ext>
+            </a:extLst>
+          </p:cNvPr>
+          <p:cNvSpPr>
+            <a:spLocks noGrp="1"/>
+          </p:cNvSpPr>
+          <p:nvPr>
+            <p:ph type="ftr" sz="quarter" idx="11"/>
+          </p:nvPr>
+        </p:nvSpPr>
+        <p:spPr/>
+        <p:txBody>
+          <a:bodyPr/>
+          <a:lstStyle/>
+          <a:p>
+            <a:endParaRPr lang="zh-CN" altLang="en-US"/>
+          </a:p>
+        </p:txBody>
+      </p:sp>
+      <p:sp>
+        <p:nvSpPr>
+          <p:cNvPr id="6" name="灯片编号占位符 5">
+            <a:extLst>
+              <a:ext uri="{FF2B5EF4-FFF2-40B4-BE49-F238E27FC236}">
+                <a16:creationId xmlns:a16="http://schemas.microsoft.com/office/drawing/2014/main" id="{B43AB6A7-4857-76FD-2FA0-96F65782A9DB}"/>
+              </a:ext>
+            </a:extLst>
+          </p:cNvPr>
+          <p:cNvSpPr>
+            <a:spLocks noGrp="1"/>
+          </p:cNvSpPr>
+          <p:nvPr>
+            <p:ph type="sldNum" sz="quarter" idx="12"/>
+          </p:nvPr>
+        </p:nvSpPr>
+        <p:spPr/>
+        <p:txBody>
+          <a:bodyPr/>
+          <a:lstStyle/>
+          <a:p>
+            <a:fld id="{CFC2AFCB-56BD-4CD2-8271-89EDC912AF71}" type="slidenum">
+              <a:rPr lang="zh-CN" altLang="en-US" smtClean="0"/>
+              <a:t>‹#›</a:t>
+            </a:fld>
+            <a:endParaRPr lang="zh-CN" altLang="en-US"/>
+          </a:p>
+        </p:txBody>
+      </p:sp>
+    </p:spTree>
+    <p:extLst>
+      <p:ext uri="{BB962C8B-B14F-4D97-AF65-F5344CB8AC3E}">
+        <p14:creationId xmlns:p14="http://schemas.microsoft.com/office/powerpoint/2010/main" val="2792854491"/>
+      </p:ext>
+    </p:extLst>
+  </p:cSld>
+  <p:clrMapOvr>
+    <a:masterClrMapping/>
+  </p:clrMapOvr>
+</p:sldLayout>
+</file>
+
+<file path=ppt/slideLayouts/slideLayout16.xml><?xml version="1.0" encoding="utf-8"?>
+<p:sldLayout xmlns:a="http://schemas.openxmlformats.org/drawingml/2006/main" xmlns:r="http://schemas.openxmlformats.org/officeDocument/2006/relationships" xmlns:p="http://schemas.openxmlformats.org/presentationml/2006/main" type="twoObj" preserve="1">
+  <p:cSld name="两栏内容">
+    <p:spTree>
+      <p:nvGrpSpPr>
+        <p:cNvPr id="1" name=""/>
+        <p:cNvGrpSpPr/>
+        <p:nvPr/>
+      </p:nvGrpSpPr>
+      <p:grpSpPr>
+        <a:xfrm>
+          <a:off x="0" y="0"/>
+          <a:ext cx="0" cy="0"/>
+          <a:chOff x="0" y="0"/>
+          <a:chExt cx="0" cy="0"/>
+        </a:xfrm>
+      </p:grpSpPr>
+      <p:sp>
+        <p:nvSpPr>
+          <p:cNvPr id="2" name="标题 1">
+            <a:extLst>
+              <a:ext uri="{FF2B5EF4-FFF2-40B4-BE49-F238E27FC236}">
+                <a16:creationId xmlns:a16="http://schemas.microsoft.com/office/drawing/2014/main" id="{FCECE427-9079-6E66-9DEE-65985F0AE00D}"/>
+              </a:ext>
+            </a:extLst>
+          </p:cNvPr>
+          <p:cNvSpPr>
+            <a:spLocks noGrp="1"/>
+          </p:cNvSpPr>
+          <p:nvPr>
+            <p:ph type="title"/>
+          </p:nvPr>
+        </p:nvSpPr>
+        <p:spPr/>
+        <p:txBody>
+          <a:bodyPr/>
+          <a:lstStyle/>
+          <a:p>
+            <a:r>
+              <a:rPr lang="zh-CN" altLang="en-US"/>
+              <a:t>单击此处编辑母版标题样式</a:t>
+            </a:r>
+          </a:p>
+        </p:txBody>
+      </p:sp>
+      <p:sp>
+        <p:nvSpPr>
+          <p:cNvPr id="3" name="内容占位符 2">
+            <a:extLst>
+              <a:ext uri="{FF2B5EF4-FFF2-40B4-BE49-F238E27FC236}">
+                <a16:creationId xmlns:a16="http://schemas.microsoft.com/office/drawing/2014/main" id="{D9B101C3-08A9-3FEC-03F0-217FC11DC6A6}"/>
+              </a:ext>
+            </a:extLst>
+          </p:cNvPr>
+          <p:cNvSpPr>
+            <a:spLocks noGrp="1"/>
+          </p:cNvSpPr>
+          <p:nvPr>
+            <p:ph sz="half" idx="1"/>
+          </p:nvPr>
+        </p:nvSpPr>
+        <p:spPr>
+          <a:xfrm>
+            <a:off x="838200" y="1825625"/>
+            <a:ext cx="5181600" cy="4351338"/>
+          </a:xfrm>
+        </p:spPr>
+        <p:txBody>
+          <a:bodyPr/>
+          <a:lstStyle/>
+          <a:p>
+            <a:pPr lvl="0"/>
+            <a:r>
+              <a:rPr lang="zh-CN" altLang="en-US"/>
+              <a:t>单击此处编辑母版文本样式</a:t>
+            </a:r>
+          </a:p>
+          <a:p>
+            <a:pPr lvl="1"/>
+            <a:r>
+              <a:rPr lang="zh-CN" altLang="en-US"/>
+              <a:t>二级</a:t>
+            </a:r>
+          </a:p>
+          <a:p>
+            <a:pPr lvl="2"/>
+            <a:r>
+              <a:rPr lang="zh-CN" altLang="en-US"/>
+              <a:t>三级</a:t>
+            </a:r>
+          </a:p>
+          <a:p>
+            <a:pPr lvl="3"/>
+            <a:r>
+              <a:rPr lang="zh-CN" altLang="en-US"/>
+              <a:t>四级</a:t>
+            </a:r>
+          </a:p>
+          <a:p>
+            <a:pPr lvl="4"/>
+            <a:r>
+              <a:rPr lang="zh-CN" altLang="en-US"/>
+              <a:t>五级</a:t>
+            </a:r>
+          </a:p>
+        </p:txBody>
+      </p:sp>
+      <p:sp>
+        <p:nvSpPr>
+          <p:cNvPr id="4" name="内容占位符 3">
+            <a:extLst>
+              <a:ext uri="{FF2B5EF4-FFF2-40B4-BE49-F238E27FC236}">
+                <a16:creationId xmlns:a16="http://schemas.microsoft.com/office/drawing/2014/main" id="{A6461E67-F15A-699D-2A1B-C160289207C6}"/>
+              </a:ext>
+            </a:extLst>
+          </p:cNvPr>
+          <p:cNvSpPr>
+            <a:spLocks noGrp="1"/>
+          </p:cNvSpPr>
+          <p:nvPr>
+            <p:ph sz="half" idx="2"/>
+          </p:nvPr>
+        </p:nvSpPr>
+        <p:spPr>
+          <a:xfrm>
+            <a:off x="6172200" y="1825625"/>
+            <a:ext cx="5181600" cy="4351338"/>
+          </a:xfrm>
+        </p:spPr>
+        <p:txBody>
+          <a:bodyPr/>
+          <a:lstStyle/>
+          <a:p>
+            <a:pPr lvl="0"/>
+            <a:r>
+              <a:rPr lang="zh-CN" altLang="en-US"/>
+              <a:t>单击此处编辑母版文本样式</a:t>
+            </a:r>
+          </a:p>
+          <a:p>
+            <a:pPr lvl="1"/>
+            <a:r>
+              <a:rPr lang="zh-CN" altLang="en-US"/>
+              <a:t>二级</a:t>
+            </a:r>
+          </a:p>
+          <a:p>
+            <a:pPr lvl="2"/>
+            <a:r>
+              <a:rPr lang="zh-CN" altLang="en-US"/>
+              <a:t>三级</a:t>
+            </a:r>
+          </a:p>
+          <a:p>
+            <a:pPr lvl="3"/>
+            <a:r>
+              <a:rPr lang="zh-CN" altLang="en-US"/>
+              <a:t>四级</a:t>
+            </a:r>
+          </a:p>
+          <a:p>
+            <a:pPr lvl="4"/>
+            <a:r>
+              <a:rPr lang="zh-CN" altLang="en-US"/>
+              <a:t>五级</a:t>
+            </a:r>
+          </a:p>
+        </p:txBody>
+      </p:sp>
+      <p:sp>
+        <p:nvSpPr>
+          <p:cNvPr id="5" name="日期占位符 4">
+            <a:extLst>
+              <a:ext uri="{FF2B5EF4-FFF2-40B4-BE49-F238E27FC236}">
+                <a16:creationId xmlns:a16="http://schemas.microsoft.com/office/drawing/2014/main" id="{E40F85E1-D48A-9EB0-AE45-CD48EA0B621F}"/>
+              </a:ext>
+            </a:extLst>
+          </p:cNvPr>
+          <p:cNvSpPr>
+            <a:spLocks noGrp="1"/>
+          </p:cNvSpPr>
+          <p:nvPr>
+            <p:ph type="dt" sz="half" idx="10"/>
+          </p:nvPr>
+        </p:nvSpPr>
+        <p:spPr/>
+        <p:txBody>
+          <a:bodyPr/>
+          <a:lstStyle/>
+          <a:p>
+            <a:fld id="{FA15884E-CCDC-4F76-8302-022391C33F35}" type="datetimeFigureOut">
+              <a:rPr lang="zh-CN" altLang="en-US" smtClean="0"/>
+              <a:t>2025/7/13</a:t>
+            </a:fld>
+            <a:endParaRPr lang="zh-CN" altLang="en-US"/>
+          </a:p>
+        </p:txBody>
+      </p:sp>
+      <p:sp>
+        <p:nvSpPr>
+          <p:cNvPr id="6" name="页脚占位符 5">
+            <a:extLst>
+              <a:ext uri="{FF2B5EF4-FFF2-40B4-BE49-F238E27FC236}">
+                <a16:creationId xmlns:a16="http://schemas.microsoft.com/office/drawing/2014/main" id="{127D89F5-A36D-D641-350F-21916060C12C}"/>
+              </a:ext>
+            </a:extLst>
+          </p:cNvPr>
+          <p:cNvSpPr>
+            <a:spLocks noGrp="1"/>
+          </p:cNvSpPr>
+          <p:nvPr>
+            <p:ph type="ftr" sz="quarter" idx="11"/>
+          </p:nvPr>
+        </p:nvSpPr>
+        <p:spPr/>
+        <p:txBody>
+          <a:bodyPr/>
+          <a:lstStyle/>
+          <a:p>
+            <a:endParaRPr lang="zh-CN" altLang="en-US"/>
+          </a:p>
+        </p:txBody>
+      </p:sp>
+      <p:sp>
+        <p:nvSpPr>
+          <p:cNvPr id="7" name="灯片编号占位符 6">
+            <a:extLst>
+              <a:ext uri="{FF2B5EF4-FFF2-40B4-BE49-F238E27FC236}">
+                <a16:creationId xmlns:a16="http://schemas.microsoft.com/office/drawing/2014/main" id="{434883C0-836F-DAF7-E85B-24783B3410C8}"/>
+              </a:ext>
+            </a:extLst>
+          </p:cNvPr>
+          <p:cNvSpPr>
+            <a:spLocks noGrp="1"/>
+          </p:cNvSpPr>
+          <p:nvPr>
+            <p:ph type="sldNum" sz="quarter" idx="12"/>
+          </p:nvPr>
+        </p:nvSpPr>
+        <p:spPr/>
+        <p:txBody>
+          <a:bodyPr/>
+          <a:lstStyle/>
+          <a:p>
+            <a:fld id="{CFC2AFCB-56BD-4CD2-8271-89EDC912AF71}" type="slidenum">
+              <a:rPr lang="zh-CN" altLang="en-US" smtClean="0"/>
+              <a:t>‹#›</a:t>
+            </a:fld>
+            <a:endParaRPr lang="zh-CN" altLang="en-US"/>
+          </a:p>
+        </p:txBody>
+      </p:sp>
+    </p:spTree>
+    <p:extLst>
+      <p:ext uri="{BB962C8B-B14F-4D97-AF65-F5344CB8AC3E}">
+        <p14:creationId xmlns:p14="http://schemas.microsoft.com/office/powerpoint/2010/main" val="2916399673"/>
+      </p:ext>
+    </p:extLst>
+  </p:cSld>
+  <p:clrMapOvr>
+    <a:masterClrMapping/>
+  </p:clrMapOvr>
+</p:sldLayout>
+</file>
+
+<file path=ppt/slideLayouts/slideLayout17.xml><?xml version="1.0" encoding="utf-8"?>
+<p:sldLayout xmlns:a="http://schemas.openxmlformats.org/drawingml/2006/main" xmlns:r="http://schemas.openxmlformats.org/officeDocument/2006/relationships" xmlns:p="http://schemas.openxmlformats.org/presentationml/2006/main" type="twoTxTwoObj" preserve="1">
+  <p:cSld name="比较">
+    <p:spTree>
+      <p:nvGrpSpPr>
+        <p:cNvPr id="1" name=""/>
+        <p:cNvGrpSpPr/>
+        <p:nvPr/>
+      </p:nvGrpSpPr>
+      <p:grpSpPr>
+        <a:xfrm>
+          <a:off x="0" y="0"/>
+          <a:ext cx="0" cy="0"/>
+          <a:chOff x="0" y="0"/>
+          <a:chExt cx="0" cy="0"/>
+        </a:xfrm>
+      </p:grpSpPr>
+      <p:sp>
+        <p:nvSpPr>
+          <p:cNvPr id="2" name="标题 1">
+            <a:extLst>
+              <a:ext uri="{FF2B5EF4-FFF2-40B4-BE49-F238E27FC236}">
+                <a16:creationId xmlns:a16="http://schemas.microsoft.com/office/drawing/2014/main" id="{E99D037D-6BED-30DF-CE7A-5A57A6E96783}"/>
+              </a:ext>
+            </a:extLst>
+          </p:cNvPr>
+          <p:cNvSpPr>
+            <a:spLocks noGrp="1"/>
+          </p:cNvSpPr>
+          <p:nvPr>
+            <p:ph type="title"/>
+          </p:nvPr>
+        </p:nvSpPr>
+        <p:spPr>
+          <a:xfrm>
+            <a:off x="839788" y="365125"/>
+            <a:ext cx="10515600" cy="1325563"/>
+          </a:xfrm>
+        </p:spPr>
+        <p:txBody>
+          <a:bodyPr/>
+          <a:lstStyle/>
+          <a:p>
+            <a:r>
+              <a:rPr lang="zh-CN" altLang="en-US"/>
+              <a:t>单击此处编辑母版标题样式</a:t>
+            </a:r>
+          </a:p>
+        </p:txBody>
+      </p:sp>
+      <p:sp>
+        <p:nvSpPr>
+          <p:cNvPr id="3" name="文本占位符 2">
+            <a:extLst>
+              <a:ext uri="{FF2B5EF4-FFF2-40B4-BE49-F238E27FC236}">
+                <a16:creationId xmlns:a16="http://schemas.microsoft.com/office/drawing/2014/main" id="{93C440CF-345A-06F8-A50A-3A4D92DF170E}"/>
+              </a:ext>
+            </a:extLst>
+          </p:cNvPr>
+          <p:cNvSpPr>
+            <a:spLocks noGrp="1"/>
+          </p:cNvSpPr>
+          <p:nvPr>
+            <p:ph type="body" idx="1"/>
+          </p:nvPr>
+        </p:nvSpPr>
+        <p:spPr>
+          <a:xfrm>
+            <a:off x="839788" y="1681163"/>
+            <a:ext cx="5157787" cy="823912"/>
+          </a:xfrm>
+        </p:spPr>
+        <p:txBody>
+          <a:bodyPr anchor="b"/>
+          <a:lstStyle>
+            <a:lvl1pPr marL="0" indent="0">
+              <a:buNone/>
+              <a:defRPr sz="2400" b="1"/>
+            </a:lvl1pPr>
+            <a:lvl2pPr marL="457200" indent="0">
+              <a:buNone/>
+              <a:defRPr sz="2000" b="1"/>
+            </a:lvl2pPr>
+            <a:lvl3pPr marL="914400" indent="0">
+              <a:buNone/>
+              <a:defRPr sz="1800" b="1"/>
+            </a:lvl3pPr>
+            <a:lvl4pPr marL="1371600" indent="0">
+              <a:buNone/>
+              <a:defRPr sz="1600" b="1"/>
+            </a:lvl4pPr>
+            <a:lvl5pPr marL="1828800" indent="0">
+              <a:buNone/>
+              <a:defRPr sz="1600" b="1"/>
+            </a:lvl5pPr>
+            <a:lvl6pPr marL="2286000" indent="0">
+              <a:buNone/>
+              <a:defRPr sz="1600" b="1"/>
+            </a:lvl6pPr>
+            <a:lvl7pPr marL="2743200" indent="0">
+              <a:buNone/>
+              <a:defRPr sz="1600" b="1"/>
+            </a:lvl7pPr>
+            <a:lvl8pPr marL="3200400" indent="0">
+              <a:buNone/>
+              <a:defRPr sz="1600" b="1"/>
+            </a:lvl8pPr>
+            <a:lvl9pPr marL="3657600" indent="0">
+              <a:buNone/>
+              <a:defRPr sz="1600" b="1"/>
+            </a:lvl9pPr>
+          </a:lstStyle>
+          <a:p>
+            <a:pPr lvl="0"/>
+            <a:r>
+              <a:rPr lang="zh-CN" altLang="en-US"/>
+              <a:t>单击此处编辑母版文本样式</a:t>
+            </a:r>
+          </a:p>
+        </p:txBody>
+      </p:sp>
+      <p:sp>
+        <p:nvSpPr>
+          <p:cNvPr id="4" name="内容占位符 3">
+            <a:extLst>
+              <a:ext uri="{FF2B5EF4-FFF2-40B4-BE49-F238E27FC236}">
+                <a16:creationId xmlns:a16="http://schemas.microsoft.com/office/drawing/2014/main" id="{54A1C303-F2D7-5261-609B-C123DB7EADBA}"/>
+              </a:ext>
+            </a:extLst>
+          </p:cNvPr>
+          <p:cNvSpPr>
+            <a:spLocks noGrp="1"/>
+          </p:cNvSpPr>
+          <p:nvPr>
+            <p:ph sz="half" idx="2"/>
+          </p:nvPr>
+        </p:nvSpPr>
+        <p:spPr>
+          <a:xfrm>
+            <a:off x="839788" y="2505075"/>
+            <a:ext cx="5157787" cy="3684588"/>
+          </a:xfrm>
+        </p:spPr>
+        <p:txBody>
+          <a:bodyPr/>
+          <a:lstStyle/>
+          <a:p>
+            <a:pPr lvl="0"/>
+            <a:r>
+              <a:rPr lang="zh-CN" altLang="en-US"/>
+              <a:t>单击此处编辑母版文本样式</a:t>
+            </a:r>
+          </a:p>
+          <a:p>
+            <a:pPr lvl="1"/>
+            <a:r>
+              <a:rPr lang="zh-CN" altLang="en-US"/>
+              <a:t>二级</a:t>
+            </a:r>
+          </a:p>
+          <a:p>
+            <a:pPr lvl="2"/>
+            <a:r>
+              <a:rPr lang="zh-CN" altLang="en-US"/>
+              <a:t>三级</a:t>
+            </a:r>
+          </a:p>
+          <a:p>
+            <a:pPr lvl="3"/>
+            <a:r>
+              <a:rPr lang="zh-CN" altLang="en-US"/>
+              <a:t>四级</a:t>
+            </a:r>
+          </a:p>
+          <a:p>
+            <a:pPr lvl="4"/>
+            <a:r>
+              <a:rPr lang="zh-CN" altLang="en-US"/>
+              <a:t>五级</a:t>
+            </a:r>
+          </a:p>
+        </p:txBody>
+      </p:sp>
+      <p:sp>
+        <p:nvSpPr>
+          <p:cNvPr id="5" name="文本占位符 4">
+            <a:extLst>
+              <a:ext uri="{FF2B5EF4-FFF2-40B4-BE49-F238E27FC236}">
+                <a16:creationId xmlns:a16="http://schemas.microsoft.com/office/drawing/2014/main" id="{19F495E2-0DDF-E4F2-71AF-7D45D90662D3}"/>
+              </a:ext>
+            </a:extLst>
+          </p:cNvPr>
+          <p:cNvSpPr>
+            <a:spLocks noGrp="1"/>
+          </p:cNvSpPr>
+          <p:nvPr>
+            <p:ph type="body" sz="quarter" idx="3"/>
+          </p:nvPr>
+        </p:nvSpPr>
+        <p:spPr>
+          <a:xfrm>
+            <a:off x="6172200" y="1681163"/>
+            <a:ext cx="5183188" cy="823912"/>
+          </a:xfrm>
+        </p:spPr>
+        <p:txBody>
+          <a:bodyPr anchor="b"/>
+          <a:lstStyle>
+            <a:lvl1pPr marL="0" indent="0">
+              <a:buNone/>
+              <a:defRPr sz="2400" b="1"/>
+            </a:lvl1pPr>
+            <a:lvl2pPr marL="457200" indent="0">
+              <a:buNone/>
+              <a:defRPr sz="2000" b="1"/>
+            </a:lvl2pPr>
+            <a:lvl3pPr marL="914400" indent="0">
+              <a:buNone/>
+              <a:defRPr sz="1800" b="1"/>
+            </a:lvl3pPr>
+            <a:lvl4pPr marL="1371600" indent="0">
+              <a:buNone/>
+              <a:defRPr sz="1600" b="1"/>
+            </a:lvl4pPr>
+            <a:lvl5pPr marL="1828800" indent="0">
+              <a:buNone/>
+              <a:defRPr sz="1600" b="1"/>
+            </a:lvl5pPr>
+            <a:lvl6pPr marL="2286000" indent="0">
+              <a:buNone/>
+              <a:defRPr sz="1600" b="1"/>
+            </a:lvl6pPr>
+            <a:lvl7pPr marL="2743200" indent="0">
+              <a:buNone/>
+              <a:defRPr sz="1600" b="1"/>
+            </a:lvl7pPr>
+            <a:lvl8pPr marL="3200400" indent="0">
+              <a:buNone/>
+              <a:defRPr sz="1600" b="1"/>
+            </a:lvl8pPr>
+            <a:lvl9pPr marL="3657600" indent="0">
+              <a:buNone/>
+              <a:defRPr sz="1600" b="1"/>
+            </a:lvl9pPr>
+          </a:lstStyle>
+          <a:p>
+            <a:pPr lvl="0"/>
+            <a:r>
+              <a:rPr lang="zh-CN" altLang="en-US"/>
+              <a:t>单击此处编辑母版文本样式</a:t>
+            </a:r>
+          </a:p>
+        </p:txBody>
+      </p:sp>
+      <p:sp>
+        <p:nvSpPr>
+          <p:cNvPr id="6" name="内容占位符 5">
+            <a:extLst>
+              <a:ext uri="{FF2B5EF4-FFF2-40B4-BE49-F238E27FC236}">
+                <a16:creationId xmlns:a16="http://schemas.microsoft.com/office/drawing/2014/main" id="{3BD02D70-8DEC-9450-8D6C-9477391AA964}"/>
+              </a:ext>
+            </a:extLst>
+          </p:cNvPr>
+          <p:cNvSpPr>
+            <a:spLocks noGrp="1"/>
+          </p:cNvSpPr>
+          <p:nvPr>
+            <p:ph sz="quarter" idx="4"/>
+          </p:nvPr>
+        </p:nvSpPr>
+        <p:spPr>
+          <a:xfrm>
+            <a:off x="6172200" y="2505075"/>
+            <a:ext cx="5183188" cy="3684588"/>
+          </a:xfrm>
+        </p:spPr>
+        <p:txBody>
+          <a:bodyPr/>
+          <a:lstStyle/>
+          <a:p>
+            <a:pPr lvl="0"/>
+            <a:r>
+              <a:rPr lang="zh-CN" altLang="en-US"/>
+              <a:t>单击此处编辑母版文本样式</a:t>
+            </a:r>
+          </a:p>
+          <a:p>
+            <a:pPr lvl="1"/>
+            <a:r>
+              <a:rPr lang="zh-CN" altLang="en-US"/>
+              <a:t>二级</a:t>
+            </a:r>
+          </a:p>
+          <a:p>
+            <a:pPr lvl="2"/>
+            <a:r>
+              <a:rPr lang="zh-CN" altLang="en-US"/>
+              <a:t>三级</a:t>
+            </a:r>
+          </a:p>
+          <a:p>
+            <a:pPr lvl="3"/>
+            <a:r>
+              <a:rPr lang="zh-CN" altLang="en-US"/>
+              <a:t>四级</a:t>
+            </a:r>
+          </a:p>
+          <a:p>
+            <a:pPr lvl="4"/>
+            <a:r>
+              <a:rPr lang="zh-CN" altLang="en-US"/>
+              <a:t>五级</a:t>
+            </a:r>
+          </a:p>
+        </p:txBody>
+      </p:sp>
+      <p:sp>
+        <p:nvSpPr>
+          <p:cNvPr id="7" name="日期占位符 6">
+            <a:extLst>
+              <a:ext uri="{FF2B5EF4-FFF2-40B4-BE49-F238E27FC236}">
+                <a16:creationId xmlns:a16="http://schemas.microsoft.com/office/drawing/2014/main" id="{1AE87A3F-48D7-DE13-F343-F4E76B79887D}"/>
+              </a:ext>
+            </a:extLst>
+          </p:cNvPr>
+          <p:cNvSpPr>
+            <a:spLocks noGrp="1"/>
+          </p:cNvSpPr>
+          <p:nvPr>
+            <p:ph type="dt" sz="half" idx="10"/>
+          </p:nvPr>
+        </p:nvSpPr>
+        <p:spPr/>
+        <p:txBody>
+          <a:bodyPr/>
+          <a:lstStyle/>
+          <a:p>
+            <a:fld id="{FA15884E-CCDC-4F76-8302-022391C33F35}" type="datetimeFigureOut">
+              <a:rPr lang="zh-CN" altLang="en-US" smtClean="0"/>
+              <a:t>2025/7/13</a:t>
+            </a:fld>
+            <a:endParaRPr lang="zh-CN" altLang="en-US"/>
+          </a:p>
+        </p:txBody>
+      </p:sp>
+      <p:sp>
+        <p:nvSpPr>
+          <p:cNvPr id="8" name="页脚占位符 7">
+            <a:extLst>
+              <a:ext uri="{FF2B5EF4-FFF2-40B4-BE49-F238E27FC236}">
+                <a16:creationId xmlns:a16="http://schemas.microsoft.com/office/drawing/2014/main" id="{B7863DA3-D9A5-FE49-56AF-95D60B32415A}"/>
+              </a:ext>
+            </a:extLst>
+          </p:cNvPr>
+          <p:cNvSpPr>
+            <a:spLocks noGrp="1"/>
+          </p:cNvSpPr>
+          <p:nvPr>
+            <p:ph type="ftr" sz="quarter" idx="11"/>
+          </p:nvPr>
+        </p:nvSpPr>
+        <p:spPr/>
+        <p:txBody>
+          <a:bodyPr/>
+          <a:lstStyle/>
+          <a:p>
+            <a:endParaRPr lang="zh-CN" altLang="en-US"/>
+          </a:p>
+        </p:txBody>
+      </p:sp>
+      <p:sp>
+        <p:nvSpPr>
+          <p:cNvPr id="9" name="灯片编号占位符 8">
+            <a:extLst>
+              <a:ext uri="{FF2B5EF4-FFF2-40B4-BE49-F238E27FC236}">
+                <a16:creationId xmlns:a16="http://schemas.microsoft.com/office/drawing/2014/main" id="{BB524731-4B73-6B87-96FF-D5A095A8D7CC}"/>
+              </a:ext>
+            </a:extLst>
+          </p:cNvPr>
+          <p:cNvSpPr>
+            <a:spLocks noGrp="1"/>
+          </p:cNvSpPr>
+          <p:nvPr>
+            <p:ph type="sldNum" sz="quarter" idx="12"/>
+          </p:nvPr>
+        </p:nvSpPr>
+        <p:spPr/>
+        <p:txBody>
+          <a:bodyPr/>
+          <a:lstStyle/>
+          <a:p>
+            <a:fld id="{CFC2AFCB-56BD-4CD2-8271-89EDC912AF71}" type="slidenum">
+              <a:rPr lang="zh-CN" altLang="en-US" smtClean="0"/>
+              <a:t>‹#›</a:t>
+            </a:fld>
+            <a:endParaRPr lang="zh-CN" altLang="en-US"/>
+          </a:p>
+        </p:txBody>
+      </p:sp>
+    </p:spTree>
+    <p:extLst>
+      <p:ext uri="{BB962C8B-B14F-4D97-AF65-F5344CB8AC3E}">
+        <p14:creationId xmlns:p14="http://schemas.microsoft.com/office/powerpoint/2010/main" val="4113622504"/>
+      </p:ext>
+    </p:extLst>
+  </p:cSld>
+  <p:clrMapOvr>
+    <a:masterClrMapping/>
+  </p:clrMapOvr>
+</p:sldLayout>
+</file>
+
+<file path=ppt/slideLayouts/slideLayout18.xml><?xml version="1.0" encoding="utf-8"?>
+<p:sldLayout xmlns:a="http://schemas.openxmlformats.org/drawingml/2006/main" xmlns:r="http://schemas.openxmlformats.org/officeDocument/2006/relationships" xmlns:p="http://schemas.openxmlformats.org/presentationml/2006/main" type="titleOnly" preserve="1">
+  <p:cSld name="仅标题">
+    <p:spTree>
+      <p:nvGrpSpPr>
+        <p:cNvPr id="1" name=""/>
+        <p:cNvGrpSpPr/>
+        <p:nvPr/>
+      </p:nvGrpSpPr>
+      <p:grpSpPr>
+        <a:xfrm>
+          <a:off x="0" y="0"/>
+          <a:ext cx="0" cy="0"/>
+          <a:chOff x="0" y="0"/>
+          <a:chExt cx="0" cy="0"/>
+        </a:xfrm>
+      </p:grpSpPr>
+      <p:sp>
+        <p:nvSpPr>
+          <p:cNvPr id="2" name="标题 1">
+            <a:extLst>
+              <a:ext uri="{FF2B5EF4-FFF2-40B4-BE49-F238E27FC236}">
+                <a16:creationId xmlns:a16="http://schemas.microsoft.com/office/drawing/2014/main" id="{48CB731B-BF0E-B0EA-08EC-A6CA8F9DFABF}"/>
+              </a:ext>
+            </a:extLst>
+          </p:cNvPr>
+          <p:cNvSpPr>
+            <a:spLocks noGrp="1"/>
+          </p:cNvSpPr>
+          <p:nvPr>
+            <p:ph type="title"/>
+          </p:nvPr>
+        </p:nvSpPr>
+        <p:spPr/>
+        <p:txBody>
+          <a:bodyPr/>
+          <a:lstStyle/>
+          <a:p>
+            <a:r>
+              <a:rPr lang="zh-CN" altLang="en-US"/>
+              <a:t>单击此处编辑母版标题样式</a:t>
+            </a:r>
+          </a:p>
+        </p:txBody>
+      </p:sp>
+      <p:sp>
+        <p:nvSpPr>
+          <p:cNvPr id="3" name="日期占位符 2">
+            <a:extLst>
+              <a:ext uri="{FF2B5EF4-FFF2-40B4-BE49-F238E27FC236}">
+                <a16:creationId xmlns:a16="http://schemas.microsoft.com/office/drawing/2014/main" id="{86D23F18-1C9B-F194-4C88-BD39F235BA7D}"/>
+              </a:ext>
+            </a:extLst>
+          </p:cNvPr>
+          <p:cNvSpPr>
+            <a:spLocks noGrp="1"/>
+          </p:cNvSpPr>
+          <p:nvPr>
+            <p:ph type="dt" sz="half" idx="10"/>
+          </p:nvPr>
+        </p:nvSpPr>
+        <p:spPr/>
+        <p:txBody>
+          <a:bodyPr/>
+          <a:lstStyle/>
+          <a:p>
+            <a:fld id="{FA15884E-CCDC-4F76-8302-022391C33F35}" type="datetimeFigureOut">
+              <a:rPr lang="zh-CN" altLang="en-US" smtClean="0"/>
+              <a:t>2025/7/13</a:t>
+            </a:fld>
+            <a:endParaRPr lang="zh-CN" altLang="en-US"/>
+          </a:p>
+        </p:txBody>
+      </p:sp>
+      <p:sp>
+        <p:nvSpPr>
+          <p:cNvPr id="4" name="页脚占位符 3">
+            <a:extLst>
+              <a:ext uri="{FF2B5EF4-FFF2-40B4-BE49-F238E27FC236}">
+                <a16:creationId xmlns:a16="http://schemas.microsoft.com/office/drawing/2014/main" id="{B882FEA9-F1C0-927F-FB4C-6FB4FCF2A1D6}"/>
+              </a:ext>
+            </a:extLst>
+          </p:cNvPr>
+          <p:cNvSpPr>
+            <a:spLocks noGrp="1"/>
+          </p:cNvSpPr>
+          <p:nvPr>
+            <p:ph type="ftr" sz="quarter" idx="11"/>
+          </p:nvPr>
+        </p:nvSpPr>
+        <p:spPr/>
+        <p:txBody>
+          <a:bodyPr/>
+          <a:lstStyle/>
+          <a:p>
+            <a:endParaRPr lang="zh-CN" altLang="en-US"/>
+          </a:p>
+        </p:txBody>
+      </p:sp>
+      <p:sp>
+        <p:nvSpPr>
+          <p:cNvPr id="5" name="灯片编号占位符 4">
+            <a:extLst>
+              <a:ext uri="{FF2B5EF4-FFF2-40B4-BE49-F238E27FC236}">
+                <a16:creationId xmlns:a16="http://schemas.microsoft.com/office/drawing/2014/main" id="{F3AFF57A-2BBC-BA44-6445-CD781FF97E51}"/>
+              </a:ext>
+            </a:extLst>
+          </p:cNvPr>
+          <p:cNvSpPr>
+            <a:spLocks noGrp="1"/>
+          </p:cNvSpPr>
+          <p:nvPr>
+            <p:ph type="sldNum" sz="quarter" idx="12"/>
+          </p:nvPr>
+        </p:nvSpPr>
+        <p:spPr/>
+        <p:txBody>
+          <a:bodyPr/>
+          <a:lstStyle/>
+          <a:p>
+            <a:fld id="{CFC2AFCB-56BD-4CD2-8271-89EDC912AF71}" type="slidenum">
+              <a:rPr lang="zh-CN" altLang="en-US" smtClean="0"/>
+              <a:t>‹#›</a:t>
+            </a:fld>
+            <a:endParaRPr lang="zh-CN" altLang="en-US"/>
+          </a:p>
+        </p:txBody>
+      </p:sp>
+    </p:spTree>
+    <p:extLst>
+      <p:ext uri="{BB962C8B-B14F-4D97-AF65-F5344CB8AC3E}">
+        <p14:creationId xmlns:p14="http://schemas.microsoft.com/office/powerpoint/2010/main" val="3179862508"/>
+      </p:ext>
+    </p:extLst>
+  </p:cSld>
+  <p:clrMapOvr>
+    <a:masterClrMapping/>
+  </p:clrMapOvr>
+</p:sldLayout>
+</file>
+
+<file path=ppt/slideLayouts/slideLayout19.xml><?xml version="1.0" encoding="utf-8"?>
+<p:sldLayout xmlns:a="http://schemas.openxmlformats.org/drawingml/2006/main" xmlns:r="http://schemas.openxmlformats.org/officeDocument/2006/relationships" xmlns:p="http://schemas.openxmlformats.org/presentationml/2006/main" type="blank" preserve="1">
+  <p:cSld name="空白">
+    <p:spTree>
+      <p:nvGrpSpPr>
+        <p:cNvPr id="1" name=""/>
+        <p:cNvGrpSpPr/>
+        <p:nvPr/>
+      </p:nvGrpSpPr>
+      <p:grpSpPr>
+        <a:xfrm>
+          <a:off x="0" y="0"/>
+          <a:ext cx="0" cy="0"/>
+          <a:chOff x="0" y="0"/>
+          <a:chExt cx="0" cy="0"/>
+        </a:xfrm>
+      </p:grpSpPr>
+      <p:sp>
+        <p:nvSpPr>
+          <p:cNvPr id="2" name="日期占位符 1">
+            <a:extLst>
+              <a:ext uri="{FF2B5EF4-FFF2-40B4-BE49-F238E27FC236}">
+                <a16:creationId xmlns:a16="http://schemas.microsoft.com/office/drawing/2014/main" id="{1EB95387-4CFF-4317-D7B1-72BCE3437C70}"/>
+              </a:ext>
+            </a:extLst>
+          </p:cNvPr>
+          <p:cNvSpPr>
+            <a:spLocks noGrp="1"/>
+          </p:cNvSpPr>
+          <p:nvPr>
+            <p:ph type="dt" sz="half" idx="10"/>
+          </p:nvPr>
+        </p:nvSpPr>
+        <p:spPr/>
+        <p:txBody>
+          <a:bodyPr/>
+          <a:lstStyle/>
+          <a:p>
+            <a:fld id="{FA15884E-CCDC-4F76-8302-022391C33F35}" type="datetimeFigureOut">
+              <a:rPr lang="zh-CN" altLang="en-US" smtClean="0"/>
+              <a:t>2025/7/13</a:t>
+            </a:fld>
+            <a:endParaRPr lang="zh-CN" altLang="en-US"/>
+          </a:p>
+        </p:txBody>
+      </p:sp>
+      <p:sp>
+        <p:nvSpPr>
+          <p:cNvPr id="3" name="页脚占位符 2">
+            <a:extLst>
+              <a:ext uri="{FF2B5EF4-FFF2-40B4-BE49-F238E27FC236}">
+                <a16:creationId xmlns:a16="http://schemas.microsoft.com/office/drawing/2014/main" id="{704AADA7-3E6D-ED6B-C605-9AC0D9CFE24A}"/>
+              </a:ext>
+            </a:extLst>
+          </p:cNvPr>
+          <p:cNvSpPr>
+            <a:spLocks noGrp="1"/>
+          </p:cNvSpPr>
+          <p:nvPr>
+            <p:ph type="ftr" sz="quarter" idx="11"/>
+          </p:nvPr>
+        </p:nvSpPr>
+        <p:spPr/>
+        <p:txBody>
+          <a:bodyPr/>
+          <a:lstStyle/>
+          <a:p>
+            <a:endParaRPr lang="zh-CN" altLang="en-US"/>
+          </a:p>
+        </p:txBody>
+      </p:sp>
+      <p:sp>
+        <p:nvSpPr>
+          <p:cNvPr id="4" name="灯片编号占位符 3">
+            <a:extLst>
+              <a:ext uri="{FF2B5EF4-FFF2-40B4-BE49-F238E27FC236}">
+                <a16:creationId xmlns:a16="http://schemas.microsoft.com/office/drawing/2014/main" id="{D05ADD58-2C17-C2AC-44C4-4A7D28748768}"/>
+              </a:ext>
+            </a:extLst>
+          </p:cNvPr>
+          <p:cNvSpPr>
+            <a:spLocks noGrp="1"/>
+          </p:cNvSpPr>
+          <p:nvPr>
+            <p:ph type="sldNum" sz="quarter" idx="12"/>
+          </p:nvPr>
+        </p:nvSpPr>
+        <p:spPr/>
+        <p:txBody>
+          <a:bodyPr/>
+          <a:lstStyle/>
+          <a:p>
+            <a:fld id="{CFC2AFCB-56BD-4CD2-8271-89EDC912AF71}" type="slidenum">
+              <a:rPr lang="zh-CN" altLang="en-US" smtClean="0"/>
+              <a:t>‹#›</a:t>
+            </a:fld>
+            <a:endParaRPr lang="zh-CN" altLang="en-US"/>
+          </a:p>
+        </p:txBody>
+      </p:sp>
+    </p:spTree>
+    <p:extLst>
+      <p:ext uri="{BB962C8B-B14F-4D97-AF65-F5344CB8AC3E}">
+        <p14:creationId xmlns:p14="http://schemas.microsoft.com/office/powerpoint/2010/main" val="2000496112"/>
+      </p:ext>
+    </p:extLst>
   </p:cSld>
   <p:clrMapOvr>
     <a:masterClrMapping/>
@@ -1640,7 +3479,7 @@
           <a:p>
             <a:fld id="{D997B5FA-0921-464F-AAE1-844C04324D75}" type="datetimeFigureOut">
               <a:rPr lang="zh-CN" altLang="en-US" smtClean="0"/>
-              <a:t>2025/7/10</a:t>
+              <a:t>2025/7/13</a:t>
             </a:fld>
             <a:endParaRPr lang="zh-CN" altLang="en-US"/>
           </a:p>
@@ -1696,1032 +3535,7 @@
 </p:sldLayout>
 </file>
 
-<file path=ppt/slideLayouts/slideLayout3.xml><?xml version="1.0" encoding="utf-8"?>
-<p:sldLayout xmlns:a="http://schemas.openxmlformats.org/drawingml/2006/main" xmlns:r="http://schemas.openxmlformats.org/officeDocument/2006/relationships" xmlns:p="http://schemas.openxmlformats.org/presentationml/2006/main" type="secHead" preserve="1">
-  <p:cSld name="节标题">
-    <p:spTree>
-      <p:nvGrpSpPr>
-        <p:cNvPr id="1" name=""/>
-        <p:cNvGrpSpPr/>
-        <p:nvPr/>
-      </p:nvGrpSpPr>
-      <p:grpSpPr>
-        <a:xfrm>
-          <a:off x="0" y="0"/>
-          <a:ext cx="0" cy="0"/>
-          <a:chOff x="0" y="0"/>
-          <a:chExt cx="0" cy="0"/>
-        </a:xfrm>
-      </p:grpSpPr>
-      <p:sp>
-        <p:nvSpPr>
-          <p:cNvPr id="2" name="标题 1"/>
-          <p:cNvSpPr>
-            <a:spLocks noGrp="1"/>
-          </p:cNvSpPr>
-          <p:nvPr>
-            <p:ph type="title"/>
-          </p:nvPr>
-        </p:nvSpPr>
-        <p:spPr>
-          <a:xfrm>
-            <a:off x="831850" y="1709738"/>
-            <a:ext cx="10515600" cy="2852737"/>
-          </a:xfrm>
-        </p:spPr>
-        <p:txBody>
-          <a:bodyPr anchor="b"/>
-          <a:lstStyle>
-            <a:lvl1pPr>
-              <a:defRPr sz="6000"/>
-            </a:lvl1pPr>
-          </a:lstStyle>
-          <a:p>
-            <a:r>
-              <a:rPr lang="zh-CN" altLang="en-US"/>
-              <a:t>单击此处编辑母版标题样式</a:t>
-            </a:r>
-          </a:p>
-        </p:txBody>
-      </p:sp>
-      <p:sp>
-        <p:nvSpPr>
-          <p:cNvPr id="3" name="文本占位符 2"/>
-          <p:cNvSpPr>
-            <a:spLocks noGrp="1"/>
-          </p:cNvSpPr>
-          <p:nvPr>
-            <p:ph type="body" idx="1"/>
-          </p:nvPr>
-        </p:nvSpPr>
-        <p:spPr>
-          <a:xfrm>
-            <a:off x="831850" y="4589463"/>
-            <a:ext cx="10515600" cy="1500187"/>
-          </a:xfrm>
-        </p:spPr>
-        <p:txBody>
-          <a:bodyPr/>
-          <a:lstStyle>
-            <a:lvl1pPr marL="0" indent="0">
-              <a:buNone/>
-              <a:defRPr sz="2400">
-                <a:solidFill>
-                  <a:schemeClr val="tx1">
-                    <a:tint val="75000"/>
-                  </a:schemeClr>
-                </a:solidFill>
-              </a:defRPr>
-            </a:lvl1pPr>
-            <a:lvl2pPr marL="457200" indent="0">
-              <a:buNone/>
-              <a:defRPr sz="2000">
-                <a:solidFill>
-                  <a:schemeClr val="tx1">
-                    <a:tint val="75000"/>
-                  </a:schemeClr>
-                </a:solidFill>
-              </a:defRPr>
-            </a:lvl2pPr>
-            <a:lvl3pPr marL="914400" indent="0">
-              <a:buNone/>
-              <a:defRPr sz="1800">
-                <a:solidFill>
-                  <a:schemeClr val="tx1">
-                    <a:tint val="75000"/>
-                  </a:schemeClr>
-                </a:solidFill>
-              </a:defRPr>
-            </a:lvl3pPr>
-            <a:lvl4pPr marL="1371600" indent="0">
-              <a:buNone/>
-              <a:defRPr sz="1600">
-                <a:solidFill>
-                  <a:schemeClr val="tx1">
-                    <a:tint val="75000"/>
-                  </a:schemeClr>
-                </a:solidFill>
-              </a:defRPr>
-            </a:lvl4pPr>
-            <a:lvl5pPr marL="1828800" indent="0">
-              <a:buNone/>
-              <a:defRPr sz="1600">
-                <a:solidFill>
-                  <a:schemeClr val="tx1">
-                    <a:tint val="75000"/>
-                  </a:schemeClr>
-                </a:solidFill>
-              </a:defRPr>
-            </a:lvl5pPr>
-            <a:lvl6pPr marL="2286000" indent="0">
-              <a:buNone/>
-              <a:defRPr sz="1600">
-                <a:solidFill>
-                  <a:schemeClr val="tx1">
-                    <a:tint val="75000"/>
-                  </a:schemeClr>
-                </a:solidFill>
-              </a:defRPr>
-            </a:lvl6pPr>
-            <a:lvl7pPr marL="2743200" indent="0">
-              <a:buNone/>
-              <a:defRPr sz="1600">
-                <a:solidFill>
-                  <a:schemeClr val="tx1">
-                    <a:tint val="75000"/>
-                  </a:schemeClr>
-                </a:solidFill>
-              </a:defRPr>
-            </a:lvl7pPr>
-            <a:lvl8pPr marL="3200400" indent="0">
-              <a:buNone/>
-              <a:defRPr sz="1600">
-                <a:solidFill>
-                  <a:schemeClr val="tx1">
-                    <a:tint val="75000"/>
-                  </a:schemeClr>
-                </a:solidFill>
-              </a:defRPr>
-            </a:lvl8pPr>
-            <a:lvl9pPr marL="3657600" indent="0">
-              <a:buNone/>
-              <a:defRPr sz="1600">
-                <a:solidFill>
-                  <a:schemeClr val="tx1">
-                    <a:tint val="75000"/>
-                  </a:schemeClr>
-                </a:solidFill>
-              </a:defRPr>
-            </a:lvl9pPr>
-          </a:lstStyle>
-          <a:p>
-            <a:pPr lvl="0"/>
-            <a:r>
-              <a:rPr lang="zh-CN" altLang="en-US"/>
-              <a:t>单击此处编辑母版文本样式</a:t>
-            </a:r>
-          </a:p>
-        </p:txBody>
-      </p:sp>
-      <p:sp>
-        <p:nvSpPr>
-          <p:cNvPr id="4" name="日期占位符 3"/>
-          <p:cNvSpPr>
-            <a:spLocks noGrp="1"/>
-          </p:cNvSpPr>
-          <p:nvPr>
-            <p:ph type="dt" sz="half" idx="10"/>
-          </p:nvPr>
-        </p:nvSpPr>
-        <p:spPr/>
-        <p:txBody>
-          <a:bodyPr/>
-          <a:lstStyle/>
-          <a:p>
-            <a:fld id="{D997B5FA-0921-464F-AAE1-844C04324D75}" type="datetimeFigureOut">
-              <a:rPr lang="zh-CN" altLang="en-US" smtClean="0"/>
-              <a:t>2025/7/10</a:t>
-            </a:fld>
-            <a:endParaRPr lang="zh-CN" altLang="en-US"/>
-          </a:p>
-        </p:txBody>
-      </p:sp>
-      <p:sp>
-        <p:nvSpPr>
-          <p:cNvPr id="5" name="页脚占位符 4"/>
-          <p:cNvSpPr>
-            <a:spLocks noGrp="1"/>
-          </p:cNvSpPr>
-          <p:nvPr>
-            <p:ph type="ftr" sz="quarter" idx="11"/>
-          </p:nvPr>
-        </p:nvSpPr>
-        <p:spPr/>
-        <p:txBody>
-          <a:bodyPr/>
-          <a:lstStyle/>
-          <a:p>
-            <a:endParaRPr lang="zh-CN" altLang="en-US"/>
-          </a:p>
-        </p:txBody>
-      </p:sp>
-      <p:sp>
-        <p:nvSpPr>
-          <p:cNvPr id="6" name="灯片编号占位符 5"/>
-          <p:cNvSpPr>
-            <a:spLocks noGrp="1"/>
-          </p:cNvSpPr>
-          <p:nvPr>
-            <p:ph type="sldNum" sz="quarter" idx="12"/>
-          </p:nvPr>
-        </p:nvSpPr>
-        <p:spPr/>
-        <p:txBody>
-          <a:bodyPr/>
-          <a:lstStyle/>
-          <a:p>
-            <a:fld id="{565CE74E-AB26-4998-AD42-012C4C1AD076}" type="slidenum">
-              <a:rPr lang="zh-CN" altLang="en-US" smtClean="0"/>
-              <a:t>‹#›</a:t>
-            </a:fld>
-            <a:endParaRPr lang="zh-CN" altLang="en-US"/>
-          </a:p>
-        </p:txBody>
-      </p:sp>
-    </p:spTree>
-  </p:cSld>
-  <p:clrMapOvr>
-    <a:masterClrMapping/>
-  </p:clrMapOvr>
-</p:sldLayout>
-</file>
-
-<file path=ppt/slideLayouts/slideLayout4.xml><?xml version="1.0" encoding="utf-8"?>
-<p:sldLayout xmlns:a="http://schemas.openxmlformats.org/drawingml/2006/main" xmlns:r="http://schemas.openxmlformats.org/officeDocument/2006/relationships" xmlns:p="http://schemas.openxmlformats.org/presentationml/2006/main" type="twoObj" preserve="1">
-  <p:cSld name="两栏内容">
-    <p:spTree>
-      <p:nvGrpSpPr>
-        <p:cNvPr id="1" name=""/>
-        <p:cNvGrpSpPr/>
-        <p:nvPr/>
-      </p:nvGrpSpPr>
-      <p:grpSpPr>
-        <a:xfrm>
-          <a:off x="0" y="0"/>
-          <a:ext cx="0" cy="0"/>
-          <a:chOff x="0" y="0"/>
-          <a:chExt cx="0" cy="0"/>
-        </a:xfrm>
-      </p:grpSpPr>
-      <p:sp>
-        <p:nvSpPr>
-          <p:cNvPr id="2" name="标题 1"/>
-          <p:cNvSpPr>
-            <a:spLocks noGrp="1"/>
-          </p:cNvSpPr>
-          <p:nvPr>
-            <p:ph type="title"/>
-          </p:nvPr>
-        </p:nvSpPr>
-        <p:spPr/>
-        <p:txBody>
-          <a:bodyPr/>
-          <a:lstStyle/>
-          <a:p>
-            <a:r>
-              <a:rPr lang="zh-CN" altLang="en-US"/>
-              <a:t>单击此处编辑母版标题样式</a:t>
-            </a:r>
-          </a:p>
-        </p:txBody>
-      </p:sp>
-      <p:sp>
-        <p:nvSpPr>
-          <p:cNvPr id="3" name="内容占位符 2"/>
-          <p:cNvSpPr>
-            <a:spLocks noGrp="1"/>
-          </p:cNvSpPr>
-          <p:nvPr>
-            <p:ph sz="half" idx="1"/>
-          </p:nvPr>
-        </p:nvSpPr>
-        <p:spPr>
-          <a:xfrm>
-            <a:off x="838200" y="1825625"/>
-            <a:ext cx="5181600" cy="4351338"/>
-          </a:xfrm>
-        </p:spPr>
-        <p:txBody>
-          <a:bodyPr/>
-          <a:lstStyle/>
-          <a:p>
-            <a:pPr lvl="0"/>
-            <a:r>
-              <a:rPr lang="zh-CN" altLang="en-US"/>
-              <a:t>单击此处编辑母版文本样式</a:t>
-            </a:r>
-          </a:p>
-          <a:p>
-            <a:pPr lvl="1"/>
-            <a:r>
-              <a:rPr lang="zh-CN" altLang="en-US"/>
-              <a:t>第二级</a:t>
-            </a:r>
-          </a:p>
-          <a:p>
-            <a:pPr lvl="2"/>
-            <a:r>
-              <a:rPr lang="zh-CN" altLang="en-US"/>
-              <a:t>第三级</a:t>
-            </a:r>
-          </a:p>
-          <a:p>
-            <a:pPr lvl="3"/>
-            <a:r>
-              <a:rPr lang="zh-CN" altLang="en-US"/>
-              <a:t>第四级</a:t>
-            </a:r>
-          </a:p>
-          <a:p>
-            <a:pPr lvl="4"/>
-            <a:r>
-              <a:rPr lang="zh-CN" altLang="en-US"/>
-              <a:t>第五级</a:t>
-            </a:r>
-          </a:p>
-        </p:txBody>
-      </p:sp>
-      <p:sp>
-        <p:nvSpPr>
-          <p:cNvPr id="4" name="内容占位符 3"/>
-          <p:cNvSpPr>
-            <a:spLocks noGrp="1"/>
-          </p:cNvSpPr>
-          <p:nvPr>
-            <p:ph sz="half" idx="2"/>
-          </p:nvPr>
-        </p:nvSpPr>
-        <p:spPr>
-          <a:xfrm>
-            <a:off x="6172200" y="1825625"/>
-            <a:ext cx="5181600" cy="4351338"/>
-          </a:xfrm>
-        </p:spPr>
-        <p:txBody>
-          <a:bodyPr/>
-          <a:lstStyle/>
-          <a:p>
-            <a:pPr lvl="0"/>
-            <a:r>
-              <a:rPr lang="zh-CN" altLang="en-US"/>
-              <a:t>单击此处编辑母版文本样式</a:t>
-            </a:r>
-          </a:p>
-          <a:p>
-            <a:pPr lvl="1"/>
-            <a:r>
-              <a:rPr lang="zh-CN" altLang="en-US"/>
-              <a:t>第二级</a:t>
-            </a:r>
-          </a:p>
-          <a:p>
-            <a:pPr lvl="2"/>
-            <a:r>
-              <a:rPr lang="zh-CN" altLang="en-US"/>
-              <a:t>第三级</a:t>
-            </a:r>
-          </a:p>
-          <a:p>
-            <a:pPr lvl="3"/>
-            <a:r>
-              <a:rPr lang="zh-CN" altLang="en-US"/>
-              <a:t>第四级</a:t>
-            </a:r>
-          </a:p>
-          <a:p>
-            <a:pPr lvl="4"/>
-            <a:r>
-              <a:rPr lang="zh-CN" altLang="en-US"/>
-              <a:t>第五级</a:t>
-            </a:r>
-          </a:p>
-        </p:txBody>
-      </p:sp>
-      <p:sp>
-        <p:nvSpPr>
-          <p:cNvPr id="5" name="日期占位符 4"/>
-          <p:cNvSpPr>
-            <a:spLocks noGrp="1"/>
-          </p:cNvSpPr>
-          <p:nvPr>
-            <p:ph type="dt" sz="half" idx="10"/>
-          </p:nvPr>
-        </p:nvSpPr>
-        <p:spPr/>
-        <p:txBody>
-          <a:bodyPr/>
-          <a:lstStyle/>
-          <a:p>
-            <a:fld id="{D997B5FA-0921-464F-AAE1-844C04324D75}" type="datetimeFigureOut">
-              <a:rPr lang="zh-CN" altLang="en-US" smtClean="0"/>
-              <a:t>2025/7/10</a:t>
-            </a:fld>
-            <a:endParaRPr lang="zh-CN" altLang="en-US"/>
-          </a:p>
-        </p:txBody>
-      </p:sp>
-      <p:sp>
-        <p:nvSpPr>
-          <p:cNvPr id="6" name="页脚占位符 5"/>
-          <p:cNvSpPr>
-            <a:spLocks noGrp="1"/>
-          </p:cNvSpPr>
-          <p:nvPr>
-            <p:ph type="ftr" sz="quarter" idx="11"/>
-          </p:nvPr>
-        </p:nvSpPr>
-        <p:spPr/>
-        <p:txBody>
-          <a:bodyPr/>
-          <a:lstStyle/>
-          <a:p>
-            <a:endParaRPr lang="zh-CN" altLang="en-US"/>
-          </a:p>
-        </p:txBody>
-      </p:sp>
-      <p:sp>
-        <p:nvSpPr>
-          <p:cNvPr id="7" name="灯片编号占位符 6"/>
-          <p:cNvSpPr>
-            <a:spLocks noGrp="1"/>
-          </p:cNvSpPr>
-          <p:nvPr>
-            <p:ph type="sldNum" sz="quarter" idx="12"/>
-          </p:nvPr>
-        </p:nvSpPr>
-        <p:spPr/>
-        <p:txBody>
-          <a:bodyPr/>
-          <a:lstStyle/>
-          <a:p>
-            <a:fld id="{565CE74E-AB26-4998-AD42-012C4C1AD076}" type="slidenum">
-              <a:rPr lang="zh-CN" altLang="en-US" smtClean="0"/>
-              <a:t>‹#›</a:t>
-            </a:fld>
-            <a:endParaRPr lang="zh-CN" altLang="en-US"/>
-          </a:p>
-        </p:txBody>
-      </p:sp>
-    </p:spTree>
-  </p:cSld>
-  <p:clrMapOvr>
-    <a:masterClrMapping/>
-  </p:clrMapOvr>
-</p:sldLayout>
-</file>
-
-<file path=ppt/slideLayouts/slideLayout5.xml><?xml version="1.0" encoding="utf-8"?>
-<p:sldLayout xmlns:a="http://schemas.openxmlformats.org/drawingml/2006/main" xmlns:r="http://schemas.openxmlformats.org/officeDocument/2006/relationships" xmlns:p="http://schemas.openxmlformats.org/presentationml/2006/main" type="twoTxTwoObj" preserve="1">
-  <p:cSld name="比较">
-    <p:spTree>
-      <p:nvGrpSpPr>
-        <p:cNvPr id="1" name=""/>
-        <p:cNvGrpSpPr/>
-        <p:nvPr/>
-      </p:nvGrpSpPr>
-      <p:grpSpPr>
-        <a:xfrm>
-          <a:off x="0" y="0"/>
-          <a:ext cx="0" cy="0"/>
-          <a:chOff x="0" y="0"/>
-          <a:chExt cx="0" cy="0"/>
-        </a:xfrm>
-      </p:grpSpPr>
-      <p:sp>
-        <p:nvSpPr>
-          <p:cNvPr id="2" name="标题 1"/>
-          <p:cNvSpPr>
-            <a:spLocks noGrp="1"/>
-          </p:cNvSpPr>
-          <p:nvPr>
-            <p:ph type="title"/>
-          </p:nvPr>
-        </p:nvSpPr>
-        <p:spPr>
-          <a:xfrm>
-            <a:off x="839788" y="365125"/>
-            <a:ext cx="10515600" cy="1325563"/>
-          </a:xfrm>
-        </p:spPr>
-        <p:txBody>
-          <a:bodyPr/>
-          <a:lstStyle/>
-          <a:p>
-            <a:r>
-              <a:rPr lang="zh-CN" altLang="en-US"/>
-              <a:t>单击此处编辑母版标题样式</a:t>
-            </a:r>
-          </a:p>
-        </p:txBody>
-      </p:sp>
-      <p:sp>
-        <p:nvSpPr>
-          <p:cNvPr id="3" name="文本占位符 2"/>
-          <p:cNvSpPr>
-            <a:spLocks noGrp="1"/>
-          </p:cNvSpPr>
-          <p:nvPr>
-            <p:ph type="body" idx="1"/>
-          </p:nvPr>
-        </p:nvSpPr>
-        <p:spPr>
-          <a:xfrm>
-            <a:off x="839788" y="1681163"/>
-            <a:ext cx="5157787" cy="823912"/>
-          </a:xfrm>
-        </p:spPr>
-        <p:txBody>
-          <a:bodyPr anchor="b"/>
-          <a:lstStyle>
-            <a:lvl1pPr marL="0" indent="0">
-              <a:buNone/>
-              <a:defRPr sz="2400" b="1"/>
-            </a:lvl1pPr>
-            <a:lvl2pPr marL="457200" indent="0">
-              <a:buNone/>
-              <a:defRPr sz="2000" b="1"/>
-            </a:lvl2pPr>
-            <a:lvl3pPr marL="914400" indent="0">
-              <a:buNone/>
-              <a:defRPr sz="1800" b="1"/>
-            </a:lvl3pPr>
-            <a:lvl4pPr marL="1371600" indent="0">
-              <a:buNone/>
-              <a:defRPr sz="1600" b="1"/>
-            </a:lvl4pPr>
-            <a:lvl5pPr marL="1828800" indent="0">
-              <a:buNone/>
-              <a:defRPr sz="1600" b="1"/>
-            </a:lvl5pPr>
-            <a:lvl6pPr marL="2286000" indent="0">
-              <a:buNone/>
-              <a:defRPr sz="1600" b="1"/>
-            </a:lvl6pPr>
-            <a:lvl7pPr marL="2743200" indent="0">
-              <a:buNone/>
-              <a:defRPr sz="1600" b="1"/>
-            </a:lvl7pPr>
-            <a:lvl8pPr marL="3200400" indent="0">
-              <a:buNone/>
-              <a:defRPr sz="1600" b="1"/>
-            </a:lvl8pPr>
-            <a:lvl9pPr marL="3657600" indent="0">
-              <a:buNone/>
-              <a:defRPr sz="1600" b="1"/>
-            </a:lvl9pPr>
-          </a:lstStyle>
-          <a:p>
-            <a:pPr lvl="0"/>
-            <a:r>
-              <a:rPr lang="zh-CN" altLang="en-US"/>
-              <a:t>单击此处编辑母版文本样式</a:t>
-            </a:r>
-          </a:p>
-        </p:txBody>
-      </p:sp>
-      <p:sp>
-        <p:nvSpPr>
-          <p:cNvPr id="4" name="内容占位符 3"/>
-          <p:cNvSpPr>
-            <a:spLocks noGrp="1"/>
-          </p:cNvSpPr>
-          <p:nvPr>
-            <p:ph sz="half" idx="2"/>
-          </p:nvPr>
-        </p:nvSpPr>
-        <p:spPr>
-          <a:xfrm>
-            <a:off x="839788" y="2505075"/>
-            <a:ext cx="5157787" cy="3684588"/>
-          </a:xfrm>
-        </p:spPr>
-        <p:txBody>
-          <a:bodyPr/>
-          <a:lstStyle/>
-          <a:p>
-            <a:pPr lvl="0"/>
-            <a:r>
-              <a:rPr lang="zh-CN" altLang="en-US"/>
-              <a:t>单击此处编辑母版文本样式</a:t>
-            </a:r>
-          </a:p>
-          <a:p>
-            <a:pPr lvl="1"/>
-            <a:r>
-              <a:rPr lang="zh-CN" altLang="en-US"/>
-              <a:t>第二级</a:t>
-            </a:r>
-          </a:p>
-          <a:p>
-            <a:pPr lvl="2"/>
-            <a:r>
-              <a:rPr lang="zh-CN" altLang="en-US"/>
-              <a:t>第三级</a:t>
-            </a:r>
-          </a:p>
-          <a:p>
-            <a:pPr lvl="3"/>
-            <a:r>
-              <a:rPr lang="zh-CN" altLang="en-US"/>
-              <a:t>第四级</a:t>
-            </a:r>
-          </a:p>
-          <a:p>
-            <a:pPr lvl="4"/>
-            <a:r>
-              <a:rPr lang="zh-CN" altLang="en-US"/>
-              <a:t>第五级</a:t>
-            </a:r>
-          </a:p>
-        </p:txBody>
-      </p:sp>
-      <p:sp>
-        <p:nvSpPr>
-          <p:cNvPr id="5" name="文本占位符 4"/>
-          <p:cNvSpPr>
-            <a:spLocks noGrp="1"/>
-          </p:cNvSpPr>
-          <p:nvPr>
-            <p:ph type="body" sz="quarter" idx="3"/>
-          </p:nvPr>
-        </p:nvSpPr>
-        <p:spPr>
-          <a:xfrm>
-            <a:off x="6172200" y="1681163"/>
-            <a:ext cx="5183188" cy="823912"/>
-          </a:xfrm>
-        </p:spPr>
-        <p:txBody>
-          <a:bodyPr anchor="b"/>
-          <a:lstStyle>
-            <a:lvl1pPr marL="0" indent="0">
-              <a:buNone/>
-              <a:defRPr sz="2400" b="1"/>
-            </a:lvl1pPr>
-            <a:lvl2pPr marL="457200" indent="0">
-              <a:buNone/>
-              <a:defRPr sz="2000" b="1"/>
-            </a:lvl2pPr>
-            <a:lvl3pPr marL="914400" indent="0">
-              <a:buNone/>
-              <a:defRPr sz="1800" b="1"/>
-            </a:lvl3pPr>
-            <a:lvl4pPr marL="1371600" indent="0">
-              <a:buNone/>
-              <a:defRPr sz="1600" b="1"/>
-            </a:lvl4pPr>
-            <a:lvl5pPr marL="1828800" indent="0">
-              <a:buNone/>
-              <a:defRPr sz="1600" b="1"/>
-            </a:lvl5pPr>
-            <a:lvl6pPr marL="2286000" indent="0">
-              <a:buNone/>
-              <a:defRPr sz="1600" b="1"/>
-            </a:lvl6pPr>
-            <a:lvl7pPr marL="2743200" indent="0">
-              <a:buNone/>
-              <a:defRPr sz="1600" b="1"/>
-            </a:lvl7pPr>
-            <a:lvl8pPr marL="3200400" indent="0">
-              <a:buNone/>
-              <a:defRPr sz="1600" b="1"/>
-            </a:lvl8pPr>
-            <a:lvl9pPr marL="3657600" indent="0">
-              <a:buNone/>
-              <a:defRPr sz="1600" b="1"/>
-            </a:lvl9pPr>
-          </a:lstStyle>
-          <a:p>
-            <a:pPr lvl="0"/>
-            <a:r>
-              <a:rPr lang="zh-CN" altLang="en-US"/>
-              <a:t>单击此处编辑母版文本样式</a:t>
-            </a:r>
-          </a:p>
-        </p:txBody>
-      </p:sp>
-      <p:sp>
-        <p:nvSpPr>
-          <p:cNvPr id="6" name="内容占位符 5"/>
-          <p:cNvSpPr>
-            <a:spLocks noGrp="1"/>
-          </p:cNvSpPr>
-          <p:nvPr>
-            <p:ph sz="quarter" idx="4"/>
-          </p:nvPr>
-        </p:nvSpPr>
-        <p:spPr>
-          <a:xfrm>
-            <a:off x="6172200" y="2505075"/>
-            <a:ext cx="5183188" cy="3684588"/>
-          </a:xfrm>
-        </p:spPr>
-        <p:txBody>
-          <a:bodyPr/>
-          <a:lstStyle/>
-          <a:p>
-            <a:pPr lvl="0"/>
-            <a:r>
-              <a:rPr lang="zh-CN" altLang="en-US"/>
-              <a:t>单击此处编辑母版文本样式</a:t>
-            </a:r>
-          </a:p>
-          <a:p>
-            <a:pPr lvl="1"/>
-            <a:r>
-              <a:rPr lang="zh-CN" altLang="en-US"/>
-              <a:t>第二级</a:t>
-            </a:r>
-          </a:p>
-          <a:p>
-            <a:pPr lvl="2"/>
-            <a:r>
-              <a:rPr lang="zh-CN" altLang="en-US"/>
-              <a:t>第三级</a:t>
-            </a:r>
-          </a:p>
-          <a:p>
-            <a:pPr lvl="3"/>
-            <a:r>
-              <a:rPr lang="zh-CN" altLang="en-US"/>
-              <a:t>第四级</a:t>
-            </a:r>
-          </a:p>
-          <a:p>
-            <a:pPr lvl="4"/>
-            <a:r>
-              <a:rPr lang="zh-CN" altLang="en-US"/>
-              <a:t>第五级</a:t>
-            </a:r>
-          </a:p>
-        </p:txBody>
-      </p:sp>
-      <p:sp>
-        <p:nvSpPr>
-          <p:cNvPr id="7" name="日期占位符 6"/>
-          <p:cNvSpPr>
-            <a:spLocks noGrp="1"/>
-          </p:cNvSpPr>
-          <p:nvPr>
-            <p:ph type="dt" sz="half" idx="10"/>
-          </p:nvPr>
-        </p:nvSpPr>
-        <p:spPr/>
-        <p:txBody>
-          <a:bodyPr/>
-          <a:lstStyle/>
-          <a:p>
-            <a:fld id="{D997B5FA-0921-464F-AAE1-844C04324D75}" type="datetimeFigureOut">
-              <a:rPr lang="zh-CN" altLang="en-US" smtClean="0"/>
-              <a:t>2025/7/10</a:t>
-            </a:fld>
-            <a:endParaRPr lang="zh-CN" altLang="en-US"/>
-          </a:p>
-        </p:txBody>
-      </p:sp>
-      <p:sp>
-        <p:nvSpPr>
-          <p:cNvPr id="8" name="页脚占位符 7"/>
-          <p:cNvSpPr>
-            <a:spLocks noGrp="1"/>
-          </p:cNvSpPr>
-          <p:nvPr>
-            <p:ph type="ftr" sz="quarter" idx="11"/>
-          </p:nvPr>
-        </p:nvSpPr>
-        <p:spPr/>
-        <p:txBody>
-          <a:bodyPr/>
-          <a:lstStyle/>
-          <a:p>
-            <a:endParaRPr lang="zh-CN" altLang="en-US"/>
-          </a:p>
-        </p:txBody>
-      </p:sp>
-      <p:sp>
-        <p:nvSpPr>
-          <p:cNvPr id="9" name="灯片编号占位符 8"/>
-          <p:cNvSpPr>
-            <a:spLocks noGrp="1"/>
-          </p:cNvSpPr>
-          <p:nvPr>
-            <p:ph type="sldNum" sz="quarter" idx="12"/>
-          </p:nvPr>
-        </p:nvSpPr>
-        <p:spPr/>
-        <p:txBody>
-          <a:bodyPr/>
-          <a:lstStyle/>
-          <a:p>
-            <a:fld id="{565CE74E-AB26-4998-AD42-012C4C1AD076}" type="slidenum">
-              <a:rPr lang="zh-CN" altLang="en-US" smtClean="0"/>
-              <a:t>‹#›</a:t>
-            </a:fld>
-            <a:endParaRPr lang="zh-CN" altLang="en-US"/>
-          </a:p>
-        </p:txBody>
-      </p:sp>
-    </p:spTree>
-  </p:cSld>
-  <p:clrMapOvr>
-    <a:masterClrMapping/>
-  </p:clrMapOvr>
-</p:sldLayout>
-</file>
-
-<file path=ppt/slideLayouts/slideLayout6.xml><?xml version="1.0" encoding="utf-8"?>
-<p:sldLayout xmlns:a="http://schemas.openxmlformats.org/drawingml/2006/main" xmlns:r="http://schemas.openxmlformats.org/officeDocument/2006/relationships" xmlns:p="http://schemas.openxmlformats.org/presentationml/2006/main" type="titleOnly" preserve="1">
-  <p:cSld name="仅标题">
-    <p:spTree>
-      <p:nvGrpSpPr>
-        <p:cNvPr id="1" name=""/>
-        <p:cNvGrpSpPr/>
-        <p:nvPr/>
-      </p:nvGrpSpPr>
-      <p:grpSpPr>
-        <a:xfrm>
-          <a:off x="0" y="0"/>
-          <a:ext cx="0" cy="0"/>
-          <a:chOff x="0" y="0"/>
-          <a:chExt cx="0" cy="0"/>
-        </a:xfrm>
-      </p:grpSpPr>
-      <p:sp>
-        <p:nvSpPr>
-          <p:cNvPr id="2" name="标题 1"/>
-          <p:cNvSpPr>
-            <a:spLocks noGrp="1"/>
-          </p:cNvSpPr>
-          <p:nvPr>
-            <p:ph type="title"/>
-          </p:nvPr>
-        </p:nvSpPr>
-        <p:spPr/>
-        <p:txBody>
-          <a:bodyPr/>
-          <a:lstStyle/>
-          <a:p>
-            <a:r>
-              <a:rPr lang="zh-CN" altLang="en-US"/>
-              <a:t>单击此处编辑母版标题样式</a:t>
-            </a:r>
-          </a:p>
-        </p:txBody>
-      </p:sp>
-      <p:sp>
-        <p:nvSpPr>
-          <p:cNvPr id="3" name="日期占位符 2"/>
-          <p:cNvSpPr>
-            <a:spLocks noGrp="1"/>
-          </p:cNvSpPr>
-          <p:nvPr>
-            <p:ph type="dt" sz="half" idx="10"/>
-          </p:nvPr>
-        </p:nvSpPr>
-        <p:spPr/>
-        <p:txBody>
-          <a:bodyPr/>
-          <a:lstStyle/>
-          <a:p>
-            <a:fld id="{D997B5FA-0921-464F-AAE1-844C04324D75}" type="datetimeFigureOut">
-              <a:rPr lang="zh-CN" altLang="en-US" smtClean="0"/>
-              <a:t>2025/7/10</a:t>
-            </a:fld>
-            <a:endParaRPr lang="zh-CN" altLang="en-US"/>
-          </a:p>
-        </p:txBody>
-      </p:sp>
-      <p:sp>
-        <p:nvSpPr>
-          <p:cNvPr id="4" name="页脚占位符 3"/>
-          <p:cNvSpPr>
-            <a:spLocks noGrp="1"/>
-          </p:cNvSpPr>
-          <p:nvPr>
-            <p:ph type="ftr" sz="quarter" idx="11"/>
-          </p:nvPr>
-        </p:nvSpPr>
-        <p:spPr/>
-        <p:txBody>
-          <a:bodyPr/>
-          <a:lstStyle/>
-          <a:p>
-            <a:endParaRPr lang="zh-CN" altLang="en-US"/>
-          </a:p>
-        </p:txBody>
-      </p:sp>
-      <p:sp>
-        <p:nvSpPr>
-          <p:cNvPr id="5" name="灯片编号占位符 4"/>
-          <p:cNvSpPr>
-            <a:spLocks noGrp="1"/>
-          </p:cNvSpPr>
-          <p:nvPr>
-            <p:ph type="sldNum" sz="quarter" idx="12"/>
-          </p:nvPr>
-        </p:nvSpPr>
-        <p:spPr/>
-        <p:txBody>
-          <a:bodyPr/>
-          <a:lstStyle/>
-          <a:p>
-            <a:fld id="{565CE74E-AB26-4998-AD42-012C4C1AD076}" type="slidenum">
-              <a:rPr lang="zh-CN" altLang="en-US" smtClean="0"/>
-              <a:t>‹#›</a:t>
-            </a:fld>
-            <a:endParaRPr lang="zh-CN" altLang="en-US"/>
-          </a:p>
-        </p:txBody>
-      </p:sp>
-    </p:spTree>
-  </p:cSld>
-  <p:clrMapOvr>
-    <a:masterClrMapping/>
-  </p:clrMapOvr>
-</p:sldLayout>
-</file>
-
-<file path=ppt/slideLayouts/slideLayout7.xml><?xml version="1.0" encoding="utf-8"?>
-<p:sldLayout xmlns:a="http://schemas.openxmlformats.org/drawingml/2006/main" xmlns:r="http://schemas.openxmlformats.org/officeDocument/2006/relationships" xmlns:p="http://schemas.openxmlformats.org/presentationml/2006/main" type="blank" preserve="1">
-  <p:cSld name="空白">
-    <p:spTree>
-      <p:nvGrpSpPr>
-        <p:cNvPr id="1" name=""/>
-        <p:cNvGrpSpPr/>
-        <p:nvPr/>
-      </p:nvGrpSpPr>
-      <p:grpSpPr>
-        <a:xfrm>
-          <a:off x="0" y="0"/>
-          <a:ext cx="0" cy="0"/>
-          <a:chOff x="0" y="0"/>
-          <a:chExt cx="0" cy="0"/>
-        </a:xfrm>
-      </p:grpSpPr>
-      <p:sp>
-        <p:nvSpPr>
-          <p:cNvPr id="2" name="日期占位符 1"/>
-          <p:cNvSpPr>
-            <a:spLocks noGrp="1"/>
-          </p:cNvSpPr>
-          <p:nvPr>
-            <p:ph type="dt" sz="half" idx="10"/>
-          </p:nvPr>
-        </p:nvSpPr>
-        <p:spPr/>
-        <p:txBody>
-          <a:bodyPr/>
-          <a:lstStyle/>
-          <a:p>
-            <a:fld id="{D997B5FA-0921-464F-AAE1-844C04324D75}" type="datetimeFigureOut">
-              <a:rPr lang="zh-CN" altLang="en-US" smtClean="0"/>
-              <a:t>2025/7/10</a:t>
-            </a:fld>
-            <a:endParaRPr lang="zh-CN" altLang="en-US"/>
-          </a:p>
-        </p:txBody>
-      </p:sp>
-      <p:sp>
-        <p:nvSpPr>
-          <p:cNvPr id="3" name="页脚占位符 2"/>
-          <p:cNvSpPr>
-            <a:spLocks noGrp="1"/>
-          </p:cNvSpPr>
-          <p:nvPr>
-            <p:ph type="ftr" sz="quarter" idx="11"/>
-          </p:nvPr>
-        </p:nvSpPr>
-        <p:spPr/>
-        <p:txBody>
-          <a:bodyPr/>
-          <a:lstStyle/>
-          <a:p>
-            <a:endParaRPr lang="zh-CN" altLang="en-US"/>
-          </a:p>
-        </p:txBody>
-      </p:sp>
-      <p:sp>
-        <p:nvSpPr>
-          <p:cNvPr id="4" name="灯片编号占位符 3"/>
-          <p:cNvSpPr>
-            <a:spLocks noGrp="1"/>
-          </p:cNvSpPr>
-          <p:nvPr>
-            <p:ph type="sldNum" sz="quarter" idx="12"/>
-          </p:nvPr>
-        </p:nvSpPr>
-        <p:spPr/>
-        <p:txBody>
-          <a:bodyPr/>
-          <a:lstStyle/>
-          <a:p>
-            <a:fld id="{565CE74E-AB26-4998-AD42-012C4C1AD076}" type="slidenum">
-              <a:rPr lang="zh-CN" altLang="en-US" smtClean="0"/>
-              <a:t>‹#›</a:t>
-            </a:fld>
-            <a:endParaRPr lang="zh-CN" altLang="en-US"/>
-          </a:p>
-        </p:txBody>
-      </p:sp>
-    </p:spTree>
-  </p:cSld>
-  <p:clrMapOvr>
-    <a:masterClrMapping/>
-  </p:clrMapOvr>
-</p:sldLayout>
-</file>
-
-<file path=ppt/slideLayouts/slideLayout8.xml><?xml version="1.0" encoding="utf-8"?>
+<file path=ppt/slideLayouts/slideLayout20.xml><?xml version="1.0" encoding="utf-8"?>
 <p:sldLayout xmlns:a="http://schemas.openxmlformats.org/drawingml/2006/main" xmlns:r="http://schemas.openxmlformats.org/officeDocument/2006/relationships" xmlns:p="http://schemas.openxmlformats.org/presentationml/2006/main" type="objTx" preserve="1">
   <p:cSld name="内容与标题">
     <p:spTree>
@@ -2740,7 +3554,13 @@
       </p:grpSpPr>
       <p:sp>
         <p:nvSpPr>
-          <p:cNvPr id="2" name="标题 1"/>
+          <p:cNvPr id="2" name="标题 1">
+            <a:extLst>
+              <a:ext uri="{FF2B5EF4-FFF2-40B4-BE49-F238E27FC236}">
+                <a16:creationId xmlns:a16="http://schemas.microsoft.com/office/drawing/2014/main" id="{37C4F03F-FCE1-A612-AF56-96AAFC23ADCC}"/>
+              </a:ext>
+            </a:extLst>
+          </p:cNvPr>
           <p:cNvSpPr>
             <a:spLocks noGrp="1"/>
           </p:cNvSpPr>
@@ -2771,7 +3591,13 @@
       </p:sp>
       <p:sp>
         <p:nvSpPr>
-          <p:cNvPr id="3" name="内容占位符 2"/>
+          <p:cNvPr id="3" name="内容占位符 2">
+            <a:extLst>
+              <a:ext uri="{FF2B5EF4-FFF2-40B4-BE49-F238E27FC236}">
+                <a16:creationId xmlns:a16="http://schemas.microsoft.com/office/drawing/2014/main" id="{D33BCED1-B193-853A-F7E3-A66BCFD77798}"/>
+              </a:ext>
+            </a:extLst>
+          </p:cNvPr>
           <p:cNvSpPr>
             <a:spLocks noGrp="1"/>
           </p:cNvSpPr>
@@ -2827,35 +3653,41 @@
             <a:pPr lvl="1"/>
             <a:r>
               <a:rPr lang="zh-CN" altLang="en-US"/>
-              <a:t>第二级</a:t>
+              <a:t>二级</a:t>
             </a:r>
           </a:p>
           <a:p>
             <a:pPr lvl="2"/>
             <a:r>
               <a:rPr lang="zh-CN" altLang="en-US"/>
-              <a:t>第三级</a:t>
+              <a:t>三级</a:t>
             </a:r>
           </a:p>
           <a:p>
             <a:pPr lvl="3"/>
             <a:r>
               <a:rPr lang="zh-CN" altLang="en-US"/>
-              <a:t>第四级</a:t>
+              <a:t>四级</a:t>
             </a:r>
           </a:p>
           <a:p>
             <a:pPr lvl="4"/>
             <a:r>
               <a:rPr lang="zh-CN" altLang="en-US"/>
-              <a:t>第五级</a:t>
-            </a:r>
-          </a:p>
-        </p:txBody>
-      </p:sp>
-      <p:sp>
-        <p:nvSpPr>
-          <p:cNvPr id="4" name="文本占位符 3"/>
+              <a:t>五级</a:t>
+            </a:r>
+          </a:p>
+        </p:txBody>
+      </p:sp>
+      <p:sp>
+        <p:nvSpPr>
+          <p:cNvPr id="4" name="文本占位符 3">
+            <a:extLst>
+              <a:ext uri="{FF2B5EF4-FFF2-40B4-BE49-F238E27FC236}">
+                <a16:creationId xmlns:a16="http://schemas.microsoft.com/office/drawing/2014/main" id="{30475668-8B4B-D0E9-1114-F0BE3AD0441C}"/>
+              </a:ext>
+            </a:extLst>
+          </p:cNvPr>
           <p:cNvSpPr>
             <a:spLocks noGrp="1"/>
           </p:cNvSpPr>
@@ -2920,7 +3752,817 @@
       </p:sp>
       <p:sp>
         <p:nvSpPr>
-          <p:cNvPr id="5" name="日期占位符 4"/>
+          <p:cNvPr id="5" name="日期占位符 4">
+            <a:extLst>
+              <a:ext uri="{FF2B5EF4-FFF2-40B4-BE49-F238E27FC236}">
+                <a16:creationId xmlns:a16="http://schemas.microsoft.com/office/drawing/2014/main" id="{7A0F1EFA-8B5D-E018-83D6-2FF94CC20256}"/>
+              </a:ext>
+            </a:extLst>
+          </p:cNvPr>
+          <p:cNvSpPr>
+            <a:spLocks noGrp="1"/>
+          </p:cNvSpPr>
+          <p:nvPr>
+            <p:ph type="dt" sz="half" idx="10"/>
+          </p:nvPr>
+        </p:nvSpPr>
+        <p:spPr/>
+        <p:txBody>
+          <a:bodyPr/>
+          <a:lstStyle/>
+          <a:p>
+            <a:fld id="{FA15884E-CCDC-4F76-8302-022391C33F35}" type="datetimeFigureOut">
+              <a:rPr lang="zh-CN" altLang="en-US" smtClean="0"/>
+              <a:t>2025/7/13</a:t>
+            </a:fld>
+            <a:endParaRPr lang="zh-CN" altLang="en-US"/>
+          </a:p>
+        </p:txBody>
+      </p:sp>
+      <p:sp>
+        <p:nvSpPr>
+          <p:cNvPr id="6" name="页脚占位符 5">
+            <a:extLst>
+              <a:ext uri="{FF2B5EF4-FFF2-40B4-BE49-F238E27FC236}">
+                <a16:creationId xmlns:a16="http://schemas.microsoft.com/office/drawing/2014/main" id="{03DF4BDD-2554-419E-1519-9D1288C7C7DF}"/>
+              </a:ext>
+            </a:extLst>
+          </p:cNvPr>
+          <p:cNvSpPr>
+            <a:spLocks noGrp="1"/>
+          </p:cNvSpPr>
+          <p:nvPr>
+            <p:ph type="ftr" sz="quarter" idx="11"/>
+          </p:nvPr>
+        </p:nvSpPr>
+        <p:spPr/>
+        <p:txBody>
+          <a:bodyPr/>
+          <a:lstStyle/>
+          <a:p>
+            <a:endParaRPr lang="zh-CN" altLang="en-US"/>
+          </a:p>
+        </p:txBody>
+      </p:sp>
+      <p:sp>
+        <p:nvSpPr>
+          <p:cNvPr id="7" name="灯片编号占位符 6">
+            <a:extLst>
+              <a:ext uri="{FF2B5EF4-FFF2-40B4-BE49-F238E27FC236}">
+                <a16:creationId xmlns:a16="http://schemas.microsoft.com/office/drawing/2014/main" id="{B458F20B-7DE5-E51E-4BD2-93D72AFC3483}"/>
+              </a:ext>
+            </a:extLst>
+          </p:cNvPr>
+          <p:cNvSpPr>
+            <a:spLocks noGrp="1"/>
+          </p:cNvSpPr>
+          <p:nvPr>
+            <p:ph type="sldNum" sz="quarter" idx="12"/>
+          </p:nvPr>
+        </p:nvSpPr>
+        <p:spPr/>
+        <p:txBody>
+          <a:bodyPr/>
+          <a:lstStyle/>
+          <a:p>
+            <a:fld id="{CFC2AFCB-56BD-4CD2-8271-89EDC912AF71}" type="slidenum">
+              <a:rPr lang="zh-CN" altLang="en-US" smtClean="0"/>
+              <a:t>‹#›</a:t>
+            </a:fld>
+            <a:endParaRPr lang="zh-CN" altLang="en-US"/>
+          </a:p>
+        </p:txBody>
+      </p:sp>
+    </p:spTree>
+    <p:extLst>
+      <p:ext uri="{BB962C8B-B14F-4D97-AF65-F5344CB8AC3E}">
+        <p14:creationId xmlns:p14="http://schemas.microsoft.com/office/powerpoint/2010/main" val="1368557362"/>
+      </p:ext>
+    </p:extLst>
+  </p:cSld>
+  <p:clrMapOvr>
+    <a:masterClrMapping/>
+  </p:clrMapOvr>
+</p:sldLayout>
+</file>
+
+<file path=ppt/slideLayouts/slideLayout21.xml><?xml version="1.0" encoding="utf-8"?>
+<p:sldLayout xmlns:a="http://schemas.openxmlformats.org/drawingml/2006/main" xmlns:r="http://schemas.openxmlformats.org/officeDocument/2006/relationships" xmlns:p="http://schemas.openxmlformats.org/presentationml/2006/main" type="picTx" preserve="1">
+  <p:cSld name="图片与标题">
+    <p:spTree>
+      <p:nvGrpSpPr>
+        <p:cNvPr id="1" name=""/>
+        <p:cNvGrpSpPr/>
+        <p:nvPr/>
+      </p:nvGrpSpPr>
+      <p:grpSpPr>
+        <a:xfrm>
+          <a:off x="0" y="0"/>
+          <a:ext cx="0" cy="0"/>
+          <a:chOff x="0" y="0"/>
+          <a:chExt cx="0" cy="0"/>
+        </a:xfrm>
+      </p:grpSpPr>
+      <p:sp>
+        <p:nvSpPr>
+          <p:cNvPr id="2" name="标题 1">
+            <a:extLst>
+              <a:ext uri="{FF2B5EF4-FFF2-40B4-BE49-F238E27FC236}">
+                <a16:creationId xmlns:a16="http://schemas.microsoft.com/office/drawing/2014/main" id="{362CF59B-1008-E307-77FF-216C9A8E0F23}"/>
+              </a:ext>
+            </a:extLst>
+          </p:cNvPr>
+          <p:cNvSpPr>
+            <a:spLocks noGrp="1"/>
+          </p:cNvSpPr>
+          <p:nvPr>
+            <p:ph type="title"/>
+          </p:nvPr>
+        </p:nvSpPr>
+        <p:spPr>
+          <a:xfrm>
+            <a:off x="839788" y="457200"/>
+            <a:ext cx="3932237" cy="1600200"/>
+          </a:xfrm>
+        </p:spPr>
+        <p:txBody>
+          <a:bodyPr anchor="b"/>
+          <a:lstStyle>
+            <a:lvl1pPr>
+              <a:defRPr sz="3200"/>
+            </a:lvl1pPr>
+          </a:lstStyle>
+          <a:p>
+            <a:r>
+              <a:rPr lang="zh-CN" altLang="en-US"/>
+              <a:t>单击此处编辑母版标题样式</a:t>
+            </a:r>
+          </a:p>
+        </p:txBody>
+      </p:sp>
+      <p:sp>
+        <p:nvSpPr>
+          <p:cNvPr id="3" name="图片占位符 2">
+            <a:extLst>
+              <a:ext uri="{FF2B5EF4-FFF2-40B4-BE49-F238E27FC236}">
+                <a16:creationId xmlns:a16="http://schemas.microsoft.com/office/drawing/2014/main" id="{83A7D537-1BC8-77B1-1259-016D29D61D72}"/>
+              </a:ext>
+            </a:extLst>
+          </p:cNvPr>
+          <p:cNvSpPr>
+            <a:spLocks noGrp="1"/>
+          </p:cNvSpPr>
+          <p:nvPr>
+            <p:ph type="pic" idx="1"/>
+          </p:nvPr>
+        </p:nvSpPr>
+        <p:spPr>
+          <a:xfrm>
+            <a:off x="5183188" y="987425"/>
+            <a:ext cx="6172200" cy="4873625"/>
+          </a:xfrm>
+        </p:spPr>
+        <p:txBody>
+          <a:bodyPr/>
+          <a:lstStyle>
+            <a:lvl1pPr marL="0" indent="0">
+              <a:buNone/>
+              <a:defRPr sz="3200"/>
+            </a:lvl1pPr>
+            <a:lvl2pPr marL="457200" indent="0">
+              <a:buNone/>
+              <a:defRPr sz="2800"/>
+            </a:lvl2pPr>
+            <a:lvl3pPr marL="914400" indent="0">
+              <a:buNone/>
+              <a:defRPr sz="2400"/>
+            </a:lvl3pPr>
+            <a:lvl4pPr marL="1371600" indent="0">
+              <a:buNone/>
+              <a:defRPr sz="2000"/>
+            </a:lvl4pPr>
+            <a:lvl5pPr marL="1828800" indent="0">
+              <a:buNone/>
+              <a:defRPr sz="2000"/>
+            </a:lvl5pPr>
+            <a:lvl6pPr marL="2286000" indent="0">
+              <a:buNone/>
+              <a:defRPr sz="2000"/>
+            </a:lvl6pPr>
+            <a:lvl7pPr marL="2743200" indent="0">
+              <a:buNone/>
+              <a:defRPr sz="2000"/>
+            </a:lvl7pPr>
+            <a:lvl8pPr marL="3200400" indent="0">
+              <a:buNone/>
+              <a:defRPr sz="2000"/>
+            </a:lvl8pPr>
+            <a:lvl9pPr marL="3657600" indent="0">
+              <a:buNone/>
+              <a:defRPr sz="2000"/>
+            </a:lvl9pPr>
+          </a:lstStyle>
+          <a:p>
+            <a:endParaRPr lang="zh-CN" altLang="en-US"/>
+          </a:p>
+        </p:txBody>
+      </p:sp>
+      <p:sp>
+        <p:nvSpPr>
+          <p:cNvPr id="4" name="文本占位符 3">
+            <a:extLst>
+              <a:ext uri="{FF2B5EF4-FFF2-40B4-BE49-F238E27FC236}">
+                <a16:creationId xmlns:a16="http://schemas.microsoft.com/office/drawing/2014/main" id="{5C902DB5-9B79-9B1D-E26A-A826427C3263}"/>
+              </a:ext>
+            </a:extLst>
+          </p:cNvPr>
+          <p:cNvSpPr>
+            <a:spLocks noGrp="1"/>
+          </p:cNvSpPr>
+          <p:nvPr>
+            <p:ph type="body" sz="half" idx="2"/>
+          </p:nvPr>
+        </p:nvSpPr>
+        <p:spPr>
+          <a:xfrm>
+            <a:off x="839788" y="2057400"/>
+            <a:ext cx="3932237" cy="3811588"/>
+          </a:xfrm>
+        </p:spPr>
+        <p:txBody>
+          <a:bodyPr/>
+          <a:lstStyle>
+            <a:lvl1pPr marL="0" indent="0">
+              <a:buNone/>
+              <a:defRPr sz="1600"/>
+            </a:lvl1pPr>
+            <a:lvl2pPr marL="457200" indent="0">
+              <a:buNone/>
+              <a:defRPr sz="1400"/>
+            </a:lvl2pPr>
+            <a:lvl3pPr marL="914400" indent="0">
+              <a:buNone/>
+              <a:defRPr sz="1200"/>
+            </a:lvl3pPr>
+            <a:lvl4pPr marL="1371600" indent="0">
+              <a:buNone/>
+              <a:defRPr sz="1000"/>
+            </a:lvl4pPr>
+            <a:lvl5pPr marL="1828800" indent="0">
+              <a:buNone/>
+              <a:defRPr sz="1000"/>
+            </a:lvl5pPr>
+            <a:lvl6pPr marL="2286000" indent="0">
+              <a:buNone/>
+              <a:defRPr sz="1000"/>
+            </a:lvl6pPr>
+            <a:lvl7pPr marL="2743200" indent="0">
+              <a:buNone/>
+              <a:defRPr sz="1000"/>
+            </a:lvl7pPr>
+            <a:lvl8pPr marL="3200400" indent="0">
+              <a:buNone/>
+              <a:defRPr sz="1000"/>
+            </a:lvl8pPr>
+            <a:lvl9pPr marL="3657600" indent="0">
+              <a:buNone/>
+              <a:defRPr sz="1000"/>
+            </a:lvl9pPr>
+          </a:lstStyle>
+          <a:p>
+            <a:pPr lvl="0"/>
+            <a:r>
+              <a:rPr lang="zh-CN" altLang="en-US"/>
+              <a:t>单击此处编辑母版文本样式</a:t>
+            </a:r>
+          </a:p>
+        </p:txBody>
+      </p:sp>
+      <p:sp>
+        <p:nvSpPr>
+          <p:cNvPr id="5" name="日期占位符 4">
+            <a:extLst>
+              <a:ext uri="{FF2B5EF4-FFF2-40B4-BE49-F238E27FC236}">
+                <a16:creationId xmlns:a16="http://schemas.microsoft.com/office/drawing/2014/main" id="{DDD97458-500D-2421-7FB9-DED294FEC98B}"/>
+              </a:ext>
+            </a:extLst>
+          </p:cNvPr>
+          <p:cNvSpPr>
+            <a:spLocks noGrp="1"/>
+          </p:cNvSpPr>
+          <p:nvPr>
+            <p:ph type="dt" sz="half" idx="10"/>
+          </p:nvPr>
+        </p:nvSpPr>
+        <p:spPr/>
+        <p:txBody>
+          <a:bodyPr/>
+          <a:lstStyle/>
+          <a:p>
+            <a:fld id="{FA15884E-CCDC-4F76-8302-022391C33F35}" type="datetimeFigureOut">
+              <a:rPr lang="zh-CN" altLang="en-US" smtClean="0"/>
+              <a:t>2025/7/13</a:t>
+            </a:fld>
+            <a:endParaRPr lang="zh-CN" altLang="en-US"/>
+          </a:p>
+        </p:txBody>
+      </p:sp>
+      <p:sp>
+        <p:nvSpPr>
+          <p:cNvPr id="6" name="页脚占位符 5">
+            <a:extLst>
+              <a:ext uri="{FF2B5EF4-FFF2-40B4-BE49-F238E27FC236}">
+                <a16:creationId xmlns:a16="http://schemas.microsoft.com/office/drawing/2014/main" id="{09AC666B-80A7-8B76-6F87-3246431A6D38}"/>
+              </a:ext>
+            </a:extLst>
+          </p:cNvPr>
+          <p:cNvSpPr>
+            <a:spLocks noGrp="1"/>
+          </p:cNvSpPr>
+          <p:nvPr>
+            <p:ph type="ftr" sz="quarter" idx="11"/>
+          </p:nvPr>
+        </p:nvSpPr>
+        <p:spPr/>
+        <p:txBody>
+          <a:bodyPr/>
+          <a:lstStyle/>
+          <a:p>
+            <a:endParaRPr lang="zh-CN" altLang="en-US"/>
+          </a:p>
+        </p:txBody>
+      </p:sp>
+      <p:sp>
+        <p:nvSpPr>
+          <p:cNvPr id="7" name="灯片编号占位符 6">
+            <a:extLst>
+              <a:ext uri="{FF2B5EF4-FFF2-40B4-BE49-F238E27FC236}">
+                <a16:creationId xmlns:a16="http://schemas.microsoft.com/office/drawing/2014/main" id="{07CDDE4C-A4F5-DE8C-68A4-C8F89B0184AF}"/>
+              </a:ext>
+            </a:extLst>
+          </p:cNvPr>
+          <p:cNvSpPr>
+            <a:spLocks noGrp="1"/>
+          </p:cNvSpPr>
+          <p:nvPr>
+            <p:ph type="sldNum" sz="quarter" idx="12"/>
+          </p:nvPr>
+        </p:nvSpPr>
+        <p:spPr/>
+        <p:txBody>
+          <a:bodyPr/>
+          <a:lstStyle/>
+          <a:p>
+            <a:fld id="{CFC2AFCB-56BD-4CD2-8271-89EDC912AF71}" type="slidenum">
+              <a:rPr lang="zh-CN" altLang="en-US" smtClean="0"/>
+              <a:t>‹#›</a:t>
+            </a:fld>
+            <a:endParaRPr lang="zh-CN" altLang="en-US"/>
+          </a:p>
+        </p:txBody>
+      </p:sp>
+    </p:spTree>
+    <p:extLst>
+      <p:ext uri="{BB962C8B-B14F-4D97-AF65-F5344CB8AC3E}">
+        <p14:creationId xmlns:p14="http://schemas.microsoft.com/office/powerpoint/2010/main" val="3216377768"/>
+      </p:ext>
+    </p:extLst>
+  </p:cSld>
+  <p:clrMapOvr>
+    <a:masterClrMapping/>
+  </p:clrMapOvr>
+</p:sldLayout>
+</file>
+
+<file path=ppt/slideLayouts/slideLayout22.xml><?xml version="1.0" encoding="utf-8"?>
+<p:sldLayout xmlns:a="http://schemas.openxmlformats.org/drawingml/2006/main" xmlns:r="http://schemas.openxmlformats.org/officeDocument/2006/relationships" xmlns:p="http://schemas.openxmlformats.org/presentationml/2006/main" userDrawn="1">
+  <p:cSld name="1_Start">
+    <p:spTree>
+      <p:nvGrpSpPr>
+        <p:cNvPr id="1" name=""/>
+        <p:cNvGrpSpPr/>
+        <p:nvPr/>
+      </p:nvGrpSpPr>
+      <p:grpSpPr>
+        <a:xfrm>
+          <a:off x="0" y="0"/>
+          <a:ext cx="0" cy="0"/>
+          <a:chOff x="0" y="0"/>
+          <a:chExt cx="0" cy="0"/>
+        </a:xfrm>
+      </p:grpSpPr>
+      <p:pic>
+        <p:nvPicPr>
+          <p:cNvPr id="2" name="Bild 4" descr="TUM_Glockenturm.tif">
+            <a:extLst>
+              <a:ext uri="{FF2B5EF4-FFF2-40B4-BE49-F238E27FC236}">
+                <a16:creationId xmlns:a16="http://schemas.microsoft.com/office/drawing/2014/main" id="{3DC659F7-0024-9FCB-D753-C693EDA7779B}"/>
+              </a:ext>
+            </a:extLst>
+          </p:cNvPr>
+          <p:cNvPicPr>
+            <a:picLocks noChangeAspect="1"/>
+          </p:cNvPicPr>
+          <p:nvPr userDrawn="1"/>
+        </p:nvPicPr>
+        <p:blipFill>
+          <a:blip r:embed="rId2"/>
+          <a:stretch>
+            <a:fillRect/>
+          </a:stretch>
+        </p:blipFill>
+        <p:spPr>
+          <a:xfrm>
+            <a:off x="6633620" y="1968500"/>
+            <a:ext cx="5092723" cy="4445000"/>
+          </a:xfrm>
+          <a:prstGeom prst="rect">
+            <a:avLst/>
+          </a:prstGeom>
+        </p:spPr>
+      </p:pic>
+      <p:sp>
+        <p:nvSpPr>
+          <p:cNvPr id="12" name="Titel 1"/>
+          <p:cNvSpPr>
+            <a:spLocks noGrp="1"/>
+          </p:cNvSpPr>
+          <p:nvPr>
+            <p:ph type="title" hasCustomPrompt="1"/>
+          </p:nvPr>
+        </p:nvSpPr>
+        <p:spPr>
+          <a:xfrm>
+            <a:off x="425454" y="1296001"/>
+            <a:ext cx="11345332" cy="511175"/>
+          </a:xfrm>
+          <a:prstGeom prst="rect">
+            <a:avLst/>
+          </a:prstGeom>
+          <a:noFill/>
+          <a:ln w="9525">
+            <a:noFill/>
+            <a:miter lim="800000"/>
+            <a:headEnd/>
+            <a:tailEnd/>
+          </a:ln>
+        </p:spPr>
+        <p:txBody>
+          <a:bodyPr vert="horz" wrap="square" lIns="0" tIns="0" rIns="0" bIns="0" numCol="1" anchor="t" anchorCtr="0" compatLnSpc="1">
+            <a:prstTxWarp prst="textNoShape">
+              <a:avLst/>
+            </a:prstTxWarp>
+          </a:bodyPr>
+          <a:lstStyle>
+            <a:lvl1pPr>
+              <a:lnSpc>
+                <a:spcPts val="4267"/>
+              </a:lnSpc>
+              <a:defRPr lang="de-DE" sz="3333" noProof="0" dirty="0">
+                <a:solidFill>
+                  <a:schemeClr val="tx1"/>
+                </a:solidFill>
+              </a:defRPr>
+            </a:lvl1pPr>
+          </a:lstStyle>
+          <a:p>
+            <a:pPr lvl="0"/>
+            <a:r>
+              <a:rPr lang="de-DE" noProof="0" dirty="0"/>
+              <a:t>Titel der Präsentation durch Klicken bearbeiten</a:t>
+            </a:r>
+          </a:p>
+        </p:txBody>
+      </p:sp>
+      <p:sp>
+        <p:nvSpPr>
+          <p:cNvPr id="16" name="Inhaltsplatzhalter 2"/>
+          <p:cNvSpPr>
+            <a:spLocks noGrp="1"/>
+          </p:cNvSpPr>
+          <p:nvPr>
+            <p:ph idx="10" hasCustomPrompt="1"/>
+          </p:nvPr>
+        </p:nvSpPr>
+        <p:spPr>
+          <a:xfrm>
+            <a:off x="425451" y="1978720"/>
+            <a:ext cx="11345332" cy="1274125"/>
+          </a:xfrm>
+          <a:prstGeom prst="rect">
+            <a:avLst/>
+          </a:prstGeom>
+          <a:noFill/>
+          <a:ln w="9525">
+            <a:noFill/>
+            <a:miter lim="800000"/>
+            <a:headEnd/>
+            <a:tailEnd/>
+          </a:ln>
+        </p:spPr>
+        <p:txBody>
+          <a:bodyPr vert="horz" wrap="square" lIns="0" tIns="0" rIns="0" bIns="0" numCol="1" anchor="t" anchorCtr="0" compatLnSpc="1">
+            <a:prstTxWarp prst="textNoShape">
+              <a:avLst/>
+            </a:prstTxWarp>
+          </a:bodyPr>
+          <a:lstStyle>
+            <a:lvl1pPr>
+              <a:lnSpc>
+                <a:spcPct val="150000"/>
+              </a:lnSpc>
+              <a:defRPr lang="de-DE" sz="1867" baseline="0" noProof="0" dirty="0" smtClean="0"/>
+            </a:lvl1pPr>
+            <a:lvl2pPr>
+              <a:defRPr lang="de-DE" noProof="0" dirty="0" smtClean="0"/>
+            </a:lvl2pPr>
+          </a:lstStyle>
+          <a:p>
+            <a:pPr lvl="0"/>
+            <a:r>
+              <a:rPr lang="de-DE" noProof="0" dirty="0"/>
+              <a:t>Referent</a:t>
+            </a:r>
+            <a:br>
+              <a:rPr lang="de-DE" noProof="0" dirty="0"/>
+            </a:br>
+            <a:r>
+              <a:rPr lang="de-DE" noProof="0" dirty="0"/>
+              <a:t>Ort, Datum (Schreibweise: 01. Oktober 2022)</a:t>
+            </a:r>
+          </a:p>
+        </p:txBody>
+      </p:sp>
+      <p:sp>
+        <p:nvSpPr>
+          <p:cNvPr id="14" name="Rechteck 13"/>
+          <p:cNvSpPr/>
+          <p:nvPr userDrawn="1"/>
+        </p:nvSpPr>
+        <p:spPr bwMode="auto">
+          <a:xfrm>
+            <a:off x="11130180" y="6408271"/>
+            <a:ext cx="766981" cy="358588"/>
+          </a:xfrm>
+          <a:prstGeom prst="rect">
+            <a:avLst/>
+          </a:prstGeom>
+          <a:solidFill>
+            <a:schemeClr val="bg1"/>
+          </a:solidFill>
+          <a:ln w="9525" cap="flat" cmpd="sng" algn="ctr">
+            <a:noFill/>
+            <a:prstDash val="solid"/>
+            <a:round/>
+            <a:headEnd type="none" w="med" len="med"/>
+            <a:tailEnd type="none" w="med" len="med"/>
+          </a:ln>
+          <a:effectLst/>
+        </p:spPr>
+        <p:txBody>
+          <a:bodyPr vert="horz" wrap="square" lIns="121920" tIns="60960" rIns="121920" bIns="60960" numCol="1" rtlCol="0" anchor="t" anchorCtr="0" compatLnSpc="1">
+            <a:prstTxWarp prst="textNoShape">
+              <a:avLst/>
+            </a:prstTxWarp>
+          </a:bodyPr>
+          <a:lstStyle/>
+          <a:p>
+            <a:pPr marL="0" marR="0" indent="0" algn="r" defTabSz="1219170" rtl="0" eaLnBrk="0" fontAlgn="base" latinLnBrk="0" hangingPunct="0">
+              <a:lnSpc>
+                <a:spcPct val="100000"/>
+              </a:lnSpc>
+              <a:spcBef>
+                <a:spcPct val="0"/>
+              </a:spcBef>
+              <a:spcAft>
+                <a:spcPct val="0"/>
+              </a:spcAft>
+              <a:buClrTx/>
+              <a:buSzTx/>
+              <a:buFontTx/>
+              <a:buNone/>
+              <a:tabLst/>
+            </a:pPr>
+            <a:endParaRPr kumimoji="0" lang="de-DE" sz="2667" b="0" i="0" u="none" strike="noStrike" cap="none" normalizeH="0" baseline="0">
+              <a:ln>
+                <a:noFill/>
+              </a:ln>
+              <a:solidFill>
+                <a:schemeClr val="tx1"/>
+              </a:solidFill>
+              <a:effectLst/>
+              <a:latin typeface="Arial" pitchFamily="34" charset="0"/>
+            </a:endParaRPr>
+          </a:p>
+        </p:txBody>
+      </p:sp>
+      <p:sp>
+        <p:nvSpPr>
+          <p:cNvPr id="6" name="Foliennummernplatzhalter 5"/>
+          <p:cNvSpPr>
+            <a:spLocks noGrp="1"/>
+          </p:cNvSpPr>
+          <p:nvPr>
+            <p:ph type="sldNum" sz="quarter" idx="12"/>
+          </p:nvPr>
+        </p:nvSpPr>
+        <p:spPr/>
+        <p:txBody>
+          <a:bodyPr/>
+          <a:lstStyle/>
+          <a:p>
+            <a:fld id="{CE58CB1E-F828-4F11-99E0-327109AF9DA4}" type="slidenum">
+              <a:rPr lang="de-DE" smtClean="0"/>
+              <a:pPr/>
+              <a:t>‹#›</a:t>
+            </a:fld>
+            <a:endParaRPr lang="de-DE" dirty="0"/>
+          </a:p>
+        </p:txBody>
+      </p:sp>
+    </p:spTree>
+    <p:extLst>
+      <p:ext uri="{BB962C8B-B14F-4D97-AF65-F5344CB8AC3E}">
+        <p14:creationId xmlns:p14="http://schemas.microsoft.com/office/powerpoint/2010/main" val="1713409371"/>
+      </p:ext>
+    </p:extLst>
+  </p:cSld>
+  <p:clrMapOvr>
+    <a:masterClrMapping/>
+  </p:clrMapOvr>
+</p:sldLayout>
+</file>
+
+<file path=ppt/slideLayouts/slideLayout3.xml><?xml version="1.0" encoding="utf-8"?>
+<p:sldLayout xmlns:a="http://schemas.openxmlformats.org/drawingml/2006/main" xmlns:r="http://schemas.openxmlformats.org/officeDocument/2006/relationships" xmlns:p="http://schemas.openxmlformats.org/presentationml/2006/main" type="secHead" preserve="1">
+  <p:cSld name="节标题">
+    <p:spTree>
+      <p:nvGrpSpPr>
+        <p:cNvPr id="1" name=""/>
+        <p:cNvGrpSpPr/>
+        <p:nvPr/>
+      </p:nvGrpSpPr>
+      <p:grpSpPr>
+        <a:xfrm>
+          <a:off x="0" y="0"/>
+          <a:ext cx="0" cy="0"/>
+          <a:chOff x="0" y="0"/>
+          <a:chExt cx="0" cy="0"/>
+        </a:xfrm>
+      </p:grpSpPr>
+      <p:sp>
+        <p:nvSpPr>
+          <p:cNvPr id="2" name="标题 1"/>
+          <p:cNvSpPr>
+            <a:spLocks noGrp="1"/>
+          </p:cNvSpPr>
+          <p:nvPr>
+            <p:ph type="title"/>
+          </p:nvPr>
+        </p:nvSpPr>
+        <p:spPr>
+          <a:xfrm>
+            <a:off x="831850" y="1709738"/>
+            <a:ext cx="10515600" cy="2852737"/>
+          </a:xfrm>
+        </p:spPr>
+        <p:txBody>
+          <a:bodyPr anchor="b"/>
+          <a:lstStyle>
+            <a:lvl1pPr>
+              <a:defRPr sz="6000"/>
+            </a:lvl1pPr>
+          </a:lstStyle>
+          <a:p>
+            <a:r>
+              <a:rPr lang="zh-CN" altLang="en-US"/>
+              <a:t>单击此处编辑母版标题样式</a:t>
+            </a:r>
+          </a:p>
+        </p:txBody>
+      </p:sp>
+      <p:sp>
+        <p:nvSpPr>
+          <p:cNvPr id="3" name="文本占位符 2"/>
+          <p:cNvSpPr>
+            <a:spLocks noGrp="1"/>
+          </p:cNvSpPr>
+          <p:nvPr>
+            <p:ph type="body" idx="1"/>
+          </p:nvPr>
+        </p:nvSpPr>
+        <p:spPr>
+          <a:xfrm>
+            <a:off x="831850" y="4589463"/>
+            <a:ext cx="10515600" cy="1500187"/>
+          </a:xfrm>
+        </p:spPr>
+        <p:txBody>
+          <a:bodyPr/>
+          <a:lstStyle>
+            <a:lvl1pPr marL="0" indent="0">
+              <a:buNone/>
+              <a:defRPr sz="2400">
+                <a:solidFill>
+                  <a:schemeClr val="tx1">
+                    <a:tint val="75000"/>
+                  </a:schemeClr>
+                </a:solidFill>
+              </a:defRPr>
+            </a:lvl1pPr>
+            <a:lvl2pPr marL="457200" indent="0">
+              <a:buNone/>
+              <a:defRPr sz="2000">
+                <a:solidFill>
+                  <a:schemeClr val="tx1">
+                    <a:tint val="75000"/>
+                  </a:schemeClr>
+                </a:solidFill>
+              </a:defRPr>
+            </a:lvl2pPr>
+            <a:lvl3pPr marL="914400" indent="0">
+              <a:buNone/>
+              <a:defRPr sz="1800">
+                <a:solidFill>
+                  <a:schemeClr val="tx1">
+                    <a:tint val="75000"/>
+                  </a:schemeClr>
+                </a:solidFill>
+              </a:defRPr>
+            </a:lvl3pPr>
+            <a:lvl4pPr marL="1371600" indent="0">
+              <a:buNone/>
+              <a:defRPr sz="1600">
+                <a:solidFill>
+                  <a:schemeClr val="tx1">
+                    <a:tint val="75000"/>
+                  </a:schemeClr>
+                </a:solidFill>
+              </a:defRPr>
+            </a:lvl4pPr>
+            <a:lvl5pPr marL="1828800" indent="0">
+              <a:buNone/>
+              <a:defRPr sz="1600">
+                <a:solidFill>
+                  <a:schemeClr val="tx1">
+                    <a:tint val="75000"/>
+                  </a:schemeClr>
+                </a:solidFill>
+              </a:defRPr>
+            </a:lvl5pPr>
+            <a:lvl6pPr marL="2286000" indent="0">
+              <a:buNone/>
+              <a:defRPr sz="1600">
+                <a:solidFill>
+                  <a:schemeClr val="tx1">
+                    <a:tint val="75000"/>
+                  </a:schemeClr>
+                </a:solidFill>
+              </a:defRPr>
+            </a:lvl6pPr>
+            <a:lvl7pPr marL="2743200" indent="0">
+              <a:buNone/>
+              <a:defRPr sz="1600">
+                <a:solidFill>
+                  <a:schemeClr val="tx1">
+                    <a:tint val="75000"/>
+                  </a:schemeClr>
+                </a:solidFill>
+              </a:defRPr>
+            </a:lvl7pPr>
+            <a:lvl8pPr marL="3200400" indent="0">
+              <a:buNone/>
+              <a:defRPr sz="1600">
+                <a:solidFill>
+                  <a:schemeClr val="tx1">
+                    <a:tint val="75000"/>
+                  </a:schemeClr>
+                </a:solidFill>
+              </a:defRPr>
+            </a:lvl8pPr>
+            <a:lvl9pPr marL="3657600" indent="0">
+              <a:buNone/>
+              <a:defRPr sz="1600">
+                <a:solidFill>
+                  <a:schemeClr val="tx1">
+                    <a:tint val="75000"/>
+                  </a:schemeClr>
+                </a:solidFill>
+              </a:defRPr>
+            </a:lvl9pPr>
+          </a:lstStyle>
+          <a:p>
+            <a:pPr lvl="0"/>
+            <a:r>
+              <a:rPr lang="zh-CN" altLang="en-US"/>
+              <a:t>单击此处编辑母版文本样式</a:t>
+            </a:r>
+          </a:p>
+        </p:txBody>
+      </p:sp>
+      <p:sp>
+        <p:nvSpPr>
+          <p:cNvPr id="4" name="日期占位符 3"/>
           <p:cNvSpPr>
             <a:spLocks noGrp="1"/>
           </p:cNvSpPr>
@@ -2935,7 +4577,1062 @@
           <a:p>
             <a:fld id="{D997B5FA-0921-464F-AAE1-844C04324D75}" type="datetimeFigureOut">
               <a:rPr lang="zh-CN" altLang="en-US" smtClean="0"/>
-              <a:t>2025/7/10</a:t>
+              <a:t>2025/7/13</a:t>
+            </a:fld>
+            <a:endParaRPr lang="zh-CN" altLang="en-US"/>
+          </a:p>
+        </p:txBody>
+      </p:sp>
+      <p:sp>
+        <p:nvSpPr>
+          <p:cNvPr id="5" name="页脚占位符 4"/>
+          <p:cNvSpPr>
+            <a:spLocks noGrp="1"/>
+          </p:cNvSpPr>
+          <p:nvPr>
+            <p:ph type="ftr" sz="quarter" idx="11"/>
+          </p:nvPr>
+        </p:nvSpPr>
+        <p:spPr/>
+        <p:txBody>
+          <a:bodyPr/>
+          <a:lstStyle/>
+          <a:p>
+            <a:endParaRPr lang="zh-CN" altLang="en-US"/>
+          </a:p>
+        </p:txBody>
+      </p:sp>
+      <p:sp>
+        <p:nvSpPr>
+          <p:cNvPr id="6" name="灯片编号占位符 5"/>
+          <p:cNvSpPr>
+            <a:spLocks noGrp="1"/>
+          </p:cNvSpPr>
+          <p:nvPr>
+            <p:ph type="sldNum" sz="quarter" idx="12"/>
+          </p:nvPr>
+        </p:nvSpPr>
+        <p:spPr/>
+        <p:txBody>
+          <a:bodyPr/>
+          <a:lstStyle/>
+          <a:p>
+            <a:fld id="{565CE74E-AB26-4998-AD42-012C4C1AD076}" type="slidenum">
+              <a:rPr lang="zh-CN" altLang="en-US" smtClean="0"/>
+              <a:t>‹#›</a:t>
+            </a:fld>
+            <a:endParaRPr lang="zh-CN" altLang="en-US"/>
+          </a:p>
+        </p:txBody>
+      </p:sp>
+    </p:spTree>
+  </p:cSld>
+  <p:clrMapOvr>
+    <a:masterClrMapping/>
+  </p:clrMapOvr>
+</p:sldLayout>
+</file>
+
+<file path=ppt/slideLayouts/slideLayout4.xml><?xml version="1.0" encoding="utf-8"?>
+<p:sldLayout xmlns:a="http://schemas.openxmlformats.org/drawingml/2006/main" xmlns:r="http://schemas.openxmlformats.org/officeDocument/2006/relationships" xmlns:p="http://schemas.openxmlformats.org/presentationml/2006/main" type="twoObj" preserve="1">
+  <p:cSld name="两栏内容">
+    <p:spTree>
+      <p:nvGrpSpPr>
+        <p:cNvPr id="1" name=""/>
+        <p:cNvGrpSpPr/>
+        <p:nvPr/>
+      </p:nvGrpSpPr>
+      <p:grpSpPr>
+        <a:xfrm>
+          <a:off x="0" y="0"/>
+          <a:ext cx="0" cy="0"/>
+          <a:chOff x="0" y="0"/>
+          <a:chExt cx="0" cy="0"/>
+        </a:xfrm>
+      </p:grpSpPr>
+      <p:sp>
+        <p:nvSpPr>
+          <p:cNvPr id="2" name="标题 1"/>
+          <p:cNvSpPr>
+            <a:spLocks noGrp="1"/>
+          </p:cNvSpPr>
+          <p:nvPr>
+            <p:ph type="title"/>
+          </p:nvPr>
+        </p:nvSpPr>
+        <p:spPr/>
+        <p:txBody>
+          <a:bodyPr/>
+          <a:lstStyle/>
+          <a:p>
+            <a:r>
+              <a:rPr lang="zh-CN" altLang="en-US"/>
+              <a:t>单击此处编辑母版标题样式</a:t>
+            </a:r>
+          </a:p>
+        </p:txBody>
+      </p:sp>
+      <p:sp>
+        <p:nvSpPr>
+          <p:cNvPr id="3" name="内容占位符 2"/>
+          <p:cNvSpPr>
+            <a:spLocks noGrp="1"/>
+          </p:cNvSpPr>
+          <p:nvPr>
+            <p:ph sz="half" idx="1"/>
+          </p:nvPr>
+        </p:nvSpPr>
+        <p:spPr>
+          <a:xfrm>
+            <a:off x="838200" y="1825625"/>
+            <a:ext cx="5181600" cy="4351338"/>
+          </a:xfrm>
+        </p:spPr>
+        <p:txBody>
+          <a:bodyPr/>
+          <a:lstStyle/>
+          <a:p>
+            <a:pPr lvl="0"/>
+            <a:r>
+              <a:rPr lang="zh-CN" altLang="en-US"/>
+              <a:t>单击此处编辑母版文本样式</a:t>
+            </a:r>
+          </a:p>
+          <a:p>
+            <a:pPr lvl="1"/>
+            <a:r>
+              <a:rPr lang="zh-CN" altLang="en-US"/>
+              <a:t>第二级</a:t>
+            </a:r>
+          </a:p>
+          <a:p>
+            <a:pPr lvl="2"/>
+            <a:r>
+              <a:rPr lang="zh-CN" altLang="en-US"/>
+              <a:t>第三级</a:t>
+            </a:r>
+          </a:p>
+          <a:p>
+            <a:pPr lvl="3"/>
+            <a:r>
+              <a:rPr lang="zh-CN" altLang="en-US"/>
+              <a:t>第四级</a:t>
+            </a:r>
+          </a:p>
+          <a:p>
+            <a:pPr lvl="4"/>
+            <a:r>
+              <a:rPr lang="zh-CN" altLang="en-US"/>
+              <a:t>第五级</a:t>
+            </a:r>
+          </a:p>
+        </p:txBody>
+      </p:sp>
+      <p:sp>
+        <p:nvSpPr>
+          <p:cNvPr id="4" name="内容占位符 3"/>
+          <p:cNvSpPr>
+            <a:spLocks noGrp="1"/>
+          </p:cNvSpPr>
+          <p:nvPr>
+            <p:ph sz="half" idx="2"/>
+          </p:nvPr>
+        </p:nvSpPr>
+        <p:spPr>
+          <a:xfrm>
+            <a:off x="6172200" y="1825625"/>
+            <a:ext cx="5181600" cy="4351338"/>
+          </a:xfrm>
+        </p:spPr>
+        <p:txBody>
+          <a:bodyPr/>
+          <a:lstStyle/>
+          <a:p>
+            <a:pPr lvl="0"/>
+            <a:r>
+              <a:rPr lang="zh-CN" altLang="en-US"/>
+              <a:t>单击此处编辑母版文本样式</a:t>
+            </a:r>
+          </a:p>
+          <a:p>
+            <a:pPr lvl="1"/>
+            <a:r>
+              <a:rPr lang="zh-CN" altLang="en-US"/>
+              <a:t>第二级</a:t>
+            </a:r>
+          </a:p>
+          <a:p>
+            <a:pPr lvl="2"/>
+            <a:r>
+              <a:rPr lang="zh-CN" altLang="en-US"/>
+              <a:t>第三级</a:t>
+            </a:r>
+          </a:p>
+          <a:p>
+            <a:pPr lvl="3"/>
+            <a:r>
+              <a:rPr lang="zh-CN" altLang="en-US"/>
+              <a:t>第四级</a:t>
+            </a:r>
+          </a:p>
+          <a:p>
+            <a:pPr lvl="4"/>
+            <a:r>
+              <a:rPr lang="zh-CN" altLang="en-US"/>
+              <a:t>第五级</a:t>
+            </a:r>
+          </a:p>
+        </p:txBody>
+      </p:sp>
+      <p:sp>
+        <p:nvSpPr>
+          <p:cNvPr id="5" name="日期占位符 4"/>
+          <p:cNvSpPr>
+            <a:spLocks noGrp="1"/>
+          </p:cNvSpPr>
+          <p:nvPr>
+            <p:ph type="dt" sz="half" idx="10"/>
+          </p:nvPr>
+        </p:nvSpPr>
+        <p:spPr/>
+        <p:txBody>
+          <a:bodyPr/>
+          <a:lstStyle/>
+          <a:p>
+            <a:fld id="{D997B5FA-0921-464F-AAE1-844C04324D75}" type="datetimeFigureOut">
+              <a:rPr lang="zh-CN" altLang="en-US" smtClean="0"/>
+              <a:t>2025/7/13</a:t>
+            </a:fld>
+            <a:endParaRPr lang="zh-CN" altLang="en-US"/>
+          </a:p>
+        </p:txBody>
+      </p:sp>
+      <p:sp>
+        <p:nvSpPr>
+          <p:cNvPr id="6" name="页脚占位符 5"/>
+          <p:cNvSpPr>
+            <a:spLocks noGrp="1"/>
+          </p:cNvSpPr>
+          <p:nvPr>
+            <p:ph type="ftr" sz="quarter" idx="11"/>
+          </p:nvPr>
+        </p:nvSpPr>
+        <p:spPr/>
+        <p:txBody>
+          <a:bodyPr/>
+          <a:lstStyle/>
+          <a:p>
+            <a:endParaRPr lang="zh-CN" altLang="en-US"/>
+          </a:p>
+        </p:txBody>
+      </p:sp>
+      <p:sp>
+        <p:nvSpPr>
+          <p:cNvPr id="7" name="灯片编号占位符 6"/>
+          <p:cNvSpPr>
+            <a:spLocks noGrp="1"/>
+          </p:cNvSpPr>
+          <p:nvPr>
+            <p:ph type="sldNum" sz="quarter" idx="12"/>
+          </p:nvPr>
+        </p:nvSpPr>
+        <p:spPr/>
+        <p:txBody>
+          <a:bodyPr/>
+          <a:lstStyle/>
+          <a:p>
+            <a:fld id="{565CE74E-AB26-4998-AD42-012C4C1AD076}" type="slidenum">
+              <a:rPr lang="zh-CN" altLang="en-US" smtClean="0"/>
+              <a:t>‹#›</a:t>
+            </a:fld>
+            <a:endParaRPr lang="zh-CN" altLang="en-US"/>
+          </a:p>
+        </p:txBody>
+      </p:sp>
+    </p:spTree>
+  </p:cSld>
+  <p:clrMapOvr>
+    <a:masterClrMapping/>
+  </p:clrMapOvr>
+</p:sldLayout>
+</file>
+
+<file path=ppt/slideLayouts/slideLayout5.xml><?xml version="1.0" encoding="utf-8"?>
+<p:sldLayout xmlns:a="http://schemas.openxmlformats.org/drawingml/2006/main" xmlns:r="http://schemas.openxmlformats.org/officeDocument/2006/relationships" xmlns:p="http://schemas.openxmlformats.org/presentationml/2006/main" type="twoTxTwoObj" preserve="1">
+  <p:cSld name="比较">
+    <p:spTree>
+      <p:nvGrpSpPr>
+        <p:cNvPr id="1" name=""/>
+        <p:cNvGrpSpPr/>
+        <p:nvPr/>
+      </p:nvGrpSpPr>
+      <p:grpSpPr>
+        <a:xfrm>
+          <a:off x="0" y="0"/>
+          <a:ext cx="0" cy="0"/>
+          <a:chOff x="0" y="0"/>
+          <a:chExt cx="0" cy="0"/>
+        </a:xfrm>
+      </p:grpSpPr>
+      <p:sp>
+        <p:nvSpPr>
+          <p:cNvPr id="2" name="标题 1"/>
+          <p:cNvSpPr>
+            <a:spLocks noGrp="1"/>
+          </p:cNvSpPr>
+          <p:nvPr>
+            <p:ph type="title"/>
+          </p:nvPr>
+        </p:nvSpPr>
+        <p:spPr>
+          <a:xfrm>
+            <a:off x="839788" y="365125"/>
+            <a:ext cx="10515600" cy="1325563"/>
+          </a:xfrm>
+        </p:spPr>
+        <p:txBody>
+          <a:bodyPr/>
+          <a:lstStyle/>
+          <a:p>
+            <a:r>
+              <a:rPr lang="zh-CN" altLang="en-US"/>
+              <a:t>单击此处编辑母版标题样式</a:t>
+            </a:r>
+          </a:p>
+        </p:txBody>
+      </p:sp>
+      <p:sp>
+        <p:nvSpPr>
+          <p:cNvPr id="3" name="文本占位符 2"/>
+          <p:cNvSpPr>
+            <a:spLocks noGrp="1"/>
+          </p:cNvSpPr>
+          <p:nvPr>
+            <p:ph type="body" idx="1"/>
+          </p:nvPr>
+        </p:nvSpPr>
+        <p:spPr>
+          <a:xfrm>
+            <a:off x="839788" y="1681163"/>
+            <a:ext cx="5157787" cy="823912"/>
+          </a:xfrm>
+        </p:spPr>
+        <p:txBody>
+          <a:bodyPr anchor="b"/>
+          <a:lstStyle>
+            <a:lvl1pPr marL="0" indent="0">
+              <a:buNone/>
+              <a:defRPr sz="2400" b="1"/>
+            </a:lvl1pPr>
+            <a:lvl2pPr marL="457200" indent="0">
+              <a:buNone/>
+              <a:defRPr sz="2000" b="1"/>
+            </a:lvl2pPr>
+            <a:lvl3pPr marL="914400" indent="0">
+              <a:buNone/>
+              <a:defRPr sz="1800" b="1"/>
+            </a:lvl3pPr>
+            <a:lvl4pPr marL="1371600" indent="0">
+              <a:buNone/>
+              <a:defRPr sz="1600" b="1"/>
+            </a:lvl4pPr>
+            <a:lvl5pPr marL="1828800" indent="0">
+              <a:buNone/>
+              <a:defRPr sz="1600" b="1"/>
+            </a:lvl5pPr>
+            <a:lvl6pPr marL="2286000" indent="0">
+              <a:buNone/>
+              <a:defRPr sz="1600" b="1"/>
+            </a:lvl6pPr>
+            <a:lvl7pPr marL="2743200" indent="0">
+              <a:buNone/>
+              <a:defRPr sz="1600" b="1"/>
+            </a:lvl7pPr>
+            <a:lvl8pPr marL="3200400" indent="0">
+              <a:buNone/>
+              <a:defRPr sz="1600" b="1"/>
+            </a:lvl8pPr>
+            <a:lvl9pPr marL="3657600" indent="0">
+              <a:buNone/>
+              <a:defRPr sz="1600" b="1"/>
+            </a:lvl9pPr>
+          </a:lstStyle>
+          <a:p>
+            <a:pPr lvl="0"/>
+            <a:r>
+              <a:rPr lang="zh-CN" altLang="en-US"/>
+              <a:t>单击此处编辑母版文本样式</a:t>
+            </a:r>
+          </a:p>
+        </p:txBody>
+      </p:sp>
+      <p:sp>
+        <p:nvSpPr>
+          <p:cNvPr id="4" name="内容占位符 3"/>
+          <p:cNvSpPr>
+            <a:spLocks noGrp="1"/>
+          </p:cNvSpPr>
+          <p:nvPr>
+            <p:ph sz="half" idx="2"/>
+          </p:nvPr>
+        </p:nvSpPr>
+        <p:spPr>
+          <a:xfrm>
+            <a:off x="839788" y="2505075"/>
+            <a:ext cx="5157787" cy="3684588"/>
+          </a:xfrm>
+        </p:spPr>
+        <p:txBody>
+          <a:bodyPr/>
+          <a:lstStyle/>
+          <a:p>
+            <a:pPr lvl="0"/>
+            <a:r>
+              <a:rPr lang="zh-CN" altLang="en-US"/>
+              <a:t>单击此处编辑母版文本样式</a:t>
+            </a:r>
+          </a:p>
+          <a:p>
+            <a:pPr lvl="1"/>
+            <a:r>
+              <a:rPr lang="zh-CN" altLang="en-US"/>
+              <a:t>第二级</a:t>
+            </a:r>
+          </a:p>
+          <a:p>
+            <a:pPr lvl="2"/>
+            <a:r>
+              <a:rPr lang="zh-CN" altLang="en-US"/>
+              <a:t>第三级</a:t>
+            </a:r>
+          </a:p>
+          <a:p>
+            <a:pPr lvl="3"/>
+            <a:r>
+              <a:rPr lang="zh-CN" altLang="en-US"/>
+              <a:t>第四级</a:t>
+            </a:r>
+          </a:p>
+          <a:p>
+            <a:pPr lvl="4"/>
+            <a:r>
+              <a:rPr lang="zh-CN" altLang="en-US"/>
+              <a:t>第五级</a:t>
+            </a:r>
+          </a:p>
+        </p:txBody>
+      </p:sp>
+      <p:sp>
+        <p:nvSpPr>
+          <p:cNvPr id="5" name="文本占位符 4"/>
+          <p:cNvSpPr>
+            <a:spLocks noGrp="1"/>
+          </p:cNvSpPr>
+          <p:nvPr>
+            <p:ph type="body" sz="quarter" idx="3"/>
+          </p:nvPr>
+        </p:nvSpPr>
+        <p:spPr>
+          <a:xfrm>
+            <a:off x="6172200" y="1681163"/>
+            <a:ext cx="5183188" cy="823912"/>
+          </a:xfrm>
+        </p:spPr>
+        <p:txBody>
+          <a:bodyPr anchor="b"/>
+          <a:lstStyle>
+            <a:lvl1pPr marL="0" indent="0">
+              <a:buNone/>
+              <a:defRPr sz="2400" b="1"/>
+            </a:lvl1pPr>
+            <a:lvl2pPr marL="457200" indent="0">
+              <a:buNone/>
+              <a:defRPr sz="2000" b="1"/>
+            </a:lvl2pPr>
+            <a:lvl3pPr marL="914400" indent="0">
+              <a:buNone/>
+              <a:defRPr sz="1800" b="1"/>
+            </a:lvl3pPr>
+            <a:lvl4pPr marL="1371600" indent="0">
+              <a:buNone/>
+              <a:defRPr sz="1600" b="1"/>
+            </a:lvl4pPr>
+            <a:lvl5pPr marL="1828800" indent="0">
+              <a:buNone/>
+              <a:defRPr sz="1600" b="1"/>
+            </a:lvl5pPr>
+            <a:lvl6pPr marL="2286000" indent="0">
+              <a:buNone/>
+              <a:defRPr sz="1600" b="1"/>
+            </a:lvl6pPr>
+            <a:lvl7pPr marL="2743200" indent="0">
+              <a:buNone/>
+              <a:defRPr sz="1600" b="1"/>
+            </a:lvl7pPr>
+            <a:lvl8pPr marL="3200400" indent="0">
+              <a:buNone/>
+              <a:defRPr sz="1600" b="1"/>
+            </a:lvl8pPr>
+            <a:lvl9pPr marL="3657600" indent="0">
+              <a:buNone/>
+              <a:defRPr sz="1600" b="1"/>
+            </a:lvl9pPr>
+          </a:lstStyle>
+          <a:p>
+            <a:pPr lvl="0"/>
+            <a:r>
+              <a:rPr lang="zh-CN" altLang="en-US"/>
+              <a:t>单击此处编辑母版文本样式</a:t>
+            </a:r>
+          </a:p>
+        </p:txBody>
+      </p:sp>
+      <p:sp>
+        <p:nvSpPr>
+          <p:cNvPr id="6" name="内容占位符 5"/>
+          <p:cNvSpPr>
+            <a:spLocks noGrp="1"/>
+          </p:cNvSpPr>
+          <p:nvPr>
+            <p:ph sz="quarter" idx="4"/>
+          </p:nvPr>
+        </p:nvSpPr>
+        <p:spPr>
+          <a:xfrm>
+            <a:off x="6172200" y="2505075"/>
+            <a:ext cx="5183188" cy="3684588"/>
+          </a:xfrm>
+        </p:spPr>
+        <p:txBody>
+          <a:bodyPr/>
+          <a:lstStyle/>
+          <a:p>
+            <a:pPr lvl="0"/>
+            <a:r>
+              <a:rPr lang="zh-CN" altLang="en-US"/>
+              <a:t>单击此处编辑母版文本样式</a:t>
+            </a:r>
+          </a:p>
+          <a:p>
+            <a:pPr lvl="1"/>
+            <a:r>
+              <a:rPr lang="zh-CN" altLang="en-US"/>
+              <a:t>第二级</a:t>
+            </a:r>
+          </a:p>
+          <a:p>
+            <a:pPr lvl="2"/>
+            <a:r>
+              <a:rPr lang="zh-CN" altLang="en-US"/>
+              <a:t>第三级</a:t>
+            </a:r>
+          </a:p>
+          <a:p>
+            <a:pPr lvl="3"/>
+            <a:r>
+              <a:rPr lang="zh-CN" altLang="en-US"/>
+              <a:t>第四级</a:t>
+            </a:r>
+          </a:p>
+          <a:p>
+            <a:pPr lvl="4"/>
+            <a:r>
+              <a:rPr lang="zh-CN" altLang="en-US"/>
+              <a:t>第五级</a:t>
+            </a:r>
+          </a:p>
+        </p:txBody>
+      </p:sp>
+      <p:sp>
+        <p:nvSpPr>
+          <p:cNvPr id="7" name="日期占位符 6"/>
+          <p:cNvSpPr>
+            <a:spLocks noGrp="1"/>
+          </p:cNvSpPr>
+          <p:nvPr>
+            <p:ph type="dt" sz="half" idx="10"/>
+          </p:nvPr>
+        </p:nvSpPr>
+        <p:spPr/>
+        <p:txBody>
+          <a:bodyPr/>
+          <a:lstStyle/>
+          <a:p>
+            <a:fld id="{D997B5FA-0921-464F-AAE1-844C04324D75}" type="datetimeFigureOut">
+              <a:rPr lang="zh-CN" altLang="en-US" smtClean="0"/>
+              <a:t>2025/7/13</a:t>
+            </a:fld>
+            <a:endParaRPr lang="zh-CN" altLang="en-US"/>
+          </a:p>
+        </p:txBody>
+      </p:sp>
+      <p:sp>
+        <p:nvSpPr>
+          <p:cNvPr id="8" name="页脚占位符 7"/>
+          <p:cNvSpPr>
+            <a:spLocks noGrp="1"/>
+          </p:cNvSpPr>
+          <p:nvPr>
+            <p:ph type="ftr" sz="quarter" idx="11"/>
+          </p:nvPr>
+        </p:nvSpPr>
+        <p:spPr/>
+        <p:txBody>
+          <a:bodyPr/>
+          <a:lstStyle/>
+          <a:p>
+            <a:endParaRPr lang="zh-CN" altLang="en-US"/>
+          </a:p>
+        </p:txBody>
+      </p:sp>
+      <p:sp>
+        <p:nvSpPr>
+          <p:cNvPr id="9" name="灯片编号占位符 8"/>
+          <p:cNvSpPr>
+            <a:spLocks noGrp="1"/>
+          </p:cNvSpPr>
+          <p:nvPr>
+            <p:ph type="sldNum" sz="quarter" idx="12"/>
+          </p:nvPr>
+        </p:nvSpPr>
+        <p:spPr/>
+        <p:txBody>
+          <a:bodyPr/>
+          <a:lstStyle/>
+          <a:p>
+            <a:fld id="{565CE74E-AB26-4998-AD42-012C4C1AD076}" type="slidenum">
+              <a:rPr lang="zh-CN" altLang="en-US" smtClean="0"/>
+              <a:t>‹#›</a:t>
+            </a:fld>
+            <a:endParaRPr lang="zh-CN" altLang="en-US"/>
+          </a:p>
+        </p:txBody>
+      </p:sp>
+    </p:spTree>
+  </p:cSld>
+  <p:clrMapOvr>
+    <a:masterClrMapping/>
+  </p:clrMapOvr>
+</p:sldLayout>
+</file>
+
+<file path=ppt/slideLayouts/slideLayout6.xml><?xml version="1.0" encoding="utf-8"?>
+<p:sldLayout xmlns:a="http://schemas.openxmlformats.org/drawingml/2006/main" xmlns:r="http://schemas.openxmlformats.org/officeDocument/2006/relationships" xmlns:p="http://schemas.openxmlformats.org/presentationml/2006/main" type="titleOnly" preserve="1">
+  <p:cSld name="仅标题">
+    <p:spTree>
+      <p:nvGrpSpPr>
+        <p:cNvPr id="1" name=""/>
+        <p:cNvGrpSpPr/>
+        <p:nvPr/>
+      </p:nvGrpSpPr>
+      <p:grpSpPr>
+        <a:xfrm>
+          <a:off x="0" y="0"/>
+          <a:ext cx="0" cy="0"/>
+          <a:chOff x="0" y="0"/>
+          <a:chExt cx="0" cy="0"/>
+        </a:xfrm>
+      </p:grpSpPr>
+      <p:sp>
+        <p:nvSpPr>
+          <p:cNvPr id="2" name="标题 1"/>
+          <p:cNvSpPr>
+            <a:spLocks noGrp="1"/>
+          </p:cNvSpPr>
+          <p:nvPr>
+            <p:ph type="title"/>
+          </p:nvPr>
+        </p:nvSpPr>
+        <p:spPr/>
+        <p:txBody>
+          <a:bodyPr/>
+          <a:lstStyle/>
+          <a:p>
+            <a:r>
+              <a:rPr lang="zh-CN" altLang="en-US"/>
+              <a:t>单击此处编辑母版标题样式</a:t>
+            </a:r>
+          </a:p>
+        </p:txBody>
+      </p:sp>
+      <p:sp>
+        <p:nvSpPr>
+          <p:cNvPr id="3" name="日期占位符 2"/>
+          <p:cNvSpPr>
+            <a:spLocks noGrp="1"/>
+          </p:cNvSpPr>
+          <p:nvPr>
+            <p:ph type="dt" sz="half" idx="10"/>
+          </p:nvPr>
+        </p:nvSpPr>
+        <p:spPr/>
+        <p:txBody>
+          <a:bodyPr/>
+          <a:lstStyle/>
+          <a:p>
+            <a:fld id="{D997B5FA-0921-464F-AAE1-844C04324D75}" type="datetimeFigureOut">
+              <a:rPr lang="zh-CN" altLang="en-US" smtClean="0"/>
+              <a:t>2025/7/13</a:t>
+            </a:fld>
+            <a:endParaRPr lang="zh-CN" altLang="en-US"/>
+          </a:p>
+        </p:txBody>
+      </p:sp>
+      <p:sp>
+        <p:nvSpPr>
+          <p:cNvPr id="4" name="页脚占位符 3"/>
+          <p:cNvSpPr>
+            <a:spLocks noGrp="1"/>
+          </p:cNvSpPr>
+          <p:nvPr>
+            <p:ph type="ftr" sz="quarter" idx="11"/>
+          </p:nvPr>
+        </p:nvSpPr>
+        <p:spPr/>
+        <p:txBody>
+          <a:bodyPr/>
+          <a:lstStyle/>
+          <a:p>
+            <a:endParaRPr lang="zh-CN" altLang="en-US"/>
+          </a:p>
+        </p:txBody>
+      </p:sp>
+      <p:sp>
+        <p:nvSpPr>
+          <p:cNvPr id="5" name="灯片编号占位符 4"/>
+          <p:cNvSpPr>
+            <a:spLocks noGrp="1"/>
+          </p:cNvSpPr>
+          <p:nvPr>
+            <p:ph type="sldNum" sz="quarter" idx="12"/>
+          </p:nvPr>
+        </p:nvSpPr>
+        <p:spPr/>
+        <p:txBody>
+          <a:bodyPr/>
+          <a:lstStyle/>
+          <a:p>
+            <a:fld id="{565CE74E-AB26-4998-AD42-012C4C1AD076}" type="slidenum">
+              <a:rPr lang="zh-CN" altLang="en-US" smtClean="0"/>
+              <a:t>‹#›</a:t>
+            </a:fld>
+            <a:endParaRPr lang="zh-CN" altLang="en-US"/>
+          </a:p>
+        </p:txBody>
+      </p:sp>
+    </p:spTree>
+  </p:cSld>
+  <p:clrMapOvr>
+    <a:masterClrMapping/>
+  </p:clrMapOvr>
+</p:sldLayout>
+</file>
+
+<file path=ppt/slideLayouts/slideLayout7.xml><?xml version="1.0" encoding="utf-8"?>
+<p:sldLayout xmlns:a="http://schemas.openxmlformats.org/drawingml/2006/main" xmlns:r="http://schemas.openxmlformats.org/officeDocument/2006/relationships" xmlns:p="http://schemas.openxmlformats.org/presentationml/2006/main" type="blank" preserve="1">
+  <p:cSld name="空白">
+    <p:spTree>
+      <p:nvGrpSpPr>
+        <p:cNvPr id="1" name=""/>
+        <p:cNvGrpSpPr/>
+        <p:nvPr/>
+      </p:nvGrpSpPr>
+      <p:grpSpPr>
+        <a:xfrm>
+          <a:off x="0" y="0"/>
+          <a:ext cx="0" cy="0"/>
+          <a:chOff x="0" y="0"/>
+          <a:chExt cx="0" cy="0"/>
+        </a:xfrm>
+      </p:grpSpPr>
+      <p:sp>
+        <p:nvSpPr>
+          <p:cNvPr id="2" name="日期占位符 1"/>
+          <p:cNvSpPr>
+            <a:spLocks noGrp="1"/>
+          </p:cNvSpPr>
+          <p:nvPr>
+            <p:ph type="dt" sz="half" idx="10"/>
+          </p:nvPr>
+        </p:nvSpPr>
+        <p:spPr/>
+        <p:txBody>
+          <a:bodyPr/>
+          <a:lstStyle/>
+          <a:p>
+            <a:fld id="{D997B5FA-0921-464F-AAE1-844C04324D75}" type="datetimeFigureOut">
+              <a:rPr lang="zh-CN" altLang="en-US" smtClean="0"/>
+              <a:t>2025/7/13</a:t>
+            </a:fld>
+            <a:endParaRPr lang="zh-CN" altLang="en-US"/>
+          </a:p>
+        </p:txBody>
+      </p:sp>
+      <p:sp>
+        <p:nvSpPr>
+          <p:cNvPr id="3" name="页脚占位符 2"/>
+          <p:cNvSpPr>
+            <a:spLocks noGrp="1"/>
+          </p:cNvSpPr>
+          <p:nvPr>
+            <p:ph type="ftr" sz="quarter" idx="11"/>
+          </p:nvPr>
+        </p:nvSpPr>
+        <p:spPr/>
+        <p:txBody>
+          <a:bodyPr/>
+          <a:lstStyle/>
+          <a:p>
+            <a:endParaRPr lang="zh-CN" altLang="en-US"/>
+          </a:p>
+        </p:txBody>
+      </p:sp>
+      <p:sp>
+        <p:nvSpPr>
+          <p:cNvPr id="4" name="灯片编号占位符 3"/>
+          <p:cNvSpPr>
+            <a:spLocks noGrp="1"/>
+          </p:cNvSpPr>
+          <p:nvPr>
+            <p:ph type="sldNum" sz="quarter" idx="12"/>
+          </p:nvPr>
+        </p:nvSpPr>
+        <p:spPr/>
+        <p:txBody>
+          <a:bodyPr/>
+          <a:lstStyle/>
+          <a:p>
+            <a:fld id="{565CE74E-AB26-4998-AD42-012C4C1AD076}" type="slidenum">
+              <a:rPr lang="zh-CN" altLang="en-US" smtClean="0"/>
+              <a:t>‹#›</a:t>
+            </a:fld>
+            <a:endParaRPr lang="zh-CN" altLang="en-US"/>
+          </a:p>
+        </p:txBody>
+      </p:sp>
+    </p:spTree>
+  </p:cSld>
+  <p:clrMapOvr>
+    <a:masterClrMapping/>
+  </p:clrMapOvr>
+</p:sldLayout>
+</file>
+
+<file path=ppt/slideLayouts/slideLayout8.xml><?xml version="1.0" encoding="utf-8"?>
+<p:sldLayout xmlns:a="http://schemas.openxmlformats.org/drawingml/2006/main" xmlns:r="http://schemas.openxmlformats.org/officeDocument/2006/relationships" xmlns:p="http://schemas.openxmlformats.org/presentationml/2006/main" type="objTx" preserve="1">
+  <p:cSld name="内容与标题">
+    <p:spTree>
+      <p:nvGrpSpPr>
+        <p:cNvPr id="1" name=""/>
+        <p:cNvGrpSpPr/>
+        <p:nvPr/>
+      </p:nvGrpSpPr>
+      <p:grpSpPr>
+        <a:xfrm>
+          <a:off x="0" y="0"/>
+          <a:ext cx="0" cy="0"/>
+          <a:chOff x="0" y="0"/>
+          <a:chExt cx="0" cy="0"/>
+        </a:xfrm>
+      </p:grpSpPr>
+      <p:sp>
+        <p:nvSpPr>
+          <p:cNvPr id="2" name="标题 1"/>
+          <p:cNvSpPr>
+            <a:spLocks noGrp="1"/>
+          </p:cNvSpPr>
+          <p:nvPr>
+            <p:ph type="title"/>
+          </p:nvPr>
+        </p:nvSpPr>
+        <p:spPr>
+          <a:xfrm>
+            <a:off x="839788" y="457200"/>
+            <a:ext cx="3932237" cy="1600200"/>
+          </a:xfrm>
+        </p:spPr>
+        <p:txBody>
+          <a:bodyPr anchor="b"/>
+          <a:lstStyle>
+            <a:lvl1pPr>
+              <a:defRPr sz="3200"/>
+            </a:lvl1pPr>
+          </a:lstStyle>
+          <a:p>
+            <a:r>
+              <a:rPr lang="zh-CN" altLang="en-US"/>
+              <a:t>单击此处编辑母版标题样式</a:t>
+            </a:r>
+          </a:p>
+        </p:txBody>
+      </p:sp>
+      <p:sp>
+        <p:nvSpPr>
+          <p:cNvPr id="3" name="内容占位符 2"/>
+          <p:cNvSpPr>
+            <a:spLocks noGrp="1"/>
+          </p:cNvSpPr>
+          <p:nvPr>
+            <p:ph idx="1"/>
+          </p:nvPr>
+        </p:nvSpPr>
+        <p:spPr>
+          <a:xfrm>
+            <a:off x="5183188" y="987425"/>
+            <a:ext cx="6172200" cy="4873625"/>
+          </a:xfrm>
+        </p:spPr>
+        <p:txBody>
+          <a:bodyPr/>
+          <a:lstStyle>
+            <a:lvl1pPr>
+              <a:defRPr sz="3200"/>
+            </a:lvl1pPr>
+            <a:lvl2pPr>
+              <a:defRPr sz="2800"/>
+            </a:lvl2pPr>
+            <a:lvl3pPr>
+              <a:defRPr sz="2400"/>
+            </a:lvl3pPr>
+            <a:lvl4pPr>
+              <a:defRPr sz="2000"/>
+            </a:lvl4pPr>
+            <a:lvl5pPr>
+              <a:defRPr sz="2000"/>
+            </a:lvl5pPr>
+            <a:lvl6pPr>
+              <a:defRPr sz="2000"/>
+            </a:lvl6pPr>
+            <a:lvl7pPr>
+              <a:defRPr sz="2000"/>
+            </a:lvl7pPr>
+            <a:lvl8pPr>
+              <a:defRPr sz="2000"/>
+            </a:lvl8pPr>
+            <a:lvl9pPr>
+              <a:defRPr sz="2000"/>
+            </a:lvl9pPr>
+          </a:lstStyle>
+          <a:p>
+            <a:pPr lvl="0"/>
+            <a:r>
+              <a:rPr lang="zh-CN" altLang="en-US"/>
+              <a:t>单击此处编辑母版文本样式</a:t>
+            </a:r>
+          </a:p>
+          <a:p>
+            <a:pPr lvl="1"/>
+            <a:r>
+              <a:rPr lang="zh-CN" altLang="en-US"/>
+              <a:t>第二级</a:t>
+            </a:r>
+          </a:p>
+          <a:p>
+            <a:pPr lvl="2"/>
+            <a:r>
+              <a:rPr lang="zh-CN" altLang="en-US"/>
+              <a:t>第三级</a:t>
+            </a:r>
+          </a:p>
+          <a:p>
+            <a:pPr lvl="3"/>
+            <a:r>
+              <a:rPr lang="zh-CN" altLang="en-US"/>
+              <a:t>第四级</a:t>
+            </a:r>
+          </a:p>
+          <a:p>
+            <a:pPr lvl="4"/>
+            <a:r>
+              <a:rPr lang="zh-CN" altLang="en-US"/>
+              <a:t>第五级</a:t>
+            </a:r>
+          </a:p>
+        </p:txBody>
+      </p:sp>
+      <p:sp>
+        <p:nvSpPr>
+          <p:cNvPr id="4" name="文本占位符 3"/>
+          <p:cNvSpPr>
+            <a:spLocks noGrp="1"/>
+          </p:cNvSpPr>
+          <p:nvPr>
+            <p:ph type="body" sz="half" idx="2"/>
+          </p:nvPr>
+        </p:nvSpPr>
+        <p:spPr>
+          <a:xfrm>
+            <a:off x="839788" y="2057400"/>
+            <a:ext cx="3932237" cy="3811588"/>
+          </a:xfrm>
+        </p:spPr>
+        <p:txBody>
+          <a:bodyPr/>
+          <a:lstStyle>
+            <a:lvl1pPr marL="0" indent="0">
+              <a:buNone/>
+              <a:defRPr sz="1600"/>
+            </a:lvl1pPr>
+            <a:lvl2pPr marL="457200" indent="0">
+              <a:buNone/>
+              <a:defRPr sz="1400"/>
+            </a:lvl2pPr>
+            <a:lvl3pPr marL="914400" indent="0">
+              <a:buNone/>
+              <a:defRPr sz="1200"/>
+            </a:lvl3pPr>
+            <a:lvl4pPr marL="1371600" indent="0">
+              <a:buNone/>
+              <a:defRPr sz="1000"/>
+            </a:lvl4pPr>
+            <a:lvl5pPr marL="1828800" indent="0">
+              <a:buNone/>
+              <a:defRPr sz="1000"/>
+            </a:lvl5pPr>
+            <a:lvl6pPr marL="2286000" indent="0">
+              <a:buNone/>
+              <a:defRPr sz="1000"/>
+            </a:lvl6pPr>
+            <a:lvl7pPr marL="2743200" indent="0">
+              <a:buNone/>
+              <a:defRPr sz="1000"/>
+            </a:lvl7pPr>
+            <a:lvl8pPr marL="3200400" indent="0">
+              <a:buNone/>
+              <a:defRPr sz="1000"/>
+            </a:lvl8pPr>
+            <a:lvl9pPr marL="3657600" indent="0">
+              <a:buNone/>
+              <a:defRPr sz="1000"/>
+            </a:lvl9pPr>
+          </a:lstStyle>
+          <a:p>
+            <a:pPr lvl="0"/>
+            <a:r>
+              <a:rPr lang="zh-CN" altLang="en-US"/>
+              <a:t>单击此处编辑母版文本样式</a:t>
+            </a:r>
+          </a:p>
+        </p:txBody>
+      </p:sp>
+      <p:sp>
+        <p:nvSpPr>
+          <p:cNvPr id="5" name="日期占位符 4"/>
+          <p:cNvSpPr>
+            <a:spLocks noGrp="1"/>
+          </p:cNvSpPr>
+          <p:nvPr>
+            <p:ph type="dt" sz="half" idx="10"/>
+          </p:nvPr>
+        </p:nvSpPr>
+        <p:spPr/>
+        <p:txBody>
+          <a:bodyPr/>
+          <a:lstStyle/>
+          <a:p>
+            <a:fld id="{D997B5FA-0921-464F-AAE1-844C04324D75}" type="datetimeFigureOut">
+              <a:rPr lang="zh-CN" altLang="en-US" smtClean="0"/>
+              <a:t>2025/7/13</a:t>
             </a:fld>
             <a:endParaRPr lang="zh-CN" altLang="en-US"/>
           </a:p>
@@ -3182,7 +5879,7 @@
           <a:p>
             <a:fld id="{D997B5FA-0921-464F-AAE1-844C04324D75}" type="datetimeFigureOut">
               <a:rPr lang="zh-CN" altLang="en-US" smtClean="0"/>
-              <a:t>2025/7/10</a:t>
+              <a:t>2025/7/13</a:t>
             </a:fld>
             <a:endParaRPr lang="zh-CN" altLang="en-US"/>
           </a:p>
@@ -3388,7 +6085,7 @@
           <a:p>
             <a:fld id="{D997B5FA-0921-464F-AAE1-844C04324D75}" type="datetimeFigureOut">
               <a:rPr lang="zh-CN" altLang="en-US" smtClean="0"/>
-              <a:t>2025/7/10</a:t>
+              <a:t>2025/7/13</a:t>
             </a:fld>
             <a:endParaRPr lang="zh-CN" altLang="en-US"/>
           </a:p>
@@ -3771,9 +6468,14 @@
 </p:sldMaster>
 </file>
 
-<file path=ppt/slides/slide1.xml><?xml version="1.0" encoding="utf-8"?>
-<p:sld xmlns:a="http://schemas.openxmlformats.org/drawingml/2006/main" xmlns:r="http://schemas.openxmlformats.org/officeDocument/2006/relationships" xmlns:p="http://schemas.openxmlformats.org/presentationml/2006/main">
+<file path=ppt/slideMasters/slideMaster2.xml><?xml version="1.0" encoding="utf-8"?>
+<p:sldMaster xmlns:a="http://schemas.openxmlformats.org/drawingml/2006/main" xmlns:r="http://schemas.openxmlformats.org/officeDocument/2006/relationships" xmlns:p="http://schemas.openxmlformats.org/presentationml/2006/main" preserve="1">
   <p:cSld>
+    <p:bg>
+      <p:bgRef idx="1001">
+        <a:schemeClr val="bg1"/>
+      </p:bgRef>
+    </p:bg>
     <p:spTree>
       <p:nvGrpSpPr>
         <p:cNvPr id="1" name=""/>
@@ -3788,71 +6490,1218 @@
           <a:chExt cx="0" cy="0"/>
         </a:xfrm>
       </p:grpSpPr>
+      <p:sp>
+        <p:nvSpPr>
+          <p:cNvPr id="23" name="Textfeld 22"/>
+          <p:cNvSpPr txBox="1"/>
+          <p:nvPr/>
+        </p:nvSpPr>
+        <p:spPr>
+          <a:xfrm>
+            <a:off x="10284440" y="6586709"/>
+            <a:ext cx="1487168" cy="257250"/>
+          </a:xfrm>
+          <a:prstGeom prst="rect">
+            <a:avLst/>
+          </a:prstGeom>
+        </p:spPr>
+        <p:txBody>
+          <a:bodyPr wrap="square" lIns="0" tIns="0" rIns="0" bIns="0" rtlCol="0" anchor="b" anchorCtr="0">
+            <a:spAutoFit/>
+          </a:bodyPr>
+          <a:lstStyle/>
+          <a:p>
+            <a:pPr algn="r">
+              <a:lnSpc>
+                <a:spcPct val="114000"/>
+              </a:lnSpc>
+            </a:pPr>
+            <a:fld id="{C51078C5-4710-4254-8001-F1C0900803FD}" type="slidenum">
+              <a:rPr lang="de-DE" sz="1600" smtClean="0">
+                <a:latin typeface="+mn-lt"/>
+                <a:cs typeface="Arial" pitchFamily="34" charset="0"/>
+              </a:rPr>
+              <a:pPr algn="r">
+                <a:lnSpc>
+                  <a:spcPct val="114000"/>
+                </a:lnSpc>
+              </a:pPr>
+              <a:t>‹#›</a:t>
+            </a:fld>
+            <a:endParaRPr lang="de-DE" sz="1600" dirty="0">
+              <a:latin typeface="+mn-lt"/>
+              <a:cs typeface="Arial" pitchFamily="34" charset="0"/>
+            </a:endParaRPr>
+          </a:p>
+        </p:txBody>
+      </p:sp>
       <p:pic>
         <p:nvPicPr>
-          <p:cNvPr id="7" name="图片 6">
-            <a:extLst>
-              <a:ext uri="{FF2B5EF4-FFF2-40B4-BE49-F238E27FC236}">
-                <a16:creationId xmlns:a16="http://schemas.microsoft.com/office/drawing/2014/main" id="{E2EF0E96-916D-564E-C96C-DE4F2589220F}"/>
-              </a:ext>
-            </a:extLst>
-          </p:cNvPr>
+          <p:cNvPr id="5" name="Bild 4" descr="Fahnen_HG.jpg"/>
           <p:cNvPicPr>
             <a:picLocks noChangeAspect="1"/>
           </p:cNvPicPr>
           <p:nvPr/>
         </p:nvPicPr>
         <p:blipFill>
-          <a:blip r:embed="rId2"/>
+          <a:blip r:embed="rId3" cstate="screen"/>
+          <a:srcRect l="398" t="14167" b="10833"/>
           <a:stretch>
             <a:fillRect/>
           </a:stretch>
         </p:blipFill>
         <p:spPr>
           <a:xfrm>
-            <a:off x="10214811" y="192089"/>
-            <a:ext cx="1270905" cy="659432"/>
+            <a:off x="-165004" y="0"/>
+            <a:ext cx="12192000" cy="6858000"/>
           </a:xfrm>
           <a:prstGeom prst="rect">
             <a:avLst/>
           </a:prstGeom>
         </p:spPr>
       </p:pic>
-      <p:sp>
-        <p:nvSpPr>
-          <p:cNvPr id="8" name="矩形 7">
-            <a:extLst>
-              <a:ext uri="{FF2B5EF4-FFF2-40B4-BE49-F238E27FC236}">
-                <a16:creationId xmlns:a16="http://schemas.microsoft.com/office/drawing/2014/main" id="{034B87E7-596A-23BE-D0E0-B5839CA508EF}"/>
-              </a:ext>
-            </a:extLst>
-          </p:cNvPr>
-          <p:cNvSpPr/>
+      <p:pic>
+        <p:nvPicPr>
+          <p:cNvPr id="7" name="Bild 6" descr="20150416 tum logo blau png final.png"/>
+          <p:cNvPicPr>
+            <a:picLocks noChangeAspect="1"/>
+          </p:cNvPicPr>
           <p:nvPr/>
-        </p:nvSpPr>
+        </p:nvPicPr>
+        <p:blipFill>
+          <a:blip r:embed="rId4"/>
+          <a:stretch>
+            <a:fillRect/>
+          </a:stretch>
+        </p:blipFill>
         <p:spPr>
           <a:xfrm>
-            <a:off x="744077" y="1904306"/>
-            <a:ext cx="4961679" cy="477054"/>
+            <a:off x="10958401" y="432000"/>
+            <a:ext cx="799351" cy="427051"/>
           </a:xfrm>
           <a:prstGeom prst="rect">
             <a:avLst/>
           </a:prstGeom>
-          <a:noFill/>
         </p:spPr>
-        <p:txBody>
-          <a:bodyPr wrap="none" lIns="91440" tIns="45720" rIns="91440" bIns="45720">
-            <a:spAutoFit/>
+      </p:pic>
+      <p:sp>
+        <p:nvSpPr>
+          <p:cNvPr id="8" name="Foliennummernplatzhalter 4"/>
+          <p:cNvSpPr>
+            <a:spLocks noGrp="1"/>
+          </p:cNvSpPr>
+          <p:nvPr>
+            <p:ph type="sldNum" sz="quarter" idx="4"/>
+          </p:nvPr>
+        </p:nvSpPr>
+        <p:spPr>
+          <a:xfrm>
+            <a:off x="9033245" y="6473314"/>
+            <a:ext cx="2736000" cy="365125"/>
+          </a:xfrm>
+          <a:prstGeom prst="rect">
+            <a:avLst/>
+          </a:prstGeom>
+        </p:spPr>
+        <p:txBody>
+          <a:bodyPr vert="horz" lIns="0" tIns="45720" rIns="0" bIns="45720" rtlCol="0" anchor="ctr"/>
+          <a:lstStyle>
+            <a:lvl1pPr algn="r">
+              <a:defRPr sz="1467">
+                <a:solidFill>
+                  <a:schemeClr val="bg1"/>
+                </a:solidFill>
+              </a:defRPr>
+            </a:lvl1pPr>
+          </a:lstStyle>
+          <a:p>
+            <a:fld id="{CE58CB1E-F828-4F11-99E0-327109AF9DA4}" type="slidenum">
+              <a:rPr lang="de-DE" smtClean="0"/>
+              <a:pPr/>
+              <a:t>‹#›</a:t>
+            </a:fld>
+            <a:endParaRPr lang="de-DE"/>
+          </a:p>
+        </p:txBody>
+      </p:sp>
+      <p:sp>
+        <p:nvSpPr>
+          <p:cNvPr id="10" name="Fußzeilenplatzhalter 3"/>
+          <p:cNvSpPr>
+            <a:spLocks noGrp="1"/>
+          </p:cNvSpPr>
+          <p:nvPr>
+            <p:ph type="ftr" sz="quarter" idx="3"/>
+          </p:nvPr>
+        </p:nvSpPr>
+        <p:spPr>
+          <a:xfrm>
+            <a:off x="414883" y="6473314"/>
+            <a:ext cx="8619040" cy="365125"/>
+          </a:xfrm>
+          <a:prstGeom prst="rect">
+            <a:avLst/>
+          </a:prstGeom>
+        </p:spPr>
+        <p:txBody>
+          <a:bodyPr vert="horz" lIns="0" tIns="45720" rIns="0" bIns="45720" rtlCol="0" anchor="ctr"/>
+          <a:lstStyle>
+            <a:lvl1pPr algn="l">
+              <a:defRPr sz="1467">
+                <a:solidFill>
+                  <a:schemeClr val="bg1"/>
+                </a:solidFill>
+              </a:defRPr>
+            </a:lvl1pPr>
+          </a:lstStyle>
+          <a:p>
+            <a:r>
+              <a:rPr lang="de-DE" dirty="0"/>
+              <a:t>Prof. Dr.-Ing. Ralf Brederlow |</a:t>
+            </a:r>
+            <a:endParaRPr lang="en-US" dirty="0"/>
+          </a:p>
+        </p:txBody>
+      </p:sp>
+    </p:spTree>
+    <p:extLst>
+      <p:ext uri="{BB962C8B-B14F-4D97-AF65-F5344CB8AC3E}">
+        <p14:creationId xmlns:p14="http://schemas.microsoft.com/office/powerpoint/2010/main" val="2793139479"/>
+      </p:ext>
+    </p:extLst>
+  </p:cSld>
+  <p:clrMap bg1="lt1" tx1="dk1" bg2="lt2" tx2="dk2" accent1="accent1" accent2="accent2" accent3="accent3" accent4="accent4" accent5="accent5" accent6="accent6" hlink="hlink" folHlink="folHlink"/>
+  <p:sldLayoutIdLst>
+    <p:sldLayoutId id="2147483661" r:id="rId1"/>
+  </p:sldLayoutIdLst>
+  <p:hf hdr="0" dt="0"/>
+  <p:txStyles>
+    <p:titleStyle>
+      <a:lvl1pPr algn="l" rtl="0" eaLnBrk="0" fontAlgn="base" hangingPunct="0">
+        <a:lnSpc>
+          <a:spcPct val="125000"/>
+        </a:lnSpc>
+        <a:spcBef>
+          <a:spcPct val="0"/>
+        </a:spcBef>
+        <a:spcAft>
+          <a:spcPct val="0"/>
+        </a:spcAft>
+        <a:defRPr sz="2933" b="0" kern="1200">
+          <a:solidFill>
+            <a:schemeClr val="tx1"/>
+          </a:solidFill>
+          <a:latin typeface="+mj-lt"/>
+          <a:ea typeface="+mj-ea"/>
+          <a:cs typeface="+mj-cs"/>
+        </a:defRPr>
+      </a:lvl1pPr>
+      <a:lvl2pPr algn="l" rtl="0" eaLnBrk="0" fontAlgn="base" hangingPunct="0">
+        <a:spcBef>
+          <a:spcPct val="0"/>
+        </a:spcBef>
+        <a:spcAft>
+          <a:spcPct val="0"/>
+        </a:spcAft>
+        <a:defRPr sz="2667" b="1">
+          <a:solidFill>
+            <a:schemeClr val="tx2"/>
+          </a:solidFill>
+          <a:latin typeface="Arial" charset="0"/>
+          <a:cs typeface="Arial" charset="0"/>
+        </a:defRPr>
+      </a:lvl2pPr>
+      <a:lvl3pPr algn="l" rtl="0" eaLnBrk="0" fontAlgn="base" hangingPunct="0">
+        <a:spcBef>
+          <a:spcPct val="0"/>
+        </a:spcBef>
+        <a:spcAft>
+          <a:spcPct val="0"/>
+        </a:spcAft>
+        <a:defRPr sz="2667" b="1">
+          <a:solidFill>
+            <a:schemeClr val="tx2"/>
+          </a:solidFill>
+          <a:latin typeface="Arial" charset="0"/>
+          <a:cs typeface="Arial" charset="0"/>
+        </a:defRPr>
+      </a:lvl3pPr>
+      <a:lvl4pPr algn="l" rtl="0" eaLnBrk="0" fontAlgn="base" hangingPunct="0">
+        <a:spcBef>
+          <a:spcPct val="0"/>
+        </a:spcBef>
+        <a:spcAft>
+          <a:spcPct val="0"/>
+        </a:spcAft>
+        <a:defRPr sz="2667" b="1">
+          <a:solidFill>
+            <a:schemeClr val="tx2"/>
+          </a:solidFill>
+          <a:latin typeface="Arial" charset="0"/>
+          <a:cs typeface="Arial" charset="0"/>
+        </a:defRPr>
+      </a:lvl4pPr>
+      <a:lvl5pPr algn="l" rtl="0" eaLnBrk="0" fontAlgn="base" hangingPunct="0">
+        <a:spcBef>
+          <a:spcPct val="0"/>
+        </a:spcBef>
+        <a:spcAft>
+          <a:spcPct val="0"/>
+        </a:spcAft>
+        <a:defRPr sz="2667" b="1">
+          <a:solidFill>
+            <a:schemeClr val="tx2"/>
+          </a:solidFill>
+          <a:latin typeface="Arial" charset="0"/>
+          <a:cs typeface="Arial" charset="0"/>
+        </a:defRPr>
+      </a:lvl5pPr>
+      <a:lvl6pPr marL="609585" algn="l" rtl="0" fontAlgn="base">
+        <a:spcBef>
+          <a:spcPct val="0"/>
+        </a:spcBef>
+        <a:spcAft>
+          <a:spcPct val="0"/>
+        </a:spcAft>
+        <a:defRPr sz="2667" b="1">
+          <a:solidFill>
+            <a:schemeClr val="tx2"/>
+          </a:solidFill>
+          <a:latin typeface="Arial" charset="0"/>
+          <a:cs typeface="Arial" charset="0"/>
+        </a:defRPr>
+      </a:lvl6pPr>
+      <a:lvl7pPr marL="1219170" algn="l" rtl="0" fontAlgn="base">
+        <a:spcBef>
+          <a:spcPct val="0"/>
+        </a:spcBef>
+        <a:spcAft>
+          <a:spcPct val="0"/>
+        </a:spcAft>
+        <a:defRPr sz="2667" b="1">
+          <a:solidFill>
+            <a:schemeClr val="tx2"/>
+          </a:solidFill>
+          <a:latin typeface="Arial" charset="0"/>
+          <a:cs typeface="Arial" charset="0"/>
+        </a:defRPr>
+      </a:lvl7pPr>
+      <a:lvl8pPr marL="1828754" algn="l" rtl="0" fontAlgn="base">
+        <a:spcBef>
+          <a:spcPct val="0"/>
+        </a:spcBef>
+        <a:spcAft>
+          <a:spcPct val="0"/>
+        </a:spcAft>
+        <a:defRPr sz="2667" b="1">
+          <a:solidFill>
+            <a:schemeClr val="tx2"/>
+          </a:solidFill>
+          <a:latin typeface="Arial" charset="0"/>
+          <a:cs typeface="Arial" charset="0"/>
+        </a:defRPr>
+      </a:lvl8pPr>
+      <a:lvl9pPr marL="2438339" algn="l" rtl="0" fontAlgn="base">
+        <a:spcBef>
+          <a:spcPct val="0"/>
+        </a:spcBef>
+        <a:spcAft>
+          <a:spcPct val="0"/>
+        </a:spcAft>
+        <a:defRPr sz="2667" b="1">
+          <a:solidFill>
+            <a:schemeClr val="tx2"/>
+          </a:solidFill>
+          <a:latin typeface="Arial" charset="0"/>
+          <a:cs typeface="Arial" charset="0"/>
+        </a:defRPr>
+      </a:lvl9pPr>
+    </p:titleStyle>
+    <p:bodyStyle>
+      <a:lvl1pPr algn="l" rtl="0" eaLnBrk="0" fontAlgn="base" hangingPunct="0">
+        <a:lnSpc>
+          <a:spcPct val="100000"/>
+        </a:lnSpc>
+        <a:spcBef>
+          <a:spcPct val="0"/>
+        </a:spcBef>
+        <a:spcAft>
+          <a:spcPct val="0"/>
+        </a:spcAft>
+        <a:defRPr sz="2133" kern="1200">
+          <a:solidFill>
+            <a:schemeClr val="tx1"/>
+          </a:solidFill>
+          <a:latin typeface="+mn-lt"/>
+          <a:ea typeface="+mn-ea"/>
+          <a:cs typeface="+mn-cs"/>
+        </a:defRPr>
+      </a:lvl1pPr>
+      <a:lvl2pPr marL="234945" indent="-234945" algn="l" rtl="0" eaLnBrk="0" fontAlgn="base" hangingPunct="0">
+        <a:lnSpc>
+          <a:spcPct val="100000"/>
+        </a:lnSpc>
+        <a:spcBef>
+          <a:spcPct val="0"/>
+        </a:spcBef>
+        <a:spcAft>
+          <a:spcPct val="0"/>
+        </a:spcAft>
+        <a:buFont typeface="Arial" charset="0"/>
+        <a:buChar char="•"/>
+        <a:defRPr sz="2133" kern="1200">
+          <a:solidFill>
+            <a:schemeClr val="tx1"/>
+          </a:solidFill>
+          <a:latin typeface="+mn-lt"/>
+          <a:ea typeface="+mn-ea"/>
+          <a:cs typeface="+mn-cs"/>
+        </a:defRPr>
+      </a:lvl2pPr>
+      <a:lvl3pPr marL="480472" indent="-245527" algn="l" rtl="0" eaLnBrk="0" fontAlgn="base" hangingPunct="0">
+        <a:lnSpc>
+          <a:spcPct val="125000"/>
+        </a:lnSpc>
+        <a:spcBef>
+          <a:spcPct val="0"/>
+        </a:spcBef>
+        <a:spcAft>
+          <a:spcPct val="0"/>
+        </a:spcAft>
+        <a:buFont typeface="Symbol" pitchFamily="18" charset="2"/>
+        <a:buChar char="-"/>
+        <a:defRPr sz="1867" kern="1200">
+          <a:solidFill>
+            <a:schemeClr val="tx1"/>
+          </a:solidFill>
+          <a:latin typeface="+mn-lt"/>
+          <a:ea typeface="+mn-ea"/>
+          <a:cs typeface="+mn-cs"/>
+        </a:defRPr>
+      </a:lvl3pPr>
+      <a:lvl4pPr marL="717533" indent="-237061" algn="l" rtl="0" eaLnBrk="0" fontAlgn="base" hangingPunct="0">
+        <a:lnSpc>
+          <a:spcPct val="125000"/>
+        </a:lnSpc>
+        <a:spcBef>
+          <a:spcPct val="0"/>
+        </a:spcBef>
+        <a:spcAft>
+          <a:spcPct val="0"/>
+        </a:spcAft>
+        <a:buFont typeface="Symbol" pitchFamily="18" charset="2"/>
+        <a:buChar char="-"/>
+        <a:defRPr sz="1867" kern="1200">
+          <a:solidFill>
+            <a:schemeClr val="tx1"/>
+          </a:solidFill>
+          <a:latin typeface="+mn-lt"/>
+          <a:ea typeface="+mn-ea"/>
+          <a:cs typeface="+mn-cs"/>
+        </a:defRPr>
+      </a:lvl4pPr>
+      <a:lvl5pPr marL="952476" indent="-234945" algn="l" rtl="0" eaLnBrk="0" fontAlgn="base" hangingPunct="0">
+        <a:lnSpc>
+          <a:spcPct val="125000"/>
+        </a:lnSpc>
+        <a:spcBef>
+          <a:spcPct val="0"/>
+        </a:spcBef>
+        <a:spcAft>
+          <a:spcPct val="0"/>
+        </a:spcAft>
+        <a:buFont typeface="Symbol" pitchFamily="18" charset="2"/>
+        <a:buChar char="-"/>
+        <a:defRPr sz="1867" kern="1200">
+          <a:solidFill>
+            <a:schemeClr val="tx1"/>
+          </a:solidFill>
+          <a:latin typeface="+mn-lt"/>
+          <a:ea typeface="+mn-ea"/>
+          <a:cs typeface="+mn-cs"/>
+        </a:defRPr>
+      </a:lvl5pPr>
+      <a:lvl6pPr marL="3352716" indent="-304792" algn="l" defTabSz="1219170" rtl="0" eaLnBrk="1" latinLnBrk="0" hangingPunct="1">
+        <a:spcBef>
+          <a:spcPct val="20000"/>
+        </a:spcBef>
+        <a:buFont typeface="Arial" pitchFamily="34" charset="0"/>
+        <a:buChar char="•"/>
+        <a:defRPr sz="2667" kern="1200">
+          <a:solidFill>
+            <a:schemeClr val="tx1"/>
+          </a:solidFill>
+          <a:latin typeface="+mn-lt"/>
+          <a:ea typeface="+mn-ea"/>
+          <a:cs typeface="+mn-cs"/>
+        </a:defRPr>
+      </a:lvl6pPr>
+      <a:lvl7pPr marL="3962301" indent="-304792" algn="l" defTabSz="1219170" rtl="0" eaLnBrk="1" latinLnBrk="0" hangingPunct="1">
+        <a:spcBef>
+          <a:spcPct val="20000"/>
+        </a:spcBef>
+        <a:buFont typeface="Arial" pitchFamily="34" charset="0"/>
+        <a:buChar char="•"/>
+        <a:defRPr sz="2667" kern="1200">
+          <a:solidFill>
+            <a:schemeClr val="tx1"/>
+          </a:solidFill>
+          <a:latin typeface="+mn-lt"/>
+          <a:ea typeface="+mn-ea"/>
+          <a:cs typeface="+mn-cs"/>
+        </a:defRPr>
+      </a:lvl7pPr>
+      <a:lvl8pPr marL="4571886" indent="-304792" algn="l" defTabSz="1219170" rtl="0" eaLnBrk="1" latinLnBrk="0" hangingPunct="1">
+        <a:spcBef>
+          <a:spcPct val="20000"/>
+        </a:spcBef>
+        <a:buFont typeface="Arial" pitchFamily="34" charset="0"/>
+        <a:buChar char="•"/>
+        <a:defRPr sz="2667" kern="1200">
+          <a:solidFill>
+            <a:schemeClr val="tx1"/>
+          </a:solidFill>
+          <a:latin typeface="+mn-lt"/>
+          <a:ea typeface="+mn-ea"/>
+          <a:cs typeface="+mn-cs"/>
+        </a:defRPr>
+      </a:lvl8pPr>
+      <a:lvl9pPr marL="5181470" indent="-304792" algn="l" defTabSz="1219170" rtl="0" eaLnBrk="1" latinLnBrk="0" hangingPunct="1">
+        <a:spcBef>
+          <a:spcPct val="20000"/>
+        </a:spcBef>
+        <a:buFont typeface="Arial" pitchFamily="34" charset="0"/>
+        <a:buChar char="•"/>
+        <a:defRPr sz="2667" kern="1200">
+          <a:solidFill>
+            <a:schemeClr val="tx1"/>
+          </a:solidFill>
+          <a:latin typeface="+mn-lt"/>
+          <a:ea typeface="+mn-ea"/>
+          <a:cs typeface="+mn-cs"/>
+        </a:defRPr>
+      </a:lvl9pPr>
+    </p:bodyStyle>
+    <p:otherStyle>
+      <a:defPPr>
+        <a:defRPr lang="de-DE"/>
+      </a:defPPr>
+      <a:lvl1pPr marL="0" algn="l" defTabSz="1219170" rtl="0" eaLnBrk="1" latinLnBrk="0" hangingPunct="1">
+        <a:defRPr sz="2400" kern="1200">
+          <a:solidFill>
+            <a:schemeClr val="tx1"/>
+          </a:solidFill>
+          <a:latin typeface="+mn-lt"/>
+          <a:ea typeface="+mn-ea"/>
+          <a:cs typeface="+mn-cs"/>
+        </a:defRPr>
+      </a:lvl1pPr>
+      <a:lvl2pPr marL="609585" algn="l" defTabSz="1219170" rtl="0" eaLnBrk="1" latinLnBrk="0" hangingPunct="1">
+        <a:defRPr sz="2400" kern="1200">
+          <a:solidFill>
+            <a:schemeClr val="tx1"/>
+          </a:solidFill>
+          <a:latin typeface="+mn-lt"/>
+          <a:ea typeface="+mn-ea"/>
+          <a:cs typeface="+mn-cs"/>
+        </a:defRPr>
+      </a:lvl2pPr>
+      <a:lvl3pPr marL="1219170" algn="l" defTabSz="1219170" rtl="0" eaLnBrk="1" latinLnBrk="0" hangingPunct="1">
+        <a:defRPr sz="2400" kern="1200">
+          <a:solidFill>
+            <a:schemeClr val="tx1"/>
+          </a:solidFill>
+          <a:latin typeface="+mn-lt"/>
+          <a:ea typeface="+mn-ea"/>
+          <a:cs typeface="+mn-cs"/>
+        </a:defRPr>
+      </a:lvl3pPr>
+      <a:lvl4pPr marL="1828754" algn="l" defTabSz="1219170" rtl="0" eaLnBrk="1" latinLnBrk="0" hangingPunct="1">
+        <a:defRPr sz="2400" kern="1200">
+          <a:solidFill>
+            <a:schemeClr val="tx1"/>
+          </a:solidFill>
+          <a:latin typeface="+mn-lt"/>
+          <a:ea typeface="+mn-ea"/>
+          <a:cs typeface="+mn-cs"/>
+        </a:defRPr>
+      </a:lvl4pPr>
+      <a:lvl5pPr marL="2438339" algn="l" defTabSz="1219170" rtl="0" eaLnBrk="1" latinLnBrk="0" hangingPunct="1">
+        <a:defRPr sz="2400" kern="1200">
+          <a:solidFill>
+            <a:schemeClr val="tx1"/>
+          </a:solidFill>
+          <a:latin typeface="+mn-lt"/>
+          <a:ea typeface="+mn-ea"/>
+          <a:cs typeface="+mn-cs"/>
+        </a:defRPr>
+      </a:lvl5pPr>
+      <a:lvl6pPr marL="3047924" algn="l" defTabSz="1219170" rtl="0" eaLnBrk="1" latinLnBrk="0" hangingPunct="1">
+        <a:defRPr sz="2400" kern="1200">
+          <a:solidFill>
+            <a:schemeClr val="tx1"/>
+          </a:solidFill>
+          <a:latin typeface="+mn-lt"/>
+          <a:ea typeface="+mn-ea"/>
+          <a:cs typeface="+mn-cs"/>
+        </a:defRPr>
+      </a:lvl6pPr>
+      <a:lvl7pPr marL="3657509" algn="l" defTabSz="1219170" rtl="0" eaLnBrk="1" latinLnBrk="0" hangingPunct="1">
+        <a:defRPr sz="2400" kern="1200">
+          <a:solidFill>
+            <a:schemeClr val="tx1"/>
+          </a:solidFill>
+          <a:latin typeface="+mn-lt"/>
+          <a:ea typeface="+mn-ea"/>
+          <a:cs typeface="+mn-cs"/>
+        </a:defRPr>
+      </a:lvl7pPr>
+      <a:lvl8pPr marL="4267093" algn="l" defTabSz="1219170" rtl="0" eaLnBrk="1" latinLnBrk="0" hangingPunct="1">
+        <a:defRPr sz="2400" kern="1200">
+          <a:solidFill>
+            <a:schemeClr val="tx1"/>
+          </a:solidFill>
+          <a:latin typeface="+mn-lt"/>
+          <a:ea typeface="+mn-ea"/>
+          <a:cs typeface="+mn-cs"/>
+        </a:defRPr>
+      </a:lvl8pPr>
+      <a:lvl9pPr marL="4876678" algn="l" defTabSz="1219170" rtl="0" eaLnBrk="1" latinLnBrk="0" hangingPunct="1">
+        <a:defRPr sz="2400" kern="1200">
+          <a:solidFill>
+            <a:schemeClr val="tx1"/>
+          </a:solidFill>
+          <a:latin typeface="+mn-lt"/>
+          <a:ea typeface="+mn-ea"/>
+          <a:cs typeface="+mn-cs"/>
+        </a:defRPr>
+      </a:lvl9pPr>
+    </p:otherStyle>
+  </p:txStyles>
+</p:sldMaster>
+</file>
+
+<file path=ppt/slideMasters/slideMaster3.xml><?xml version="1.0" encoding="utf-8"?>
+<p:sldMaster xmlns:a="http://schemas.openxmlformats.org/drawingml/2006/main" xmlns:r="http://schemas.openxmlformats.org/officeDocument/2006/relationships" xmlns:p="http://schemas.openxmlformats.org/presentationml/2006/main" preserve="1">
+  <p:cSld>
+    <p:bg>
+      <p:bgRef idx="1001">
+        <a:schemeClr val="bg1"/>
+      </p:bgRef>
+    </p:bg>
+    <p:spTree>
+      <p:nvGrpSpPr>
+        <p:cNvPr id="1" name=""/>
+        <p:cNvGrpSpPr/>
+        <p:nvPr/>
+      </p:nvGrpSpPr>
+      <p:grpSpPr>
+        <a:xfrm>
+          <a:off x="0" y="0"/>
+          <a:ext cx="0" cy="0"/>
+          <a:chOff x="0" y="0"/>
+          <a:chExt cx="0" cy="0"/>
+        </a:xfrm>
+      </p:grpSpPr>
+      <p:sp>
+        <p:nvSpPr>
+          <p:cNvPr id="2" name="标题占位符 1">
+            <a:extLst>
+              <a:ext uri="{FF2B5EF4-FFF2-40B4-BE49-F238E27FC236}">
+                <a16:creationId xmlns:a16="http://schemas.microsoft.com/office/drawing/2014/main" id="{EBCD31D6-93E2-8F84-2062-38FAAA6FE0D5}"/>
+              </a:ext>
+            </a:extLst>
+          </p:cNvPr>
+          <p:cNvSpPr>
+            <a:spLocks noGrp="1"/>
+          </p:cNvSpPr>
+          <p:nvPr>
+            <p:ph type="title"/>
+          </p:nvPr>
+        </p:nvSpPr>
+        <p:spPr>
+          <a:xfrm>
+            <a:off x="838200" y="365125"/>
+            <a:ext cx="10515600" cy="1325563"/>
+          </a:xfrm>
+          <a:prstGeom prst="rect">
+            <a:avLst/>
+          </a:prstGeom>
+        </p:spPr>
+        <p:txBody>
+          <a:bodyPr vert="horz" lIns="91440" tIns="45720" rIns="91440" bIns="45720" rtlCol="0" anchor="ctr">
+            <a:normAutofit/>
           </a:bodyPr>
           <a:lstStyle/>
           <a:p>
-            <a:pPr algn="ctr"/>
-            <a:r>
-              <a:rPr lang="en-US" altLang="zh-CN" sz="2500" b="0" cap="none" spc="0" dirty="0">
+            <a:r>
+              <a:rPr lang="zh-CN" altLang="en-US"/>
+              <a:t>单击此处编辑母版标题样式</a:t>
+            </a:r>
+          </a:p>
+        </p:txBody>
+      </p:sp>
+      <p:sp>
+        <p:nvSpPr>
+          <p:cNvPr id="3" name="文本占位符 2">
+            <a:extLst>
+              <a:ext uri="{FF2B5EF4-FFF2-40B4-BE49-F238E27FC236}">
+                <a16:creationId xmlns:a16="http://schemas.microsoft.com/office/drawing/2014/main" id="{0B54428C-9C68-C16E-76C1-2458C6819AC9}"/>
+              </a:ext>
+            </a:extLst>
+          </p:cNvPr>
+          <p:cNvSpPr>
+            <a:spLocks noGrp="1"/>
+          </p:cNvSpPr>
+          <p:nvPr>
+            <p:ph type="body" idx="1"/>
+          </p:nvPr>
+        </p:nvSpPr>
+        <p:spPr>
+          <a:xfrm>
+            <a:off x="838200" y="1825625"/>
+            <a:ext cx="10515600" cy="4351338"/>
+          </a:xfrm>
+          <a:prstGeom prst="rect">
+            <a:avLst/>
+          </a:prstGeom>
+        </p:spPr>
+        <p:txBody>
+          <a:bodyPr vert="horz" lIns="91440" tIns="45720" rIns="91440" bIns="45720" rtlCol="0">
+            <a:normAutofit/>
+          </a:bodyPr>
+          <a:lstStyle/>
+          <a:p>
+            <a:pPr lvl="0"/>
+            <a:r>
+              <a:rPr lang="zh-CN" altLang="en-US"/>
+              <a:t>单击此处编辑母版文本样式</a:t>
+            </a:r>
+          </a:p>
+          <a:p>
+            <a:pPr lvl="1"/>
+            <a:r>
+              <a:rPr lang="zh-CN" altLang="en-US"/>
+              <a:t>二级</a:t>
+            </a:r>
+          </a:p>
+          <a:p>
+            <a:pPr lvl="2"/>
+            <a:r>
+              <a:rPr lang="zh-CN" altLang="en-US"/>
+              <a:t>三级</a:t>
+            </a:r>
+          </a:p>
+          <a:p>
+            <a:pPr lvl="3"/>
+            <a:r>
+              <a:rPr lang="zh-CN" altLang="en-US"/>
+              <a:t>四级</a:t>
+            </a:r>
+          </a:p>
+          <a:p>
+            <a:pPr lvl="4"/>
+            <a:r>
+              <a:rPr lang="zh-CN" altLang="en-US"/>
+              <a:t>五级</a:t>
+            </a:r>
+          </a:p>
+        </p:txBody>
+      </p:sp>
+      <p:sp>
+        <p:nvSpPr>
+          <p:cNvPr id="4" name="日期占位符 3">
+            <a:extLst>
+              <a:ext uri="{FF2B5EF4-FFF2-40B4-BE49-F238E27FC236}">
+                <a16:creationId xmlns:a16="http://schemas.microsoft.com/office/drawing/2014/main" id="{05E6CE64-707B-5C78-47CC-A7C871B2C55B}"/>
+              </a:ext>
+            </a:extLst>
+          </p:cNvPr>
+          <p:cNvSpPr>
+            <a:spLocks noGrp="1"/>
+          </p:cNvSpPr>
+          <p:nvPr>
+            <p:ph type="dt" sz="half" idx="2"/>
+          </p:nvPr>
+        </p:nvSpPr>
+        <p:spPr>
+          <a:xfrm>
+            <a:off x="838200" y="6356350"/>
+            <a:ext cx="2743200" cy="365125"/>
+          </a:xfrm>
+          <a:prstGeom prst="rect">
+            <a:avLst/>
+          </a:prstGeom>
+        </p:spPr>
+        <p:txBody>
+          <a:bodyPr vert="horz" lIns="91440" tIns="45720" rIns="91440" bIns="45720" rtlCol="0" anchor="ctr"/>
+          <a:lstStyle>
+            <a:lvl1pPr algn="l">
+              <a:defRPr sz="1200">
+                <a:solidFill>
+                  <a:schemeClr val="tx1">
+                    <a:tint val="75000"/>
+                  </a:schemeClr>
+                </a:solidFill>
+              </a:defRPr>
+            </a:lvl1pPr>
+          </a:lstStyle>
+          <a:p>
+            <a:fld id="{FA15884E-CCDC-4F76-8302-022391C33F35}" type="datetimeFigureOut">
+              <a:rPr lang="zh-CN" altLang="en-US" smtClean="0"/>
+              <a:t>2025/7/13</a:t>
+            </a:fld>
+            <a:endParaRPr lang="zh-CN" altLang="en-US"/>
+          </a:p>
+        </p:txBody>
+      </p:sp>
+      <p:sp>
+        <p:nvSpPr>
+          <p:cNvPr id="5" name="页脚占位符 4">
+            <a:extLst>
+              <a:ext uri="{FF2B5EF4-FFF2-40B4-BE49-F238E27FC236}">
+                <a16:creationId xmlns:a16="http://schemas.microsoft.com/office/drawing/2014/main" id="{CCA27C2D-4E46-2B71-53C8-B0CFE13391CE}"/>
+              </a:ext>
+            </a:extLst>
+          </p:cNvPr>
+          <p:cNvSpPr>
+            <a:spLocks noGrp="1"/>
+          </p:cNvSpPr>
+          <p:nvPr>
+            <p:ph type="ftr" sz="quarter" idx="3"/>
+          </p:nvPr>
+        </p:nvSpPr>
+        <p:spPr>
+          <a:xfrm>
+            <a:off x="4038600" y="6356350"/>
+            <a:ext cx="4114800" cy="365125"/>
+          </a:xfrm>
+          <a:prstGeom prst="rect">
+            <a:avLst/>
+          </a:prstGeom>
+        </p:spPr>
+        <p:txBody>
+          <a:bodyPr vert="horz" lIns="91440" tIns="45720" rIns="91440" bIns="45720" rtlCol="0" anchor="ctr"/>
+          <a:lstStyle>
+            <a:lvl1pPr algn="ctr">
+              <a:defRPr sz="1200">
+                <a:solidFill>
+                  <a:schemeClr val="tx1">
+                    <a:tint val="75000"/>
+                  </a:schemeClr>
+                </a:solidFill>
+              </a:defRPr>
+            </a:lvl1pPr>
+          </a:lstStyle>
+          <a:p>
+            <a:endParaRPr lang="zh-CN" altLang="en-US"/>
+          </a:p>
+        </p:txBody>
+      </p:sp>
+      <p:sp>
+        <p:nvSpPr>
+          <p:cNvPr id="6" name="灯片编号占位符 5">
+            <a:extLst>
+              <a:ext uri="{FF2B5EF4-FFF2-40B4-BE49-F238E27FC236}">
+                <a16:creationId xmlns:a16="http://schemas.microsoft.com/office/drawing/2014/main" id="{DED3A869-35DF-88B8-99AB-201E7B005282}"/>
+              </a:ext>
+            </a:extLst>
+          </p:cNvPr>
+          <p:cNvSpPr>
+            <a:spLocks noGrp="1"/>
+          </p:cNvSpPr>
+          <p:nvPr>
+            <p:ph type="sldNum" sz="quarter" idx="4"/>
+          </p:nvPr>
+        </p:nvSpPr>
+        <p:spPr>
+          <a:xfrm>
+            <a:off x="8610600" y="6356350"/>
+            <a:ext cx="2743200" cy="365125"/>
+          </a:xfrm>
+          <a:prstGeom prst="rect">
+            <a:avLst/>
+          </a:prstGeom>
+        </p:spPr>
+        <p:txBody>
+          <a:bodyPr vert="horz" lIns="91440" tIns="45720" rIns="91440" bIns="45720" rtlCol="0" anchor="ctr"/>
+          <a:lstStyle>
+            <a:lvl1pPr algn="r">
+              <a:defRPr sz="1200">
+                <a:solidFill>
+                  <a:schemeClr val="tx1">
+                    <a:tint val="75000"/>
+                  </a:schemeClr>
+                </a:solidFill>
+              </a:defRPr>
+            </a:lvl1pPr>
+          </a:lstStyle>
+          <a:p>
+            <a:fld id="{CFC2AFCB-56BD-4CD2-8271-89EDC912AF71}" type="slidenum">
+              <a:rPr lang="zh-CN" altLang="en-US" smtClean="0"/>
+              <a:t>‹#›</a:t>
+            </a:fld>
+            <a:endParaRPr lang="zh-CN" altLang="en-US"/>
+          </a:p>
+        </p:txBody>
+      </p:sp>
+    </p:spTree>
+    <p:extLst>
+      <p:ext uri="{BB962C8B-B14F-4D97-AF65-F5344CB8AC3E}">
+        <p14:creationId xmlns:p14="http://schemas.microsoft.com/office/powerpoint/2010/main" val="962733944"/>
+      </p:ext>
+    </p:extLst>
+  </p:cSld>
+  <p:clrMap bg1="lt1" tx1="dk1" bg2="lt2" tx2="dk2" accent1="accent1" accent2="accent2" accent3="accent3" accent4="accent4" accent5="accent5" accent6="accent6" hlink="hlink" folHlink="folHlink"/>
+  <p:sldLayoutIdLst>
+    <p:sldLayoutId id="2147483663" r:id="rId1"/>
+    <p:sldLayoutId id="2147483664" r:id="rId2"/>
+    <p:sldLayoutId id="2147483665" r:id="rId3"/>
+    <p:sldLayoutId id="2147483666" r:id="rId4"/>
+    <p:sldLayoutId id="2147483667" r:id="rId5"/>
+    <p:sldLayoutId id="2147483668" r:id="rId6"/>
+    <p:sldLayoutId id="2147483669" r:id="rId7"/>
+    <p:sldLayoutId id="2147483670" r:id="rId8"/>
+    <p:sldLayoutId id="2147483671" r:id="rId9"/>
+    <p:sldLayoutId id="2147483675" r:id="rId10"/>
+  </p:sldLayoutIdLst>
+  <p:txStyles>
+    <p:titleStyle>
+      <a:lvl1pPr algn="l" defTabSz="914400" rtl="0" eaLnBrk="1" latinLnBrk="0" hangingPunct="1">
+        <a:lnSpc>
+          <a:spcPct val="90000"/>
+        </a:lnSpc>
+        <a:spcBef>
+          <a:spcPct val="0"/>
+        </a:spcBef>
+        <a:buNone/>
+        <a:defRPr sz="4400" kern="1200">
+          <a:solidFill>
+            <a:schemeClr val="tx1"/>
+          </a:solidFill>
+          <a:latin typeface="+mj-lt"/>
+          <a:ea typeface="+mj-ea"/>
+          <a:cs typeface="+mj-cs"/>
+        </a:defRPr>
+      </a:lvl1pPr>
+    </p:titleStyle>
+    <p:bodyStyle>
+      <a:lvl1pPr marL="228600" indent="-228600" algn="l" defTabSz="914400" rtl="0" eaLnBrk="1" latinLnBrk="0" hangingPunct="1">
+        <a:lnSpc>
+          <a:spcPct val="90000"/>
+        </a:lnSpc>
+        <a:spcBef>
+          <a:spcPts val="1000"/>
+        </a:spcBef>
+        <a:buFont typeface="Arial" panose="020B0604020202020204" pitchFamily="34" charset="0"/>
+        <a:buChar char="•"/>
+        <a:defRPr sz="2800" kern="1200">
+          <a:solidFill>
+            <a:schemeClr val="tx1"/>
+          </a:solidFill>
+          <a:latin typeface="+mn-lt"/>
+          <a:ea typeface="+mn-ea"/>
+          <a:cs typeface="+mn-cs"/>
+        </a:defRPr>
+      </a:lvl1pPr>
+      <a:lvl2pPr marL="685800" indent="-228600" algn="l" defTabSz="914400" rtl="0" eaLnBrk="1" latinLnBrk="0" hangingPunct="1">
+        <a:lnSpc>
+          <a:spcPct val="90000"/>
+        </a:lnSpc>
+        <a:spcBef>
+          <a:spcPts val="500"/>
+        </a:spcBef>
+        <a:buFont typeface="Arial" panose="020B0604020202020204" pitchFamily="34" charset="0"/>
+        <a:buChar char="•"/>
+        <a:defRPr sz="2400" kern="1200">
+          <a:solidFill>
+            <a:schemeClr val="tx1"/>
+          </a:solidFill>
+          <a:latin typeface="+mn-lt"/>
+          <a:ea typeface="+mn-ea"/>
+          <a:cs typeface="+mn-cs"/>
+        </a:defRPr>
+      </a:lvl2pPr>
+      <a:lvl3pPr marL="1143000" indent="-228600" algn="l" defTabSz="914400" rtl="0" eaLnBrk="1" latinLnBrk="0" hangingPunct="1">
+        <a:lnSpc>
+          <a:spcPct val="90000"/>
+        </a:lnSpc>
+        <a:spcBef>
+          <a:spcPts val="500"/>
+        </a:spcBef>
+        <a:buFont typeface="Arial" panose="020B0604020202020204" pitchFamily="34" charset="0"/>
+        <a:buChar char="•"/>
+        <a:defRPr sz="2000" kern="1200">
+          <a:solidFill>
+            <a:schemeClr val="tx1"/>
+          </a:solidFill>
+          <a:latin typeface="+mn-lt"/>
+          <a:ea typeface="+mn-ea"/>
+          <a:cs typeface="+mn-cs"/>
+        </a:defRPr>
+      </a:lvl3pPr>
+      <a:lvl4pPr marL="1600200" indent="-228600" algn="l" defTabSz="914400" rtl="0" eaLnBrk="1" latinLnBrk="0" hangingPunct="1">
+        <a:lnSpc>
+          <a:spcPct val="90000"/>
+        </a:lnSpc>
+        <a:spcBef>
+          <a:spcPts val="500"/>
+        </a:spcBef>
+        <a:buFont typeface="Arial" panose="020B0604020202020204" pitchFamily="34" charset="0"/>
+        <a:buChar char="•"/>
+        <a:defRPr sz="1800" kern="1200">
+          <a:solidFill>
+            <a:schemeClr val="tx1"/>
+          </a:solidFill>
+          <a:latin typeface="+mn-lt"/>
+          <a:ea typeface="+mn-ea"/>
+          <a:cs typeface="+mn-cs"/>
+        </a:defRPr>
+      </a:lvl4pPr>
+      <a:lvl5pPr marL="2057400" indent="-228600" algn="l" defTabSz="914400" rtl="0" eaLnBrk="1" latinLnBrk="0" hangingPunct="1">
+        <a:lnSpc>
+          <a:spcPct val="90000"/>
+        </a:lnSpc>
+        <a:spcBef>
+          <a:spcPts val="500"/>
+        </a:spcBef>
+        <a:buFont typeface="Arial" panose="020B0604020202020204" pitchFamily="34" charset="0"/>
+        <a:buChar char="•"/>
+        <a:defRPr sz="1800" kern="1200">
+          <a:solidFill>
+            <a:schemeClr val="tx1"/>
+          </a:solidFill>
+          <a:latin typeface="+mn-lt"/>
+          <a:ea typeface="+mn-ea"/>
+          <a:cs typeface="+mn-cs"/>
+        </a:defRPr>
+      </a:lvl5pPr>
+      <a:lvl6pPr marL="2514600" indent="-228600" algn="l" defTabSz="914400" rtl="0" eaLnBrk="1" latinLnBrk="0" hangingPunct="1">
+        <a:lnSpc>
+          <a:spcPct val="90000"/>
+        </a:lnSpc>
+        <a:spcBef>
+          <a:spcPts val="500"/>
+        </a:spcBef>
+        <a:buFont typeface="Arial" panose="020B0604020202020204" pitchFamily="34" charset="0"/>
+        <a:buChar char="•"/>
+        <a:defRPr sz="1800" kern="1200">
+          <a:solidFill>
+            <a:schemeClr val="tx1"/>
+          </a:solidFill>
+          <a:latin typeface="+mn-lt"/>
+          <a:ea typeface="+mn-ea"/>
+          <a:cs typeface="+mn-cs"/>
+        </a:defRPr>
+      </a:lvl6pPr>
+      <a:lvl7pPr marL="2971800" indent="-228600" algn="l" defTabSz="914400" rtl="0" eaLnBrk="1" latinLnBrk="0" hangingPunct="1">
+        <a:lnSpc>
+          <a:spcPct val="90000"/>
+        </a:lnSpc>
+        <a:spcBef>
+          <a:spcPts val="500"/>
+        </a:spcBef>
+        <a:buFont typeface="Arial" panose="020B0604020202020204" pitchFamily="34" charset="0"/>
+        <a:buChar char="•"/>
+        <a:defRPr sz="1800" kern="1200">
+          <a:solidFill>
+            <a:schemeClr val="tx1"/>
+          </a:solidFill>
+          <a:latin typeface="+mn-lt"/>
+          <a:ea typeface="+mn-ea"/>
+          <a:cs typeface="+mn-cs"/>
+        </a:defRPr>
+      </a:lvl7pPr>
+      <a:lvl8pPr marL="3429000" indent="-228600" algn="l" defTabSz="914400" rtl="0" eaLnBrk="1" latinLnBrk="0" hangingPunct="1">
+        <a:lnSpc>
+          <a:spcPct val="90000"/>
+        </a:lnSpc>
+        <a:spcBef>
+          <a:spcPts val="500"/>
+        </a:spcBef>
+        <a:buFont typeface="Arial" panose="020B0604020202020204" pitchFamily="34" charset="0"/>
+        <a:buChar char="•"/>
+        <a:defRPr sz="1800" kern="1200">
+          <a:solidFill>
+            <a:schemeClr val="tx1"/>
+          </a:solidFill>
+          <a:latin typeface="+mn-lt"/>
+          <a:ea typeface="+mn-ea"/>
+          <a:cs typeface="+mn-cs"/>
+        </a:defRPr>
+      </a:lvl8pPr>
+      <a:lvl9pPr marL="3886200" indent="-228600" algn="l" defTabSz="914400" rtl="0" eaLnBrk="1" latinLnBrk="0" hangingPunct="1">
+        <a:lnSpc>
+          <a:spcPct val="90000"/>
+        </a:lnSpc>
+        <a:spcBef>
+          <a:spcPts val="500"/>
+        </a:spcBef>
+        <a:buFont typeface="Arial" panose="020B0604020202020204" pitchFamily="34" charset="0"/>
+        <a:buChar char="•"/>
+        <a:defRPr sz="1800" kern="1200">
+          <a:solidFill>
+            <a:schemeClr val="tx1"/>
+          </a:solidFill>
+          <a:latin typeface="+mn-lt"/>
+          <a:ea typeface="+mn-ea"/>
+          <a:cs typeface="+mn-cs"/>
+        </a:defRPr>
+      </a:lvl9pPr>
+    </p:bodyStyle>
+    <p:otherStyle>
+      <a:defPPr>
+        <a:defRPr lang="zh-CN"/>
+      </a:defPPr>
+      <a:lvl1pPr marL="0" algn="l" defTabSz="914400" rtl="0" eaLnBrk="1" latinLnBrk="0" hangingPunct="1">
+        <a:defRPr sz="1800" kern="1200">
+          <a:solidFill>
+            <a:schemeClr val="tx1"/>
+          </a:solidFill>
+          <a:latin typeface="+mn-lt"/>
+          <a:ea typeface="+mn-ea"/>
+          <a:cs typeface="+mn-cs"/>
+        </a:defRPr>
+      </a:lvl1pPr>
+      <a:lvl2pPr marL="457200" algn="l" defTabSz="914400" rtl="0" eaLnBrk="1" latinLnBrk="0" hangingPunct="1">
+        <a:defRPr sz="1800" kern="1200">
+          <a:solidFill>
+            <a:schemeClr val="tx1"/>
+          </a:solidFill>
+          <a:latin typeface="+mn-lt"/>
+          <a:ea typeface="+mn-ea"/>
+          <a:cs typeface="+mn-cs"/>
+        </a:defRPr>
+      </a:lvl2pPr>
+      <a:lvl3pPr marL="914400" algn="l" defTabSz="914400" rtl="0" eaLnBrk="1" latinLnBrk="0" hangingPunct="1">
+        <a:defRPr sz="1800" kern="1200">
+          <a:solidFill>
+            <a:schemeClr val="tx1"/>
+          </a:solidFill>
+          <a:latin typeface="+mn-lt"/>
+          <a:ea typeface="+mn-ea"/>
+          <a:cs typeface="+mn-cs"/>
+        </a:defRPr>
+      </a:lvl3pPr>
+      <a:lvl4pPr marL="1371600" algn="l" defTabSz="914400" rtl="0" eaLnBrk="1" latinLnBrk="0" hangingPunct="1">
+        <a:defRPr sz="1800" kern="1200">
+          <a:solidFill>
+            <a:schemeClr val="tx1"/>
+          </a:solidFill>
+          <a:latin typeface="+mn-lt"/>
+          <a:ea typeface="+mn-ea"/>
+          <a:cs typeface="+mn-cs"/>
+        </a:defRPr>
+      </a:lvl4pPr>
+      <a:lvl5pPr marL="1828800" algn="l" defTabSz="914400" rtl="0" eaLnBrk="1" latinLnBrk="0" hangingPunct="1">
+        <a:defRPr sz="1800" kern="1200">
+          <a:solidFill>
+            <a:schemeClr val="tx1"/>
+          </a:solidFill>
+          <a:latin typeface="+mn-lt"/>
+          <a:ea typeface="+mn-ea"/>
+          <a:cs typeface="+mn-cs"/>
+        </a:defRPr>
+      </a:lvl5pPr>
+      <a:lvl6pPr marL="2286000" algn="l" defTabSz="914400" rtl="0" eaLnBrk="1" latinLnBrk="0" hangingPunct="1">
+        <a:defRPr sz="1800" kern="1200">
+          <a:solidFill>
+            <a:schemeClr val="tx1"/>
+          </a:solidFill>
+          <a:latin typeface="+mn-lt"/>
+          <a:ea typeface="+mn-ea"/>
+          <a:cs typeface="+mn-cs"/>
+        </a:defRPr>
+      </a:lvl6pPr>
+      <a:lvl7pPr marL="2743200" algn="l" defTabSz="914400" rtl="0" eaLnBrk="1" latinLnBrk="0" hangingPunct="1">
+        <a:defRPr sz="1800" kern="1200">
+          <a:solidFill>
+            <a:schemeClr val="tx1"/>
+          </a:solidFill>
+          <a:latin typeface="+mn-lt"/>
+          <a:ea typeface="+mn-ea"/>
+          <a:cs typeface="+mn-cs"/>
+        </a:defRPr>
+      </a:lvl7pPr>
+      <a:lvl8pPr marL="3200400" algn="l" defTabSz="914400" rtl="0" eaLnBrk="1" latinLnBrk="0" hangingPunct="1">
+        <a:defRPr sz="1800" kern="1200">
+          <a:solidFill>
+            <a:schemeClr val="tx1"/>
+          </a:solidFill>
+          <a:latin typeface="+mn-lt"/>
+          <a:ea typeface="+mn-ea"/>
+          <a:cs typeface="+mn-cs"/>
+        </a:defRPr>
+      </a:lvl8pPr>
+      <a:lvl9pPr marL="3657600" algn="l" defTabSz="914400" rtl="0" eaLnBrk="1" latinLnBrk="0" hangingPunct="1">
+        <a:defRPr sz="1800" kern="1200">
+          <a:solidFill>
+            <a:schemeClr val="tx1"/>
+          </a:solidFill>
+          <a:latin typeface="+mn-lt"/>
+          <a:ea typeface="+mn-ea"/>
+          <a:cs typeface="+mn-cs"/>
+        </a:defRPr>
+      </a:lvl9pPr>
+    </p:otherStyle>
+  </p:txStyles>
+</p:sldMaster>
+</file>
+
+<file path=ppt/slides/slide1.xml><?xml version="1.0" encoding="utf-8"?>
+<p:sld xmlns:a="http://schemas.openxmlformats.org/drawingml/2006/main" xmlns:r="http://schemas.openxmlformats.org/officeDocument/2006/relationships" xmlns:p="http://schemas.openxmlformats.org/presentationml/2006/main">
+  <p:cSld>
+    <p:spTree>
+      <p:nvGrpSpPr>
+        <p:cNvPr id="1" name="">
+          <a:extLst>
+            <a:ext uri="{FF2B5EF4-FFF2-40B4-BE49-F238E27FC236}">
+              <a16:creationId xmlns:a16="http://schemas.microsoft.com/office/drawing/2014/main" id="{F481D68B-B940-05F3-EF50-FFF5C545B227}"/>
+            </a:ext>
+          </a:extLst>
+        </p:cNvPr>
+        <p:cNvGrpSpPr/>
+        <p:nvPr/>
+      </p:nvGrpSpPr>
+      <p:grpSpPr>
+        <a:xfrm>
+          <a:off x="0" y="0"/>
+          <a:ext cx="0" cy="0"/>
+          <a:chOff x="0" y="0"/>
+          <a:chExt cx="0" cy="0"/>
+        </a:xfrm>
+      </p:grpSpPr>
+      <p:sp>
+        <p:nvSpPr>
+          <p:cNvPr id="2" name="Title 1">
+            <a:extLst>
+              <a:ext uri="{FF2B5EF4-FFF2-40B4-BE49-F238E27FC236}">
+                <a16:creationId xmlns:a16="http://schemas.microsoft.com/office/drawing/2014/main" id="{C6CC596D-C8F3-F4B5-A14D-2D92CD208478}"/>
+              </a:ext>
+            </a:extLst>
+          </p:cNvPr>
+          <p:cNvSpPr>
+            <a:spLocks noGrp="1"/>
+          </p:cNvSpPr>
+          <p:nvPr>
+            <p:ph type="title"/>
+          </p:nvPr>
+        </p:nvSpPr>
+        <p:spPr>
+          <a:xfrm>
+            <a:off x="423334" y="1067401"/>
+            <a:ext cx="11345332" cy="511175"/>
+          </a:xfrm>
+        </p:spPr>
+        <p:txBody>
+          <a:bodyPr>
+            <a:normAutofit fontScale="90000"/>
+          </a:bodyPr>
+          <a:lstStyle/>
+          <a:p>
+            <a:r>
+              <a:rPr lang="en-US" altLang="zh-CN" sz="3200" dirty="0">
                 <a:ln w="0"/>
-                <a:solidFill>
-                  <a:schemeClr val="tx1"/>
-                </a:solidFill>
                 <a:effectLst>
                   <a:outerShdw blurRad="38100" dist="19050" dir="2700000" algn="tl" rotWithShape="0">
                     <a:schemeClr val="dk1">
@@ -3860,138 +7709,14 @@
                     </a:schemeClr>
                   </a:outerShdw>
                 </a:effectLst>
+                <a:latin typeface="Arial" panose="020B0604020202020204" pitchFamily="34" charset="0"/>
+                <a:cs typeface="Arial" panose="020B0604020202020204" pitchFamily="34" charset="0"/>
               </a:rPr>
-              <a:t>WSN Lab Final Presentation Group 2 </a:t>
-            </a:r>
-            <a:endParaRPr lang="zh-CN" altLang="en-US" sz="2500" b="0" cap="none" spc="0" dirty="0">
-              <a:ln w="0"/>
-              <a:solidFill>
-                <a:schemeClr val="tx1"/>
-              </a:solidFill>
-              <a:effectLst>
-                <a:outerShdw blurRad="38100" dist="19050" dir="2700000" algn="tl" rotWithShape="0">
-                  <a:schemeClr val="dk1">
-                    <a:alpha val="40000"/>
-                  </a:schemeClr>
-                </a:outerShdw>
-              </a:effectLst>
-            </a:endParaRPr>
-          </a:p>
-        </p:txBody>
-      </p:sp>
-      <p:sp>
-        <p:nvSpPr>
-          <p:cNvPr id="11" name="文本框 10">
-            <a:extLst>
-              <a:ext uri="{FF2B5EF4-FFF2-40B4-BE49-F238E27FC236}">
-                <a16:creationId xmlns:a16="http://schemas.microsoft.com/office/drawing/2014/main" id="{532EF073-DF29-9CF7-4522-D189D57C8657}"/>
-              </a:ext>
-            </a:extLst>
-          </p:cNvPr>
-          <p:cNvSpPr txBox="1"/>
-          <p:nvPr/>
-        </p:nvSpPr>
-        <p:spPr>
-          <a:xfrm>
-            <a:off x="744077" y="3068052"/>
-            <a:ext cx="4138863" cy="1938992"/>
-          </a:xfrm>
-          <a:prstGeom prst="rect">
-            <a:avLst/>
-          </a:prstGeom>
-          <a:noFill/>
-        </p:spPr>
-        <p:txBody>
-          <a:bodyPr wrap="square" rtlCol="0">
-            <a:spAutoFit/>
-          </a:bodyPr>
-          <a:lstStyle/>
-          <a:p>
-            <a:r>
-              <a:rPr lang="en-US" altLang="zh-CN" sz="2200" b="1" dirty="0"/>
-              <a:t>Chi Xia</a:t>
-            </a:r>
-          </a:p>
-          <a:p>
-            <a:r>
-              <a:rPr lang="en-US" altLang="zh-CN" dirty="0">
-                <a:hlinkClick r:id="rId3"/>
-              </a:rPr>
-              <a:t>chi.xia@tum.de</a:t>
-            </a:r>
-            <a:endParaRPr lang="en-US" altLang="zh-CN" dirty="0"/>
-          </a:p>
-          <a:p>
-            <a:r>
-              <a:rPr lang="en-US" altLang="zh-CN" sz="2200" b="1" dirty="0"/>
-              <a:t>Zhihao Deng</a:t>
-            </a:r>
-          </a:p>
-          <a:p>
-            <a:r>
-              <a:rPr lang="en-US" altLang="zh-CN" dirty="0">
-                <a:hlinkClick r:id="rId4"/>
-              </a:rPr>
-              <a:t>zhihao.deng@tum.de</a:t>
-            </a:r>
-            <a:endParaRPr lang="en-US" altLang="zh-CN" dirty="0"/>
-          </a:p>
-          <a:p>
-            <a:r>
-              <a:rPr lang="en-US" altLang="zh-CN" sz="2200" b="1" dirty="0" err="1"/>
-              <a:t>Kaikang</a:t>
-            </a:r>
-            <a:r>
-              <a:rPr lang="en-US" altLang="zh-CN" sz="2200" b="1" dirty="0"/>
-              <a:t> Huang</a:t>
-            </a:r>
-          </a:p>
-          <a:p>
-            <a:r>
-              <a:rPr lang="en-US" altLang="zh-CN" dirty="0">
-                <a:hlinkClick r:id="rId5"/>
-              </a:rPr>
-              <a:t>go49jan@mytum.de</a:t>
-            </a:r>
-            <a:endParaRPr lang="zh-CN" altLang="en-US" dirty="0"/>
-          </a:p>
-        </p:txBody>
-      </p:sp>
-      <p:sp>
-        <p:nvSpPr>
-          <p:cNvPr id="12" name="矩形 11">
-            <a:extLst>
-              <a:ext uri="{FF2B5EF4-FFF2-40B4-BE49-F238E27FC236}">
-                <a16:creationId xmlns:a16="http://schemas.microsoft.com/office/drawing/2014/main" id="{045480B2-6304-8785-9A6E-59DACA3D494E}"/>
-              </a:ext>
-            </a:extLst>
-          </p:cNvPr>
-          <p:cNvSpPr/>
-          <p:nvPr/>
-        </p:nvSpPr>
-        <p:spPr>
-          <a:xfrm>
-            <a:off x="610490" y="521805"/>
-            <a:ext cx="6299289" cy="923330"/>
-          </a:xfrm>
-          <a:prstGeom prst="rect">
-            <a:avLst/>
-          </a:prstGeom>
-          <a:noFill/>
-        </p:spPr>
-        <p:txBody>
-          <a:bodyPr wrap="none" lIns="91440" tIns="45720" rIns="91440" bIns="45720">
-            <a:spAutoFit/>
-          </a:bodyPr>
-          <a:lstStyle/>
-          <a:p>
-            <a:pPr algn="ctr"/>
-            <a:r>
-              <a:rPr lang="en-US" altLang="zh-CN" sz="5400" b="0" cap="none" spc="0" dirty="0">
+              <a:t>Intelligent Parking Lot</a:t>
+            </a:r>
+            <a:br>
+              <a:rPr lang="en-US" altLang="zh-CN" sz="3200" dirty="0">
                 <a:ln w="0"/>
-                <a:solidFill>
-                  <a:schemeClr val="tx1"/>
-                </a:solidFill>
                 <a:effectLst>
                   <a:outerShdw blurRad="38100" dist="19050" dir="2700000" algn="tl" rotWithShape="0">
                     <a:schemeClr val="dk1">
@@ -3999,21 +7724,201 @@
                     </a:schemeClr>
                   </a:outerShdw>
                 </a:effectLst>
+                <a:latin typeface="Arial" panose="020B0604020202020204" pitchFamily="34" charset="0"/>
+                <a:cs typeface="Arial" panose="020B0604020202020204" pitchFamily="34" charset="0"/>
               </a:rPr>
-              <a:t>Intelligent Parking Lot</a:t>
-            </a:r>
-            <a:endParaRPr lang="zh-CN" altLang="en-US" sz="5400" b="0" cap="none" spc="0" dirty="0">
-              <a:ln w="0"/>
-              <a:solidFill>
-                <a:schemeClr val="tx1"/>
-              </a:solidFill>
-              <a:effectLst>
-                <a:outerShdw blurRad="38100" dist="19050" dir="2700000" algn="tl" rotWithShape="0">
-                  <a:schemeClr val="dk1">
-                    <a:alpha val="40000"/>
-                  </a:schemeClr>
-                </a:outerShdw>
-              </a:effectLst>
+            </a:br>
+            <a:r>
+              <a:rPr lang="en-US" altLang="zh-CN" sz="3200" dirty="0">
+                <a:ln w="0"/>
+                <a:effectLst>
+                  <a:outerShdw blurRad="38100" dist="19050" dir="2700000" algn="tl" rotWithShape="0">
+                    <a:schemeClr val="dk1">
+                      <a:alpha val="40000"/>
+                    </a:schemeClr>
+                  </a:outerShdw>
+                </a:effectLst>
+                <a:latin typeface="Arial" panose="020B0604020202020204" pitchFamily="34" charset="0"/>
+                <a:cs typeface="Arial" panose="020B0604020202020204" pitchFamily="34" charset="0"/>
+              </a:rPr>
+              <a:t>WSN Lab Final Demo Group 2 </a:t>
+            </a:r>
+            <a:endParaRPr lang="en-GB" dirty="0">
+              <a:latin typeface="Arial" panose="020B0604020202020204" pitchFamily="34" charset="0"/>
+              <a:cs typeface="Arial" panose="020B0604020202020204" pitchFamily="34" charset="0"/>
+            </a:endParaRPr>
+          </a:p>
+        </p:txBody>
+      </p:sp>
+      <p:sp>
+        <p:nvSpPr>
+          <p:cNvPr id="3" name="Content Placeholder 2">
+            <a:extLst>
+              <a:ext uri="{FF2B5EF4-FFF2-40B4-BE49-F238E27FC236}">
+                <a16:creationId xmlns:a16="http://schemas.microsoft.com/office/drawing/2014/main" id="{283E24D2-F479-CFEB-8969-F36B766586A8}"/>
+              </a:ext>
+            </a:extLst>
+          </p:cNvPr>
+          <p:cNvSpPr>
+            <a:spLocks noGrp="1"/>
+          </p:cNvSpPr>
+          <p:nvPr>
+            <p:ph idx="10"/>
+          </p:nvPr>
+        </p:nvSpPr>
+        <p:spPr>
+          <a:xfrm>
+            <a:off x="423334" y="2611767"/>
+            <a:ext cx="6780497" cy="3331833"/>
+          </a:xfrm>
+        </p:spPr>
+        <p:txBody>
+          <a:bodyPr>
+            <a:noAutofit/>
+          </a:bodyPr>
+          <a:lstStyle/>
+          <a:p>
+            <a:r>
+              <a:rPr lang="en-GB" sz="1500" dirty="0">
+                <a:latin typeface="Arial" panose="020B0604020202020204" pitchFamily="34" charset="0"/>
+                <a:cs typeface="Arial" panose="020B0604020202020204" pitchFamily="34" charset="0"/>
+              </a:rPr>
+              <a:t>Zhihao Deng, Chi Xia, </a:t>
+            </a:r>
+            <a:r>
+              <a:rPr lang="en-GB" sz="1500" dirty="0" err="1">
+                <a:latin typeface="Arial" panose="020B0604020202020204" pitchFamily="34" charset="0"/>
+                <a:cs typeface="Arial" panose="020B0604020202020204" pitchFamily="34" charset="0"/>
+              </a:rPr>
+              <a:t>Kaikang</a:t>
+            </a:r>
+            <a:r>
+              <a:rPr lang="en-GB" sz="1500" dirty="0">
+                <a:latin typeface="Arial" panose="020B0604020202020204" pitchFamily="34" charset="0"/>
+                <a:cs typeface="Arial" panose="020B0604020202020204" pitchFamily="34" charset="0"/>
+              </a:rPr>
+              <a:t> Huang</a:t>
+            </a:r>
+          </a:p>
+          <a:p>
+            <a:endParaRPr lang="en-GB" sz="1500" dirty="0">
+              <a:latin typeface="Arial" panose="020B0604020202020204" pitchFamily="34" charset="0"/>
+              <a:cs typeface="Arial" panose="020B0604020202020204" pitchFamily="34" charset="0"/>
+            </a:endParaRPr>
+          </a:p>
+          <a:p>
+            <a:r>
+              <a:rPr lang="de-DE" altLang="zh-CN" sz="1500" dirty="0">
+                <a:latin typeface="Arial" panose="020B0604020202020204" pitchFamily="34" charset="0"/>
+                <a:cs typeface="Arial" panose="020B0604020202020204" pitchFamily="34" charset="0"/>
+              </a:rPr>
+              <a:t>Chair </a:t>
+            </a:r>
+            <a:r>
+              <a:rPr lang="de-DE" altLang="zh-CN" sz="1500" dirty="0" err="1">
+                <a:latin typeface="Arial" panose="020B0604020202020204" pitchFamily="34" charset="0"/>
+                <a:cs typeface="Arial" panose="020B0604020202020204" pitchFamily="34" charset="0"/>
+              </a:rPr>
+              <a:t>of</a:t>
+            </a:r>
+            <a:r>
+              <a:rPr lang="de-DE" altLang="zh-CN" sz="1500" dirty="0">
+                <a:latin typeface="Arial" panose="020B0604020202020204" pitchFamily="34" charset="0"/>
+                <a:cs typeface="Arial" panose="020B0604020202020204" pitchFamily="34" charset="0"/>
+              </a:rPr>
+              <a:t> Communication Networks</a:t>
+            </a:r>
+          </a:p>
+          <a:p>
+            <a:r>
+              <a:rPr lang="de-DE" altLang="zh-CN" sz="1500" dirty="0">
+                <a:latin typeface="Arial" panose="020B0604020202020204" pitchFamily="34" charset="0"/>
+                <a:cs typeface="Arial" panose="020B0604020202020204" pitchFamily="34" charset="0"/>
+              </a:rPr>
+              <a:t>School </a:t>
+            </a:r>
+            <a:r>
+              <a:rPr lang="de-DE" altLang="zh-CN" sz="1500" dirty="0" err="1">
+                <a:latin typeface="Arial" panose="020B0604020202020204" pitchFamily="34" charset="0"/>
+                <a:cs typeface="Arial" panose="020B0604020202020204" pitchFamily="34" charset="0"/>
+              </a:rPr>
+              <a:t>of</a:t>
+            </a:r>
+            <a:r>
+              <a:rPr lang="de-DE" altLang="zh-CN" sz="1500" dirty="0">
+                <a:latin typeface="Arial" panose="020B0604020202020204" pitchFamily="34" charset="0"/>
+                <a:cs typeface="Arial" panose="020B0604020202020204" pitchFamily="34" charset="0"/>
+              </a:rPr>
+              <a:t> </a:t>
+            </a:r>
+            <a:r>
+              <a:rPr lang="de-DE" altLang="zh-CN" sz="1500" dirty="0" err="1">
+                <a:latin typeface="Arial" panose="020B0604020202020204" pitchFamily="34" charset="0"/>
+                <a:cs typeface="Arial" panose="020B0604020202020204" pitchFamily="34" charset="0"/>
+              </a:rPr>
+              <a:t>Computation</a:t>
+            </a:r>
+            <a:r>
+              <a:rPr lang="de-DE" altLang="zh-CN" sz="1500" dirty="0">
+                <a:latin typeface="Arial" panose="020B0604020202020204" pitchFamily="34" charset="0"/>
+                <a:cs typeface="Arial" panose="020B0604020202020204" pitchFamily="34" charset="0"/>
+              </a:rPr>
+              <a:t>, Information and Technology </a:t>
+            </a:r>
+          </a:p>
+          <a:p>
+            <a:r>
+              <a:rPr lang="de-DE" altLang="zh-CN" sz="1500" dirty="0">
+                <a:latin typeface="Arial" panose="020B0604020202020204" pitchFamily="34" charset="0"/>
+                <a:cs typeface="Arial" panose="020B0604020202020204" pitchFamily="34" charset="0"/>
+              </a:rPr>
+              <a:t>Technical University </a:t>
+            </a:r>
+            <a:r>
+              <a:rPr lang="de-DE" altLang="zh-CN" sz="1500" dirty="0" err="1">
+                <a:latin typeface="Arial" panose="020B0604020202020204" pitchFamily="34" charset="0"/>
+                <a:cs typeface="Arial" panose="020B0604020202020204" pitchFamily="34" charset="0"/>
+              </a:rPr>
+              <a:t>of</a:t>
+            </a:r>
+            <a:r>
+              <a:rPr lang="de-DE" altLang="zh-CN" sz="1500" dirty="0">
+                <a:latin typeface="Arial" panose="020B0604020202020204" pitchFamily="34" charset="0"/>
+                <a:cs typeface="Arial" panose="020B0604020202020204" pitchFamily="34" charset="0"/>
+              </a:rPr>
+              <a:t> Munich</a:t>
+            </a:r>
+          </a:p>
+          <a:p>
+            <a:r>
+              <a:rPr lang="de-DE" altLang="zh-CN" sz="1500" dirty="0">
+                <a:latin typeface="Arial" panose="020B0604020202020204" pitchFamily="34" charset="0"/>
+                <a:cs typeface="Arial" panose="020B0604020202020204" pitchFamily="34" charset="0"/>
+              </a:rPr>
+              <a:t>Munich, </a:t>
+            </a:r>
+            <a:r>
+              <a:rPr lang="de-DE" altLang="zh-CN" sz="1500" dirty="0" err="1">
+                <a:latin typeface="Arial" panose="020B0604020202020204" pitchFamily="34" charset="0"/>
+                <a:cs typeface="Arial" panose="020B0604020202020204" pitchFamily="34" charset="0"/>
+              </a:rPr>
+              <a:t>July</a:t>
+            </a:r>
+            <a:r>
+              <a:rPr lang="de-DE" altLang="zh-CN" sz="1500" dirty="0">
+                <a:latin typeface="Arial" panose="020B0604020202020204" pitchFamily="34" charset="0"/>
+                <a:cs typeface="Arial" panose="020B0604020202020204" pitchFamily="34" charset="0"/>
+              </a:rPr>
+              <a:t> 15 2025</a:t>
+            </a:r>
+          </a:p>
+          <a:p>
+            <a:pPr marL="0" indent="0">
+              <a:buNone/>
+            </a:pPr>
+            <a:endParaRPr lang="en-GB" sz="1500" dirty="0">
+              <a:latin typeface="Arial" panose="020B0604020202020204" pitchFamily="34" charset="0"/>
+              <a:cs typeface="Arial" panose="020B0604020202020204" pitchFamily="34" charset="0"/>
             </a:endParaRPr>
           </a:p>
         </p:txBody>
@@ -4021,7 +7926,7 @@
     </p:spTree>
     <p:extLst>
       <p:ext uri="{BB962C8B-B14F-4D97-AF65-F5344CB8AC3E}">
-        <p14:creationId xmlns:p14="http://schemas.microsoft.com/office/powerpoint/2010/main" val="3217427334"/>
+        <p14:creationId xmlns:p14="http://schemas.microsoft.com/office/powerpoint/2010/main" val="1397553045"/>
       </p:ext>
     </p:extLst>
   </p:cSld>
@@ -4098,8 +8003,8 @@
         </p:nvSpPr>
         <p:spPr>
           <a:xfrm>
-            <a:off x="-211760" y="451368"/>
-            <a:ext cx="9426782" cy="553998"/>
+            <a:off x="477365" y="547211"/>
+            <a:ext cx="5451234" cy="553998"/>
           </a:xfrm>
           <a:prstGeom prst="rect">
             <a:avLst/>
@@ -4127,7 +8032,7 @@
                   </a:outerShdw>
                 </a:effectLst>
               </a:rPr>
-              <a:t>Smart Parking System: Motivation and Objectives</a:t>
+              <a:t>Smart Parking System: Motivation</a:t>
             </a:r>
             <a:endParaRPr lang="zh-CN" altLang="en-US" sz="3000" b="0" cap="none" spc="0" dirty="0">
               <a:ln w="0"/>
@@ -4253,832 +8158,6 @@
           </a:p>
         </p:txBody>
       </p:sp>
-      <p:cxnSp>
-        <p:nvCxnSpPr>
-          <p:cNvPr id="6" name="直接连接符 5">
-            <a:extLst>
-              <a:ext uri="{FF2B5EF4-FFF2-40B4-BE49-F238E27FC236}">
-                <a16:creationId xmlns:a16="http://schemas.microsoft.com/office/drawing/2014/main" id="{47781D00-51C8-6F01-2761-36C8F522C82D}"/>
-              </a:ext>
-            </a:extLst>
-          </p:cNvPr>
-          <p:cNvCxnSpPr/>
-          <p:nvPr/>
-        </p:nvCxnSpPr>
-        <p:spPr>
-          <a:xfrm>
-            <a:off x="1953007" y="5051169"/>
-            <a:ext cx="1227221" cy="0"/>
-          </a:xfrm>
-          <a:prstGeom prst="line">
-            <a:avLst/>
-          </a:prstGeom>
-          <a:ln w="28575"/>
-        </p:spPr>
-        <p:style>
-          <a:lnRef idx="1">
-            <a:schemeClr val="accent2"/>
-          </a:lnRef>
-          <a:fillRef idx="0">
-            <a:schemeClr val="accent2"/>
-          </a:fillRef>
-          <a:effectRef idx="0">
-            <a:schemeClr val="accent2"/>
-          </a:effectRef>
-          <a:fontRef idx="minor">
-            <a:schemeClr val="tx1"/>
-          </a:fontRef>
-        </p:style>
-      </p:cxnSp>
-      <p:cxnSp>
-        <p:nvCxnSpPr>
-          <p:cNvPr id="8" name="直接连接符 7">
-            <a:extLst>
-              <a:ext uri="{FF2B5EF4-FFF2-40B4-BE49-F238E27FC236}">
-                <a16:creationId xmlns:a16="http://schemas.microsoft.com/office/drawing/2014/main" id="{AC852FDC-D198-AB26-E641-5898A2308276}"/>
-              </a:ext>
-            </a:extLst>
-          </p:cNvPr>
-          <p:cNvCxnSpPr/>
-          <p:nvPr/>
-        </p:nvCxnSpPr>
-        <p:spPr>
-          <a:xfrm>
-            <a:off x="1953006" y="5575529"/>
-            <a:ext cx="1227221" cy="0"/>
-          </a:xfrm>
-          <a:prstGeom prst="line">
-            <a:avLst/>
-          </a:prstGeom>
-          <a:ln w="28575"/>
-        </p:spPr>
-        <p:style>
-          <a:lnRef idx="1">
-            <a:schemeClr val="accent2"/>
-          </a:lnRef>
-          <a:fillRef idx="0">
-            <a:schemeClr val="accent2"/>
-          </a:fillRef>
-          <a:effectRef idx="0">
-            <a:schemeClr val="accent2"/>
-          </a:effectRef>
-          <a:fontRef idx="minor">
-            <a:schemeClr val="tx1"/>
-          </a:fontRef>
-        </p:style>
-      </p:cxnSp>
-      <p:cxnSp>
-        <p:nvCxnSpPr>
-          <p:cNvPr id="9" name="直接连接符 8">
-            <a:extLst>
-              <a:ext uri="{FF2B5EF4-FFF2-40B4-BE49-F238E27FC236}">
-                <a16:creationId xmlns:a16="http://schemas.microsoft.com/office/drawing/2014/main" id="{98F66B16-D671-B62A-FF42-729E9E2BF24A}"/>
-              </a:ext>
-            </a:extLst>
-          </p:cNvPr>
-          <p:cNvCxnSpPr/>
-          <p:nvPr/>
-        </p:nvCxnSpPr>
-        <p:spPr>
-          <a:xfrm>
-            <a:off x="1953006" y="6071474"/>
-            <a:ext cx="1227221" cy="0"/>
-          </a:xfrm>
-          <a:prstGeom prst="line">
-            <a:avLst/>
-          </a:prstGeom>
-          <a:ln w="28575"/>
-        </p:spPr>
-        <p:style>
-          <a:lnRef idx="1">
-            <a:schemeClr val="accent2"/>
-          </a:lnRef>
-          <a:fillRef idx="0">
-            <a:schemeClr val="accent2"/>
-          </a:fillRef>
-          <a:effectRef idx="0">
-            <a:schemeClr val="accent2"/>
-          </a:effectRef>
-          <a:fontRef idx="minor">
-            <a:schemeClr val="tx1"/>
-          </a:fontRef>
-        </p:style>
-      </p:cxnSp>
-      <p:cxnSp>
-        <p:nvCxnSpPr>
-          <p:cNvPr id="10" name="直接连接符 9">
-            <a:extLst>
-              <a:ext uri="{FF2B5EF4-FFF2-40B4-BE49-F238E27FC236}">
-                <a16:creationId xmlns:a16="http://schemas.microsoft.com/office/drawing/2014/main" id="{07092DE8-58E3-77F9-961A-F13480329D2C}"/>
-              </a:ext>
-            </a:extLst>
-          </p:cNvPr>
-          <p:cNvCxnSpPr/>
-          <p:nvPr/>
-        </p:nvCxnSpPr>
-        <p:spPr>
-          <a:xfrm>
-            <a:off x="1953005" y="6613914"/>
-            <a:ext cx="1227221" cy="0"/>
-          </a:xfrm>
-          <a:prstGeom prst="line">
-            <a:avLst/>
-          </a:prstGeom>
-          <a:ln w="28575"/>
-        </p:spPr>
-        <p:style>
-          <a:lnRef idx="1">
-            <a:schemeClr val="accent2"/>
-          </a:lnRef>
-          <a:fillRef idx="0">
-            <a:schemeClr val="accent2"/>
-          </a:fillRef>
-          <a:effectRef idx="0">
-            <a:schemeClr val="accent2"/>
-          </a:effectRef>
-          <a:fontRef idx="minor">
-            <a:schemeClr val="tx1"/>
-          </a:fontRef>
-        </p:style>
-      </p:cxnSp>
-      <p:cxnSp>
-        <p:nvCxnSpPr>
-          <p:cNvPr id="11" name="直接连接符 10">
-            <a:extLst>
-              <a:ext uri="{FF2B5EF4-FFF2-40B4-BE49-F238E27FC236}">
-                <a16:creationId xmlns:a16="http://schemas.microsoft.com/office/drawing/2014/main" id="{82D675E0-B276-057B-237F-52912675AECB}"/>
-              </a:ext>
-            </a:extLst>
-          </p:cNvPr>
-          <p:cNvCxnSpPr>
-            <a:cxnSpLocks/>
-          </p:cNvCxnSpPr>
-          <p:nvPr/>
-        </p:nvCxnSpPr>
-        <p:spPr>
-          <a:xfrm>
-            <a:off x="1953005" y="5051169"/>
-            <a:ext cx="0" cy="1562745"/>
-          </a:xfrm>
-          <a:prstGeom prst="line">
-            <a:avLst/>
-          </a:prstGeom>
-          <a:ln w="28575"/>
-        </p:spPr>
-        <p:style>
-          <a:lnRef idx="1">
-            <a:schemeClr val="accent2"/>
-          </a:lnRef>
-          <a:fillRef idx="0">
-            <a:schemeClr val="accent2"/>
-          </a:fillRef>
-          <a:effectRef idx="0">
-            <a:schemeClr val="accent2"/>
-          </a:effectRef>
-          <a:fontRef idx="minor">
-            <a:schemeClr val="tx1"/>
-          </a:fontRef>
-        </p:style>
-      </p:cxnSp>
-      <p:sp>
-        <p:nvSpPr>
-          <p:cNvPr id="14" name="椭圆 13">
-            <a:extLst>
-              <a:ext uri="{FF2B5EF4-FFF2-40B4-BE49-F238E27FC236}">
-                <a16:creationId xmlns:a16="http://schemas.microsoft.com/office/drawing/2014/main" id="{A7FF73E2-CD1E-88CB-8856-DFCB2EC6F4C0}"/>
-              </a:ext>
-            </a:extLst>
-          </p:cNvPr>
-          <p:cNvSpPr/>
-          <p:nvPr/>
-        </p:nvSpPr>
-        <p:spPr>
-          <a:xfrm>
-            <a:off x="2157338" y="5132098"/>
-            <a:ext cx="1022888" cy="355567"/>
-          </a:xfrm>
-          <a:prstGeom prst="ellipse">
-            <a:avLst/>
-          </a:prstGeom>
-        </p:spPr>
-        <p:style>
-          <a:lnRef idx="2">
-            <a:schemeClr val="accent1">
-              <a:shade val="15000"/>
-            </a:schemeClr>
-          </a:lnRef>
-          <a:fillRef idx="1">
-            <a:schemeClr val="accent1"/>
-          </a:fillRef>
-          <a:effectRef idx="0">
-            <a:schemeClr val="accent1"/>
-          </a:effectRef>
-          <a:fontRef idx="minor">
-            <a:schemeClr val="lt1"/>
-          </a:fontRef>
-        </p:style>
-        <p:txBody>
-          <a:bodyPr rtlCol="0" anchor="ctr"/>
-          <a:lstStyle/>
-          <a:p>
-            <a:pPr algn="ctr"/>
-            <a:endParaRPr lang="zh-CN" altLang="en-US"/>
-          </a:p>
-        </p:txBody>
-      </p:sp>
-      <p:sp>
-        <p:nvSpPr>
-          <p:cNvPr id="29" name="文本框 28">
-            <a:extLst>
-              <a:ext uri="{FF2B5EF4-FFF2-40B4-BE49-F238E27FC236}">
-                <a16:creationId xmlns:a16="http://schemas.microsoft.com/office/drawing/2014/main" id="{0B7D3AC0-FD87-2D64-61DF-2B88CD9A25B8}"/>
-              </a:ext>
-            </a:extLst>
-          </p:cNvPr>
-          <p:cNvSpPr txBox="1"/>
-          <p:nvPr/>
-        </p:nvSpPr>
-        <p:spPr>
-          <a:xfrm>
-            <a:off x="3389843" y="6205694"/>
-            <a:ext cx="2097202" cy="369332"/>
-          </a:xfrm>
-          <a:prstGeom prst="rect">
-            <a:avLst/>
-          </a:prstGeom>
-          <a:noFill/>
-        </p:spPr>
-        <p:txBody>
-          <a:bodyPr wrap="square" rtlCol="0">
-            <a:spAutoFit/>
-          </a:bodyPr>
-          <a:lstStyle/>
-          <a:p>
-            <a:r>
-              <a:rPr lang="en-US" altLang="zh-CN" dirty="0"/>
-              <a:t>three slots available</a:t>
-            </a:r>
-            <a:endParaRPr lang="zh-CN" altLang="en-US" dirty="0"/>
-          </a:p>
-        </p:txBody>
-      </p:sp>
-      <p:cxnSp>
-        <p:nvCxnSpPr>
-          <p:cNvPr id="34" name="直接连接符 33">
-            <a:extLst>
-              <a:ext uri="{FF2B5EF4-FFF2-40B4-BE49-F238E27FC236}">
-                <a16:creationId xmlns:a16="http://schemas.microsoft.com/office/drawing/2014/main" id="{A70A2E5B-1315-334E-32C6-E371BFDDA8BC}"/>
-              </a:ext>
-            </a:extLst>
-          </p:cNvPr>
-          <p:cNvCxnSpPr/>
-          <p:nvPr/>
-        </p:nvCxnSpPr>
-        <p:spPr>
-          <a:xfrm>
-            <a:off x="7658175" y="5077181"/>
-            <a:ext cx="1227221" cy="0"/>
-          </a:xfrm>
-          <a:prstGeom prst="line">
-            <a:avLst/>
-          </a:prstGeom>
-          <a:ln w="28575"/>
-        </p:spPr>
-        <p:style>
-          <a:lnRef idx="1">
-            <a:schemeClr val="accent2"/>
-          </a:lnRef>
-          <a:fillRef idx="0">
-            <a:schemeClr val="accent2"/>
-          </a:fillRef>
-          <a:effectRef idx="0">
-            <a:schemeClr val="accent2"/>
-          </a:effectRef>
-          <a:fontRef idx="minor">
-            <a:schemeClr val="tx1"/>
-          </a:fontRef>
-        </p:style>
-      </p:cxnSp>
-      <p:cxnSp>
-        <p:nvCxnSpPr>
-          <p:cNvPr id="35" name="直接连接符 34">
-            <a:extLst>
-              <a:ext uri="{FF2B5EF4-FFF2-40B4-BE49-F238E27FC236}">
-                <a16:creationId xmlns:a16="http://schemas.microsoft.com/office/drawing/2014/main" id="{C56612EA-8445-98C6-643A-FC14C532F950}"/>
-              </a:ext>
-            </a:extLst>
-          </p:cNvPr>
-          <p:cNvCxnSpPr/>
-          <p:nvPr/>
-        </p:nvCxnSpPr>
-        <p:spPr>
-          <a:xfrm>
-            <a:off x="7658174" y="5601541"/>
-            <a:ext cx="1227221" cy="0"/>
-          </a:xfrm>
-          <a:prstGeom prst="line">
-            <a:avLst/>
-          </a:prstGeom>
-          <a:ln w="28575"/>
-        </p:spPr>
-        <p:style>
-          <a:lnRef idx="1">
-            <a:schemeClr val="accent2"/>
-          </a:lnRef>
-          <a:fillRef idx="0">
-            <a:schemeClr val="accent2"/>
-          </a:fillRef>
-          <a:effectRef idx="0">
-            <a:schemeClr val="accent2"/>
-          </a:effectRef>
-          <a:fontRef idx="minor">
-            <a:schemeClr val="tx1"/>
-          </a:fontRef>
-        </p:style>
-      </p:cxnSp>
-      <p:cxnSp>
-        <p:nvCxnSpPr>
-          <p:cNvPr id="36" name="直接连接符 35">
-            <a:extLst>
-              <a:ext uri="{FF2B5EF4-FFF2-40B4-BE49-F238E27FC236}">
-                <a16:creationId xmlns:a16="http://schemas.microsoft.com/office/drawing/2014/main" id="{49EC3122-CC48-BA32-354E-6A815677942C}"/>
-              </a:ext>
-            </a:extLst>
-          </p:cNvPr>
-          <p:cNvCxnSpPr/>
-          <p:nvPr/>
-        </p:nvCxnSpPr>
-        <p:spPr>
-          <a:xfrm>
-            <a:off x="7658174" y="6097486"/>
-            <a:ext cx="1227221" cy="0"/>
-          </a:xfrm>
-          <a:prstGeom prst="line">
-            <a:avLst/>
-          </a:prstGeom>
-          <a:ln w="28575"/>
-        </p:spPr>
-        <p:style>
-          <a:lnRef idx="1">
-            <a:schemeClr val="accent2"/>
-          </a:lnRef>
-          <a:fillRef idx="0">
-            <a:schemeClr val="accent2"/>
-          </a:fillRef>
-          <a:effectRef idx="0">
-            <a:schemeClr val="accent2"/>
-          </a:effectRef>
-          <a:fontRef idx="minor">
-            <a:schemeClr val="tx1"/>
-          </a:fontRef>
-        </p:style>
-      </p:cxnSp>
-      <p:cxnSp>
-        <p:nvCxnSpPr>
-          <p:cNvPr id="37" name="直接连接符 36">
-            <a:extLst>
-              <a:ext uri="{FF2B5EF4-FFF2-40B4-BE49-F238E27FC236}">
-                <a16:creationId xmlns:a16="http://schemas.microsoft.com/office/drawing/2014/main" id="{4101D54B-0960-BD88-3798-71FA71A50E78}"/>
-              </a:ext>
-            </a:extLst>
-          </p:cNvPr>
-          <p:cNvCxnSpPr/>
-          <p:nvPr/>
-        </p:nvCxnSpPr>
-        <p:spPr>
-          <a:xfrm>
-            <a:off x="7658173" y="6639926"/>
-            <a:ext cx="1227221" cy="0"/>
-          </a:xfrm>
-          <a:prstGeom prst="line">
-            <a:avLst/>
-          </a:prstGeom>
-          <a:ln w="28575"/>
-        </p:spPr>
-        <p:style>
-          <a:lnRef idx="1">
-            <a:schemeClr val="accent2"/>
-          </a:lnRef>
-          <a:fillRef idx="0">
-            <a:schemeClr val="accent2"/>
-          </a:fillRef>
-          <a:effectRef idx="0">
-            <a:schemeClr val="accent2"/>
-          </a:effectRef>
-          <a:fontRef idx="minor">
-            <a:schemeClr val="tx1"/>
-          </a:fontRef>
-        </p:style>
-      </p:cxnSp>
-      <p:cxnSp>
-        <p:nvCxnSpPr>
-          <p:cNvPr id="38" name="直接连接符 37">
-            <a:extLst>
-              <a:ext uri="{FF2B5EF4-FFF2-40B4-BE49-F238E27FC236}">
-                <a16:creationId xmlns:a16="http://schemas.microsoft.com/office/drawing/2014/main" id="{72777F04-2224-8318-8907-60F906014B2E}"/>
-              </a:ext>
-            </a:extLst>
-          </p:cNvPr>
-          <p:cNvCxnSpPr>
-            <a:cxnSpLocks/>
-          </p:cNvCxnSpPr>
-          <p:nvPr/>
-        </p:nvCxnSpPr>
-        <p:spPr>
-          <a:xfrm>
-            <a:off x="7658173" y="5077181"/>
-            <a:ext cx="0" cy="1562745"/>
-          </a:xfrm>
-          <a:prstGeom prst="line">
-            <a:avLst/>
-          </a:prstGeom>
-          <a:ln w="28575"/>
-        </p:spPr>
-        <p:style>
-          <a:lnRef idx="1">
-            <a:schemeClr val="accent2"/>
-          </a:lnRef>
-          <a:fillRef idx="0">
-            <a:schemeClr val="accent2"/>
-          </a:fillRef>
-          <a:effectRef idx="0">
-            <a:schemeClr val="accent2"/>
-          </a:effectRef>
-          <a:fontRef idx="minor">
-            <a:schemeClr val="tx1"/>
-          </a:fontRef>
-        </p:style>
-      </p:cxnSp>
-      <p:sp>
-        <p:nvSpPr>
-          <p:cNvPr id="39" name="椭圆 38">
-            <a:extLst>
-              <a:ext uri="{FF2B5EF4-FFF2-40B4-BE49-F238E27FC236}">
-                <a16:creationId xmlns:a16="http://schemas.microsoft.com/office/drawing/2014/main" id="{0A4671B3-0F40-47CD-2595-996171CD4DB7}"/>
-              </a:ext>
-            </a:extLst>
-          </p:cNvPr>
-          <p:cNvSpPr/>
-          <p:nvPr/>
-        </p:nvSpPr>
-        <p:spPr>
-          <a:xfrm>
-            <a:off x="7862506" y="5158110"/>
-            <a:ext cx="1022888" cy="355567"/>
-          </a:xfrm>
-          <a:prstGeom prst="ellipse">
-            <a:avLst/>
-          </a:prstGeom>
-        </p:spPr>
-        <p:style>
-          <a:lnRef idx="2">
-            <a:schemeClr val="accent1">
-              <a:shade val="15000"/>
-            </a:schemeClr>
-          </a:lnRef>
-          <a:fillRef idx="1">
-            <a:schemeClr val="accent1"/>
-          </a:fillRef>
-          <a:effectRef idx="0">
-            <a:schemeClr val="accent1"/>
-          </a:effectRef>
-          <a:fontRef idx="minor">
-            <a:schemeClr val="lt1"/>
-          </a:fontRef>
-        </p:style>
-        <p:txBody>
-          <a:bodyPr rtlCol="0" anchor="ctr"/>
-          <a:lstStyle/>
-          <a:p>
-            <a:pPr algn="ctr"/>
-            <a:endParaRPr lang="zh-CN" altLang="en-US"/>
-          </a:p>
-        </p:txBody>
-      </p:sp>
-      <p:sp>
-        <p:nvSpPr>
-          <p:cNvPr id="40" name="椭圆 39">
-            <a:extLst>
-              <a:ext uri="{FF2B5EF4-FFF2-40B4-BE49-F238E27FC236}">
-                <a16:creationId xmlns:a16="http://schemas.microsoft.com/office/drawing/2014/main" id="{B60AAC29-2C85-F246-EBE8-77B7BD6125A3}"/>
-              </a:ext>
-            </a:extLst>
-          </p:cNvPr>
-          <p:cNvSpPr/>
-          <p:nvPr/>
-        </p:nvSpPr>
-        <p:spPr>
-          <a:xfrm>
-            <a:off x="1950869" y="5254241"/>
-            <a:ext cx="111089" cy="115049"/>
-          </a:xfrm>
-          <a:prstGeom prst="ellipse">
-            <a:avLst/>
-          </a:prstGeom>
-        </p:spPr>
-        <p:style>
-          <a:lnRef idx="2">
-            <a:schemeClr val="accent5">
-              <a:shade val="15000"/>
-            </a:schemeClr>
-          </a:lnRef>
-          <a:fillRef idx="1">
-            <a:schemeClr val="accent5"/>
-          </a:fillRef>
-          <a:effectRef idx="0">
-            <a:schemeClr val="accent5"/>
-          </a:effectRef>
-          <a:fontRef idx="minor">
-            <a:schemeClr val="lt1"/>
-          </a:fontRef>
-        </p:style>
-        <p:txBody>
-          <a:bodyPr rtlCol="0" anchor="ctr"/>
-          <a:lstStyle/>
-          <a:p>
-            <a:pPr algn="ctr"/>
-            <a:endParaRPr lang="zh-CN" altLang="en-US"/>
-          </a:p>
-        </p:txBody>
-      </p:sp>
-      <p:sp>
-        <p:nvSpPr>
-          <p:cNvPr id="47" name="椭圆 46">
-            <a:extLst>
-              <a:ext uri="{FF2B5EF4-FFF2-40B4-BE49-F238E27FC236}">
-                <a16:creationId xmlns:a16="http://schemas.microsoft.com/office/drawing/2014/main" id="{F1396EBF-6283-78DF-2539-E4086E7C880A}"/>
-              </a:ext>
-            </a:extLst>
-          </p:cNvPr>
-          <p:cNvSpPr/>
-          <p:nvPr/>
-        </p:nvSpPr>
-        <p:spPr>
-          <a:xfrm>
-            <a:off x="1950868" y="5791850"/>
-            <a:ext cx="111089" cy="115049"/>
-          </a:xfrm>
-          <a:prstGeom prst="ellipse">
-            <a:avLst/>
-          </a:prstGeom>
-        </p:spPr>
-        <p:style>
-          <a:lnRef idx="2">
-            <a:schemeClr val="accent5">
-              <a:shade val="15000"/>
-            </a:schemeClr>
-          </a:lnRef>
-          <a:fillRef idx="1">
-            <a:schemeClr val="accent5"/>
-          </a:fillRef>
-          <a:effectRef idx="0">
-            <a:schemeClr val="accent5"/>
-          </a:effectRef>
-          <a:fontRef idx="minor">
-            <a:schemeClr val="lt1"/>
-          </a:fontRef>
-        </p:style>
-        <p:txBody>
-          <a:bodyPr rtlCol="0" anchor="ctr"/>
-          <a:lstStyle/>
-          <a:p>
-            <a:pPr algn="ctr"/>
-            <a:endParaRPr lang="zh-CN" altLang="en-US"/>
-          </a:p>
-        </p:txBody>
-      </p:sp>
-      <p:sp>
-        <p:nvSpPr>
-          <p:cNvPr id="48" name="椭圆 47">
-            <a:extLst>
-              <a:ext uri="{FF2B5EF4-FFF2-40B4-BE49-F238E27FC236}">
-                <a16:creationId xmlns:a16="http://schemas.microsoft.com/office/drawing/2014/main" id="{7CC0FC28-4911-DB8E-485C-24F2E6E23526}"/>
-              </a:ext>
-            </a:extLst>
-          </p:cNvPr>
-          <p:cNvSpPr/>
-          <p:nvPr/>
-        </p:nvSpPr>
-        <p:spPr>
-          <a:xfrm>
-            <a:off x="1950867" y="6284664"/>
-            <a:ext cx="111089" cy="115049"/>
-          </a:xfrm>
-          <a:prstGeom prst="ellipse">
-            <a:avLst/>
-          </a:prstGeom>
-        </p:spPr>
-        <p:style>
-          <a:lnRef idx="2">
-            <a:schemeClr val="accent5">
-              <a:shade val="15000"/>
-            </a:schemeClr>
-          </a:lnRef>
-          <a:fillRef idx="1">
-            <a:schemeClr val="accent5"/>
-          </a:fillRef>
-          <a:effectRef idx="0">
-            <a:schemeClr val="accent5"/>
-          </a:effectRef>
-          <a:fontRef idx="minor">
-            <a:schemeClr val="lt1"/>
-          </a:fontRef>
-        </p:style>
-        <p:txBody>
-          <a:bodyPr rtlCol="0" anchor="ctr"/>
-          <a:lstStyle/>
-          <a:p>
-            <a:pPr algn="ctr"/>
-            <a:endParaRPr lang="zh-CN" altLang="en-US"/>
-          </a:p>
-        </p:txBody>
-      </p:sp>
-      <p:sp>
-        <p:nvSpPr>
-          <p:cNvPr id="49" name="椭圆 48">
-            <a:extLst>
-              <a:ext uri="{FF2B5EF4-FFF2-40B4-BE49-F238E27FC236}">
-                <a16:creationId xmlns:a16="http://schemas.microsoft.com/office/drawing/2014/main" id="{DA84E6A9-09DB-5EC9-54DD-7252827C7B7D}"/>
-              </a:ext>
-            </a:extLst>
-          </p:cNvPr>
-          <p:cNvSpPr/>
-          <p:nvPr/>
-        </p:nvSpPr>
-        <p:spPr>
-          <a:xfrm>
-            <a:off x="7649251" y="5309882"/>
-            <a:ext cx="111089" cy="115049"/>
-          </a:xfrm>
-          <a:prstGeom prst="ellipse">
-            <a:avLst/>
-          </a:prstGeom>
-        </p:spPr>
-        <p:style>
-          <a:lnRef idx="2">
-            <a:schemeClr val="accent5">
-              <a:shade val="15000"/>
-            </a:schemeClr>
-          </a:lnRef>
-          <a:fillRef idx="1">
-            <a:schemeClr val="accent5"/>
-          </a:fillRef>
-          <a:effectRef idx="0">
-            <a:schemeClr val="accent5"/>
-          </a:effectRef>
-          <a:fontRef idx="minor">
-            <a:schemeClr val="lt1"/>
-          </a:fontRef>
-        </p:style>
-        <p:txBody>
-          <a:bodyPr rtlCol="0" anchor="ctr"/>
-          <a:lstStyle/>
-          <a:p>
-            <a:pPr algn="ctr"/>
-            <a:endParaRPr lang="zh-CN" altLang="en-US"/>
-          </a:p>
-        </p:txBody>
-      </p:sp>
-      <p:sp>
-        <p:nvSpPr>
-          <p:cNvPr id="50" name="椭圆 49">
-            <a:extLst>
-              <a:ext uri="{FF2B5EF4-FFF2-40B4-BE49-F238E27FC236}">
-                <a16:creationId xmlns:a16="http://schemas.microsoft.com/office/drawing/2014/main" id="{4D5DFC66-39D4-2023-B598-07C1332B8B8E}"/>
-              </a:ext>
-            </a:extLst>
-          </p:cNvPr>
-          <p:cNvSpPr/>
-          <p:nvPr/>
-        </p:nvSpPr>
-        <p:spPr>
-          <a:xfrm>
-            <a:off x="7667096" y="6318200"/>
-            <a:ext cx="111089" cy="115049"/>
-          </a:xfrm>
-          <a:prstGeom prst="ellipse">
-            <a:avLst/>
-          </a:prstGeom>
-        </p:spPr>
-        <p:style>
-          <a:lnRef idx="2">
-            <a:schemeClr val="accent5">
-              <a:shade val="15000"/>
-            </a:schemeClr>
-          </a:lnRef>
-          <a:fillRef idx="1">
-            <a:schemeClr val="accent5"/>
-          </a:fillRef>
-          <a:effectRef idx="0">
-            <a:schemeClr val="accent5"/>
-          </a:effectRef>
-          <a:fontRef idx="minor">
-            <a:schemeClr val="lt1"/>
-          </a:fontRef>
-        </p:style>
-        <p:txBody>
-          <a:bodyPr rtlCol="0" anchor="ctr"/>
-          <a:lstStyle/>
-          <a:p>
-            <a:pPr algn="ctr"/>
-            <a:endParaRPr lang="zh-CN" altLang="en-US"/>
-          </a:p>
-        </p:txBody>
-      </p:sp>
-      <p:sp>
-        <p:nvSpPr>
-          <p:cNvPr id="51" name="椭圆 50">
-            <a:extLst>
-              <a:ext uri="{FF2B5EF4-FFF2-40B4-BE49-F238E27FC236}">
-                <a16:creationId xmlns:a16="http://schemas.microsoft.com/office/drawing/2014/main" id="{E9FBAD11-AF00-87FA-C830-89BFDD25080C}"/>
-              </a:ext>
-            </a:extLst>
-          </p:cNvPr>
-          <p:cNvSpPr/>
-          <p:nvPr/>
-        </p:nvSpPr>
-        <p:spPr>
-          <a:xfrm>
-            <a:off x="7656034" y="5819248"/>
-            <a:ext cx="111089" cy="115049"/>
-          </a:xfrm>
-          <a:prstGeom prst="ellipse">
-            <a:avLst/>
-          </a:prstGeom>
-        </p:spPr>
-        <p:style>
-          <a:lnRef idx="2">
-            <a:schemeClr val="accent6">
-              <a:shade val="15000"/>
-            </a:schemeClr>
-          </a:lnRef>
-          <a:fillRef idx="1">
-            <a:schemeClr val="accent6"/>
-          </a:fillRef>
-          <a:effectRef idx="0">
-            <a:schemeClr val="accent6"/>
-          </a:effectRef>
-          <a:fontRef idx="minor">
-            <a:schemeClr val="lt1"/>
-          </a:fontRef>
-        </p:style>
-        <p:txBody>
-          <a:bodyPr rtlCol="0" anchor="ctr"/>
-          <a:lstStyle/>
-          <a:p>
-            <a:pPr algn="ctr"/>
-            <a:endParaRPr lang="zh-CN" altLang="en-US"/>
-          </a:p>
-        </p:txBody>
-      </p:sp>
-      <p:sp>
-        <p:nvSpPr>
-          <p:cNvPr id="52" name="文本框 51">
-            <a:extLst>
-              <a:ext uri="{FF2B5EF4-FFF2-40B4-BE49-F238E27FC236}">
-                <a16:creationId xmlns:a16="http://schemas.microsoft.com/office/drawing/2014/main" id="{5DB35754-E510-5D12-CBDB-573E6521528D}"/>
-              </a:ext>
-            </a:extLst>
-          </p:cNvPr>
-          <p:cNvSpPr txBox="1"/>
-          <p:nvPr/>
-        </p:nvSpPr>
-        <p:spPr>
-          <a:xfrm>
-            <a:off x="9136645" y="6078636"/>
-            <a:ext cx="3208637" cy="646331"/>
-          </a:xfrm>
-          <a:prstGeom prst="rect">
-            <a:avLst/>
-          </a:prstGeom>
-          <a:noFill/>
-        </p:spPr>
-        <p:txBody>
-          <a:bodyPr wrap="square" rtlCol="0">
-            <a:spAutoFit/>
-          </a:bodyPr>
-          <a:lstStyle/>
-          <a:p>
-            <a:r>
-              <a:rPr lang="en-US" altLang="zh-CN" dirty="0"/>
-              <a:t>Only two nodes work properly</a:t>
-            </a:r>
-          </a:p>
-          <a:p>
-            <a:r>
-              <a:rPr lang="de-DE" altLang="zh-CN" dirty="0">
-                <a:sym typeface="Wingdings" panose="05000000000000000000" pitchFamily="2" charset="2"/>
-              </a:rPr>
-              <a:t>       </a:t>
-            </a:r>
-            <a:r>
-              <a:rPr lang="en-US" altLang="zh-CN" dirty="0"/>
-              <a:t>Topology change</a:t>
-            </a:r>
-            <a:endParaRPr lang="zh-CN" altLang="en-US" dirty="0"/>
-          </a:p>
-        </p:txBody>
-      </p:sp>
       <p:sp>
         <p:nvSpPr>
           <p:cNvPr id="20" name="文本框 19">
@@ -5166,219 +8245,6 @@
               <a:t>Integrate multiple sensor types for reliable detection and fault tolerance</a:t>
             </a:r>
             <a:endParaRPr lang="en-US" altLang="zh-CN" sz="1900" dirty="0"/>
-          </a:p>
-        </p:txBody>
-      </p:sp>
-      <p:sp>
-        <p:nvSpPr>
-          <p:cNvPr id="23" name="Rectangle 5">
-            <a:extLst>
-              <a:ext uri="{FF2B5EF4-FFF2-40B4-BE49-F238E27FC236}">
-                <a16:creationId xmlns:a16="http://schemas.microsoft.com/office/drawing/2014/main" id="{1749A189-2168-A022-8AE6-24F8F25FC993}"/>
-              </a:ext>
-            </a:extLst>
-          </p:cNvPr>
-          <p:cNvSpPr>
-            <a:spLocks noChangeArrowheads="1"/>
-          </p:cNvSpPr>
-          <p:nvPr/>
-        </p:nvSpPr>
-        <p:spPr bwMode="auto">
-          <a:xfrm>
-            <a:off x="0" y="0"/>
-            <a:ext cx="12192000" cy="0"/>
-          </a:xfrm>
-          <a:prstGeom prst="rect">
-            <a:avLst/>
-          </a:prstGeom>
-          <a:noFill/>
-          <a:ln>
-            <a:noFill/>
-          </a:ln>
-          <a:effectLst/>
-          <a:extLst>
-            <a:ext uri="{909E8E84-426E-40DD-AFC4-6F175D3DCCD1}">
-              <a14:hiddenFill xmlns:a14="http://schemas.microsoft.com/office/drawing/2010/main">
-                <a:solidFill>
-                  <a:schemeClr val="accent1"/>
-                </a:solidFill>
-              </a14:hiddenFill>
-            </a:ext>
-            <a:ext uri="{91240B29-F687-4F45-9708-019B960494DF}">
-              <a14:hiddenLine xmlns:a14="http://schemas.microsoft.com/office/drawing/2010/main" w="9525">
-                <a:solidFill>
-                  <a:schemeClr val="tx1"/>
-                </a:solidFill>
-                <a:miter lim="800000"/>
-                <a:headEnd/>
-                <a:tailEnd/>
-              </a14:hiddenLine>
-            </a:ext>
-            <a:ext uri="{AF507438-7753-43E0-B8FC-AC1667EBCBE1}">
-              <a14:hiddenEffects xmlns:a14="http://schemas.microsoft.com/office/drawing/2010/main">
-                <a:effectLst>
-                  <a:outerShdw dist="35921" dir="2700000" algn="ctr" rotWithShape="0">
-                    <a:schemeClr val="bg2"/>
-                  </a:outerShdw>
-                </a:effectLst>
-              </a14:hiddenEffects>
-            </a:ext>
-          </a:extLst>
-        </p:spPr>
-        <p:txBody>
-          <a:bodyPr vert="horz" wrap="none" lIns="91440" tIns="45720" rIns="91440" bIns="45720" numCol="1" anchor="ctr" anchorCtr="0" compatLnSpc="1">
-            <a:prstTxWarp prst="textNoShape">
-              <a:avLst/>
-            </a:prstTxWarp>
-            <a:spAutoFit/>
-          </a:bodyPr>
-          <a:lstStyle/>
-          <a:p>
-            <a:pPr marL="0" marR="0" lvl="0" indent="0" algn="l" defTabSz="914400" rtl="0" eaLnBrk="0" fontAlgn="base" latinLnBrk="0" hangingPunct="0">
-              <a:lnSpc>
-                <a:spcPct val="100000"/>
-              </a:lnSpc>
-              <a:spcBef>
-                <a:spcPct val="0"/>
-              </a:spcBef>
-              <a:spcAft>
-                <a:spcPct val="0"/>
-              </a:spcAft>
-              <a:buClrTx/>
-              <a:buSzTx/>
-              <a:buFontTx/>
-              <a:buChar char="•"/>
-              <a:tabLst/>
-            </a:pPr>
-            <a:r>
-              <a:rPr kumimoji="0" lang="zh-CN" altLang="zh-CN" sz="1800" b="0" i="0" u="none" strike="noStrike" cap="none" normalizeH="0" baseline="0" dirty="0">
-                <a:ln>
-                  <a:noFill/>
-                </a:ln>
-                <a:solidFill>
-                  <a:schemeClr val="tx1"/>
-                </a:solidFill>
-                <a:effectLst/>
-                <a:latin typeface="Arial" panose="020B0604020202020204" pitchFamily="34" charset="0"/>
-              </a:rPr>
-              <a:t>Provide a user-friendly GUI for drivers to view open spots</a:t>
-            </a:r>
-          </a:p>
-          <a:p>
-            <a:pPr marL="0" marR="0" lvl="0" indent="0" algn="l" defTabSz="914400" rtl="0" eaLnBrk="0" fontAlgn="base" latinLnBrk="0" hangingPunct="0">
-              <a:lnSpc>
-                <a:spcPct val="100000"/>
-              </a:lnSpc>
-              <a:spcBef>
-                <a:spcPct val="0"/>
-              </a:spcBef>
-              <a:spcAft>
-                <a:spcPct val="0"/>
-              </a:spcAft>
-              <a:buClrTx/>
-              <a:buSzTx/>
-              <a:buFontTx/>
-              <a:buChar char="•"/>
-              <a:tabLst/>
-            </a:pPr>
-            <a:endParaRPr kumimoji="0" lang="zh-CN" altLang="zh-CN" sz="1800" b="0" i="0" u="none" strike="noStrike" cap="none" normalizeH="0" baseline="0" dirty="0">
-              <a:ln>
-                <a:noFill/>
-              </a:ln>
-              <a:solidFill>
-                <a:schemeClr val="tx1"/>
-              </a:solidFill>
-              <a:effectLst/>
-              <a:latin typeface="Arial" panose="020B0604020202020204" pitchFamily="34" charset="0"/>
-            </a:endParaRPr>
-          </a:p>
-        </p:txBody>
-      </p:sp>
-      <p:sp>
-        <p:nvSpPr>
-          <p:cNvPr id="33" name="文本框 32">
-            <a:extLst>
-              <a:ext uri="{FF2B5EF4-FFF2-40B4-BE49-F238E27FC236}">
-                <a16:creationId xmlns:a16="http://schemas.microsoft.com/office/drawing/2014/main" id="{179A5306-B202-C605-BD74-384E2CEDC999}"/>
-              </a:ext>
-            </a:extLst>
-          </p:cNvPr>
-          <p:cNvSpPr txBox="1"/>
-          <p:nvPr/>
-        </p:nvSpPr>
-        <p:spPr>
-          <a:xfrm>
-            <a:off x="1689850" y="4515678"/>
-            <a:ext cx="2097202" cy="369332"/>
-          </a:xfrm>
-          <a:prstGeom prst="rect">
-            <a:avLst/>
-          </a:prstGeom>
-          <a:noFill/>
-        </p:spPr>
-        <p:txBody>
-          <a:bodyPr wrap="square" rtlCol="0">
-            <a:spAutoFit/>
-          </a:bodyPr>
-          <a:lstStyle/>
-          <a:p>
-            <a:r>
-              <a:rPr lang="en-US" altLang="zh-CN" dirty="0"/>
-              <a:t>Normal Operation</a:t>
-            </a:r>
-            <a:endParaRPr lang="zh-CN" altLang="en-US" dirty="0"/>
-          </a:p>
-        </p:txBody>
-      </p:sp>
-      <p:sp>
-        <p:nvSpPr>
-          <p:cNvPr id="41" name="文本框 40">
-            <a:extLst>
-              <a:ext uri="{FF2B5EF4-FFF2-40B4-BE49-F238E27FC236}">
-                <a16:creationId xmlns:a16="http://schemas.microsoft.com/office/drawing/2014/main" id="{83A1237E-DD28-5517-DE13-4789F440CEAF}"/>
-              </a:ext>
-            </a:extLst>
-          </p:cNvPr>
-          <p:cNvSpPr txBox="1"/>
-          <p:nvPr/>
-        </p:nvSpPr>
-        <p:spPr>
-          <a:xfrm>
-            <a:off x="7325348" y="4534742"/>
-            <a:ext cx="2504335" cy="369332"/>
-          </a:xfrm>
-          <a:prstGeom prst="rect">
-            <a:avLst/>
-          </a:prstGeom>
-          <a:noFill/>
-        </p:spPr>
-        <p:txBody>
-          <a:bodyPr wrap="square" rtlCol="0">
-            <a:spAutoFit/>
-          </a:bodyPr>
-          <a:lstStyle/>
-          <a:p>
-            <a:r>
-              <a:rPr lang="en-US" altLang="zh-CN" dirty="0"/>
-              <a:t>Node</a:t>
-            </a:r>
-            <a:r>
-              <a:rPr lang="zh-CN" altLang="en-US" dirty="0"/>
-              <a:t> </a:t>
-            </a:r>
-            <a:r>
-              <a:rPr lang="en-US" altLang="zh-CN" dirty="0"/>
-              <a:t>Failure</a:t>
-            </a:r>
-            <a:r>
-              <a:rPr lang="zh-CN" altLang="en-US" dirty="0"/>
-              <a:t> </a:t>
-            </a:r>
-            <a:r>
-              <a:rPr lang="en-US" altLang="zh-CN" dirty="0"/>
-              <a:t>Scenario</a:t>
-            </a:r>
-            <a:endParaRPr lang="zh-CN" altLang="en-US" dirty="0"/>
           </a:p>
         </p:txBody>
       </p:sp>
@@ -5462,7 +8328,7 @@
         </p:nvSpPr>
         <p:spPr>
           <a:xfrm>
-            <a:off x="245917" y="297523"/>
+            <a:off x="404178" y="521805"/>
             <a:ext cx="3879653" cy="553998"/>
           </a:xfrm>
           <a:prstGeom prst="rect">
@@ -5524,7 +8390,7 @@
         <p:spPr>
           <a:xfrm>
             <a:off x="312820" y="1215189"/>
-            <a:ext cx="5919304" cy="3785652"/>
+            <a:ext cx="5919304" cy="4093428"/>
           </a:xfrm>
           <a:prstGeom prst="rect">
             <a:avLst/>
@@ -5577,7 +8443,7 @@
             </a:br>
             <a:r>
               <a:rPr lang="en-US" altLang="zh-CN" sz="2000" dirty="0"/>
-              <a:t>Measures how close an object (car bumper) is above the spot</a:t>
+              <a:t>Measures how close car front is to the wall</a:t>
             </a:r>
           </a:p>
           <a:p>
@@ -5587,6 +8453,23 @@
             </a:pPr>
             <a:r>
               <a:rPr lang="en-US" altLang="zh-CN" sz="2000" b="1" dirty="0"/>
+              <a:t>LED indicators</a:t>
+            </a:r>
+            <a:br>
+              <a:rPr lang="en-US" altLang="zh-CN" sz="2000" dirty="0"/>
+            </a:br>
+            <a:r>
+              <a:rPr lang="en-US" altLang="zh-CN" sz="2000" dirty="0"/>
+              <a:t>Visually mark space as occupied or free</a:t>
+            </a:r>
+          </a:p>
+          <a:p>
+            <a:pPr marL="342900" indent="-342900">
+              <a:buFont typeface="Arial" panose="020B0604020202020204" pitchFamily="34" charset="0"/>
+              <a:buChar char="•"/>
+            </a:pPr>
+            <a:r>
+              <a:rPr lang="en-US" altLang="zh-CN" sz="2000" b="1" dirty="0"/>
               <a:t>nRF52840 boards</a:t>
             </a:r>
             <a:endParaRPr lang="en-US" altLang="zh-CN" sz="2000" dirty="0"/>
@@ -5598,7 +8481,7 @@
             </a:pPr>
             <a:r>
               <a:rPr lang="en-US" altLang="zh-CN" sz="2000" dirty="0"/>
-              <a:t>6 boards with sensors (each installed in one parking spot)</a:t>
+              <a:t>7 boards with sensors (each installed in one parking spot)</a:t>
             </a:r>
           </a:p>
           <a:p>
@@ -5630,8 +8513,8 @@
         </p:nvSpPr>
         <p:spPr>
           <a:xfrm>
-            <a:off x="6541281" y="1215189"/>
-            <a:ext cx="4570856" cy="3477875"/>
+            <a:off x="6670235" y="1215189"/>
+            <a:ext cx="4570856" cy="3200876"/>
           </a:xfrm>
           <a:prstGeom prst="rect">
             <a:avLst/>
@@ -5722,7 +8605,7 @@
             </a:pPr>
             <a:r>
               <a:rPr lang="en-US" altLang="zh-CN" dirty="0"/>
-              <a:t>Visual interface for developers</a:t>
+              <a:t>Visual interface for drivers or developers</a:t>
             </a:r>
           </a:p>
           <a:p>
@@ -5734,23 +8617,6 @@
               <a:rPr lang="en-US" altLang="zh-CN" dirty="0"/>
               <a:t>Displays available parking spots in real time</a:t>
             </a:r>
-          </a:p>
-          <a:p>
-            <a:pPr marL="742950" lvl="1" indent="-285750">
-              <a:buFont typeface="Arial" panose="020B0604020202020204" pitchFamily="34" charset="0"/>
-              <a:buChar char="•"/>
-            </a:pPr>
-            <a:r>
-              <a:rPr lang="en-US" altLang="zh-CN" dirty="0"/>
-              <a:t>Displays possible topology changes</a:t>
-            </a:r>
-          </a:p>
-          <a:p>
-            <a:pPr marL="742950" lvl="1" indent="-285750">
-              <a:buFont typeface="Arial" panose="020B0604020202020204" pitchFamily="34" charset="0"/>
-              <a:buChar char="•"/>
-            </a:pPr>
-            <a:endParaRPr lang="en-US" altLang="zh-CN" dirty="0"/>
           </a:p>
         </p:txBody>
       </p:sp>
@@ -5772,13 +8638,175 @@
   <p:cSld>
     <p:spTree>
       <p:nvGrpSpPr>
-        <p:cNvPr id="1" name="">
-          <a:extLst>
-            <a:ext uri="{FF2B5EF4-FFF2-40B4-BE49-F238E27FC236}">
-              <a16:creationId xmlns:a16="http://schemas.microsoft.com/office/drawing/2014/main" id="{A6EBFC56-2831-F0D8-25E6-7E83BD65BC83}"/>
-            </a:ext>
-          </a:extLst>
-        </p:cNvPr>
+        <p:cNvPr id="1" name=""/>
+        <p:cNvGrpSpPr/>
+        <p:nvPr/>
+      </p:nvGrpSpPr>
+      <p:grpSpPr>
+        <a:xfrm>
+          <a:off x="0" y="0"/>
+          <a:ext cx="0" cy="0"/>
+          <a:chOff x="0" y="0"/>
+          <a:chExt cx="0" cy="0"/>
+        </a:xfrm>
+      </p:grpSpPr>
+      <p:sp>
+        <p:nvSpPr>
+          <p:cNvPr id="2" name="标题 1">
+            <a:extLst>
+              <a:ext uri="{FF2B5EF4-FFF2-40B4-BE49-F238E27FC236}">
+                <a16:creationId xmlns:a16="http://schemas.microsoft.com/office/drawing/2014/main" id="{1F49A434-85AD-5400-39C8-687CCA487C63}"/>
+              </a:ext>
+            </a:extLst>
+          </p:cNvPr>
+          <p:cNvSpPr>
+            <a:spLocks noGrp="1"/>
+          </p:cNvSpPr>
+          <p:nvPr>
+            <p:ph type="title"/>
+          </p:nvPr>
+        </p:nvSpPr>
+        <p:spPr/>
+        <p:txBody>
+          <a:bodyPr/>
+          <a:lstStyle/>
+          <a:p>
+            <a:r>
+              <a:rPr lang="en-US" altLang="zh-CN" dirty="0"/>
+              <a:t>Demonstration </a:t>
+            </a:r>
+            <a:endParaRPr lang="zh-CN" altLang="en-US" dirty="0"/>
+          </a:p>
+        </p:txBody>
+      </p:sp>
+      <p:sp>
+        <p:nvSpPr>
+          <p:cNvPr id="4" name="文本占位符 3">
+            <a:extLst>
+              <a:ext uri="{FF2B5EF4-FFF2-40B4-BE49-F238E27FC236}">
+                <a16:creationId xmlns:a16="http://schemas.microsoft.com/office/drawing/2014/main" id="{50427620-1FCF-C79D-E372-8620C8806ECE}"/>
+              </a:ext>
+            </a:extLst>
+          </p:cNvPr>
+          <p:cNvSpPr>
+            <a:spLocks noGrp="1"/>
+          </p:cNvSpPr>
+          <p:nvPr>
+            <p:ph type="body" idx="1"/>
+          </p:nvPr>
+        </p:nvSpPr>
+        <p:spPr/>
+        <p:txBody>
+          <a:bodyPr/>
+          <a:lstStyle/>
+          <a:p>
+            <a:endParaRPr lang="zh-CN" altLang="en-US"/>
+          </a:p>
+        </p:txBody>
+      </p:sp>
+    </p:spTree>
+    <p:extLst>
+      <p:ext uri="{BB962C8B-B14F-4D97-AF65-F5344CB8AC3E}">
+        <p14:creationId xmlns:p14="http://schemas.microsoft.com/office/powerpoint/2010/main" val="3517742803"/>
+      </p:ext>
+    </p:extLst>
+  </p:cSld>
+  <p:clrMapOvr>
+    <a:masterClrMapping/>
+  </p:clrMapOvr>
+</p:sld>
+</file>
+
+<file path=ppt/slides/slide5.xml><?xml version="1.0" encoding="utf-8"?>
+<p:sld xmlns:a="http://schemas.openxmlformats.org/drawingml/2006/main" xmlns:r="http://schemas.openxmlformats.org/officeDocument/2006/relationships" xmlns:p="http://schemas.openxmlformats.org/presentationml/2006/main">
+  <p:cSld>
+    <p:spTree>
+      <p:nvGrpSpPr>
+        <p:cNvPr id="1" name=""/>
+        <p:cNvGrpSpPr/>
+        <p:nvPr/>
+      </p:nvGrpSpPr>
+      <p:grpSpPr>
+        <a:xfrm>
+          <a:off x="0" y="0"/>
+          <a:ext cx="0" cy="0"/>
+          <a:chOff x="0" y="0"/>
+          <a:chExt cx="0" cy="0"/>
+        </a:xfrm>
+      </p:grpSpPr>
+      <p:sp>
+        <p:nvSpPr>
+          <p:cNvPr id="4" name="标题 3">
+            <a:extLst>
+              <a:ext uri="{FF2B5EF4-FFF2-40B4-BE49-F238E27FC236}">
+                <a16:creationId xmlns:a16="http://schemas.microsoft.com/office/drawing/2014/main" id="{CBBC0695-91F6-A944-9E3A-0F0E3BD75B70}"/>
+              </a:ext>
+            </a:extLst>
+          </p:cNvPr>
+          <p:cNvSpPr>
+            <a:spLocks noGrp="1"/>
+          </p:cNvSpPr>
+          <p:nvPr>
+            <p:ph type="title"/>
+          </p:nvPr>
+        </p:nvSpPr>
+        <p:spPr/>
+        <p:txBody>
+          <a:bodyPr/>
+          <a:lstStyle/>
+          <a:p>
+            <a:r>
+              <a:rPr lang="en-US" altLang="zh-CN" dirty="0"/>
+              <a:t>Case 1: Build up network</a:t>
+            </a:r>
+            <a:endParaRPr lang="zh-CN" altLang="en-US" dirty="0"/>
+          </a:p>
+        </p:txBody>
+      </p:sp>
+      <p:sp>
+        <p:nvSpPr>
+          <p:cNvPr id="5" name="内容占位符 4">
+            <a:extLst>
+              <a:ext uri="{FF2B5EF4-FFF2-40B4-BE49-F238E27FC236}">
+                <a16:creationId xmlns:a16="http://schemas.microsoft.com/office/drawing/2014/main" id="{720FBC12-0A06-BD07-EE46-3FD3602535A1}"/>
+              </a:ext>
+            </a:extLst>
+          </p:cNvPr>
+          <p:cNvSpPr>
+            <a:spLocks noGrp="1"/>
+          </p:cNvSpPr>
+          <p:nvPr>
+            <p:ph idx="1"/>
+          </p:nvPr>
+        </p:nvSpPr>
+        <p:spPr/>
+        <p:txBody>
+          <a:bodyPr/>
+          <a:lstStyle/>
+          <a:p>
+            <a:endParaRPr lang="zh-CN" altLang="en-US"/>
+          </a:p>
+        </p:txBody>
+      </p:sp>
+    </p:spTree>
+    <p:extLst>
+      <p:ext uri="{BB962C8B-B14F-4D97-AF65-F5344CB8AC3E}">
+        <p14:creationId xmlns:p14="http://schemas.microsoft.com/office/powerpoint/2010/main" val="835081325"/>
+      </p:ext>
+    </p:extLst>
+  </p:cSld>
+  <p:clrMapOvr>
+    <a:masterClrMapping/>
+  </p:clrMapOvr>
+</p:sld>
+</file>
+
+<file path=ppt/slides/slide6.xml><?xml version="1.0" encoding="utf-8"?>
+<p:sld xmlns:a="http://schemas.openxmlformats.org/drawingml/2006/main" xmlns:r="http://schemas.openxmlformats.org/officeDocument/2006/relationships" xmlns:p="http://schemas.openxmlformats.org/presentationml/2006/main">
+  <p:cSld>
+    <p:spTree>
+      <p:nvGrpSpPr>
+        <p:cNvPr id="1" name=""/>
         <p:cNvGrpSpPr/>
         <p:nvPr/>
       </p:nvGrpSpPr>
@@ -5792,13 +8820,7 @@
       </p:grpSpPr>
       <p:pic>
         <p:nvPicPr>
-          <p:cNvPr id="7" name="图片 6">
-            <a:extLst>
-              <a:ext uri="{FF2B5EF4-FFF2-40B4-BE49-F238E27FC236}">
-                <a16:creationId xmlns:a16="http://schemas.microsoft.com/office/drawing/2014/main" id="{1CD0A3DC-B90D-F5EE-E887-A787AE9B6BBF}"/>
-              </a:ext>
-            </a:extLst>
-          </p:cNvPr>
+          <p:cNvPr id="7" name="图片 6"/>
           <p:cNvPicPr>
             <a:picLocks noChangeAspect="1"/>
           </p:cNvPicPr>
@@ -5822,20 +8844,14 @@
       </p:pic>
       <p:sp>
         <p:nvSpPr>
-          <p:cNvPr id="2" name="矩形 1">
-            <a:extLst>
-              <a:ext uri="{FF2B5EF4-FFF2-40B4-BE49-F238E27FC236}">
-                <a16:creationId xmlns:a16="http://schemas.microsoft.com/office/drawing/2014/main" id="{B1073808-956E-33C4-39C1-E0DDA1768B41}"/>
-              </a:ext>
-            </a:extLst>
-          </p:cNvPr>
+          <p:cNvPr id="2" name="矩形 1"/>
           <p:cNvSpPr/>
           <p:nvPr/>
         </p:nvSpPr>
         <p:spPr>
           <a:xfrm>
-            <a:off x="192975" y="244806"/>
-            <a:ext cx="5703549" cy="553998"/>
+            <a:off x="252965" y="244806"/>
+            <a:ext cx="1906291" cy="553998"/>
           </a:xfrm>
           <a:prstGeom prst="rect">
             <a:avLst/>
@@ -5863,7 +8879,7 @@
                   </a:outerShdw>
                 </a:effectLst>
               </a:rPr>
-              <a:t>MAC protocol and Routing protocol</a:t>
+              <a:t>GUI Design</a:t>
             </a:r>
             <a:endParaRPr lang="zh-CN" altLang="en-US" sz="3000" b="0" cap="none" spc="0" dirty="0">
               <a:ln w="0"/>
@@ -5881,327 +8897,31 @@
           </a:p>
         </p:txBody>
       </p:sp>
-      <p:sp>
-        <p:nvSpPr>
-          <p:cNvPr id="3" name="文本框 2">
-            <a:extLst>
-              <a:ext uri="{FF2B5EF4-FFF2-40B4-BE49-F238E27FC236}">
-                <a16:creationId xmlns:a16="http://schemas.microsoft.com/office/drawing/2014/main" id="{63D77A55-FB54-B171-882D-BBB5C69B242D}"/>
-              </a:ext>
-            </a:extLst>
-          </p:cNvPr>
-          <p:cNvSpPr txBox="1"/>
+      <p:pic>
+        <p:nvPicPr>
+          <p:cNvPr id="8" name="图片 7" descr="gui1"/>
+          <p:cNvPicPr>
+            <a:picLocks noChangeAspect="1"/>
+          </p:cNvPicPr>
           <p:nvPr/>
-        </p:nvSpPr>
+        </p:nvPicPr>
+        <p:blipFill>
+          <a:blip r:embed="rId3"/>
+          <a:stretch>
+            <a:fillRect/>
+          </a:stretch>
+        </p:blipFill>
         <p:spPr>
           <a:xfrm>
-            <a:off x="192974" y="1172460"/>
-            <a:ext cx="4645725" cy="2277547"/>
+            <a:off x="-80645" y="999490"/>
+            <a:ext cx="6367145" cy="3702050"/>
           </a:xfrm>
           <a:prstGeom prst="rect">
             <a:avLst/>
           </a:prstGeom>
-          <a:noFill/>
         </p:spPr>
-        <p:txBody>
-          <a:bodyPr wrap="square" rtlCol="0">
-            <a:spAutoFit/>
-          </a:bodyPr>
-          <a:lstStyle/>
-          <a:p>
-            <a:r>
-              <a:rPr lang="en-US" altLang="zh-CN" sz="2200" dirty="0"/>
-              <a:t>Routing protocol, TEEN [1]</a:t>
-            </a:r>
-          </a:p>
-          <a:p>
-            <a:pPr marL="342900" indent="-342900">
-              <a:buFont typeface="Arial" panose="020B0604020202020204" pitchFamily="34" charset="0"/>
-              <a:buChar char="•"/>
-            </a:pPr>
-            <a:r>
-              <a:rPr lang="en-US" altLang="zh-CN" sz="2000" dirty="0"/>
-              <a:t>Clustering hierarchy</a:t>
-            </a:r>
-          </a:p>
-          <a:p>
-            <a:pPr marL="342900" indent="-342900">
-              <a:buFont typeface="Arial" panose="020B0604020202020204" pitchFamily="34" charset="0"/>
-              <a:buChar char="•"/>
-            </a:pPr>
-            <a:r>
-              <a:rPr lang="en-US" altLang="zh-CN" sz="2000" dirty="0"/>
-              <a:t>Reactive network</a:t>
-            </a:r>
-          </a:p>
-          <a:p>
-            <a:pPr marL="342900" indent="-342900">
-              <a:buFont typeface="Arial" panose="020B0604020202020204" pitchFamily="34" charset="0"/>
-              <a:buChar char="•"/>
-            </a:pPr>
-            <a:r>
-              <a:rPr lang="en-US" altLang="zh-CN" sz="2000" dirty="0"/>
-              <a:t>Threshold of data determines transmission</a:t>
-            </a:r>
-          </a:p>
-          <a:p>
-            <a:pPr marL="342900" indent="-342900">
-              <a:buFont typeface="Arial" panose="020B0604020202020204" pitchFamily="34" charset="0"/>
-              <a:buChar char="•"/>
-            </a:pPr>
-            <a:r>
-              <a:rPr lang="en-US" altLang="zh-CN" sz="2000" dirty="0"/>
-              <a:t>Depends on battery to choose head</a:t>
-            </a:r>
-          </a:p>
-          <a:p>
-            <a:pPr marL="342900" indent="-342900">
-              <a:buFont typeface="Arial" panose="020B0604020202020204" pitchFamily="34" charset="0"/>
-              <a:buChar char="•"/>
-            </a:pPr>
-            <a:r>
-              <a:rPr lang="en-US" altLang="zh-CN" sz="2000" dirty="0"/>
-              <a:t>Head sends heartbeat info</a:t>
-            </a:r>
-          </a:p>
-        </p:txBody>
-      </p:sp>
-      <p:sp>
-        <p:nvSpPr>
-          <p:cNvPr id="5" name="文本框 4">
-            <a:extLst>
-              <a:ext uri="{FF2B5EF4-FFF2-40B4-BE49-F238E27FC236}">
-                <a16:creationId xmlns:a16="http://schemas.microsoft.com/office/drawing/2014/main" id="{6F03E43F-A821-CC42-5DEA-DF24A1BF4CD0}"/>
-              </a:ext>
-            </a:extLst>
-          </p:cNvPr>
-          <p:cNvSpPr txBox="1"/>
-          <p:nvPr/>
-        </p:nvSpPr>
-        <p:spPr>
-          <a:xfrm>
-            <a:off x="192974" y="5323646"/>
-            <a:ext cx="11734800" cy="1754326"/>
-          </a:xfrm>
-          <a:prstGeom prst="rect">
-            <a:avLst/>
-          </a:prstGeom>
-          <a:noFill/>
-        </p:spPr>
-        <p:txBody>
-          <a:bodyPr wrap="square" rtlCol="0">
-            <a:spAutoFit/>
-          </a:bodyPr>
-          <a:lstStyle/>
-          <a:p>
-            <a:pPr marL="360000" indent="-720000" algn="just"/>
-            <a:r>
-              <a:rPr lang="en-US" altLang="zh-CN" dirty="0"/>
-              <a:t>[1] A. </a:t>
-            </a:r>
-            <a:r>
-              <a:rPr lang="en-US" altLang="zh-CN" dirty="0" err="1"/>
-              <a:t>Manjeshwar</a:t>
-            </a:r>
-            <a:r>
-              <a:rPr lang="en-US" altLang="zh-CN" dirty="0"/>
-              <a:t> and D. P. Agrawal, "TEEN: a routing protocol for enhanced efficiency in wireless sensor networks," Proceedings 15th International Parallel and Distributed Processing Symposium. IPDPS 2001, San Francisco, CA, USA, 2001, pp. 2009-2015, </a:t>
-            </a:r>
-            <a:r>
-              <a:rPr lang="en-US" altLang="zh-CN" dirty="0" err="1"/>
-              <a:t>doi</a:t>
-            </a:r>
-            <a:r>
-              <a:rPr lang="en-US" altLang="zh-CN" dirty="0"/>
-              <a:t>: 10.1109/IPDPS.2001.925197. keywords: {Routing protocols; Intelligent networks; Wireless sensor networks; Temperature sensors; Sensor phenomena and characterization; Energy efficiency; Condition monitoring; Fault tolerance; Costs; Mobile computing},</a:t>
-            </a:r>
-          </a:p>
-          <a:p>
-            <a:endParaRPr lang="zh-CN" altLang="en-US" dirty="0"/>
-          </a:p>
-        </p:txBody>
-      </p:sp>
-      <p:sp>
-        <p:nvSpPr>
-          <p:cNvPr id="6" name="文本框 5">
-            <a:extLst>
-              <a:ext uri="{FF2B5EF4-FFF2-40B4-BE49-F238E27FC236}">
-                <a16:creationId xmlns:a16="http://schemas.microsoft.com/office/drawing/2014/main" id="{8366CC38-E18D-A661-19E8-91BA6ECDA24D}"/>
-              </a:ext>
-            </a:extLst>
-          </p:cNvPr>
-          <p:cNvSpPr txBox="1"/>
-          <p:nvPr/>
-        </p:nvSpPr>
-        <p:spPr>
-          <a:xfrm>
-            <a:off x="6096000" y="1172460"/>
-            <a:ext cx="4645725" cy="1354217"/>
-          </a:xfrm>
-          <a:prstGeom prst="rect">
-            <a:avLst/>
-          </a:prstGeom>
-          <a:noFill/>
-        </p:spPr>
-        <p:txBody>
-          <a:bodyPr wrap="square" rtlCol="0">
-            <a:spAutoFit/>
-          </a:bodyPr>
-          <a:lstStyle/>
-          <a:p>
-            <a:r>
-              <a:rPr lang="en-US" altLang="zh-CN" sz="2200" dirty="0"/>
-              <a:t>Inside a Cluster</a:t>
-            </a:r>
-          </a:p>
-          <a:p>
-            <a:pPr marL="342900" indent="-342900">
-              <a:buFont typeface="Arial" panose="020B0604020202020204" pitchFamily="34" charset="0"/>
-              <a:buChar char="•"/>
-            </a:pPr>
-            <a:r>
-              <a:rPr lang="en-US" altLang="zh-CN" sz="2000" dirty="0"/>
-              <a:t>Node directly connects to head</a:t>
-            </a:r>
-          </a:p>
-          <a:p>
-            <a:pPr marL="342900" indent="-342900">
-              <a:buFont typeface="Arial" panose="020B0604020202020204" pitchFamily="34" charset="0"/>
-              <a:buChar char="•"/>
-            </a:pPr>
-            <a:r>
-              <a:rPr lang="en-US" altLang="zh-CN" sz="2000" dirty="0"/>
-              <a:t>OR</a:t>
-            </a:r>
-          </a:p>
-          <a:p>
-            <a:pPr marL="342900" indent="-342900">
-              <a:buFont typeface="Arial" panose="020B0604020202020204" pitchFamily="34" charset="0"/>
-              <a:buChar char="•"/>
-            </a:pPr>
-            <a:r>
-              <a:rPr lang="en-US" altLang="zh-CN" sz="2000" dirty="0"/>
-              <a:t>Apply some algorithm to save energy</a:t>
-            </a:r>
-          </a:p>
-        </p:txBody>
-      </p:sp>
-      <p:sp>
-        <p:nvSpPr>
-          <p:cNvPr id="8" name="文本框 7">
-            <a:extLst>
-              <a:ext uri="{FF2B5EF4-FFF2-40B4-BE49-F238E27FC236}">
-                <a16:creationId xmlns:a16="http://schemas.microsoft.com/office/drawing/2014/main" id="{8DAAA506-D4F6-7140-ECF0-4288997F957D}"/>
-              </a:ext>
-            </a:extLst>
-          </p:cNvPr>
-          <p:cNvSpPr txBox="1"/>
-          <p:nvPr/>
-        </p:nvSpPr>
-        <p:spPr>
-          <a:xfrm>
-            <a:off x="192974" y="3429000"/>
-            <a:ext cx="4645725" cy="1046440"/>
-          </a:xfrm>
-          <a:prstGeom prst="rect">
-            <a:avLst/>
-          </a:prstGeom>
-          <a:noFill/>
-        </p:spPr>
-        <p:txBody>
-          <a:bodyPr wrap="square" rtlCol="0">
-            <a:spAutoFit/>
-          </a:bodyPr>
-          <a:lstStyle/>
-          <a:p>
-            <a:r>
-              <a:rPr lang="en-US" altLang="zh-CN" sz="2200" dirty="0"/>
-              <a:t>Join a node</a:t>
-            </a:r>
-          </a:p>
-          <a:p>
-            <a:pPr marL="342900" indent="-342900">
-              <a:buFont typeface="Arial" panose="020B0604020202020204" pitchFamily="34" charset="0"/>
-              <a:buChar char="•"/>
-            </a:pPr>
-            <a:r>
-              <a:rPr lang="en-US" altLang="zh-CN" sz="2000" dirty="0"/>
-              <a:t>Broadcast and get feedback</a:t>
-            </a:r>
-          </a:p>
-          <a:p>
-            <a:pPr marL="342900" indent="-342900">
-              <a:buFont typeface="Arial" panose="020B0604020202020204" pitchFamily="34" charset="0"/>
-              <a:buChar char="•"/>
-            </a:pPr>
-            <a:r>
-              <a:rPr lang="en-US" altLang="zh-CN" sz="2000" dirty="0"/>
-              <a:t>Decide Cluster</a:t>
-            </a:r>
-          </a:p>
-        </p:txBody>
-      </p:sp>
-      <p:sp>
-        <p:nvSpPr>
-          <p:cNvPr id="9" name="文本框 8">
-            <a:extLst>
-              <a:ext uri="{FF2B5EF4-FFF2-40B4-BE49-F238E27FC236}">
-                <a16:creationId xmlns:a16="http://schemas.microsoft.com/office/drawing/2014/main" id="{8D45CDDE-13DE-BBF6-BBC8-7908D833362C}"/>
-              </a:ext>
-            </a:extLst>
-          </p:cNvPr>
-          <p:cNvSpPr txBox="1"/>
-          <p:nvPr/>
-        </p:nvSpPr>
-        <p:spPr>
-          <a:xfrm>
-            <a:off x="6096000" y="3142230"/>
-            <a:ext cx="4645725" cy="1046440"/>
-          </a:xfrm>
-          <a:prstGeom prst="rect">
-            <a:avLst/>
-          </a:prstGeom>
-          <a:noFill/>
-        </p:spPr>
-        <p:txBody>
-          <a:bodyPr wrap="square" rtlCol="0">
-            <a:spAutoFit/>
-          </a:bodyPr>
-          <a:lstStyle/>
-          <a:p>
-            <a:r>
-              <a:rPr lang="en-US" altLang="zh-CN" sz="2200" dirty="0"/>
-              <a:t>Carrier-Sense Multiple Access (CSMA)</a:t>
-            </a:r>
-          </a:p>
-          <a:p>
-            <a:pPr marL="342900" indent="-342900">
-              <a:buFont typeface="Arial" panose="020B0604020202020204" pitchFamily="34" charset="0"/>
-              <a:buChar char="•"/>
-            </a:pPr>
-            <a:r>
-              <a:rPr lang="en-US" altLang="zh-CN" sz="2000" dirty="0"/>
-              <a:t>Not a time-sensitive application</a:t>
-            </a:r>
-          </a:p>
-          <a:p>
-            <a:pPr marL="342900" indent="-342900">
-              <a:buFont typeface="Arial" panose="020B0604020202020204" pitchFamily="34" charset="0"/>
-              <a:buChar char="•"/>
-            </a:pPr>
-            <a:r>
-              <a:rPr lang="en-US" altLang="zh-CN" sz="2000" dirty="0"/>
-              <a:t>ACK</a:t>
-            </a:r>
-          </a:p>
-        </p:txBody>
-      </p:sp>
+      </p:pic>
     </p:spTree>
-    <p:extLst>
-      <p:ext uri="{BB962C8B-B14F-4D97-AF65-F5344CB8AC3E}">
-        <p14:creationId xmlns:p14="http://schemas.microsoft.com/office/powerpoint/2010/main" val="1881079222"/>
-      </p:ext>
-    </p:extLst>
   </p:cSld>
   <p:clrMapOvr>
     <a:masterClrMapping/>
@@ -6209,134 +8929,7 @@
 </p:sld>
 </file>
 
-<file path=ppt/slides/slide5.xml><?xml version="1.0" encoding="utf-8"?>
-<p:sld xmlns:a="http://schemas.openxmlformats.org/drawingml/2006/main" xmlns:r="http://schemas.openxmlformats.org/officeDocument/2006/relationships" xmlns:p="http://schemas.openxmlformats.org/presentationml/2006/main">
-  <p:cSld>
-    <p:spTree>
-      <p:nvGrpSpPr>
-        <p:cNvPr id="1" name="">
-          <a:extLst>
-            <a:ext uri="{FF2B5EF4-FFF2-40B4-BE49-F238E27FC236}">
-              <a16:creationId xmlns:a16="http://schemas.microsoft.com/office/drawing/2014/main" id="{31C76A98-3A23-A69C-4903-9D6612582EAE}"/>
-            </a:ext>
-          </a:extLst>
-        </p:cNvPr>
-        <p:cNvGrpSpPr/>
-        <p:nvPr/>
-      </p:nvGrpSpPr>
-      <p:grpSpPr>
-        <a:xfrm>
-          <a:off x="0" y="0"/>
-          <a:ext cx="0" cy="0"/>
-          <a:chOff x="0" y="0"/>
-          <a:chExt cx="0" cy="0"/>
-        </a:xfrm>
-      </p:grpSpPr>
-      <p:pic>
-        <p:nvPicPr>
-          <p:cNvPr id="7" name="图片 6">
-            <a:extLst>
-              <a:ext uri="{FF2B5EF4-FFF2-40B4-BE49-F238E27FC236}">
-                <a16:creationId xmlns:a16="http://schemas.microsoft.com/office/drawing/2014/main" id="{DC33DB36-C3E8-236A-974B-368BC2E0D942}"/>
-              </a:ext>
-            </a:extLst>
-          </p:cNvPr>
-          <p:cNvPicPr>
-            <a:picLocks noChangeAspect="1"/>
-          </p:cNvPicPr>
-          <p:nvPr/>
-        </p:nvPicPr>
-        <p:blipFill>
-          <a:blip r:embed="rId2"/>
-          <a:stretch>
-            <a:fillRect/>
-          </a:stretch>
-        </p:blipFill>
-        <p:spPr>
-          <a:xfrm>
-            <a:off x="10214811" y="192089"/>
-            <a:ext cx="1270905" cy="659432"/>
-          </a:xfrm>
-          <a:prstGeom prst="rect">
-            <a:avLst/>
-          </a:prstGeom>
-        </p:spPr>
-      </p:pic>
-      <p:sp>
-        <p:nvSpPr>
-          <p:cNvPr id="2" name="矩形 1">
-            <a:extLst>
-              <a:ext uri="{FF2B5EF4-FFF2-40B4-BE49-F238E27FC236}">
-                <a16:creationId xmlns:a16="http://schemas.microsoft.com/office/drawing/2014/main" id="{FCE1AEFE-81F7-6B12-C7F6-8EDD1C718BA1}"/>
-              </a:ext>
-            </a:extLst>
-          </p:cNvPr>
-          <p:cNvSpPr/>
-          <p:nvPr/>
-        </p:nvSpPr>
-        <p:spPr>
-          <a:xfrm>
-            <a:off x="2236033" y="2743815"/>
-            <a:ext cx="7719934" cy="923330"/>
-          </a:xfrm>
-          <a:prstGeom prst="rect">
-            <a:avLst/>
-          </a:prstGeom>
-          <a:noFill/>
-        </p:spPr>
-        <p:txBody>
-          <a:bodyPr wrap="none" lIns="91440" tIns="45720" rIns="91440" bIns="45720">
-            <a:spAutoFit/>
-          </a:bodyPr>
-          <a:lstStyle/>
-          <a:p>
-            <a:pPr algn="ctr"/>
-            <a:r>
-              <a:rPr lang="en-US" altLang="zh-CN" sz="5400" b="0" cap="none" spc="0" dirty="0">
-                <a:ln w="0"/>
-                <a:solidFill>
-                  <a:schemeClr val="tx1"/>
-                </a:solidFill>
-                <a:effectLst>
-                  <a:outerShdw blurRad="38100" dist="19050" dir="2700000" algn="tl" rotWithShape="0">
-                    <a:schemeClr val="dk1">
-                      <a:alpha val="40000"/>
-                    </a:schemeClr>
-                  </a:outerShdw>
-                </a:effectLst>
-              </a:rPr>
-              <a:t>Questions and Suggestions</a:t>
-            </a:r>
-            <a:endParaRPr lang="zh-CN" altLang="en-US" sz="5400" b="0" cap="none" spc="0" dirty="0">
-              <a:ln w="0"/>
-              <a:solidFill>
-                <a:schemeClr val="tx1"/>
-              </a:solidFill>
-              <a:effectLst>
-                <a:outerShdw blurRad="38100" dist="19050" dir="2700000" algn="tl" rotWithShape="0">
-                  <a:schemeClr val="dk1">
-                    <a:alpha val="40000"/>
-                  </a:schemeClr>
-                </a:outerShdw>
-              </a:effectLst>
-            </a:endParaRPr>
-          </a:p>
-        </p:txBody>
-      </p:sp>
-    </p:spTree>
-    <p:extLst>
-      <p:ext uri="{BB962C8B-B14F-4D97-AF65-F5344CB8AC3E}">
-        <p14:creationId xmlns:p14="http://schemas.microsoft.com/office/powerpoint/2010/main" val="3062518903"/>
-      </p:ext>
-    </p:extLst>
-  </p:cSld>
-  <p:clrMapOvr>
-    <a:masterClrMapping/>
-  </p:clrMapOvr>
-</p:sld>
-</file>
-
-<file path=ppt/slides/slide6.xml><?xml version="1.0" encoding="utf-8"?>
+<file path=ppt/slides/slide7.xml><?xml version="1.0" encoding="utf-8"?>
 <p:sld xmlns:a="http://schemas.openxmlformats.org/drawingml/2006/main" xmlns:r="http://schemas.openxmlformats.org/officeDocument/2006/relationships" xmlns:p="http://schemas.openxmlformats.org/presentationml/2006/main">
   <p:cSld>
     <p:spTree>
@@ -6403,8 +8996,8 @@
         </p:nvSpPr>
         <p:spPr>
           <a:xfrm>
-            <a:off x="3208479" y="2967335"/>
-            <a:ext cx="5775042" cy="923330"/>
+            <a:off x="2132096" y="2129135"/>
+            <a:ext cx="7927811" cy="1754326"/>
           </a:xfrm>
           <a:prstGeom prst="rect">
             <a:avLst/>
@@ -6433,6 +9026,25 @@
                 </a:effectLst>
               </a:rPr>
               <a:t>Thanks for Listening</a:t>
+            </a:r>
+          </a:p>
+          <a:p>
+            <a:pPr algn="ctr"/>
+            <a:r>
+              <a:rPr lang="en-US" altLang="zh-CN" sz="5400" b="0" cap="none" spc="0" dirty="0">
+                <a:ln w="0"/>
+                <a:solidFill>
+                  <a:schemeClr val="tx1"/>
+                </a:solidFill>
+                <a:effectLst>
+                  <a:outerShdw blurRad="38100" dist="19050" dir="2700000" algn="tl" rotWithShape="0">
+                    <a:schemeClr val="dk1">
+                      <a:alpha val="40000"/>
+                    </a:schemeClr>
+                  </a:outerShdw>
+                </a:effectLst>
+              </a:rPr>
+              <a:t>Any questions or feedback?</a:t>
             </a:r>
             <a:endParaRPr lang="zh-CN" altLang="en-US" sz="5400" b="0" cap="none" spc="0" dirty="0">
               <a:ln w="0"/>
@@ -6714,4 +9326,585 @@
     </a:ext>
   </a:extLst>
 </a:theme>
+</file>
+
+<file path=ppt/theme/theme2.xml><?xml version="1.0" encoding="utf-8"?>
+<a:theme xmlns:a="http://schemas.openxmlformats.org/drawingml/2006/main" name="Titel 2">
+  <a:themeElements>
+    <a:clrScheme name="TUM">
+      <a:dk1>
+        <a:sysClr val="windowText" lastClr="000000"/>
+      </a:dk1>
+      <a:lt1>
+        <a:sysClr val="window" lastClr="FFFFFF"/>
+      </a:lt1>
+      <a:dk2>
+        <a:srgbClr val="0065BD"/>
+      </a:dk2>
+      <a:lt2>
+        <a:srgbClr val="EEECE1"/>
+      </a:lt2>
+      <a:accent1>
+        <a:srgbClr val="005293"/>
+      </a:accent1>
+      <a:accent2>
+        <a:srgbClr val="98C6EA"/>
+      </a:accent2>
+      <a:accent3>
+        <a:srgbClr val="64A0C8"/>
+      </a:accent3>
+      <a:accent4>
+        <a:srgbClr val="DAD7CB"/>
+      </a:accent4>
+      <a:accent5>
+        <a:srgbClr val="A2AD00"/>
+      </a:accent5>
+      <a:accent6>
+        <a:srgbClr val="E37222"/>
+      </a:accent6>
+      <a:hlink>
+        <a:srgbClr val="0000FF"/>
+      </a:hlink>
+      <a:folHlink>
+        <a:srgbClr val="800080"/>
+      </a:folHlink>
+    </a:clrScheme>
+    <a:fontScheme name="TUM Arial">
+      <a:majorFont>
+        <a:latin typeface="Arial"/>
+        <a:ea typeface=""/>
+        <a:cs typeface=""/>
+      </a:majorFont>
+      <a:minorFont>
+        <a:latin typeface="Arial"/>
+        <a:ea typeface=""/>
+        <a:cs typeface=""/>
+      </a:minorFont>
+    </a:fontScheme>
+    <a:fmtScheme name="Larissa">
+      <a:fillStyleLst>
+        <a:solidFill>
+          <a:schemeClr val="phClr"/>
+        </a:solidFill>
+        <a:gradFill rotWithShape="1">
+          <a:gsLst>
+            <a:gs pos="0">
+              <a:schemeClr val="phClr">
+                <a:tint val="50000"/>
+                <a:satMod val="300000"/>
+              </a:schemeClr>
+            </a:gs>
+            <a:gs pos="35000">
+              <a:schemeClr val="phClr">
+                <a:tint val="37000"/>
+                <a:satMod val="300000"/>
+              </a:schemeClr>
+            </a:gs>
+            <a:gs pos="100000">
+              <a:schemeClr val="phClr">
+                <a:tint val="15000"/>
+                <a:satMod val="350000"/>
+              </a:schemeClr>
+            </a:gs>
+          </a:gsLst>
+          <a:lin ang="16200000" scaled="1"/>
+        </a:gradFill>
+        <a:gradFill rotWithShape="1">
+          <a:gsLst>
+            <a:gs pos="0">
+              <a:schemeClr val="phClr">
+                <a:shade val="51000"/>
+                <a:satMod val="130000"/>
+              </a:schemeClr>
+            </a:gs>
+            <a:gs pos="80000">
+              <a:schemeClr val="phClr">
+                <a:shade val="93000"/>
+                <a:satMod val="130000"/>
+              </a:schemeClr>
+            </a:gs>
+            <a:gs pos="100000">
+              <a:schemeClr val="phClr">
+                <a:shade val="94000"/>
+                <a:satMod val="135000"/>
+              </a:schemeClr>
+            </a:gs>
+          </a:gsLst>
+          <a:lin ang="16200000" scaled="0"/>
+        </a:gradFill>
+      </a:fillStyleLst>
+      <a:lnStyleLst>
+        <a:ln w="9525" cap="flat" cmpd="sng" algn="ctr">
+          <a:solidFill>
+            <a:schemeClr val="phClr">
+              <a:shade val="95000"/>
+              <a:satMod val="105000"/>
+            </a:schemeClr>
+          </a:solidFill>
+          <a:prstDash val="solid"/>
+        </a:ln>
+        <a:ln w="25400" cap="flat" cmpd="sng" algn="ctr">
+          <a:solidFill>
+            <a:schemeClr val="phClr"/>
+          </a:solidFill>
+          <a:prstDash val="solid"/>
+        </a:ln>
+        <a:ln w="38100" cap="flat" cmpd="sng" algn="ctr">
+          <a:solidFill>
+            <a:schemeClr val="phClr"/>
+          </a:solidFill>
+          <a:prstDash val="solid"/>
+        </a:ln>
+      </a:lnStyleLst>
+      <a:effectStyleLst>
+        <a:effectStyle>
+          <a:effectLst>
+            <a:outerShdw blurRad="40000" dist="20000" dir="5400000" rotWithShape="0">
+              <a:srgbClr val="000000">
+                <a:alpha val="38000"/>
+              </a:srgbClr>
+            </a:outerShdw>
+          </a:effectLst>
+        </a:effectStyle>
+        <a:effectStyle>
+          <a:effectLst>
+            <a:outerShdw blurRad="40000" dist="23000" dir="5400000" rotWithShape="0">
+              <a:srgbClr val="000000">
+                <a:alpha val="35000"/>
+              </a:srgbClr>
+            </a:outerShdw>
+          </a:effectLst>
+        </a:effectStyle>
+        <a:effectStyle>
+          <a:effectLst>
+            <a:outerShdw blurRad="40000" dist="23000" dir="5400000" rotWithShape="0">
+              <a:srgbClr val="000000">
+                <a:alpha val="35000"/>
+              </a:srgbClr>
+            </a:outerShdw>
+          </a:effectLst>
+          <a:scene3d>
+            <a:camera prst="orthographicFront">
+              <a:rot lat="0" lon="0" rev="0"/>
+            </a:camera>
+            <a:lightRig rig="threePt" dir="t">
+              <a:rot lat="0" lon="0" rev="1200000"/>
+            </a:lightRig>
+          </a:scene3d>
+          <a:sp3d>
+            <a:bevelT w="63500" h="25400"/>
+          </a:sp3d>
+        </a:effectStyle>
+      </a:effectStyleLst>
+      <a:bgFillStyleLst>
+        <a:solidFill>
+          <a:schemeClr val="phClr"/>
+        </a:solidFill>
+        <a:gradFill rotWithShape="1">
+          <a:gsLst>
+            <a:gs pos="0">
+              <a:schemeClr val="phClr">
+                <a:tint val="40000"/>
+                <a:satMod val="350000"/>
+              </a:schemeClr>
+            </a:gs>
+            <a:gs pos="40000">
+              <a:schemeClr val="phClr">
+                <a:tint val="45000"/>
+                <a:shade val="99000"/>
+                <a:satMod val="350000"/>
+              </a:schemeClr>
+            </a:gs>
+            <a:gs pos="100000">
+              <a:schemeClr val="phClr">
+                <a:shade val="20000"/>
+                <a:satMod val="255000"/>
+              </a:schemeClr>
+            </a:gs>
+          </a:gsLst>
+          <a:path path="circle">
+            <a:fillToRect l="50000" t="-80000" r="50000" b="180000"/>
+          </a:path>
+        </a:gradFill>
+        <a:gradFill rotWithShape="1">
+          <a:gsLst>
+            <a:gs pos="0">
+              <a:schemeClr val="phClr">
+                <a:tint val="80000"/>
+                <a:satMod val="300000"/>
+              </a:schemeClr>
+            </a:gs>
+            <a:gs pos="100000">
+              <a:schemeClr val="phClr">
+                <a:shade val="30000"/>
+                <a:satMod val="200000"/>
+              </a:schemeClr>
+            </a:gs>
+          </a:gsLst>
+          <a:path path="circle">
+            <a:fillToRect l="50000" t="50000" r="50000" b="50000"/>
+          </a:path>
+        </a:gradFill>
+      </a:bgFillStyleLst>
+    </a:fmtScheme>
+  </a:themeElements>
+  <a:objectDefaults>
+    <a:spDef>
+      <a:spPr>
+        <a:ln>
+          <a:noFill/>
+        </a:ln>
+      </a:spPr>
+      <a:bodyPr rot="0" spcFirstLastPara="0" vertOverflow="overflow" horzOverflow="overflow" vert="horz" wrap="square" lIns="91440" tIns="45720" rIns="91440" bIns="45720" numCol="1" spcCol="0" rtlCol="0" fromWordArt="0" anchor="t" anchorCtr="0" forceAA="0" compatLnSpc="1">
+        <a:prstTxWarp prst="textNoShape">
+          <a:avLst/>
+        </a:prstTxWarp>
+        <a:noAutofit/>
+      </a:bodyPr>
+      <a:lstStyle>
+        <a:defPPr>
+          <a:lnSpc>
+            <a:spcPct val="114000"/>
+          </a:lnSpc>
+          <a:defRPr dirty="0" smtClean="0"/>
+        </a:defPPr>
+      </a:lstStyle>
+      <a:style>
+        <a:lnRef idx="2">
+          <a:schemeClr val="accent1">
+            <a:shade val="50000"/>
+          </a:schemeClr>
+        </a:lnRef>
+        <a:fillRef idx="1">
+          <a:schemeClr val="accent1"/>
+        </a:fillRef>
+        <a:effectRef idx="0">
+          <a:schemeClr val="accent1"/>
+        </a:effectRef>
+        <a:fontRef idx="minor">
+          <a:schemeClr val="lt1"/>
+        </a:fontRef>
+      </a:style>
+    </a:spDef>
+    <a:txDef>
+      <a:spPr>
+        <a:noFill/>
+      </a:spPr>
+      <a:bodyPr wrap="square" lIns="0" tIns="0" rIns="0" bIns="0" rtlCol="0">
+        <a:spAutoFit/>
+      </a:bodyPr>
+      <a:lstStyle>
+        <a:defPPr>
+          <a:lnSpc>
+            <a:spcPct val="114000"/>
+          </a:lnSpc>
+          <a:defRPr sz="1600" dirty="0" err="1" smtClean="0">
+            <a:latin typeface="+mn-lt"/>
+          </a:defRPr>
+        </a:defPPr>
+      </a:lstStyle>
+    </a:txDef>
+  </a:objectDefaults>
+  <a:extraClrSchemeLst/>
+  <a:extLst>
+    <a:ext uri="{05A4C25C-085E-4340-85A3-A5531E510DB2}">
+      <thm15:themeFamily xmlns:thm15="http://schemas.microsoft.com/office/thememl/2012/main" name="Präsentation22" id="{F266FCC4-7D6D-1F4C-B467-8A21D017BCEF}" vid="{BD7862EB-E8D6-994B-BBF4-6CC3FFF92DD2}"/>
+    </a:ext>
+  </a:extLst>
+</a:theme>
+</file>
+
+<file path=ppt/theme/theme3.xml><?xml version="1.0" encoding="utf-8"?>
+<a:theme xmlns:a="http://schemas.openxmlformats.org/drawingml/2006/main" name="自定义设计方案">
+  <a:themeElements>
+    <a:clrScheme name="Office">
+      <a:dk1>
+        <a:sysClr val="windowText" lastClr="000000"/>
+      </a:dk1>
+      <a:lt1>
+        <a:sysClr val="window" lastClr="FFFFFF"/>
+      </a:lt1>
+      <a:dk2>
+        <a:srgbClr val="44546A"/>
+      </a:dk2>
+      <a:lt2>
+        <a:srgbClr val="E7E6E6"/>
+      </a:lt2>
+      <a:accent1>
+        <a:srgbClr val="4472C4"/>
+      </a:accent1>
+      <a:accent2>
+        <a:srgbClr val="ED7D31"/>
+      </a:accent2>
+      <a:accent3>
+        <a:srgbClr val="A5A5A5"/>
+      </a:accent3>
+      <a:accent4>
+        <a:srgbClr val="FFC000"/>
+      </a:accent4>
+      <a:accent5>
+        <a:srgbClr val="5B9BD5"/>
+      </a:accent5>
+      <a:accent6>
+        <a:srgbClr val="70AD47"/>
+      </a:accent6>
+      <a:hlink>
+        <a:srgbClr val="0563C1"/>
+      </a:hlink>
+      <a:folHlink>
+        <a:srgbClr val="954F72"/>
+      </a:folHlink>
+    </a:clrScheme>
+    <a:fontScheme name="Office">
+      <a:majorFont>
+        <a:latin typeface="等线 Light" panose="020F0302020204030204"/>
+        <a:ea typeface=""/>
+        <a:cs typeface=""/>
+        <a:font script="Jpan" typeface="游ゴシック Light"/>
+        <a:font script="Hang" typeface="맑은 고딕"/>
+        <a:font script="Hans" typeface="等线 Light"/>
+        <a:font script="Hant" typeface="新細明體"/>
+        <a:font script="Arab" typeface="Times New Roman"/>
+        <a:font script="Hebr" typeface="Times New Roman"/>
+        <a:font script="Thai" typeface="Angsana New"/>
+        <a:font script="Ethi" typeface="Nyala"/>
+        <a:font script="Beng" typeface="Vrinda"/>
+        <a:font script="Gujr" typeface="Shruti"/>
+        <a:font script="Khmr" typeface="MoolBoran"/>
+        <a:font script="Knda" typeface="Tunga"/>
+        <a:font script="Guru" typeface="Raavi"/>
+        <a:font script="Cans" typeface="Euphemia"/>
+        <a:font script="Cher" typeface="Plantagenet Cherokee"/>
+        <a:font script="Yiii" typeface="Microsoft Yi Baiti"/>
+        <a:font script="Tibt" typeface="Microsoft Himalaya"/>
+        <a:font script="Thaa" typeface="MV Boli"/>
+        <a:font script="Deva" typeface="Mangal"/>
+        <a:font script="Telu" typeface="Gautami"/>
+        <a:font script="Taml" typeface="Latha"/>
+        <a:font script="Syrc" typeface="Estrangelo Edessa"/>
+        <a:font script="Orya" typeface="Kalinga"/>
+        <a:font script="Mlym" typeface="Kartika"/>
+        <a:font script="Laoo" typeface="DokChampa"/>
+        <a:font script="Sinh" typeface="Iskoola Pota"/>
+        <a:font script="Mong" typeface="Mongolian Baiti"/>
+        <a:font script="Viet" typeface="Times New Roman"/>
+        <a:font script="Uigh" typeface="Microsoft Uighur"/>
+        <a:font script="Geor" typeface="Sylfaen"/>
+        <a:font script="Armn" typeface="Arial"/>
+        <a:font script="Bugi" typeface="Leelawadee UI"/>
+        <a:font script="Bopo" typeface="Microsoft JhengHei"/>
+        <a:font script="Java" typeface="Javanese Text"/>
+        <a:font script="Lisu" typeface="Segoe UI"/>
+        <a:font script="Mymr" typeface="Myanmar Text"/>
+        <a:font script="Nkoo" typeface="Ebrima"/>
+        <a:font script="Olck" typeface="Nirmala UI"/>
+        <a:font script="Osma" typeface="Ebrima"/>
+        <a:font script="Phag" typeface="Phagspa"/>
+        <a:font script="Syrn" typeface="Estrangelo Edessa"/>
+        <a:font script="Syrj" typeface="Estrangelo Edessa"/>
+        <a:font script="Syre" typeface="Estrangelo Edessa"/>
+        <a:font script="Sora" typeface="Nirmala UI"/>
+        <a:font script="Tale" typeface="Microsoft Tai Le"/>
+        <a:font script="Talu" typeface="Microsoft New Tai Lue"/>
+        <a:font script="Tfng" typeface="Ebrima"/>
+      </a:majorFont>
+      <a:minorFont>
+        <a:latin typeface="等线" panose="020F0502020204030204"/>
+        <a:ea typeface=""/>
+        <a:cs typeface=""/>
+        <a:font script="Jpan" typeface="游ゴシック"/>
+        <a:font script="Hang" typeface="맑은 고딕"/>
+        <a:font script="Hans" typeface="等线"/>
+        <a:font script="Hant" typeface="新細明體"/>
+        <a:font script="Arab" typeface="Arial"/>
+        <a:font script="Hebr" typeface="Arial"/>
+        <a:font script="Thai" typeface="Cordia New"/>
+        <a:font script="Ethi" typeface="Nyala"/>
+        <a:font script="Beng" typeface="Vrinda"/>
+        <a:font script="Gujr" typeface="Shruti"/>
+        <a:font script="Khmr" typeface="DaunPenh"/>
+        <a:font script="Knda" typeface="Tunga"/>
+        <a:font script="Guru" typeface="Raavi"/>
+        <a:font script="Cans" typeface="Euphemia"/>
+        <a:font script="Cher" typeface="Plantagenet Cherokee"/>
+        <a:font script="Yiii" typeface="Microsoft Yi Baiti"/>
+        <a:font script="Tibt" typeface="Microsoft Himalaya"/>
+        <a:font script="Thaa" typeface="MV Boli"/>
+        <a:font script="Deva" typeface="Mangal"/>
+        <a:font script="Telu" typeface="Gautami"/>
+        <a:font script="Taml" typeface="Latha"/>
+        <a:font script="Syrc" typeface="Estrangelo Edessa"/>
+        <a:font script="Orya" typeface="Kalinga"/>
+        <a:font script="Mlym" typeface="Kartika"/>
+        <a:font script="Laoo" typeface="DokChampa"/>
+        <a:font script="Sinh" typeface="Iskoola Pota"/>
+        <a:font script="Mong" typeface="Mongolian Baiti"/>
+        <a:font script="Viet" typeface="Arial"/>
+        <a:font script="Uigh" typeface="Microsoft Uighur"/>
+        <a:font script="Geor" typeface="Sylfaen"/>
+        <a:font script="Armn" typeface="Arial"/>
+        <a:font script="Bugi" typeface="Leelawadee UI"/>
+        <a:font script="Bopo" typeface="Microsoft JhengHei"/>
+        <a:font script="Java" typeface="Javanese Text"/>
+        <a:font script="Lisu" typeface="Segoe UI"/>
+        <a:font script="Mymr" typeface="Myanmar Text"/>
+        <a:font script="Nkoo" typeface="Ebrima"/>
+        <a:font script="Olck" typeface="Nirmala UI"/>
+        <a:font script="Osma" typeface="Ebrima"/>
+        <a:font script="Phag" typeface="Phagspa"/>
+        <a:font script="Syrn" typeface="Estrangelo Edessa"/>
+        <a:font script="Syrj" typeface="Estrangelo Edessa"/>
+        <a:font script="Syre" typeface="Estrangelo Edessa"/>
+        <a:font script="Sora" typeface="Nirmala UI"/>
+        <a:font script="Tale" typeface="Microsoft Tai Le"/>
+        <a:font script="Talu" typeface="Microsoft New Tai Lue"/>
+        <a:font script="Tfng" typeface="Ebrima"/>
+      </a:minorFont>
+    </a:fontScheme>
+    <a:fmtScheme name="Office">
+      <a:fillStyleLst>
+        <a:solidFill>
+          <a:schemeClr val="phClr"/>
+        </a:solidFill>
+        <a:gradFill rotWithShape="1">
+          <a:gsLst>
+            <a:gs pos="0">
+              <a:schemeClr val="phClr">
+                <a:lumMod val="110000"/>
+                <a:satMod val="105000"/>
+                <a:tint val="67000"/>
+              </a:schemeClr>
+            </a:gs>
+            <a:gs pos="50000">
+              <a:schemeClr val="phClr">
+                <a:lumMod val="105000"/>
+                <a:satMod val="103000"/>
+                <a:tint val="73000"/>
+              </a:schemeClr>
+            </a:gs>
+            <a:gs pos="100000">
+              <a:schemeClr val="phClr">
+                <a:lumMod val="105000"/>
+                <a:satMod val="109000"/>
+                <a:tint val="81000"/>
+              </a:schemeClr>
+            </a:gs>
+          </a:gsLst>
+          <a:lin ang="5400000" scaled="0"/>
+        </a:gradFill>
+        <a:gradFill rotWithShape="1">
+          <a:gsLst>
+            <a:gs pos="0">
+              <a:schemeClr val="phClr">
+                <a:satMod val="103000"/>
+                <a:lumMod val="102000"/>
+                <a:tint val="94000"/>
+              </a:schemeClr>
+            </a:gs>
+            <a:gs pos="50000">
+              <a:schemeClr val="phClr">
+                <a:satMod val="110000"/>
+                <a:lumMod val="100000"/>
+                <a:shade val="100000"/>
+              </a:schemeClr>
+            </a:gs>
+            <a:gs pos="100000">
+              <a:schemeClr val="phClr">
+                <a:lumMod val="99000"/>
+                <a:satMod val="120000"/>
+                <a:shade val="78000"/>
+              </a:schemeClr>
+            </a:gs>
+          </a:gsLst>
+          <a:lin ang="5400000" scaled="0"/>
+        </a:gradFill>
+      </a:fillStyleLst>
+      <a:lnStyleLst>
+        <a:ln w="6350" cap="flat" cmpd="sng" algn="ctr">
+          <a:solidFill>
+            <a:schemeClr val="phClr"/>
+          </a:solidFill>
+          <a:prstDash val="solid"/>
+          <a:miter lim="800000"/>
+        </a:ln>
+        <a:ln w="12700" cap="flat" cmpd="sng" algn="ctr">
+          <a:solidFill>
+            <a:schemeClr val="phClr"/>
+          </a:solidFill>
+          <a:prstDash val="solid"/>
+          <a:miter lim="800000"/>
+        </a:ln>
+        <a:ln w="19050" cap="flat" cmpd="sng" algn="ctr">
+          <a:solidFill>
+            <a:schemeClr val="phClr"/>
+          </a:solidFill>
+          <a:prstDash val="solid"/>
+          <a:miter lim="800000"/>
+        </a:ln>
+      </a:lnStyleLst>
+      <a:effectStyleLst>
+        <a:effectStyle>
+          <a:effectLst/>
+        </a:effectStyle>
+        <a:effectStyle>
+          <a:effectLst/>
+        </a:effectStyle>
+        <a:effectStyle>
+          <a:effectLst>
+            <a:outerShdw blurRad="57150" dist="19050" dir="5400000" algn="ctr" rotWithShape="0">
+              <a:srgbClr val="000000">
+                <a:alpha val="63000"/>
+              </a:srgbClr>
+            </a:outerShdw>
+          </a:effectLst>
+        </a:effectStyle>
+      </a:effectStyleLst>
+      <a:bgFillStyleLst>
+        <a:solidFill>
+          <a:schemeClr val="phClr"/>
+        </a:solidFill>
+        <a:solidFill>
+          <a:schemeClr val="phClr">
+            <a:tint val="95000"/>
+            <a:satMod val="170000"/>
+          </a:schemeClr>
+        </a:solidFill>
+        <a:gradFill rotWithShape="1">
+          <a:gsLst>
+            <a:gs pos="0">
+              <a:schemeClr val="phClr">
+                <a:tint val="93000"/>
+                <a:satMod val="150000"/>
+                <a:shade val="98000"/>
+                <a:lumMod val="102000"/>
+              </a:schemeClr>
+            </a:gs>
+            <a:gs pos="50000">
+              <a:schemeClr val="phClr">
+                <a:tint val="98000"/>
+                <a:satMod val="130000"/>
+                <a:shade val="90000"/>
+                <a:lumMod val="103000"/>
+              </a:schemeClr>
+            </a:gs>
+            <a:gs pos="100000">
+              <a:schemeClr val="phClr">
+                <a:shade val="63000"/>
+                <a:satMod val="120000"/>
+              </a:schemeClr>
+            </a:gs>
+          </a:gsLst>
+          <a:lin ang="5400000" scaled="0"/>
+        </a:gradFill>
+      </a:bgFillStyleLst>
+    </a:fmtScheme>
+  </a:themeElements>
+  <a:objectDefaults/>
+  <a:extraClrSchemeLst/>
+  <a:extLst>
+    <a:ext uri="{05A4C25C-085E-4340-85A3-A5531E510DB2}">
+      <thm15:themeFamily xmlns:thm15="http://schemas.microsoft.com/office/thememl/2012/main" name="Office Theme" id="{62F939B6-93AF-4DB8-9C6B-D6C7DFDC589F}" vid="{4A3C46E8-61CC-4603-A589-7422A47A8E4A}"/>
+    </a:ext>
+  </a:extLst>
+</a:theme>
 </file>
--- a/wsnlab-ss25-final-group2.pptx
+++ b/wsnlab-ss25-final-group2.pptx
@@ -10,10 +10,16 @@
     <p:sldId id="425" r:id="rId4"/>
     <p:sldId id="257" r:id="rId5"/>
     <p:sldId id="258" r:id="rId6"/>
-    <p:sldId id="357" r:id="rId7"/>
-    <p:sldId id="358" r:id="rId8"/>
-    <p:sldId id="265" r:id="rId9"/>
-    <p:sldId id="262" r:id="rId10"/>
+    <p:sldId id="429" r:id="rId7"/>
+    <p:sldId id="430" r:id="rId8"/>
+    <p:sldId id="432" r:id="rId9"/>
+    <p:sldId id="431" r:id="rId10"/>
+    <p:sldId id="357" r:id="rId11"/>
+    <p:sldId id="358" r:id="rId12"/>
+    <p:sldId id="426" r:id="rId13"/>
+    <p:sldId id="427" r:id="rId14"/>
+    <p:sldId id="428" r:id="rId15"/>
+    <p:sldId id="262" r:id="rId16"/>
   </p:sldIdLst>
   <p:sldSz cx="12192000" cy="6858000"/>
   <p:notesSz cx="6858000" cy="9144000"/>
@@ -1192,6 +1198,36 @@
           </a:p>
         </p:txBody>
       </p:sp>
+      <p:pic>
+        <p:nvPicPr>
+          <p:cNvPr id="7" name="图片 6">
+            <a:extLst>
+              <a:ext uri="{FF2B5EF4-FFF2-40B4-BE49-F238E27FC236}">
+                <a16:creationId xmlns:a16="http://schemas.microsoft.com/office/drawing/2014/main" id="{A9203A37-759F-A2D3-9702-C1107CD3BA84}"/>
+              </a:ext>
+            </a:extLst>
+          </p:cNvPr>
+          <p:cNvPicPr>
+            <a:picLocks noChangeAspect="1"/>
+          </p:cNvPicPr>
+          <p:nvPr userDrawn="1"/>
+        </p:nvPicPr>
+        <p:blipFill>
+          <a:blip r:embed="rId2"/>
+          <a:stretch>
+            <a:fillRect/>
+          </a:stretch>
+        </p:blipFill>
+        <p:spPr>
+          <a:xfrm>
+            <a:off x="10082895" y="370856"/>
+            <a:ext cx="1270905" cy="659432"/>
+          </a:xfrm>
+          <a:prstGeom prst="rect">
+            <a:avLst/>
+          </a:prstGeom>
+        </p:spPr>
+      </p:pic>
     </p:spTree>
   </p:cSld>
   <p:clrMapOvr>
@@ -3527,6 +3563,36 @@
           </a:p>
         </p:txBody>
       </p:sp>
+      <p:pic>
+        <p:nvPicPr>
+          <p:cNvPr id="7" name="图片 6">
+            <a:extLst>
+              <a:ext uri="{FF2B5EF4-FFF2-40B4-BE49-F238E27FC236}">
+                <a16:creationId xmlns:a16="http://schemas.microsoft.com/office/drawing/2014/main" id="{162C9239-563C-9C30-B871-ACD0FAF31798}"/>
+              </a:ext>
+            </a:extLst>
+          </p:cNvPr>
+          <p:cNvPicPr>
+            <a:picLocks noChangeAspect="1"/>
+          </p:cNvPicPr>
+          <p:nvPr userDrawn="1"/>
+        </p:nvPicPr>
+        <p:blipFill>
+          <a:blip r:embed="rId2"/>
+          <a:stretch>
+            <a:fillRect/>
+          </a:stretch>
+        </p:blipFill>
+        <p:spPr>
+          <a:xfrm>
+            <a:off x="9922246" y="554147"/>
+            <a:ext cx="1270905" cy="659432"/>
+          </a:xfrm>
+          <a:prstGeom prst="rect">
+            <a:avLst/>
+          </a:prstGeom>
+        </p:spPr>
+      </p:pic>
     </p:spTree>
   </p:cSld>
   <p:clrMapOvr>
@@ -4625,6 +4691,36 @@
           </a:p>
         </p:txBody>
       </p:sp>
+      <p:pic>
+        <p:nvPicPr>
+          <p:cNvPr id="7" name="图片 6">
+            <a:extLst>
+              <a:ext uri="{FF2B5EF4-FFF2-40B4-BE49-F238E27FC236}">
+                <a16:creationId xmlns:a16="http://schemas.microsoft.com/office/drawing/2014/main" id="{9315167D-941A-6919-DDE1-744E3DFDA136}"/>
+              </a:ext>
+            </a:extLst>
+          </p:cNvPr>
+          <p:cNvPicPr>
+            <a:picLocks noChangeAspect="1"/>
+          </p:cNvPicPr>
+          <p:nvPr userDrawn="1"/>
+        </p:nvPicPr>
+        <p:blipFill>
+          <a:blip r:embed="rId2"/>
+          <a:stretch>
+            <a:fillRect/>
+          </a:stretch>
+        </p:blipFill>
+        <p:spPr>
+          <a:xfrm>
+            <a:off x="10268077" y="438634"/>
+            <a:ext cx="1270905" cy="659432"/>
+          </a:xfrm>
+          <a:prstGeom prst="rect">
+            <a:avLst/>
+          </a:prstGeom>
+        </p:spPr>
+      </p:pic>
     </p:spTree>
   </p:cSld>
   <p:clrMapOvr>
@@ -7936,6 +8032,467 @@
 </p:sld>
 </file>
 
+<file path=ppt/slides/slide10.xml><?xml version="1.0" encoding="utf-8"?>
+<p:sld xmlns:a="http://schemas.openxmlformats.org/drawingml/2006/main" xmlns:r="http://schemas.openxmlformats.org/officeDocument/2006/relationships" xmlns:p="http://schemas.openxmlformats.org/presentationml/2006/main">
+  <p:cSld>
+    <p:spTree>
+      <p:nvGrpSpPr>
+        <p:cNvPr id="1" name="">
+          <a:extLst>
+            <a:ext uri="{FF2B5EF4-FFF2-40B4-BE49-F238E27FC236}">
+              <a16:creationId xmlns:a16="http://schemas.microsoft.com/office/drawing/2014/main" id="{44FB16A6-A5F0-DCAC-8200-54363589F528}"/>
+            </a:ext>
+          </a:extLst>
+        </p:cNvPr>
+        <p:cNvGrpSpPr/>
+        <p:nvPr/>
+      </p:nvGrpSpPr>
+      <p:grpSpPr>
+        <a:xfrm>
+          <a:off x="0" y="0"/>
+          <a:ext cx="0" cy="0"/>
+          <a:chOff x="0" y="0"/>
+          <a:chExt cx="0" cy="0"/>
+        </a:xfrm>
+      </p:grpSpPr>
+      <p:sp>
+        <p:nvSpPr>
+          <p:cNvPr id="4" name="标题 3">
+            <a:extLst>
+              <a:ext uri="{FF2B5EF4-FFF2-40B4-BE49-F238E27FC236}">
+                <a16:creationId xmlns:a16="http://schemas.microsoft.com/office/drawing/2014/main" id="{9BA46F41-84C7-7A44-E258-BE779E59565F}"/>
+              </a:ext>
+            </a:extLst>
+          </p:cNvPr>
+          <p:cNvSpPr>
+            <a:spLocks noGrp="1"/>
+          </p:cNvSpPr>
+          <p:nvPr>
+            <p:ph type="title"/>
+          </p:nvPr>
+        </p:nvSpPr>
+        <p:spPr/>
+        <p:txBody>
+          <a:bodyPr/>
+          <a:lstStyle/>
+          <a:p>
+            <a:r>
+              <a:rPr lang="en-US" altLang="zh-CN" dirty="0"/>
+              <a:t>Case 2: Dynamic routing </a:t>
+            </a:r>
+            <a:endParaRPr lang="zh-CN" altLang="en-US" dirty="0"/>
+          </a:p>
+        </p:txBody>
+      </p:sp>
+      <p:sp>
+        <p:nvSpPr>
+          <p:cNvPr id="5" name="内容占位符 4">
+            <a:extLst>
+              <a:ext uri="{FF2B5EF4-FFF2-40B4-BE49-F238E27FC236}">
+                <a16:creationId xmlns:a16="http://schemas.microsoft.com/office/drawing/2014/main" id="{691D7C80-19FE-A52F-263F-DECA43DEFA71}"/>
+              </a:ext>
+            </a:extLst>
+          </p:cNvPr>
+          <p:cNvSpPr>
+            <a:spLocks noGrp="1"/>
+          </p:cNvSpPr>
+          <p:nvPr>
+            <p:ph idx="1"/>
+          </p:nvPr>
+        </p:nvSpPr>
+        <p:spPr/>
+        <p:txBody>
+          <a:bodyPr/>
+          <a:lstStyle/>
+          <a:p>
+            <a:r>
+              <a:rPr lang="en-US" altLang="zh-CN" dirty="0"/>
+              <a:t>New node discovery: turn on a new board -&gt; listens to channel 12 for 5 times -&gt; if no flooding message is received -&gt; send discovery signal to neighbor nodes -&gt; master initialize network reset </a:t>
+            </a:r>
+          </a:p>
+          <a:p>
+            <a:endParaRPr lang="en-US" altLang="zh-CN" dirty="0"/>
+          </a:p>
+          <a:p>
+            <a:endParaRPr lang="en-US" altLang="zh-CN" dirty="0"/>
+          </a:p>
+          <a:p>
+            <a:r>
+              <a:rPr lang="en-US" altLang="zh-CN" dirty="0"/>
+              <a:t>Existing node failure: turn off a working node -&gt; master does not receive its heartbeat signal -&gt; master initialize network reset </a:t>
+            </a:r>
+          </a:p>
+          <a:p>
+            <a:pPr marL="0" indent="0">
+              <a:buNone/>
+            </a:pPr>
+            <a:endParaRPr lang="zh-CN" altLang="en-US" dirty="0"/>
+          </a:p>
+        </p:txBody>
+      </p:sp>
+    </p:spTree>
+    <p:extLst>
+      <p:ext uri="{BB962C8B-B14F-4D97-AF65-F5344CB8AC3E}">
+        <p14:creationId xmlns:p14="http://schemas.microsoft.com/office/powerpoint/2010/main" val="1376155735"/>
+      </p:ext>
+    </p:extLst>
+  </p:cSld>
+  <p:clrMapOvr>
+    <a:masterClrMapping/>
+  </p:clrMapOvr>
+</p:sld>
+</file>
+
+<file path=ppt/slides/slide11.xml><?xml version="1.0" encoding="utf-8"?>
+<p:sld xmlns:a="http://schemas.openxmlformats.org/drawingml/2006/main" xmlns:r="http://schemas.openxmlformats.org/officeDocument/2006/relationships" xmlns:p="http://schemas.openxmlformats.org/presentationml/2006/main">
+  <p:cSld>
+    <p:spTree>
+      <p:nvGrpSpPr>
+        <p:cNvPr id="1" name="">
+          <a:extLst>
+            <a:ext uri="{FF2B5EF4-FFF2-40B4-BE49-F238E27FC236}">
+              <a16:creationId xmlns:a16="http://schemas.microsoft.com/office/drawing/2014/main" id="{7670DE80-71AA-BBC3-FF9D-4B97D0CFDC7D}"/>
+            </a:ext>
+          </a:extLst>
+        </p:cNvPr>
+        <p:cNvGrpSpPr/>
+        <p:nvPr/>
+      </p:nvGrpSpPr>
+      <p:grpSpPr>
+        <a:xfrm>
+          <a:off x="0" y="0"/>
+          <a:ext cx="0" cy="0"/>
+          <a:chOff x="0" y="0"/>
+          <a:chExt cx="0" cy="0"/>
+        </a:xfrm>
+      </p:grpSpPr>
+      <p:sp>
+        <p:nvSpPr>
+          <p:cNvPr id="4" name="标题 3">
+            <a:extLst>
+              <a:ext uri="{FF2B5EF4-FFF2-40B4-BE49-F238E27FC236}">
+                <a16:creationId xmlns:a16="http://schemas.microsoft.com/office/drawing/2014/main" id="{9DB51283-FE0C-A834-19B7-C2138A6A2CAF}"/>
+              </a:ext>
+            </a:extLst>
+          </p:cNvPr>
+          <p:cNvSpPr>
+            <a:spLocks noGrp="1"/>
+          </p:cNvSpPr>
+          <p:nvPr>
+            <p:ph type="title"/>
+          </p:nvPr>
+        </p:nvSpPr>
+        <p:spPr>
+          <a:xfrm>
+            <a:off x="838200" y="681649"/>
+            <a:ext cx="8575431" cy="1325563"/>
+          </a:xfrm>
+        </p:spPr>
+        <p:txBody>
+          <a:bodyPr/>
+          <a:lstStyle/>
+          <a:p>
+            <a:r>
+              <a:rPr lang="en-US" altLang="zh-CN" dirty="0"/>
+              <a:t>Case 3: Reactive network (application specific)</a:t>
+            </a:r>
+            <a:endParaRPr lang="zh-CN" altLang="en-US" dirty="0"/>
+          </a:p>
+        </p:txBody>
+      </p:sp>
+      <p:sp>
+        <p:nvSpPr>
+          <p:cNvPr id="5" name="内容占位符 4">
+            <a:extLst>
+              <a:ext uri="{FF2B5EF4-FFF2-40B4-BE49-F238E27FC236}">
+                <a16:creationId xmlns:a16="http://schemas.microsoft.com/office/drawing/2014/main" id="{7767E8BA-A499-793E-711B-4BE85D248262}"/>
+              </a:ext>
+            </a:extLst>
+          </p:cNvPr>
+          <p:cNvSpPr>
+            <a:spLocks noGrp="1"/>
+          </p:cNvSpPr>
+          <p:nvPr>
+            <p:ph idx="1"/>
+          </p:nvPr>
+        </p:nvSpPr>
+        <p:spPr>
+          <a:xfrm>
+            <a:off x="838200" y="2223598"/>
+            <a:ext cx="10515600" cy="4351338"/>
+          </a:xfrm>
+        </p:spPr>
+        <p:txBody>
+          <a:bodyPr/>
+          <a:lstStyle/>
+          <a:p>
+            <a:r>
+              <a:rPr lang="en-US" altLang="zh-CN" dirty="0"/>
+              <a:t>Sensor value will only be transmitted and displayed when it changes dramatically (change of light &gt; 50 lux or distance &gt; 10cm)</a:t>
+            </a:r>
+            <a:endParaRPr lang="zh-CN" altLang="en-US" dirty="0"/>
+          </a:p>
+        </p:txBody>
+      </p:sp>
+    </p:spTree>
+    <p:extLst>
+      <p:ext uri="{BB962C8B-B14F-4D97-AF65-F5344CB8AC3E}">
+        <p14:creationId xmlns:p14="http://schemas.microsoft.com/office/powerpoint/2010/main" val="3782980413"/>
+      </p:ext>
+    </p:extLst>
+  </p:cSld>
+  <p:clrMapOvr>
+    <a:masterClrMapping/>
+  </p:clrMapOvr>
+</p:sld>
+</file>
+
+<file path=ppt/slides/slide12.xml><?xml version="1.0" encoding="utf-8"?>
+<p:sld xmlns:a="http://schemas.openxmlformats.org/drawingml/2006/main" xmlns:r="http://schemas.openxmlformats.org/officeDocument/2006/relationships" xmlns:p="http://schemas.openxmlformats.org/presentationml/2006/main">
+  <p:cSld>
+    <p:spTree>
+      <p:nvGrpSpPr>
+        <p:cNvPr id="1" name="">
+          <a:extLst>
+            <a:ext uri="{FF2B5EF4-FFF2-40B4-BE49-F238E27FC236}">
+              <a16:creationId xmlns:a16="http://schemas.microsoft.com/office/drawing/2014/main" id="{7EB5FBD8-F322-A349-450B-E738F819F082}"/>
+            </a:ext>
+          </a:extLst>
+        </p:cNvPr>
+        <p:cNvGrpSpPr/>
+        <p:nvPr/>
+      </p:nvGrpSpPr>
+      <p:grpSpPr>
+        <a:xfrm>
+          <a:off x="0" y="0"/>
+          <a:ext cx="0" cy="0"/>
+          <a:chOff x="0" y="0"/>
+          <a:chExt cx="0" cy="0"/>
+        </a:xfrm>
+      </p:grpSpPr>
+      <p:sp>
+        <p:nvSpPr>
+          <p:cNvPr id="4" name="标题 3">
+            <a:extLst>
+              <a:ext uri="{FF2B5EF4-FFF2-40B4-BE49-F238E27FC236}">
+                <a16:creationId xmlns:a16="http://schemas.microsoft.com/office/drawing/2014/main" id="{40FEA80F-EC0D-2E34-C8B7-208901881140}"/>
+              </a:ext>
+            </a:extLst>
+          </p:cNvPr>
+          <p:cNvSpPr>
+            <a:spLocks noGrp="1"/>
+          </p:cNvSpPr>
+          <p:nvPr>
+            <p:ph type="title"/>
+          </p:nvPr>
+        </p:nvSpPr>
+        <p:spPr>
+          <a:xfrm>
+            <a:off x="838200" y="500062"/>
+            <a:ext cx="10515600" cy="1325563"/>
+          </a:xfrm>
+        </p:spPr>
+        <p:txBody>
+          <a:bodyPr/>
+          <a:lstStyle/>
+          <a:p>
+            <a:r>
+              <a:rPr lang="en-US" altLang="zh-CN" dirty="0"/>
+              <a:t>Case 4: Low-energy awareness routing</a:t>
+            </a:r>
+            <a:endParaRPr lang="zh-CN" altLang="en-US" dirty="0"/>
+          </a:p>
+        </p:txBody>
+      </p:sp>
+      <p:sp>
+        <p:nvSpPr>
+          <p:cNvPr id="5" name="内容占位符 4">
+            <a:extLst>
+              <a:ext uri="{FF2B5EF4-FFF2-40B4-BE49-F238E27FC236}">
+                <a16:creationId xmlns:a16="http://schemas.microsoft.com/office/drawing/2014/main" id="{1F9CBB7B-50DE-C537-68AD-ACCFF553EDAC}"/>
+              </a:ext>
+            </a:extLst>
+          </p:cNvPr>
+          <p:cNvSpPr>
+            <a:spLocks noGrp="1"/>
+          </p:cNvSpPr>
+          <p:nvPr>
+            <p:ph idx="1"/>
+          </p:nvPr>
+        </p:nvSpPr>
+        <p:spPr>
+          <a:xfrm>
+            <a:off x="838200" y="1925271"/>
+            <a:ext cx="10515600" cy="4351338"/>
+          </a:xfrm>
+        </p:spPr>
+        <p:txBody>
+          <a:bodyPr/>
+          <a:lstStyle/>
+          <a:p>
+            <a:endParaRPr lang="zh-CN" altLang="en-US" dirty="0"/>
+          </a:p>
+        </p:txBody>
+      </p:sp>
+    </p:spTree>
+    <p:extLst>
+      <p:ext uri="{BB962C8B-B14F-4D97-AF65-F5344CB8AC3E}">
+        <p14:creationId xmlns:p14="http://schemas.microsoft.com/office/powerpoint/2010/main" val="1859502817"/>
+      </p:ext>
+    </p:extLst>
+  </p:cSld>
+  <p:clrMapOvr>
+    <a:masterClrMapping/>
+  </p:clrMapOvr>
+</p:sld>
+</file>
+
+<file path=ppt/slides/slide13.xml><?xml version="1.0" encoding="utf-8"?>
+<p:sld xmlns:a="http://schemas.openxmlformats.org/drawingml/2006/main" xmlns:r="http://schemas.openxmlformats.org/officeDocument/2006/relationships" xmlns:p="http://schemas.openxmlformats.org/presentationml/2006/main">
+  <p:cSld>
+    <p:spTree>
+      <p:nvGrpSpPr>
+        <p:cNvPr id="1" name="">
+          <a:extLst>
+            <a:ext uri="{FF2B5EF4-FFF2-40B4-BE49-F238E27FC236}">
+              <a16:creationId xmlns:a16="http://schemas.microsoft.com/office/drawing/2014/main" id="{7EACB404-3DDD-D939-331F-E3B7B5911B4E}"/>
+            </a:ext>
+          </a:extLst>
+        </p:cNvPr>
+        <p:cNvGrpSpPr/>
+        <p:nvPr/>
+      </p:nvGrpSpPr>
+      <p:grpSpPr>
+        <a:xfrm>
+          <a:off x="0" y="0"/>
+          <a:ext cx="0" cy="0"/>
+          <a:chOff x="0" y="0"/>
+          <a:chExt cx="0" cy="0"/>
+        </a:xfrm>
+      </p:grpSpPr>
+      <p:pic>
+        <p:nvPicPr>
+          <p:cNvPr id="7" name="图片 6">
+            <a:extLst>
+              <a:ext uri="{FF2B5EF4-FFF2-40B4-BE49-F238E27FC236}">
+                <a16:creationId xmlns:a16="http://schemas.microsoft.com/office/drawing/2014/main" id="{A6E4AAD3-B446-4707-2039-79D559C6C2E9}"/>
+              </a:ext>
+            </a:extLst>
+          </p:cNvPr>
+          <p:cNvPicPr>
+            <a:picLocks noChangeAspect="1"/>
+          </p:cNvPicPr>
+          <p:nvPr/>
+        </p:nvPicPr>
+        <p:blipFill>
+          <a:blip r:embed="rId2"/>
+          <a:stretch>
+            <a:fillRect/>
+          </a:stretch>
+        </p:blipFill>
+        <p:spPr>
+          <a:xfrm>
+            <a:off x="10214811" y="192089"/>
+            <a:ext cx="1270905" cy="659432"/>
+          </a:xfrm>
+          <a:prstGeom prst="rect">
+            <a:avLst/>
+          </a:prstGeom>
+        </p:spPr>
+      </p:pic>
+      <p:sp>
+        <p:nvSpPr>
+          <p:cNvPr id="2" name="矩形 1">
+            <a:extLst>
+              <a:ext uri="{FF2B5EF4-FFF2-40B4-BE49-F238E27FC236}">
+                <a16:creationId xmlns:a16="http://schemas.microsoft.com/office/drawing/2014/main" id="{ACD7414B-B3FA-A7F1-E91E-7720D1CA6F0A}"/>
+              </a:ext>
+            </a:extLst>
+          </p:cNvPr>
+          <p:cNvSpPr/>
+          <p:nvPr/>
+        </p:nvSpPr>
+        <p:spPr>
+          <a:xfrm>
+            <a:off x="2132096" y="2129135"/>
+            <a:ext cx="7927811" cy="1754326"/>
+          </a:xfrm>
+          <a:prstGeom prst="rect">
+            <a:avLst/>
+          </a:prstGeom>
+          <a:noFill/>
+        </p:spPr>
+        <p:txBody>
+          <a:bodyPr wrap="none" lIns="91440" tIns="45720" rIns="91440" bIns="45720">
+            <a:spAutoFit/>
+          </a:bodyPr>
+          <a:lstStyle/>
+          <a:p>
+            <a:pPr algn="ctr"/>
+            <a:r>
+              <a:rPr lang="en-US" altLang="zh-CN" sz="5400" b="0" cap="none" spc="0" dirty="0">
+                <a:ln w="0"/>
+                <a:solidFill>
+                  <a:schemeClr val="tx1"/>
+                </a:solidFill>
+                <a:effectLst>
+                  <a:outerShdw blurRad="38100" dist="19050" dir="2700000" algn="tl" rotWithShape="0">
+                    <a:schemeClr val="dk1">
+                      <a:alpha val="40000"/>
+                    </a:schemeClr>
+                  </a:outerShdw>
+                </a:effectLst>
+              </a:rPr>
+              <a:t>Thanks for Listening</a:t>
+            </a:r>
+          </a:p>
+          <a:p>
+            <a:pPr algn="ctr"/>
+            <a:r>
+              <a:rPr lang="en-US" altLang="zh-CN" sz="5400" b="0" cap="none" spc="0" dirty="0">
+                <a:ln w="0"/>
+                <a:solidFill>
+                  <a:schemeClr val="tx1"/>
+                </a:solidFill>
+                <a:effectLst>
+                  <a:outerShdw blurRad="38100" dist="19050" dir="2700000" algn="tl" rotWithShape="0">
+                    <a:schemeClr val="dk1">
+                      <a:alpha val="40000"/>
+                    </a:schemeClr>
+                  </a:outerShdw>
+                </a:effectLst>
+              </a:rPr>
+              <a:t>Any questions or feedback?</a:t>
+            </a:r>
+            <a:endParaRPr lang="zh-CN" altLang="en-US" sz="5400" b="0" cap="none" spc="0" dirty="0">
+              <a:ln w="0"/>
+              <a:solidFill>
+                <a:schemeClr val="tx1"/>
+              </a:solidFill>
+              <a:effectLst>
+                <a:outerShdw blurRad="38100" dist="19050" dir="2700000" algn="tl" rotWithShape="0">
+                  <a:schemeClr val="dk1">
+                    <a:alpha val="40000"/>
+                  </a:schemeClr>
+                </a:outerShdw>
+              </a:effectLst>
+            </a:endParaRPr>
+          </a:p>
+        </p:txBody>
+      </p:sp>
+    </p:spTree>
+    <p:extLst>
+      <p:ext uri="{BB962C8B-B14F-4D97-AF65-F5344CB8AC3E}">
+        <p14:creationId xmlns:p14="http://schemas.microsoft.com/office/powerpoint/2010/main" val="374094616"/>
+      </p:ext>
+    </p:extLst>
+  </p:cSld>
+  <p:clrMapOvr>
+    <a:masterClrMapping/>
+  </p:clrMapOvr>
+</p:sld>
+</file>
+
 <file path=ppt/slides/slide2.xml><?xml version="1.0" encoding="utf-8"?>
 <p:sld xmlns:a="http://schemas.openxmlformats.org/drawingml/2006/main" xmlns:r="http://schemas.openxmlformats.org/officeDocument/2006/relationships" xmlns:p="http://schemas.openxmlformats.org/presentationml/2006/main">
   <p:cSld>
@@ -8242,7 +8799,7 @@
             </a:pPr>
             <a:r>
               <a:rPr lang="en-US" altLang="zh-CN" sz="2000" dirty="0"/>
-              <a:t>Integrate multiple sensor types for reliable detection and fault tolerance</a:t>
+              <a:t>Integrate two sensor types for reliable detection and fault tolerance</a:t>
             </a:r>
             <a:endParaRPr lang="en-US" altLang="zh-CN" sz="1900" dirty="0"/>
           </a:p>
@@ -8328,8 +8885,8 @@
         </p:nvSpPr>
         <p:spPr>
           <a:xfrm>
-            <a:off x="404178" y="521805"/>
-            <a:ext cx="3879653" cy="553998"/>
+            <a:off x="486772" y="738682"/>
+            <a:ext cx="5609228" cy="769441"/>
           </a:xfrm>
           <a:prstGeom prst="rect">
             <a:avLst/>
@@ -8344,7 +8901,7 @@
           <a:p>
             <a:pPr algn="ctr"/>
             <a:r>
-              <a:rPr lang="en-US" altLang="zh-CN" sz="3000" b="0" cap="none" spc="0" dirty="0">
+              <a:rPr lang="en-US" altLang="zh-CN" sz="4400" b="0" cap="none" spc="0" dirty="0">
                 <a:ln w="0"/>
                 <a:solidFill>
                   <a:schemeClr val="tx1"/>
@@ -8359,7 +8916,7 @@
               </a:rPr>
               <a:t>Hardware and Software</a:t>
             </a:r>
-            <a:endParaRPr lang="zh-CN" altLang="en-US" sz="3000" b="0" cap="none" spc="0" dirty="0">
+            <a:endParaRPr lang="zh-CN" altLang="en-US" sz="4400" b="0" cap="none" spc="0" dirty="0">
               <a:ln w="0"/>
               <a:solidFill>
                 <a:schemeClr val="tx1"/>
@@ -8389,7 +8946,7 @@
         </p:nvSpPr>
         <p:spPr>
           <a:xfrm>
-            <a:off x="312820" y="1215189"/>
+            <a:off x="486772" y="1660666"/>
             <a:ext cx="5919304" cy="4093428"/>
           </a:xfrm>
           <a:prstGeom prst="rect">
@@ -8513,7 +9070,7 @@
         </p:nvSpPr>
         <p:spPr>
           <a:xfrm>
-            <a:off x="6670235" y="1215189"/>
+            <a:off x="6611620" y="1660666"/>
             <a:ext cx="4570856" cy="3200876"/>
           </a:xfrm>
           <a:prstGeom prst="rect">
@@ -8655,7 +9212,7 @@
           <p:cNvPr id="2" name="标题 1">
             <a:extLst>
               <a:ext uri="{FF2B5EF4-FFF2-40B4-BE49-F238E27FC236}">
-                <a16:creationId xmlns:a16="http://schemas.microsoft.com/office/drawing/2014/main" id="{1F49A434-85AD-5400-39C8-687CCA487C63}"/>
+                <a16:creationId xmlns:a16="http://schemas.microsoft.com/office/drawing/2014/main" id="{EFAC2EC8-D9C9-39FC-47D1-7F6F29CBBE72}"/>
               </a:ext>
             </a:extLst>
           </p:cNvPr>
@@ -8666,14 +9223,19 @@
             <p:ph type="title"/>
           </p:nvPr>
         </p:nvSpPr>
-        <p:spPr/>
+        <p:spPr>
+          <a:xfrm>
+            <a:off x="779585" y="695447"/>
+            <a:ext cx="7221415" cy="1325563"/>
+          </a:xfrm>
+        </p:spPr>
         <p:txBody>
           <a:bodyPr/>
           <a:lstStyle/>
           <a:p>
             <a:r>
               <a:rPr lang="en-US" altLang="zh-CN" dirty="0"/>
-              <a:t>Demonstration </a:t>
+              <a:t>Network description and routing technique</a:t>
             </a:r>
             <a:endParaRPr lang="zh-CN" altLang="en-US" dirty="0"/>
           </a:p>
@@ -8681,10 +9243,10 @@
       </p:sp>
       <p:sp>
         <p:nvSpPr>
-          <p:cNvPr id="4" name="文本占位符 3">
+          <p:cNvPr id="3" name="内容占位符 2">
             <a:extLst>
               <a:ext uri="{FF2B5EF4-FFF2-40B4-BE49-F238E27FC236}">
-                <a16:creationId xmlns:a16="http://schemas.microsoft.com/office/drawing/2014/main" id="{50427620-1FCF-C79D-E372-8620C8806ECE}"/>
+                <a16:creationId xmlns:a16="http://schemas.microsoft.com/office/drawing/2014/main" id="{B078B511-E91A-BD80-3B1D-4C06E63F67A1}"/>
               </a:ext>
             </a:extLst>
           </p:cNvPr>
@@ -8692,22 +9254,27 @@
             <a:spLocks noGrp="1"/>
           </p:cNvSpPr>
           <p:nvPr>
-            <p:ph type="body" idx="1"/>
-          </p:nvPr>
-        </p:nvSpPr>
-        <p:spPr/>
-        <p:txBody>
-          <a:bodyPr/>
-          <a:lstStyle/>
-          <a:p>
-            <a:endParaRPr lang="zh-CN" altLang="en-US"/>
+            <p:ph idx="1"/>
+          </p:nvPr>
+        </p:nvSpPr>
+        <p:spPr>
+          <a:xfrm>
+            <a:off x="779585" y="2161687"/>
+            <a:ext cx="10515600" cy="4351338"/>
+          </a:xfrm>
+        </p:spPr>
+        <p:txBody>
+          <a:bodyPr/>
+          <a:lstStyle/>
+          <a:p>
+            <a:endParaRPr lang="zh-CN" altLang="en-US" dirty="0"/>
           </a:p>
         </p:txBody>
       </p:sp>
     </p:spTree>
     <p:extLst>
       <p:ext uri="{BB962C8B-B14F-4D97-AF65-F5344CB8AC3E}">
-        <p14:creationId xmlns:p14="http://schemas.microsoft.com/office/powerpoint/2010/main" val="3517742803"/>
+        <p14:creationId xmlns:p14="http://schemas.microsoft.com/office/powerpoint/2010/main" val="3818312586"/>
       </p:ext>
     </p:extLst>
   </p:cSld>
@@ -8718,6 +9285,276 @@
 </file>
 
 <file path=ppt/slides/slide5.xml><?xml version="1.0" encoding="utf-8"?>
+<p:sld xmlns:a="http://schemas.openxmlformats.org/drawingml/2006/main" xmlns:r="http://schemas.openxmlformats.org/officeDocument/2006/relationships" xmlns:p="http://schemas.openxmlformats.org/presentationml/2006/main">
+  <p:cSld>
+    <p:spTree>
+      <p:nvGrpSpPr>
+        <p:cNvPr id="1" name="">
+          <a:extLst>
+            <a:ext uri="{FF2B5EF4-FFF2-40B4-BE49-F238E27FC236}">
+              <a16:creationId xmlns:a16="http://schemas.microsoft.com/office/drawing/2014/main" id="{D20CA2CF-8A0F-F9FC-2600-3FAD2BE14107}"/>
+            </a:ext>
+          </a:extLst>
+        </p:cNvPr>
+        <p:cNvGrpSpPr/>
+        <p:nvPr/>
+      </p:nvGrpSpPr>
+      <p:grpSpPr>
+        <a:xfrm>
+          <a:off x="0" y="0"/>
+          <a:ext cx="0" cy="0"/>
+          <a:chOff x="0" y="0"/>
+          <a:chExt cx="0" cy="0"/>
+        </a:xfrm>
+      </p:grpSpPr>
+      <p:sp>
+        <p:nvSpPr>
+          <p:cNvPr id="2" name="标题 1">
+            <a:extLst>
+              <a:ext uri="{FF2B5EF4-FFF2-40B4-BE49-F238E27FC236}">
+                <a16:creationId xmlns:a16="http://schemas.microsoft.com/office/drawing/2014/main" id="{6D191B2C-9F6B-2179-B9EE-072612284E30}"/>
+              </a:ext>
+            </a:extLst>
+          </p:cNvPr>
+          <p:cNvSpPr>
+            <a:spLocks noGrp="1"/>
+          </p:cNvSpPr>
+          <p:nvPr>
+            <p:ph type="title"/>
+          </p:nvPr>
+        </p:nvSpPr>
+        <p:spPr>
+          <a:xfrm>
+            <a:off x="838200" y="500062"/>
+            <a:ext cx="7221415" cy="1325563"/>
+          </a:xfrm>
+        </p:spPr>
+        <p:txBody>
+          <a:bodyPr/>
+          <a:lstStyle/>
+          <a:p>
+            <a:r>
+              <a:rPr lang="en-US" altLang="zh-CN" dirty="0"/>
+              <a:t>Graphical user interface (GUI)</a:t>
+            </a:r>
+            <a:endParaRPr lang="zh-CN" altLang="en-US" dirty="0"/>
+          </a:p>
+        </p:txBody>
+      </p:sp>
+      <p:pic>
+        <p:nvPicPr>
+          <p:cNvPr id="5" name="内容占位符 4">
+            <a:extLst>
+              <a:ext uri="{FF2B5EF4-FFF2-40B4-BE49-F238E27FC236}">
+                <a16:creationId xmlns:a16="http://schemas.microsoft.com/office/drawing/2014/main" id="{6B8B60E6-707F-8DF7-9D06-5DCD5C0ED19E}"/>
+              </a:ext>
+            </a:extLst>
+          </p:cNvPr>
+          <p:cNvPicPr>
+            <a:picLocks noGrp="1" noChangeAspect="1"/>
+          </p:cNvPicPr>
+          <p:nvPr>
+            <p:ph idx="1"/>
+          </p:nvPr>
+        </p:nvPicPr>
+        <p:blipFill>
+          <a:blip r:embed="rId2">
+            <a:extLst>
+              <a:ext uri="{28A0092B-C50C-407E-A947-70E740481C1C}">
+                <a14:useLocalDpi xmlns:a14="http://schemas.microsoft.com/office/drawing/2010/main" val="0"/>
+              </a:ext>
+            </a:extLst>
+          </a:blip>
+          <a:stretch>
+            <a:fillRect/>
+          </a:stretch>
+        </p:blipFill>
+        <p:spPr>
+          <a:xfrm>
+            <a:off x="903892" y="1781908"/>
+            <a:ext cx="4859765" cy="4467225"/>
+          </a:xfrm>
+        </p:spPr>
+      </p:pic>
+    </p:spTree>
+    <p:extLst>
+      <p:ext uri="{BB962C8B-B14F-4D97-AF65-F5344CB8AC3E}">
+        <p14:creationId xmlns:p14="http://schemas.microsoft.com/office/powerpoint/2010/main" val="2478395493"/>
+      </p:ext>
+    </p:extLst>
+  </p:cSld>
+  <p:clrMapOvr>
+    <a:masterClrMapping/>
+  </p:clrMapOvr>
+</p:sld>
+</file>
+
+<file path=ppt/slides/slide6.xml><?xml version="1.0" encoding="utf-8"?>
+<p:sld xmlns:a="http://schemas.openxmlformats.org/drawingml/2006/main" xmlns:r="http://schemas.openxmlformats.org/officeDocument/2006/relationships" xmlns:p="http://schemas.openxmlformats.org/presentationml/2006/main">
+  <p:cSld>
+    <p:spTree>
+      <p:nvGrpSpPr>
+        <p:cNvPr id="1" name="">
+          <a:extLst>
+            <a:ext uri="{FF2B5EF4-FFF2-40B4-BE49-F238E27FC236}">
+              <a16:creationId xmlns:a16="http://schemas.microsoft.com/office/drawing/2014/main" id="{15AD8457-F0ED-21AB-9F62-2D66C1EEA74F}"/>
+            </a:ext>
+          </a:extLst>
+        </p:cNvPr>
+        <p:cNvGrpSpPr/>
+        <p:nvPr/>
+      </p:nvGrpSpPr>
+      <p:grpSpPr>
+        <a:xfrm>
+          <a:off x="0" y="0"/>
+          <a:ext cx="0" cy="0"/>
+          <a:chOff x="0" y="0"/>
+          <a:chExt cx="0" cy="0"/>
+        </a:xfrm>
+      </p:grpSpPr>
+      <p:sp>
+        <p:nvSpPr>
+          <p:cNvPr id="2" name="标题 1">
+            <a:extLst>
+              <a:ext uri="{FF2B5EF4-FFF2-40B4-BE49-F238E27FC236}">
+                <a16:creationId xmlns:a16="http://schemas.microsoft.com/office/drawing/2014/main" id="{3F0DBCD4-BB28-86FE-1005-0315B29CEF0F}"/>
+              </a:ext>
+            </a:extLst>
+          </p:cNvPr>
+          <p:cNvSpPr>
+            <a:spLocks noGrp="1"/>
+          </p:cNvSpPr>
+          <p:nvPr>
+            <p:ph type="title"/>
+          </p:nvPr>
+        </p:nvSpPr>
+        <p:spPr>
+          <a:xfrm>
+            <a:off x="838200" y="500062"/>
+            <a:ext cx="7221415" cy="1325563"/>
+          </a:xfrm>
+        </p:spPr>
+        <p:txBody>
+          <a:bodyPr/>
+          <a:lstStyle/>
+          <a:p>
+            <a:r>
+              <a:rPr lang="en-US" altLang="zh-CN" dirty="0"/>
+              <a:t>Graphical user interface (GUI)</a:t>
+            </a:r>
+            <a:endParaRPr lang="zh-CN" altLang="en-US" dirty="0"/>
+          </a:p>
+        </p:txBody>
+      </p:sp>
+      <p:pic>
+        <p:nvPicPr>
+          <p:cNvPr id="7" name="图片 6">
+            <a:extLst>
+              <a:ext uri="{FF2B5EF4-FFF2-40B4-BE49-F238E27FC236}">
+                <a16:creationId xmlns:a16="http://schemas.microsoft.com/office/drawing/2014/main" id="{2E8CF387-5894-D1A9-0EBD-DBD57320352C}"/>
+              </a:ext>
+            </a:extLst>
+          </p:cNvPr>
+          <p:cNvPicPr>
+            <a:picLocks noChangeAspect="1"/>
+          </p:cNvPicPr>
+          <p:nvPr/>
+        </p:nvPicPr>
+        <p:blipFill>
+          <a:blip r:embed="rId2">
+            <a:extLst>
+              <a:ext uri="{28A0092B-C50C-407E-A947-70E740481C1C}">
+                <a14:useLocalDpi xmlns:a14="http://schemas.microsoft.com/office/drawing/2010/main" val="0"/>
+              </a:ext>
+            </a:extLst>
+          </a:blip>
+          <a:stretch>
+            <a:fillRect/>
+          </a:stretch>
+        </p:blipFill>
+        <p:spPr>
+          <a:xfrm>
+            <a:off x="599708" y="1901031"/>
+            <a:ext cx="5400675" cy="4200525"/>
+          </a:xfrm>
+          <a:prstGeom prst="rect">
+            <a:avLst/>
+          </a:prstGeom>
+        </p:spPr>
+      </p:pic>
+      <p:sp>
+        <p:nvSpPr>
+          <p:cNvPr id="4" name="内容占位符 3">
+            <a:extLst>
+              <a:ext uri="{FF2B5EF4-FFF2-40B4-BE49-F238E27FC236}">
+                <a16:creationId xmlns:a16="http://schemas.microsoft.com/office/drawing/2014/main" id="{87CD6408-0B9C-5C5E-824A-0CA6637E2DFB}"/>
+              </a:ext>
+            </a:extLst>
+          </p:cNvPr>
+          <p:cNvSpPr>
+            <a:spLocks noGrp="1"/>
+          </p:cNvSpPr>
+          <p:nvPr>
+            <p:ph idx="1"/>
+          </p:nvPr>
+        </p:nvSpPr>
+        <p:spPr>
+          <a:xfrm>
+            <a:off x="6570784" y="1825625"/>
+            <a:ext cx="4964724" cy="4351338"/>
+          </a:xfrm>
+        </p:spPr>
+        <p:txBody>
+          <a:bodyPr/>
+          <a:lstStyle/>
+          <a:p>
+            <a:r>
+              <a:rPr lang="en-US" altLang="zh-CN" dirty="0"/>
+              <a:t>Right-hand-side of the GUI:</a:t>
+            </a:r>
+          </a:p>
+          <a:p>
+            <a:pPr marL="0" indent="0">
+              <a:buNone/>
+            </a:pPr>
+            <a:r>
+              <a:rPr lang="en-US" altLang="zh-CN" dirty="0"/>
+              <a:t>displays topology + network changes</a:t>
+            </a:r>
+          </a:p>
+          <a:p>
+            <a:pPr marL="0" indent="0">
+              <a:buNone/>
+            </a:pPr>
+            <a:endParaRPr lang="en-US" altLang="zh-CN" dirty="0"/>
+          </a:p>
+          <a:p>
+            <a:r>
+              <a:rPr lang="en-US" altLang="zh-CN" dirty="0"/>
+              <a:t>Use different color to mark different nodes (4 types </a:t>
+            </a:r>
+            <a:r>
+              <a:rPr lang="en-US" altLang="zh-CN"/>
+              <a:t>in total)</a:t>
+            </a:r>
+            <a:endParaRPr lang="zh-CN" altLang="en-US" dirty="0"/>
+          </a:p>
+        </p:txBody>
+      </p:sp>
+    </p:spTree>
+    <p:extLst>
+      <p:ext uri="{BB962C8B-B14F-4D97-AF65-F5344CB8AC3E}">
+        <p14:creationId xmlns:p14="http://schemas.microsoft.com/office/powerpoint/2010/main" val="3879945958"/>
+      </p:ext>
+    </p:extLst>
+  </p:cSld>
+  <p:clrMapOvr>
+    <a:masterClrMapping/>
+  </p:clrMapOvr>
+</p:sld>
+</file>
+
+<file path=ppt/slides/slide7.xml><?xml version="1.0" encoding="utf-8"?>
 <p:sld xmlns:a="http://schemas.openxmlformats.org/drawingml/2006/main" xmlns:r="http://schemas.openxmlformats.org/officeDocument/2006/relationships" xmlns:p="http://schemas.openxmlformats.org/presentationml/2006/main">
   <p:cSld>
     <p:spTree>
@@ -8736,10 +9573,10 @@
       </p:grpSpPr>
       <p:sp>
         <p:nvSpPr>
-          <p:cNvPr id="4" name="标题 3">
+          <p:cNvPr id="2" name="标题 1">
             <a:extLst>
               <a:ext uri="{FF2B5EF4-FFF2-40B4-BE49-F238E27FC236}">
-                <a16:creationId xmlns:a16="http://schemas.microsoft.com/office/drawing/2014/main" id="{CBBC0695-91F6-A944-9E3A-0F0E3BD75B70}"/>
+                <a16:creationId xmlns:a16="http://schemas.microsoft.com/office/drawing/2014/main" id="{8D3B5524-4C1F-6AAE-3281-FF904831A7D3}"/>
               </a:ext>
             </a:extLst>
           </p:cNvPr>
@@ -8757,7 +9594,7 @@
           <a:p>
             <a:r>
               <a:rPr lang="en-US" altLang="zh-CN" dirty="0"/>
-              <a:t>Case 1: Build up network</a:t>
+              <a:t>Application-specific features </a:t>
             </a:r>
             <a:endParaRPr lang="zh-CN" altLang="en-US" dirty="0"/>
           </a:p>
@@ -8765,10 +9602,10 @@
       </p:sp>
       <p:sp>
         <p:nvSpPr>
-          <p:cNvPr id="5" name="内容占位符 4">
+          <p:cNvPr id="3" name="内容占位符 2">
             <a:extLst>
               <a:ext uri="{FF2B5EF4-FFF2-40B4-BE49-F238E27FC236}">
-                <a16:creationId xmlns:a16="http://schemas.microsoft.com/office/drawing/2014/main" id="{720FBC12-0A06-BD07-EE46-3FD3602535A1}"/>
+                <a16:creationId xmlns:a16="http://schemas.microsoft.com/office/drawing/2014/main" id="{B0C141C0-1A9B-0B80-9BF4-5CC8B76810DD}"/>
               </a:ext>
             </a:extLst>
           </p:cNvPr>
@@ -8784,14 +9621,30 @@
           <a:bodyPr/>
           <a:lstStyle/>
           <a:p>
-            <a:endParaRPr lang="zh-CN" altLang="en-US"/>
+            <a:pPr marL="514350" indent="-514350">
+              <a:buAutoNum type="arabicPeriod"/>
+            </a:pPr>
+            <a:r>
+              <a:rPr lang="en-US" altLang="zh-CN" dirty="0"/>
+              <a:t>Routing Protocol  </a:t>
+            </a:r>
+          </a:p>
+          <a:p>
+            <a:pPr marL="514350" indent="-514350">
+              <a:buAutoNum type="arabicPeriod"/>
+            </a:pPr>
+            <a:r>
+              <a:rPr lang="en-US" altLang="zh-CN" dirty="0"/>
+              <a:t>Value filter system in network and GUI</a:t>
+            </a:r>
+            <a:endParaRPr lang="zh-CN" altLang="en-US" dirty="0"/>
           </a:p>
         </p:txBody>
       </p:sp>
     </p:spTree>
     <p:extLst>
       <p:ext uri="{BB962C8B-B14F-4D97-AF65-F5344CB8AC3E}">
-        <p14:creationId xmlns:p14="http://schemas.microsoft.com/office/powerpoint/2010/main" val="835081325"/>
+        <p14:creationId xmlns:p14="http://schemas.microsoft.com/office/powerpoint/2010/main" val="2957170577"/>
       </p:ext>
     </p:extLst>
   </p:cSld>
@@ -8801,7 +9654,7 @@
 </p:sld>
 </file>
 
-<file path=ppt/slides/slide6.xml><?xml version="1.0" encoding="utf-8"?>
+<file path=ppt/slides/slide8.xml><?xml version="1.0" encoding="utf-8"?>
 <p:sld xmlns:a="http://schemas.openxmlformats.org/drawingml/2006/main" xmlns:r="http://schemas.openxmlformats.org/officeDocument/2006/relationships" xmlns:p="http://schemas.openxmlformats.org/presentationml/2006/main">
   <p:cSld>
     <p:spTree>
@@ -8818,110 +9671,66 @@
           <a:chExt cx="0" cy="0"/>
         </a:xfrm>
       </p:grpSpPr>
-      <p:pic>
-        <p:nvPicPr>
-          <p:cNvPr id="7" name="图片 6"/>
-          <p:cNvPicPr>
-            <a:picLocks noChangeAspect="1"/>
-          </p:cNvPicPr>
-          <p:nvPr/>
-        </p:nvPicPr>
-        <p:blipFill>
-          <a:blip r:embed="rId2"/>
-          <a:stretch>
-            <a:fillRect/>
-          </a:stretch>
-        </p:blipFill>
-        <p:spPr>
-          <a:xfrm>
-            <a:off x="10214811" y="192089"/>
-            <a:ext cx="1270905" cy="659432"/>
-          </a:xfrm>
-          <a:prstGeom prst="rect">
-            <a:avLst/>
-          </a:prstGeom>
-        </p:spPr>
-      </p:pic>
-      <p:sp>
-        <p:nvSpPr>
-          <p:cNvPr id="2" name="矩形 1"/>
-          <p:cNvSpPr/>
-          <p:nvPr/>
-        </p:nvSpPr>
-        <p:spPr>
-          <a:xfrm>
-            <a:off x="252965" y="244806"/>
-            <a:ext cx="1906291" cy="553998"/>
-          </a:xfrm>
-          <a:prstGeom prst="rect">
-            <a:avLst/>
-          </a:prstGeom>
-          <a:noFill/>
-        </p:spPr>
-        <p:txBody>
-          <a:bodyPr wrap="none" lIns="91440" tIns="45720" rIns="91440" bIns="45720">
-            <a:spAutoFit/>
-          </a:bodyPr>
-          <a:lstStyle/>
-          <a:p>
-            <a:pPr algn="ctr"/>
-            <a:r>
-              <a:rPr lang="en-US" altLang="zh-CN" sz="3000" b="0" cap="none" spc="0" dirty="0">
-                <a:ln w="0"/>
-                <a:solidFill>
-                  <a:schemeClr val="tx1"/>
-                </a:solidFill>
-                <a:effectLst>
-                  <a:outerShdw blurRad="38100" dist="19050" dir="2700000" algn="tl" rotWithShape="0">
-                    <a:schemeClr val="dk1">
-                      <a:alpha val="40000"/>
-                    </a:schemeClr>
-                  </a:outerShdw>
-                </a:effectLst>
-              </a:rPr>
-              <a:t>GUI Design</a:t>
-            </a:r>
-            <a:endParaRPr lang="zh-CN" altLang="en-US" sz="3000" b="0" cap="none" spc="0" dirty="0">
-              <a:ln w="0"/>
-              <a:solidFill>
-                <a:schemeClr val="tx1"/>
-              </a:solidFill>
-              <a:effectLst>
-                <a:outerShdw blurRad="38100" dist="19050" dir="2700000" algn="tl" rotWithShape="0">
-                  <a:schemeClr val="dk1">
-                    <a:alpha val="40000"/>
-                  </a:schemeClr>
-                </a:outerShdw>
-              </a:effectLst>
-            </a:endParaRPr>
-          </a:p>
-        </p:txBody>
-      </p:sp>
-      <p:pic>
-        <p:nvPicPr>
-          <p:cNvPr id="8" name="图片 7" descr="gui1"/>
-          <p:cNvPicPr>
-            <a:picLocks noChangeAspect="1"/>
-          </p:cNvPicPr>
-          <p:nvPr/>
-        </p:nvPicPr>
-        <p:blipFill>
-          <a:blip r:embed="rId3"/>
-          <a:stretch>
-            <a:fillRect/>
-          </a:stretch>
-        </p:blipFill>
-        <p:spPr>
-          <a:xfrm>
-            <a:off x="-80645" y="999490"/>
-            <a:ext cx="6367145" cy="3702050"/>
-          </a:xfrm>
-          <a:prstGeom prst="rect">
-            <a:avLst/>
-          </a:prstGeom>
-        </p:spPr>
-      </p:pic>
+      <p:sp>
+        <p:nvSpPr>
+          <p:cNvPr id="2" name="标题 1">
+            <a:extLst>
+              <a:ext uri="{FF2B5EF4-FFF2-40B4-BE49-F238E27FC236}">
+                <a16:creationId xmlns:a16="http://schemas.microsoft.com/office/drawing/2014/main" id="{1F49A434-85AD-5400-39C8-687CCA487C63}"/>
+              </a:ext>
+            </a:extLst>
+          </p:cNvPr>
+          <p:cNvSpPr>
+            <a:spLocks noGrp="1"/>
+          </p:cNvSpPr>
+          <p:nvPr>
+            <p:ph type="title"/>
+          </p:nvPr>
+        </p:nvSpPr>
+        <p:spPr/>
+        <p:txBody>
+          <a:bodyPr/>
+          <a:lstStyle/>
+          <a:p>
+            <a:r>
+              <a:rPr lang="en-US" altLang="zh-CN" dirty="0"/>
+              <a:t>Demonstration cases  </a:t>
+            </a:r>
+            <a:endParaRPr lang="zh-CN" altLang="en-US" dirty="0"/>
+          </a:p>
+        </p:txBody>
+      </p:sp>
+      <p:sp>
+        <p:nvSpPr>
+          <p:cNvPr id="4" name="文本占位符 3">
+            <a:extLst>
+              <a:ext uri="{FF2B5EF4-FFF2-40B4-BE49-F238E27FC236}">
+                <a16:creationId xmlns:a16="http://schemas.microsoft.com/office/drawing/2014/main" id="{50427620-1FCF-C79D-E372-8620C8806ECE}"/>
+              </a:ext>
+            </a:extLst>
+          </p:cNvPr>
+          <p:cNvSpPr>
+            <a:spLocks noGrp="1"/>
+          </p:cNvSpPr>
+          <p:nvPr>
+            <p:ph type="body" idx="1"/>
+          </p:nvPr>
+        </p:nvSpPr>
+        <p:spPr/>
+        <p:txBody>
+          <a:bodyPr/>
+          <a:lstStyle/>
+          <a:p>
+            <a:endParaRPr lang="zh-CN" altLang="en-US"/>
+          </a:p>
+        </p:txBody>
+      </p:sp>
     </p:spTree>
+    <p:extLst>
+      <p:ext uri="{BB962C8B-B14F-4D97-AF65-F5344CB8AC3E}">
+        <p14:creationId xmlns:p14="http://schemas.microsoft.com/office/powerpoint/2010/main" val="3517742803"/>
+      </p:ext>
+    </p:extLst>
   </p:cSld>
   <p:clrMapOvr>
     <a:masterClrMapping/>
@@ -8929,18 +9738,12 @@
 </p:sld>
 </file>
 
-<file path=ppt/slides/slide7.xml><?xml version="1.0" encoding="utf-8"?>
+<file path=ppt/slides/slide9.xml><?xml version="1.0" encoding="utf-8"?>
 <p:sld xmlns:a="http://schemas.openxmlformats.org/drawingml/2006/main" xmlns:r="http://schemas.openxmlformats.org/officeDocument/2006/relationships" xmlns:p="http://schemas.openxmlformats.org/presentationml/2006/main">
   <p:cSld>
     <p:spTree>
       <p:nvGrpSpPr>
-        <p:cNvPr id="1" name="">
-          <a:extLst>
-            <a:ext uri="{FF2B5EF4-FFF2-40B4-BE49-F238E27FC236}">
-              <a16:creationId xmlns:a16="http://schemas.microsoft.com/office/drawing/2014/main" id="{7EACB404-3DDD-D939-331F-E3B7B5911B4E}"/>
-            </a:ext>
-          </a:extLst>
-        </p:cNvPr>
+        <p:cNvPr id="1" name=""/>
         <p:cNvGrpSpPr/>
         <p:nvPr/>
       </p:nvGrpSpPr>
@@ -8952,120 +9755,117 @@
           <a:chExt cx="0" cy="0"/>
         </a:xfrm>
       </p:grpSpPr>
-      <p:pic>
-        <p:nvPicPr>
-          <p:cNvPr id="7" name="图片 6">
+      <p:sp>
+        <p:nvSpPr>
+          <p:cNvPr id="4" name="标题 3">
             <a:extLst>
               <a:ext uri="{FF2B5EF4-FFF2-40B4-BE49-F238E27FC236}">
-                <a16:creationId xmlns:a16="http://schemas.microsoft.com/office/drawing/2014/main" id="{A6E4AAD3-B446-4707-2039-79D559C6C2E9}"/>
+                <a16:creationId xmlns:a16="http://schemas.microsoft.com/office/drawing/2014/main" id="{CBBC0695-91F6-A944-9E3A-0F0E3BD75B70}"/>
               </a:ext>
             </a:extLst>
           </p:cNvPr>
-          <p:cNvPicPr>
-            <a:picLocks noChangeAspect="1"/>
-          </p:cNvPicPr>
-          <p:nvPr/>
-        </p:nvPicPr>
-        <p:blipFill>
-          <a:blip r:embed="rId2"/>
-          <a:stretch>
-            <a:fillRect/>
-          </a:stretch>
-        </p:blipFill>
+          <p:cNvSpPr>
+            <a:spLocks noGrp="1"/>
+          </p:cNvSpPr>
+          <p:nvPr>
+            <p:ph type="title"/>
+          </p:nvPr>
+        </p:nvSpPr>
         <p:spPr>
           <a:xfrm>
-            <a:off x="10214811" y="192089"/>
-            <a:ext cx="1270905" cy="659432"/>
+            <a:off x="838200" y="693371"/>
+            <a:ext cx="10515600" cy="1325563"/>
           </a:xfrm>
-          <a:prstGeom prst="rect">
-            <a:avLst/>
-          </a:prstGeom>
         </p:spPr>
-      </p:pic>
-      <p:sp>
-        <p:nvSpPr>
-          <p:cNvPr id="2" name="矩形 1">
+        <p:txBody>
+          <a:bodyPr/>
+          <a:lstStyle/>
+          <a:p>
+            <a:r>
+              <a:rPr lang="en-US" altLang="zh-CN" dirty="0"/>
+              <a:t>Case 1: Initialization and network establishment</a:t>
+            </a:r>
+            <a:endParaRPr lang="zh-CN" altLang="en-US" dirty="0"/>
+          </a:p>
+        </p:txBody>
+      </p:sp>
+      <p:sp>
+        <p:nvSpPr>
+          <p:cNvPr id="5" name="内容占位符 4">
             <a:extLst>
               <a:ext uri="{FF2B5EF4-FFF2-40B4-BE49-F238E27FC236}">
-                <a16:creationId xmlns:a16="http://schemas.microsoft.com/office/drawing/2014/main" id="{ACD7414B-B3FA-A7F1-E91E-7720D1CA6F0A}"/>
+                <a16:creationId xmlns:a16="http://schemas.microsoft.com/office/drawing/2014/main" id="{720FBC12-0A06-BD07-EE46-3FD3602535A1}"/>
               </a:ext>
             </a:extLst>
           </p:cNvPr>
-          <p:cNvSpPr/>
-          <p:nvPr/>
+          <p:cNvSpPr>
+            <a:spLocks noGrp="1"/>
+          </p:cNvSpPr>
+          <p:nvPr>
+            <p:ph idx="1"/>
+          </p:nvPr>
         </p:nvSpPr>
         <p:spPr>
           <a:xfrm>
-            <a:off x="2132096" y="2129135"/>
-            <a:ext cx="7927811" cy="1754326"/>
+            <a:off x="838200" y="2200153"/>
+            <a:ext cx="10515600" cy="4023092"/>
           </a:xfrm>
-          <a:prstGeom prst="rect">
-            <a:avLst/>
-          </a:prstGeom>
-          <a:noFill/>
         </p:spPr>
         <p:txBody>
-          <a:bodyPr wrap="none" lIns="91440" tIns="45720" rIns="91440" bIns="45720">
-            <a:spAutoFit/>
-          </a:bodyPr>
-          <a:lstStyle/>
-          <a:p>
-            <a:pPr algn="ctr"/>
-            <a:r>
-              <a:rPr lang="en-US" altLang="zh-CN" sz="5400" b="0" cap="none" spc="0" dirty="0">
-                <a:ln w="0"/>
-                <a:solidFill>
-                  <a:schemeClr val="tx1"/>
-                </a:solidFill>
-                <a:effectLst>
-                  <a:outerShdw blurRad="38100" dist="19050" dir="2700000" algn="tl" rotWithShape="0">
-                    <a:schemeClr val="dk1">
-                      <a:alpha val="40000"/>
-                    </a:schemeClr>
-                  </a:outerShdw>
-                </a:effectLst>
-              </a:rPr>
-              <a:t>Thanks for Listening</a:t>
-            </a:r>
-          </a:p>
-          <a:p>
-            <a:pPr algn="ctr"/>
-            <a:r>
-              <a:rPr lang="en-US" altLang="zh-CN" sz="5400" b="0" cap="none" spc="0" dirty="0">
-                <a:ln w="0"/>
-                <a:solidFill>
-                  <a:schemeClr val="tx1"/>
-                </a:solidFill>
-                <a:effectLst>
-                  <a:outerShdw blurRad="38100" dist="19050" dir="2700000" algn="tl" rotWithShape="0">
-                    <a:schemeClr val="dk1">
-                      <a:alpha val="40000"/>
-                    </a:schemeClr>
-                  </a:outerShdw>
-                </a:effectLst>
-              </a:rPr>
-              <a:t>Any questions or feedback?</a:t>
-            </a:r>
-            <a:endParaRPr lang="zh-CN" altLang="en-US" sz="5400" b="0" cap="none" spc="0" dirty="0">
-              <a:ln w="0"/>
-              <a:solidFill>
-                <a:schemeClr val="tx1"/>
-              </a:solidFill>
-              <a:effectLst>
-                <a:outerShdw blurRad="38100" dist="19050" dir="2700000" algn="tl" rotWithShape="0">
-                  <a:schemeClr val="dk1">
-                    <a:alpha val="40000"/>
-                  </a:schemeClr>
-                </a:outerShdw>
-              </a:effectLst>
-            </a:endParaRPr>
+          <a:bodyPr/>
+          <a:lstStyle/>
+          <a:p>
+            <a:pPr>
+              <a:lnSpc>
+                <a:spcPct val="200000"/>
+              </a:lnSpc>
+            </a:pPr>
+            <a:r>
+              <a:rPr lang="en-US" altLang="zh-CN" dirty="0"/>
+              <a:t>Turn on all 7 boards -&gt; topology establishment</a:t>
+            </a:r>
+          </a:p>
+          <a:p>
+            <a:pPr>
+              <a:lnSpc>
+                <a:spcPct val="200000"/>
+              </a:lnSpc>
+            </a:pPr>
+            <a:r>
+              <a:rPr lang="en-US" altLang="zh-CN" dirty="0"/>
+              <a:t>Sensor value readout and display</a:t>
+            </a:r>
+          </a:p>
+          <a:p>
+            <a:pPr>
+              <a:lnSpc>
+                <a:spcPct val="100000"/>
+              </a:lnSpc>
+            </a:pPr>
+            <a:r>
+              <a:rPr lang="en-US" altLang="zh-CN" dirty="0"/>
+              <a:t>Evaluation of parking slot status (green -&gt; parking slot available, </a:t>
+            </a:r>
+          </a:p>
+          <a:p>
+            <a:pPr marL="0" indent="0">
+              <a:lnSpc>
+                <a:spcPct val="100000"/>
+              </a:lnSpc>
+              <a:buNone/>
+            </a:pPr>
+            <a:r>
+              <a:rPr lang="en-US" altLang="zh-CN" dirty="0"/>
+              <a:t>Red -&gt; parking slot possessed)</a:t>
+            </a:r>
+            <a:endParaRPr lang="zh-CN" altLang="en-US" dirty="0"/>
           </a:p>
         </p:txBody>
       </p:sp>
     </p:spTree>
     <p:extLst>
       <p:ext uri="{BB962C8B-B14F-4D97-AF65-F5344CB8AC3E}">
-        <p14:creationId xmlns:p14="http://schemas.microsoft.com/office/powerpoint/2010/main" val="374094616"/>
+        <p14:creationId xmlns:p14="http://schemas.microsoft.com/office/powerpoint/2010/main" val="835081325"/>
       </p:ext>
     </p:extLst>
   </p:cSld>

--- a/wsnlab-ss25-final-group2.pptx
+++ b/wsnlab-ss25-final-group2.pptx
@@ -9,17 +9,20 @@
   <p:sldIdLst>
     <p:sldId id="425" r:id="rId4"/>
     <p:sldId id="257" r:id="rId5"/>
-    <p:sldId id="258" r:id="rId6"/>
-    <p:sldId id="429" r:id="rId7"/>
-    <p:sldId id="430" r:id="rId8"/>
-    <p:sldId id="432" r:id="rId9"/>
-    <p:sldId id="431" r:id="rId10"/>
-    <p:sldId id="357" r:id="rId11"/>
-    <p:sldId id="358" r:id="rId12"/>
-    <p:sldId id="426" r:id="rId13"/>
-    <p:sldId id="427" r:id="rId14"/>
-    <p:sldId id="428" r:id="rId15"/>
-    <p:sldId id="262" r:id="rId16"/>
+    <p:sldId id="433" r:id="rId6"/>
+    <p:sldId id="258" r:id="rId7"/>
+    <p:sldId id="429" r:id="rId8"/>
+    <p:sldId id="430" r:id="rId9"/>
+    <p:sldId id="432" r:id="rId10"/>
+    <p:sldId id="434" r:id="rId11"/>
+    <p:sldId id="431" r:id="rId12"/>
+    <p:sldId id="357" r:id="rId13"/>
+    <p:sldId id="358" r:id="rId14"/>
+    <p:sldId id="426" r:id="rId15"/>
+    <p:sldId id="435" r:id="rId16"/>
+    <p:sldId id="427" r:id="rId17"/>
+    <p:sldId id="428" r:id="rId18"/>
+    <p:sldId id="262" r:id="rId19"/>
   </p:sldIdLst>
   <p:sldSz cx="12192000" cy="6858000"/>
   <p:notesSz cx="6858000" cy="9144000"/>
@@ -3585,7 +3588,7 @@
         </p:blipFill>
         <p:spPr>
           <a:xfrm>
-            <a:off x="9922246" y="554147"/>
+            <a:off x="10174292" y="460362"/>
             <a:ext cx="1270905" cy="659432"/>
           </a:xfrm>
           <a:prstGeom prst="rect">
@@ -7791,12 +7794,12 @@
         </p:spPr>
         <p:txBody>
           <a:bodyPr>
-            <a:normAutofit fontScale="90000"/>
+            <a:noAutofit/>
           </a:bodyPr>
           <a:lstStyle/>
           <a:p>
             <a:r>
-              <a:rPr lang="en-US" altLang="zh-CN" sz="3200" dirty="0">
+              <a:rPr lang="en-US" altLang="zh-CN" sz="3500" dirty="0">
                 <a:ln w="0"/>
                 <a:effectLst>
                   <a:outerShdw blurRad="38100" dist="19050" dir="2700000" algn="tl" rotWithShape="0">
@@ -7811,7 +7814,7 @@
               <a:t>Intelligent Parking Lot</a:t>
             </a:r>
             <a:br>
-              <a:rPr lang="en-US" altLang="zh-CN" sz="3200" dirty="0">
+              <a:rPr lang="en-US" altLang="zh-CN" sz="3500" dirty="0">
                 <a:ln w="0"/>
                 <a:effectLst>
                   <a:outerShdw blurRad="38100" dist="19050" dir="2700000" algn="tl" rotWithShape="0">
@@ -7825,7 +7828,7 @@
               </a:rPr>
             </a:br>
             <a:r>
-              <a:rPr lang="en-US" altLang="zh-CN" sz="3200" dirty="0">
+              <a:rPr lang="en-US" altLang="zh-CN" sz="3500" dirty="0">
                 <a:ln w="0"/>
                 <a:effectLst>
                   <a:outerShdw blurRad="38100" dist="19050" dir="2700000" algn="tl" rotWithShape="0">
@@ -7837,9 +7840,9 @@
                 <a:latin typeface="Arial" panose="020B0604020202020204" pitchFamily="34" charset="0"/>
                 <a:cs typeface="Arial" panose="020B0604020202020204" pitchFamily="34" charset="0"/>
               </a:rPr>
-              <a:t>WSN Lab Final Demo Group 2 </a:t>
-            </a:r>
-            <a:endParaRPr lang="en-GB" dirty="0">
+              <a:t>WSN Lab Final Group 2 </a:t>
+            </a:r>
+            <a:endParaRPr lang="en-GB" sz="3500" dirty="0">
               <a:latin typeface="Arial" panose="020B0604020202020204" pitchFamily="34" charset="0"/>
               <a:cs typeface="Arial" panose="020B0604020202020204" pitchFamily="34" charset="0"/>
             </a:endParaRPr>
@@ -7874,22 +7877,32 @@
           </a:bodyPr>
           <a:lstStyle/>
           <a:p>
+            <a:pPr marL="0" indent="0">
+              <a:buNone/>
+            </a:pPr>
             <a:r>
               <a:rPr lang="en-GB" sz="1500" dirty="0">
                 <a:latin typeface="Arial" panose="020B0604020202020204" pitchFamily="34" charset="0"/>
                 <a:cs typeface="Arial" panose="020B0604020202020204" pitchFamily="34" charset="0"/>
               </a:rPr>
+              <a:t>    </a:t>
+            </a:r>
+            <a:r>
+              <a:rPr lang="en-GB" sz="1800" dirty="0">
+                <a:latin typeface="Arial" panose="020B0604020202020204" pitchFamily="34" charset="0"/>
+                <a:cs typeface="Arial" panose="020B0604020202020204" pitchFamily="34" charset="0"/>
+              </a:rPr>
               <a:t>Zhihao Deng, Chi Xia, </a:t>
             </a:r>
             <a:r>
-              <a:rPr lang="en-GB" sz="1500" dirty="0" err="1">
+              <a:rPr lang="en-GB" sz="1800" dirty="0" err="1">
                 <a:latin typeface="Arial" panose="020B0604020202020204" pitchFamily="34" charset="0"/>
                 <a:cs typeface="Arial" panose="020B0604020202020204" pitchFamily="34" charset="0"/>
               </a:rPr>
               <a:t>Kaikang</a:t>
             </a:r>
             <a:r>
-              <a:rPr lang="en-GB" sz="1500" dirty="0">
+              <a:rPr lang="en-GB" sz="1800" dirty="0">
                 <a:latin typeface="Arial" panose="020B0604020202020204" pitchFamily="34" charset="0"/>
                 <a:cs typeface="Arial" panose="020B0604020202020204" pitchFamily="34" charset="0"/>
               </a:rPr>
@@ -8033,6 +8046,274 @@
 </file>
 
 <file path=ppt/slides/slide10.xml><?xml version="1.0" encoding="utf-8"?>
+<p:sld xmlns:a="http://schemas.openxmlformats.org/drawingml/2006/main" xmlns:r="http://schemas.openxmlformats.org/officeDocument/2006/relationships" xmlns:p="http://schemas.openxmlformats.org/presentationml/2006/main">
+  <p:cSld>
+    <p:spTree>
+      <p:nvGrpSpPr>
+        <p:cNvPr id="1" name=""/>
+        <p:cNvGrpSpPr/>
+        <p:nvPr/>
+      </p:nvGrpSpPr>
+      <p:grpSpPr>
+        <a:xfrm>
+          <a:off x="0" y="0"/>
+          <a:ext cx="0" cy="0"/>
+          <a:chOff x="0" y="0"/>
+          <a:chExt cx="0" cy="0"/>
+        </a:xfrm>
+      </p:grpSpPr>
+      <p:sp>
+        <p:nvSpPr>
+          <p:cNvPr id="2" name="标题 1">
+            <a:extLst>
+              <a:ext uri="{FF2B5EF4-FFF2-40B4-BE49-F238E27FC236}">
+                <a16:creationId xmlns:a16="http://schemas.microsoft.com/office/drawing/2014/main" id="{1F49A434-85AD-5400-39C8-687CCA487C63}"/>
+              </a:ext>
+            </a:extLst>
+          </p:cNvPr>
+          <p:cNvSpPr>
+            <a:spLocks noGrp="1"/>
+          </p:cNvSpPr>
+          <p:nvPr>
+            <p:ph type="title"/>
+          </p:nvPr>
+        </p:nvSpPr>
+        <p:spPr/>
+        <p:txBody>
+          <a:bodyPr/>
+          <a:lstStyle/>
+          <a:p>
+            <a:r>
+              <a:rPr lang="en-US" altLang="zh-CN" dirty="0"/>
+              <a:t>Demonstration cases  </a:t>
+            </a:r>
+            <a:endParaRPr lang="zh-CN" altLang="en-US" dirty="0"/>
+          </a:p>
+        </p:txBody>
+      </p:sp>
+      <p:sp>
+        <p:nvSpPr>
+          <p:cNvPr id="4" name="文本占位符 3">
+            <a:extLst>
+              <a:ext uri="{FF2B5EF4-FFF2-40B4-BE49-F238E27FC236}">
+                <a16:creationId xmlns:a16="http://schemas.microsoft.com/office/drawing/2014/main" id="{50427620-1FCF-C79D-E372-8620C8806ECE}"/>
+              </a:ext>
+            </a:extLst>
+          </p:cNvPr>
+          <p:cNvSpPr>
+            <a:spLocks noGrp="1"/>
+          </p:cNvSpPr>
+          <p:nvPr>
+            <p:ph type="body" idx="1"/>
+          </p:nvPr>
+        </p:nvSpPr>
+        <p:spPr/>
+        <p:txBody>
+          <a:bodyPr/>
+          <a:lstStyle/>
+          <a:p>
+            <a:endParaRPr lang="zh-CN" altLang="en-US"/>
+          </a:p>
+        </p:txBody>
+      </p:sp>
+      <p:pic>
+        <p:nvPicPr>
+          <p:cNvPr id="7172" name="Picture 4" descr="Demo Time - Live demos &amp; slides in VS Code">
+            <a:extLst>
+              <a:ext uri="{FF2B5EF4-FFF2-40B4-BE49-F238E27FC236}">
+                <a16:creationId xmlns:a16="http://schemas.microsoft.com/office/drawing/2014/main" id="{994F66A0-3F49-0FF7-8451-612211E05453}"/>
+              </a:ext>
+            </a:extLst>
+          </p:cNvPr>
+          <p:cNvPicPr>
+            <a:picLocks noChangeAspect="1" noChangeArrowheads="1"/>
+          </p:cNvPicPr>
+          <p:nvPr/>
+        </p:nvPicPr>
+        <p:blipFill>
+          <a:blip r:embed="rId2">
+            <a:extLst>
+              <a:ext uri="{28A0092B-C50C-407E-A947-70E740481C1C}">
+                <a14:useLocalDpi xmlns:a14="http://schemas.microsoft.com/office/drawing/2010/main" val="0"/>
+              </a:ext>
+            </a:extLst>
+          </a:blip>
+          <a:srcRect/>
+          <a:stretch>
+            <a:fillRect/>
+          </a:stretch>
+        </p:blipFill>
+        <p:spPr bwMode="auto">
+          <a:xfrm>
+            <a:off x="8456369" y="2400300"/>
+            <a:ext cx="2964237" cy="2747962"/>
+          </a:xfrm>
+          <a:prstGeom prst="rect">
+            <a:avLst/>
+          </a:prstGeom>
+          <a:noFill/>
+          <a:extLst>
+            <a:ext uri="{909E8E84-426E-40DD-AFC4-6F175D3DCCD1}">
+              <a14:hiddenFill xmlns:a14="http://schemas.microsoft.com/office/drawing/2010/main">
+                <a:solidFill>
+                  <a:srgbClr val="FFFFFF"/>
+                </a:solidFill>
+              </a14:hiddenFill>
+            </a:ext>
+          </a:extLst>
+        </p:spPr>
+      </p:pic>
+    </p:spTree>
+    <p:extLst>
+      <p:ext uri="{BB962C8B-B14F-4D97-AF65-F5344CB8AC3E}">
+        <p14:creationId xmlns:p14="http://schemas.microsoft.com/office/powerpoint/2010/main" val="3517742803"/>
+      </p:ext>
+    </p:extLst>
+  </p:cSld>
+  <p:clrMapOvr>
+    <a:masterClrMapping/>
+  </p:clrMapOvr>
+</p:sld>
+</file>
+
+<file path=ppt/slides/slide11.xml><?xml version="1.0" encoding="utf-8"?>
+<p:sld xmlns:a="http://schemas.openxmlformats.org/drawingml/2006/main" xmlns:r="http://schemas.openxmlformats.org/officeDocument/2006/relationships" xmlns:p="http://schemas.openxmlformats.org/presentationml/2006/main">
+  <p:cSld>
+    <p:spTree>
+      <p:nvGrpSpPr>
+        <p:cNvPr id="1" name=""/>
+        <p:cNvGrpSpPr/>
+        <p:nvPr/>
+      </p:nvGrpSpPr>
+      <p:grpSpPr>
+        <a:xfrm>
+          <a:off x="0" y="0"/>
+          <a:ext cx="0" cy="0"/>
+          <a:chOff x="0" y="0"/>
+          <a:chExt cx="0" cy="0"/>
+        </a:xfrm>
+      </p:grpSpPr>
+      <p:sp>
+        <p:nvSpPr>
+          <p:cNvPr id="4" name="标题 3">
+            <a:extLst>
+              <a:ext uri="{FF2B5EF4-FFF2-40B4-BE49-F238E27FC236}">
+                <a16:creationId xmlns:a16="http://schemas.microsoft.com/office/drawing/2014/main" id="{CBBC0695-91F6-A944-9E3A-0F0E3BD75B70}"/>
+              </a:ext>
+            </a:extLst>
+          </p:cNvPr>
+          <p:cNvSpPr>
+            <a:spLocks noGrp="1"/>
+          </p:cNvSpPr>
+          <p:nvPr>
+            <p:ph type="title"/>
+          </p:nvPr>
+        </p:nvSpPr>
+        <p:spPr>
+          <a:xfrm>
+            <a:off x="838200" y="734402"/>
+            <a:ext cx="10515600" cy="1325563"/>
+          </a:xfrm>
+        </p:spPr>
+        <p:txBody>
+          <a:bodyPr/>
+          <a:lstStyle/>
+          <a:p>
+            <a:r>
+              <a:rPr lang="en-US" altLang="zh-CN" dirty="0"/>
+              <a:t>Case 1: Initialization and network establishment</a:t>
+            </a:r>
+            <a:endParaRPr lang="zh-CN" altLang="en-US" dirty="0"/>
+          </a:p>
+        </p:txBody>
+      </p:sp>
+      <p:sp>
+        <p:nvSpPr>
+          <p:cNvPr id="5" name="内容占位符 4">
+            <a:extLst>
+              <a:ext uri="{FF2B5EF4-FFF2-40B4-BE49-F238E27FC236}">
+                <a16:creationId xmlns:a16="http://schemas.microsoft.com/office/drawing/2014/main" id="{720FBC12-0A06-BD07-EE46-3FD3602535A1}"/>
+              </a:ext>
+            </a:extLst>
+          </p:cNvPr>
+          <p:cNvSpPr>
+            <a:spLocks noGrp="1"/>
+          </p:cNvSpPr>
+          <p:nvPr>
+            <p:ph idx="1"/>
+          </p:nvPr>
+        </p:nvSpPr>
+        <p:spPr>
+          <a:xfrm>
+            <a:off x="838200" y="2200153"/>
+            <a:ext cx="10515600" cy="4023092"/>
+          </a:xfrm>
+        </p:spPr>
+        <p:txBody>
+          <a:bodyPr/>
+          <a:lstStyle/>
+          <a:p>
+            <a:pPr>
+              <a:lnSpc>
+                <a:spcPct val="150000"/>
+              </a:lnSpc>
+            </a:pPr>
+            <a:r>
+              <a:rPr lang="en-US" altLang="zh-CN" dirty="0"/>
+              <a:t>Turn on all 7 boards -&gt; topology establishment</a:t>
+            </a:r>
+          </a:p>
+          <a:p>
+            <a:pPr>
+              <a:lnSpc>
+                <a:spcPct val="150000"/>
+              </a:lnSpc>
+            </a:pPr>
+            <a:r>
+              <a:rPr lang="en-US" altLang="zh-CN" dirty="0"/>
+              <a:t>Sensor value readout and display</a:t>
+            </a:r>
+          </a:p>
+          <a:p>
+            <a:pPr>
+              <a:lnSpc>
+                <a:spcPct val="150000"/>
+              </a:lnSpc>
+            </a:pPr>
+            <a:r>
+              <a:rPr lang="en-US" altLang="zh-CN" dirty="0"/>
+              <a:t>Evaluation of parking slot status (green -&gt; parking slot available, </a:t>
+            </a:r>
+          </a:p>
+          <a:p>
+            <a:pPr marL="0" indent="0">
+              <a:lnSpc>
+                <a:spcPct val="150000"/>
+              </a:lnSpc>
+              <a:buNone/>
+            </a:pPr>
+            <a:r>
+              <a:rPr lang="en-US" altLang="zh-CN" dirty="0"/>
+              <a:t>red -&gt; parking slot possessed)</a:t>
+            </a:r>
+            <a:endParaRPr lang="zh-CN" altLang="en-US" dirty="0"/>
+          </a:p>
+        </p:txBody>
+      </p:sp>
+    </p:spTree>
+    <p:extLst>
+      <p:ext uri="{BB962C8B-B14F-4D97-AF65-F5344CB8AC3E}">
+        <p14:creationId xmlns:p14="http://schemas.microsoft.com/office/powerpoint/2010/main" val="835081325"/>
+      </p:ext>
+    </p:extLst>
+  </p:cSld>
+  <p:clrMapOvr>
+    <a:masterClrMapping/>
+  </p:clrMapOvr>
+</p:sld>
+</file>
+
+<file path=ppt/slides/slide12.xml><?xml version="1.0" encoding="utf-8"?>
 <p:sld xmlns:a="http://schemas.openxmlformats.org/drawingml/2006/main" xmlns:r="http://schemas.openxmlformats.org/officeDocument/2006/relationships" xmlns:p="http://schemas.openxmlformats.org/presentationml/2006/main">
   <p:cSld>
     <p:spTree>
@@ -8071,7 +8352,12 @@
             <p:ph type="title"/>
           </p:nvPr>
         </p:nvSpPr>
-        <p:spPr/>
+        <p:spPr>
+          <a:xfrm>
+            <a:off x="838200" y="681037"/>
+            <a:ext cx="10515600" cy="1325563"/>
+          </a:xfrm>
+        </p:spPr>
         <p:txBody>
           <a:bodyPr/>
           <a:lstStyle/>
@@ -8102,25 +8388,89 @@
         </p:nvSpPr>
         <p:spPr/>
         <p:txBody>
-          <a:bodyPr/>
+          <a:bodyPr>
+            <a:normAutofit lnSpcReduction="10000"/>
+          </a:bodyPr>
           <a:lstStyle/>
           <a:p>
+            <a:pPr>
+              <a:lnSpc>
+                <a:spcPct val="150000"/>
+              </a:lnSpc>
+            </a:pPr>
             <a:r>
               <a:rPr lang="en-US" altLang="zh-CN" dirty="0"/>
-              <a:t>New node discovery: turn on a new board -&gt; listens to channel 12 for 5 times -&gt; if no flooding message is received -&gt; send discovery signal to neighbor nodes -&gt; master initialize network reset </a:t>
-            </a:r>
-          </a:p>
-          <a:p>
+              <a:t>New node discovery: </a:t>
+            </a:r>
+          </a:p>
+          <a:p>
+            <a:pPr marL="0" indent="0">
+              <a:lnSpc>
+                <a:spcPct val="150000"/>
+              </a:lnSpc>
+              <a:buNone/>
+            </a:pPr>
+            <a:r>
+              <a:rPr lang="en-US" altLang="zh-CN" dirty="0"/>
+              <a:t>	1. turn on a new board (e.g. node 6)</a:t>
+            </a:r>
+          </a:p>
+          <a:p>
+            <a:pPr marL="0" indent="0">
+              <a:lnSpc>
+                <a:spcPct val="150000"/>
+              </a:lnSpc>
+              <a:buNone/>
+            </a:pPr>
+            <a:r>
+              <a:rPr lang="en-US" altLang="zh-CN" dirty="0"/>
+              <a:t>	2. Node listens to channel 12 for 5 times </a:t>
+            </a:r>
+          </a:p>
+          <a:p>
+            <a:pPr marL="0" indent="0">
+              <a:lnSpc>
+                <a:spcPct val="150000"/>
+              </a:lnSpc>
+              <a:buNone/>
+            </a:pPr>
+            <a:r>
+              <a:rPr lang="en-US" altLang="zh-CN" dirty="0"/>
+              <a:t>	3. if no flooding message is received </a:t>
+            </a:r>
+          </a:p>
+          <a:p>
+            <a:pPr marL="0" indent="0">
+              <a:lnSpc>
+                <a:spcPct val="150000"/>
+              </a:lnSpc>
+              <a:buNone/>
+            </a:pPr>
+            <a:r>
+              <a:rPr lang="en-US" altLang="zh-CN" dirty="0"/>
+              <a:t>	4. send discovery signal to neighbor nodes </a:t>
+            </a:r>
+          </a:p>
+          <a:p>
+            <a:pPr marL="0" indent="0">
+              <a:lnSpc>
+                <a:spcPct val="150000"/>
+              </a:lnSpc>
+              <a:buNone/>
+            </a:pPr>
+            <a:r>
+              <a:rPr lang="en-US" altLang="zh-CN" dirty="0"/>
+              <a:t>	5. master initialize network reset </a:t>
+            </a:r>
+          </a:p>
+          <a:p>
+            <a:pPr marL="0" indent="0">
+              <a:lnSpc>
+                <a:spcPct val="150000"/>
+              </a:lnSpc>
+              <a:buNone/>
+            </a:pPr>
             <a:endParaRPr lang="en-US" altLang="zh-CN" dirty="0"/>
-          </a:p>
-          <a:p>
-            <a:endParaRPr lang="en-US" altLang="zh-CN" dirty="0"/>
-          </a:p>
-          <a:p>
-            <a:r>
-              <a:rPr lang="en-US" altLang="zh-CN" dirty="0"/>
-              <a:t>Existing node failure: turn off a working node -&gt; master does not receive its heartbeat signal -&gt; master initialize network reset </a:t>
-            </a:r>
           </a:p>
           <a:p>
             <a:pPr marL="0" indent="0">
@@ -8143,7 +8493,163 @@
 </p:sld>
 </file>
 
-<file path=ppt/slides/slide11.xml><?xml version="1.0" encoding="utf-8"?>
+<file path=ppt/slides/slide13.xml><?xml version="1.0" encoding="utf-8"?>
+<p:sld xmlns:a="http://schemas.openxmlformats.org/drawingml/2006/main" xmlns:r="http://schemas.openxmlformats.org/officeDocument/2006/relationships" xmlns:p="http://schemas.openxmlformats.org/presentationml/2006/main">
+  <p:cSld>
+    <p:spTree>
+      <p:nvGrpSpPr>
+        <p:cNvPr id="1" name="">
+          <a:extLst>
+            <a:ext uri="{FF2B5EF4-FFF2-40B4-BE49-F238E27FC236}">
+              <a16:creationId xmlns:a16="http://schemas.microsoft.com/office/drawing/2014/main" id="{FAFD2680-F76C-34B5-1D4C-8D08503A56C6}"/>
+            </a:ext>
+          </a:extLst>
+        </p:cNvPr>
+        <p:cNvGrpSpPr/>
+        <p:nvPr/>
+      </p:nvGrpSpPr>
+      <p:grpSpPr>
+        <a:xfrm>
+          <a:off x="0" y="0"/>
+          <a:ext cx="0" cy="0"/>
+          <a:chOff x="0" y="0"/>
+          <a:chExt cx="0" cy="0"/>
+        </a:xfrm>
+      </p:grpSpPr>
+      <p:sp>
+        <p:nvSpPr>
+          <p:cNvPr id="4" name="标题 3">
+            <a:extLst>
+              <a:ext uri="{FF2B5EF4-FFF2-40B4-BE49-F238E27FC236}">
+                <a16:creationId xmlns:a16="http://schemas.microsoft.com/office/drawing/2014/main" id="{4AD5A190-036A-E844-2AEA-0CD5AF2DD0AE}"/>
+              </a:ext>
+            </a:extLst>
+          </p:cNvPr>
+          <p:cNvSpPr>
+            <a:spLocks noGrp="1"/>
+          </p:cNvSpPr>
+          <p:nvPr>
+            <p:ph type="title"/>
+          </p:nvPr>
+        </p:nvSpPr>
+        <p:spPr>
+          <a:xfrm>
+            <a:off x="838200" y="681037"/>
+            <a:ext cx="10515600" cy="1325563"/>
+          </a:xfrm>
+        </p:spPr>
+        <p:txBody>
+          <a:bodyPr/>
+          <a:lstStyle/>
+          <a:p>
+            <a:r>
+              <a:rPr lang="en-US" altLang="zh-CN" dirty="0"/>
+              <a:t>Case 2: Dynamic routing </a:t>
+            </a:r>
+            <a:endParaRPr lang="zh-CN" altLang="en-US" dirty="0"/>
+          </a:p>
+        </p:txBody>
+      </p:sp>
+      <p:sp>
+        <p:nvSpPr>
+          <p:cNvPr id="5" name="内容占位符 4">
+            <a:extLst>
+              <a:ext uri="{FF2B5EF4-FFF2-40B4-BE49-F238E27FC236}">
+                <a16:creationId xmlns:a16="http://schemas.microsoft.com/office/drawing/2014/main" id="{75F21884-71FD-EF92-B9EF-9781A94CCF58}"/>
+              </a:ext>
+            </a:extLst>
+          </p:cNvPr>
+          <p:cNvSpPr>
+            <a:spLocks noGrp="1"/>
+          </p:cNvSpPr>
+          <p:nvPr>
+            <p:ph idx="1"/>
+          </p:nvPr>
+        </p:nvSpPr>
+        <p:spPr/>
+        <p:txBody>
+          <a:bodyPr>
+            <a:normAutofit/>
+          </a:bodyPr>
+          <a:lstStyle/>
+          <a:p>
+            <a:pPr>
+              <a:lnSpc>
+                <a:spcPct val="150000"/>
+              </a:lnSpc>
+            </a:pPr>
+            <a:r>
+              <a:rPr lang="en-US" altLang="zh-CN" dirty="0"/>
+              <a:t>Existing node failure: </a:t>
+            </a:r>
+          </a:p>
+          <a:p>
+            <a:pPr marL="914400" lvl="1" indent="-457200">
+              <a:lnSpc>
+                <a:spcPct val="150000"/>
+              </a:lnSpc>
+              <a:buAutoNum type="arabicPeriod"/>
+            </a:pPr>
+            <a:r>
+              <a:rPr lang="en-US" altLang="zh-CN" dirty="0"/>
+              <a:t>turn off a working node (simulate node failure)</a:t>
+            </a:r>
+          </a:p>
+          <a:p>
+            <a:pPr marL="914400" lvl="1" indent="-457200">
+              <a:lnSpc>
+                <a:spcPct val="150000"/>
+              </a:lnSpc>
+              <a:buAutoNum type="arabicPeriod"/>
+            </a:pPr>
+            <a:r>
+              <a:rPr lang="en-US" altLang="zh-CN" dirty="0"/>
+              <a:t>master does not receive its heartbeat signal </a:t>
+            </a:r>
+          </a:p>
+          <a:p>
+            <a:pPr marL="914400" lvl="1" indent="-457200">
+              <a:lnSpc>
+                <a:spcPct val="150000"/>
+              </a:lnSpc>
+              <a:buAutoNum type="arabicPeriod"/>
+            </a:pPr>
+            <a:r>
+              <a:rPr lang="en-US" altLang="zh-CN" dirty="0"/>
+              <a:t>master initialize network reset </a:t>
+            </a:r>
+          </a:p>
+          <a:p>
+            <a:pPr marL="0" indent="0">
+              <a:lnSpc>
+                <a:spcPct val="150000"/>
+              </a:lnSpc>
+              <a:buNone/>
+            </a:pPr>
+            <a:endParaRPr lang="en-US" altLang="zh-CN" dirty="0"/>
+          </a:p>
+          <a:p>
+            <a:pPr marL="0" indent="0">
+              <a:buNone/>
+            </a:pPr>
+            <a:endParaRPr lang="zh-CN" altLang="en-US" dirty="0"/>
+          </a:p>
+        </p:txBody>
+      </p:sp>
+    </p:spTree>
+    <p:extLst>
+      <p:ext uri="{BB962C8B-B14F-4D97-AF65-F5344CB8AC3E}">
+        <p14:creationId xmlns:p14="http://schemas.microsoft.com/office/powerpoint/2010/main" val="83175394"/>
+      </p:ext>
+    </p:extLst>
+  </p:cSld>
+  <p:clrMapOvr>
+    <a:masterClrMapping/>
+  </p:clrMapOvr>
+</p:sld>
+</file>
+
+<file path=ppt/slides/slide14.xml><?xml version="1.0" encoding="utf-8"?>
 <p:sld xmlns:a="http://schemas.openxmlformats.org/drawingml/2006/main" xmlns:r="http://schemas.openxmlformats.org/officeDocument/2006/relationships" xmlns:p="http://schemas.openxmlformats.org/presentationml/2006/main">
   <p:cSld>
     <p:spTree>
@@ -8194,7 +8700,7 @@
           <a:p>
             <a:r>
               <a:rPr lang="en-US" altLang="zh-CN" dirty="0"/>
-              <a:t>Case 3: Reactive network (application specific)</a:t>
+              <a:t>Case 3: Reactive network</a:t>
             </a:r>
             <a:endParaRPr lang="zh-CN" altLang="en-US" dirty="0"/>
           </a:p>
@@ -8226,6 +8732,11 @@
           <a:bodyPr/>
           <a:lstStyle/>
           <a:p>
+            <a:pPr>
+              <a:lnSpc>
+                <a:spcPct val="150000"/>
+              </a:lnSpc>
+            </a:pPr>
             <a:r>
               <a:rPr lang="en-US" altLang="zh-CN" dirty="0"/>
               <a:t>Sensor value will only be transmitted and displayed when it changes dramatically (change of light &gt; 50 lux or distance &gt; 10cm)</a:t>
@@ -8247,7 +8758,7 @@
 </p:sld>
 </file>
 
-<file path=ppt/slides/slide12.xml><?xml version="1.0" encoding="utf-8"?>
+<file path=ppt/slides/slide15.xml><?xml version="1.0" encoding="utf-8"?>
 <p:sld xmlns:a="http://schemas.openxmlformats.org/drawingml/2006/main" xmlns:r="http://schemas.openxmlformats.org/officeDocument/2006/relationships" xmlns:p="http://schemas.openxmlformats.org/presentationml/2006/main">
   <p:cSld>
     <p:spTree>
@@ -8347,7 +8858,7 @@
 </p:sld>
 </file>
 
-<file path=ppt/slides/slide13.xml><?xml version="1.0" encoding="utf-8"?>
+<file path=ppt/slides/slide16.xml><?xml version="1.0" encoding="utf-8"?>
 <p:sld xmlns:a="http://schemas.openxmlformats.org/drawingml/2006/main" xmlns:r="http://schemas.openxmlformats.org/officeDocument/2006/relationships" xmlns:p="http://schemas.openxmlformats.org/presentationml/2006/main">
   <p:cSld>
     <p:spTree>
@@ -8392,7 +8903,7 @@
         </p:blipFill>
         <p:spPr>
           <a:xfrm>
-            <a:off x="10214811" y="192089"/>
+            <a:off x="10150335" y="449997"/>
             <a:ext cx="1270905" cy="659432"/>
           </a:xfrm>
           <a:prstGeom prst="rect">
@@ -8480,6 +8991,100 @@
           </a:p>
         </p:txBody>
       </p:sp>
+      <p:pic>
+        <p:nvPicPr>
+          <p:cNvPr id="6148" name="Picture 4" descr="给您鞠躬了emoji小黄人表情语录表情背着书 ...">
+            <a:extLst>
+              <a:ext uri="{FF2B5EF4-FFF2-40B4-BE49-F238E27FC236}">
+                <a16:creationId xmlns:a16="http://schemas.microsoft.com/office/drawing/2014/main" id="{B9E98978-4B75-2406-9C7C-7A84812B2E3E}"/>
+              </a:ext>
+            </a:extLst>
+          </p:cNvPr>
+          <p:cNvPicPr>
+            <a:picLocks noChangeAspect="1" noChangeArrowheads="1"/>
+          </p:cNvPicPr>
+          <p:nvPr/>
+        </p:nvPicPr>
+        <p:blipFill>
+          <a:blip r:embed="rId3">
+            <a:extLst>
+              <a:ext uri="{28A0092B-C50C-407E-A947-70E740481C1C}">
+                <a14:useLocalDpi xmlns:a14="http://schemas.microsoft.com/office/drawing/2010/main" val="0"/>
+              </a:ext>
+            </a:extLst>
+          </a:blip>
+          <a:srcRect/>
+          <a:stretch>
+            <a:fillRect/>
+          </a:stretch>
+        </p:blipFill>
+        <p:spPr bwMode="auto">
+          <a:xfrm>
+            <a:off x="536931" y="795199"/>
+            <a:ext cx="1333936" cy="1333936"/>
+          </a:xfrm>
+          <a:prstGeom prst="rect">
+            <a:avLst/>
+          </a:prstGeom>
+          <a:noFill/>
+          <a:extLst>
+            <a:ext uri="{909E8E84-426E-40DD-AFC4-6F175D3DCCD1}">
+              <a14:hiddenFill xmlns:a14="http://schemas.microsoft.com/office/drawing/2010/main">
+                <a:solidFill>
+                  <a:srgbClr val="FFFFFF"/>
+                </a:solidFill>
+              </a14:hiddenFill>
+            </a:ext>
+          </a:extLst>
+        </p:spPr>
+      </p:pic>
+      <p:pic>
+        <p:nvPicPr>
+          <p:cNvPr id="6150" name="Picture 6" descr="吗卡通表情包-模板图片-图怪兽">
+            <a:extLst>
+              <a:ext uri="{FF2B5EF4-FFF2-40B4-BE49-F238E27FC236}">
+                <a16:creationId xmlns:a16="http://schemas.microsoft.com/office/drawing/2014/main" id="{95CF0618-2B52-989E-B255-DF54357AE9A9}"/>
+              </a:ext>
+            </a:extLst>
+          </p:cNvPr>
+          <p:cNvPicPr>
+            <a:picLocks noChangeAspect="1" noChangeArrowheads="1"/>
+          </p:cNvPicPr>
+          <p:nvPr/>
+        </p:nvPicPr>
+        <p:blipFill>
+          <a:blip r:embed="rId4">
+            <a:extLst>
+              <a:ext uri="{28A0092B-C50C-407E-A947-70E740481C1C}">
+                <a14:useLocalDpi xmlns:a14="http://schemas.microsoft.com/office/drawing/2010/main" val="0"/>
+              </a:ext>
+            </a:extLst>
+          </a:blip>
+          <a:srcRect/>
+          <a:stretch>
+            <a:fillRect/>
+          </a:stretch>
+        </p:blipFill>
+        <p:spPr bwMode="auto">
+          <a:xfrm>
+            <a:off x="10285202" y="4630617"/>
+            <a:ext cx="1136038" cy="1136038"/>
+          </a:xfrm>
+          <a:prstGeom prst="rect">
+            <a:avLst/>
+          </a:prstGeom>
+          <a:noFill/>
+          <a:extLst>
+            <a:ext uri="{909E8E84-426E-40DD-AFC4-6F175D3DCCD1}">
+              <a14:hiddenFill xmlns:a14="http://schemas.microsoft.com/office/drawing/2010/main">
+                <a:solidFill>
+                  <a:srgbClr val="FFFFFF"/>
+                </a:solidFill>
+              </a14:hiddenFill>
+            </a:ext>
+          </a:extLst>
+        </p:spPr>
+      </p:pic>
     </p:spTree>
     <p:extLst>
       <p:ext uri="{BB962C8B-B14F-4D97-AF65-F5344CB8AC3E}">
@@ -8560,8 +9165,8 @@
         </p:nvSpPr>
         <p:spPr>
           <a:xfrm>
-            <a:off x="477365" y="547211"/>
-            <a:ext cx="5451234" cy="553998"/>
+            <a:off x="407026" y="634447"/>
+            <a:ext cx="3979983" cy="677108"/>
           </a:xfrm>
           <a:prstGeom prst="rect">
             <a:avLst/>
@@ -8576,11 +9181,8 @@
           <a:p>
             <a:pPr algn="ctr"/>
             <a:r>
-              <a:rPr lang="en-US" altLang="zh-CN" sz="3000" b="0" cap="none" spc="0" dirty="0">
+              <a:rPr lang="en-US" altLang="zh-CN" sz="3800" dirty="0">
                 <a:ln w="0"/>
-                <a:solidFill>
-                  <a:schemeClr val="tx1"/>
-                </a:solidFill>
                 <a:effectLst>
                   <a:outerShdw blurRad="38100" dist="19050" dir="2700000" algn="tl" rotWithShape="0">
                     <a:schemeClr val="dk1">
@@ -8588,10 +9190,12 @@
                     </a:schemeClr>
                   </a:outerShdw>
                 </a:effectLst>
+                <a:latin typeface="Arial" panose="020B0604020202020204" pitchFamily="34" charset="0"/>
+                <a:cs typeface="Arial" panose="020B0604020202020204" pitchFamily="34" charset="0"/>
               </a:rPr>
-              <a:t>Smart Parking System: Motivation</a:t>
-            </a:r>
-            <a:endParaRPr lang="zh-CN" altLang="en-US" sz="3000" b="0" cap="none" spc="0" dirty="0">
+              <a:t>Project overview</a:t>
+            </a:r>
+            <a:endParaRPr lang="zh-CN" altLang="en-US" sz="3800" b="0" cap="none" spc="0" dirty="0">
               <a:ln w="0"/>
               <a:solidFill>
                 <a:schemeClr val="tx1"/>
@@ -8621,8 +9225,8 @@
         </p:nvSpPr>
         <p:spPr>
           <a:xfrm>
-            <a:off x="541842" y="1218555"/>
-            <a:ext cx="5055587" cy="3231654"/>
+            <a:off x="541842" y="1453016"/>
+            <a:ext cx="5055587" cy="4431983"/>
           </a:xfrm>
           <a:prstGeom prst="rect">
             <a:avLst/>
@@ -8654,6 +9258,9 @@
           </a:p>
           <a:p>
             <a:pPr marL="342900" indent="-342900">
+              <a:lnSpc>
+                <a:spcPct val="150000"/>
+              </a:lnSpc>
               <a:buFont typeface="Arial" panose="020B0604020202020204" pitchFamily="34" charset="0"/>
               <a:buChar char="•"/>
             </a:pPr>
@@ -8669,6 +9276,9 @@
           </a:p>
           <a:p>
             <a:pPr marL="342900" indent="-342900">
+              <a:lnSpc>
+                <a:spcPct val="150000"/>
+              </a:lnSpc>
               <a:buFont typeface="Arial" panose="020B0604020202020204" pitchFamily="34" charset="0"/>
               <a:buChar char="•"/>
             </a:pPr>
@@ -8684,6 +9294,9 @@
           </a:p>
           <a:p>
             <a:pPr marL="342900" indent="-342900">
+              <a:lnSpc>
+                <a:spcPct val="150000"/>
+              </a:lnSpc>
               <a:buFont typeface="Arial" panose="020B0604020202020204" pitchFamily="34" charset="0"/>
               <a:buChar char="•"/>
             </a:pPr>
@@ -8694,6 +9307,9 @@
           </a:p>
           <a:p>
             <a:pPr marL="342900" indent="-342900">
+              <a:lnSpc>
+                <a:spcPct val="150000"/>
+              </a:lnSpc>
               <a:buFont typeface="Arial" panose="020B0604020202020204" pitchFamily="34" charset="0"/>
               <a:buChar char="•"/>
             </a:pPr>
@@ -8729,8 +9345,8 @@
         </p:nvSpPr>
         <p:spPr>
           <a:xfrm>
-            <a:off x="6472935" y="1290012"/>
-            <a:ext cx="5177223" cy="2677656"/>
+            <a:off x="6472935" y="1453016"/>
+            <a:ext cx="5177223" cy="3707169"/>
           </a:xfrm>
           <a:prstGeom prst="rect">
             <a:avLst/>
@@ -8756,6 +9372,9 @@
           </a:p>
           <a:p>
             <a:pPr marL="342900" indent="-342900">
+              <a:lnSpc>
+                <a:spcPct val="150000"/>
+              </a:lnSpc>
               <a:buFont typeface="Arial" panose="020B0604020202020204" pitchFamily="34" charset="0"/>
               <a:buChar char="•"/>
             </a:pPr>
@@ -8769,11 +9388,14 @@
             </a:r>
             <a:r>
               <a:rPr lang="en-US" altLang="zh-CN" sz="2000" dirty="0"/>
-              <a:t>smart parking network using at least 7 sensor nodes</a:t>
+              <a:t>network using 7 sensor nodes</a:t>
             </a:r>
           </a:p>
           <a:p>
             <a:pPr marL="342900" indent="-342900">
+              <a:lnSpc>
+                <a:spcPct val="150000"/>
+              </a:lnSpc>
               <a:buFont typeface="Arial" panose="020B0604020202020204" pitchFamily="34" charset="0"/>
               <a:buChar char="•"/>
             </a:pPr>
@@ -8784,6 +9406,9 @@
           </a:p>
           <a:p>
             <a:pPr marL="342900" indent="-342900">
+              <a:lnSpc>
+                <a:spcPct val="150000"/>
+              </a:lnSpc>
               <a:buFont typeface="Arial" panose="020B0604020202020204" pitchFamily="34" charset="0"/>
               <a:buChar char="•"/>
             </a:pPr>
@@ -8794,6 +9419,9 @@
           </a:p>
           <a:p>
             <a:pPr marL="342900" indent="-342900">
+              <a:lnSpc>
+                <a:spcPct val="150000"/>
+              </a:lnSpc>
               <a:buFont typeface="Arial" panose="020B0604020202020204" pitchFamily="34" charset="0"/>
               <a:buChar char="•"/>
             </a:pPr>
@@ -8819,6 +9447,110 @@
 </file>
 
 <file path=ppt/slides/slide3.xml><?xml version="1.0" encoding="utf-8"?>
+<p:sld xmlns:a="http://schemas.openxmlformats.org/drawingml/2006/main" xmlns:r="http://schemas.openxmlformats.org/officeDocument/2006/relationships" xmlns:p="http://schemas.openxmlformats.org/presentationml/2006/main">
+  <p:cSld>
+    <p:spTree>
+      <p:nvGrpSpPr>
+        <p:cNvPr id="1" name=""/>
+        <p:cNvGrpSpPr/>
+        <p:nvPr/>
+      </p:nvGrpSpPr>
+      <p:grpSpPr>
+        <a:xfrm>
+          <a:off x="0" y="0"/>
+          <a:ext cx="0" cy="0"/>
+          <a:chOff x="0" y="0"/>
+          <a:chExt cx="0" cy="0"/>
+        </a:xfrm>
+      </p:grpSpPr>
+      <p:sp>
+        <p:nvSpPr>
+          <p:cNvPr id="2" name="标题 1">
+            <a:extLst>
+              <a:ext uri="{FF2B5EF4-FFF2-40B4-BE49-F238E27FC236}">
+                <a16:creationId xmlns:a16="http://schemas.microsoft.com/office/drawing/2014/main" id="{CC3563D0-8698-E201-42C9-35CD9D86AA36}"/>
+              </a:ext>
+            </a:extLst>
+          </p:cNvPr>
+          <p:cNvSpPr>
+            <a:spLocks noGrp="1"/>
+          </p:cNvSpPr>
+          <p:nvPr>
+            <p:ph type="title"/>
+          </p:nvPr>
+        </p:nvSpPr>
+        <p:spPr/>
+        <p:txBody>
+          <a:bodyPr/>
+          <a:lstStyle/>
+          <a:p>
+            <a:endParaRPr lang="zh-CN" altLang="en-US"/>
+          </a:p>
+        </p:txBody>
+      </p:sp>
+      <p:pic>
+        <p:nvPicPr>
+          <p:cNvPr id="3074" name="Picture 2" descr="What Is Smart Parking? How Does It Work? | Sensor Dynamics">
+            <a:extLst>
+              <a:ext uri="{FF2B5EF4-FFF2-40B4-BE49-F238E27FC236}">
+                <a16:creationId xmlns:a16="http://schemas.microsoft.com/office/drawing/2014/main" id="{486A9BB3-3507-1FE4-8F69-3ED927A3A9A7}"/>
+              </a:ext>
+            </a:extLst>
+          </p:cNvPr>
+          <p:cNvPicPr>
+            <a:picLocks noGrp="1" noChangeAspect="1" noChangeArrowheads="1"/>
+          </p:cNvPicPr>
+          <p:nvPr>
+            <p:ph idx="1"/>
+          </p:nvPr>
+        </p:nvPicPr>
+        <p:blipFill>
+          <a:blip r:embed="rId2">
+            <a:extLst>
+              <a:ext uri="{28A0092B-C50C-407E-A947-70E740481C1C}">
+                <a14:useLocalDpi xmlns:a14="http://schemas.microsoft.com/office/drawing/2010/main" val="0"/>
+              </a:ext>
+            </a:extLst>
+          </a:blip>
+          <a:srcRect/>
+          <a:stretch>
+            <a:fillRect/>
+          </a:stretch>
+        </p:blipFill>
+        <p:spPr bwMode="auto">
+          <a:xfrm>
+            <a:off x="2325208" y="896815"/>
+            <a:ext cx="7541584" cy="5279109"/>
+          </a:xfrm>
+          <a:prstGeom prst="rect">
+            <a:avLst/>
+          </a:prstGeom>
+          <a:noFill/>
+          <a:extLst>
+            <a:ext uri="{909E8E84-426E-40DD-AFC4-6F175D3DCCD1}">
+              <a14:hiddenFill xmlns:a14="http://schemas.microsoft.com/office/drawing/2010/main">
+                <a:solidFill>
+                  <a:srgbClr val="FFFFFF"/>
+                </a:solidFill>
+              </a14:hiddenFill>
+            </a:ext>
+          </a:extLst>
+        </p:spPr>
+      </p:pic>
+    </p:spTree>
+    <p:extLst>
+      <p:ext uri="{BB962C8B-B14F-4D97-AF65-F5344CB8AC3E}">
+        <p14:creationId xmlns:p14="http://schemas.microsoft.com/office/powerpoint/2010/main" val="2784223918"/>
+      </p:ext>
+    </p:extLst>
+  </p:cSld>
+  <p:clrMapOvr>
+    <a:masterClrMapping/>
+  </p:clrMapOvr>
+</p:sld>
+</file>
+
+<file path=ppt/slides/slide4.xml><?xml version="1.0" encoding="utf-8"?>
 <p:sld xmlns:a="http://schemas.openxmlformats.org/drawingml/2006/main" xmlns:r="http://schemas.openxmlformats.org/officeDocument/2006/relationships" xmlns:p="http://schemas.openxmlformats.org/presentationml/2006/main">
   <p:cSld>
     <p:spTree>
@@ -8843,6 +9575,241 @@
       </p:grpSpPr>
       <p:pic>
         <p:nvPicPr>
+          <p:cNvPr id="4106" name="Picture 10" descr="Qt (software) - Wikipedia">
+            <a:extLst>
+              <a:ext uri="{FF2B5EF4-FFF2-40B4-BE49-F238E27FC236}">
+                <a16:creationId xmlns:a16="http://schemas.microsoft.com/office/drawing/2014/main" id="{C46290B7-4229-BD98-D5B6-34414498BABA}"/>
+              </a:ext>
+            </a:extLst>
+          </p:cNvPr>
+          <p:cNvPicPr>
+            <a:picLocks noChangeAspect="1" noChangeArrowheads="1"/>
+          </p:cNvPicPr>
+          <p:nvPr/>
+        </p:nvPicPr>
+        <p:blipFill>
+          <a:blip r:embed="rId2" cstate="print">
+            <a:extLst>
+              <a:ext uri="{28A0092B-C50C-407E-A947-70E740481C1C}">
+                <a14:useLocalDpi xmlns:a14="http://schemas.microsoft.com/office/drawing/2010/main" val="0"/>
+              </a:ext>
+            </a:extLst>
+          </a:blip>
+          <a:srcRect/>
+          <a:stretch>
+            <a:fillRect/>
+          </a:stretch>
+        </p:blipFill>
+        <p:spPr bwMode="auto">
+          <a:xfrm>
+            <a:off x="8371889" y="4149937"/>
+            <a:ext cx="622056" cy="444326"/>
+          </a:xfrm>
+          <a:prstGeom prst="rect">
+            <a:avLst/>
+          </a:prstGeom>
+          <a:noFill/>
+          <a:extLst>
+            <a:ext uri="{909E8E84-426E-40DD-AFC4-6F175D3DCCD1}">
+              <a14:hiddenFill xmlns:a14="http://schemas.microsoft.com/office/drawing/2010/main">
+                <a:solidFill>
+                  <a:srgbClr val="FFFFFF"/>
+                </a:solidFill>
+              </a14:hiddenFill>
+            </a:ext>
+          </a:extLst>
+        </p:spPr>
+      </p:pic>
+      <p:pic>
+        <p:nvPicPr>
+          <p:cNvPr id="4104" name="Picture 8" descr="Contiki-NG: Contiki-NG">
+            <a:extLst>
+              <a:ext uri="{FF2B5EF4-FFF2-40B4-BE49-F238E27FC236}">
+                <a16:creationId xmlns:a16="http://schemas.microsoft.com/office/drawing/2014/main" id="{88F4D4E0-40C6-9B08-BCB0-28DD7849B4FE}"/>
+              </a:ext>
+            </a:extLst>
+          </p:cNvPr>
+          <p:cNvPicPr>
+            <a:picLocks noChangeAspect="1" noChangeArrowheads="1"/>
+          </p:cNvPicPr>
+          <p:nvPr/>
+        </p:nvPicPr>
+        <p:blipFill>
+          <a:blip r:embed="rId3" cstate="print">
+            <a:extLst>
+              <a:ext uri="{28A0092B-C50C-407E-A947-70E740481C1C}">
+                <a14:useLocalDpi xmlns:a14="http://schemas.microsoft.com/office/drawing/2010/main" val="0"/>
+              </a:ext>
+            </a:extLst>
+          </a:blip>
+          <a:srcRect/>
+          <a:stretch>
+            <a:fillRect/>
+          </a:stretch>
+        </p:blipFill>
+        <p:spPr bwMode="auto">
+          <a:xfrm>
+            <a:off x="8406179" y="2033954"/>
+            <a:ext cx="587766" cy="489805"/>
+          </a:xfrm>
+          <a:prstGeom prst="rect">
+            <a:avLst/>
+          </a:prstGeom>
+          <a:noFill/>
+          <a:extLst>
+            <a:ext uri="{909E8E84-426E-40DD-AFC4-6F175D3DCCD1}">
+              <a14:hiddenFill xmlns:a14="http://schemas.microsoft.com/office/drawing/2010/main">
+                <a:solidFill>
+                  <a:srgbClr val="FFFFFF"/>
+                </a:solidFill>
+              </a14:hiddenFill>
+            </a:ext>
+          </a:extLst>
+        </p:spPr>
+      </p:pic>
+      <p:pic>
+        <p:nvPicPr>
+          <p:cNvPr id="4102" name="Picture 6" descr="6.45m sonar distance sensor">
+            <a:extLst>
+              <a:ext uri="{FF2B5EF4-FFF2-40B4-BE49-F238E27FC236}">
+                <a16:creationId xmlns:a16="http://schemas.microsoft.com/office/drawing/2014/main" id="{F1C70C04-AEBE-712D-EE12-86645C059E78}"/>
+              </a:ext>
+            </a:extLst>
+          </p:cNvPr>
+          <p:cNvPicPr>
+            <a:picLocks noChangeAspect="1" noChangeArrowheads="1"/>
+          </p:cNvPicPr>
+          <p:nvPr/>
+        </p:nvPicPr>
+        <p:blipFill>
+          <a:blip r:embed="rId4" cstate="print">
+            <a:extLst>
+              <a:ext uri="{28A0092B-C50C-407E-A947-70E740481C1C}">
+                <a14:useLocalDpi xmlns:a14="http://schemas.microsoft.com/office/drawing/2010/main" val="0"/>
+              </a:ext>
+            </a:extLst>
+          </a:blip>
+          <a:srcRect/>
+          <a:stretch>
+            <a:fillRect/>
+          </a:stretch>
+        </p:blipFill>
+        <p:spPr bwMode="auto">
+          <a:xfrm>
+            <a:off x="3365853" y="3161286"/>
+            <a:ext cx="1096069" cy="988651"/>
+          </a:xfrm>
+          <a:prstGeom prst="rect">
+            <a:avLst/>
+          </a:prstGeom>
+          <a:noFill/>
+          <a:extLst>
+            <a:ext uri="{909E8E84-426E-40DD-AFC4-6F175D3DCCD1}">
+              <a14:hiddenFill xmlns:a14="http://schemas.microsoft.com/office/drawing/2010/main">
+                <a:solidFill>
+                  <a:srgbClr val="FFFFFF"/>
+                </a:solidFill>
+              </a14:hiddenFill>
+            </a:ext>
+          </a:extLst>
+        </p:spPr>
+      </p:pic>
+      <p:pic>
+        <p:nvPicPr>
+          <p:cNvPr id="4100" name="Picture 4" descr="1000 lux light sensor">
+            <a:extLst>
+              <a:ext uri="{FF2B5EF4-FFF2-40B4-BE49-F238E27FC236}">
+                <a16:creationId xmlns:a16="http://schemas.microsoft.com/office/drawing/2014/main" id="{20D8124E-B84D-0B9A-7258-B11297671A59}"/>
+              </a:ext>
+            </a:extLst>
+          </p:cNvPr>
+          <p:cNvPicPr>
+            <a:picLocks noChangeAspect="1" noChangeArrowheads="1"/>
+          </p:cNvPicPr>
+          <p:nvPr/>
+        </p:nvPicPr>
+        <p:blipFill>
+          <a:blip r:embed="rId5" cstate="print">
+            <a:extLst>
+              <a:ext uri="{28A0092B-C50C-407E-A947-70E740481C1C}">
+                <a14:useLocalDpi xmlns:a14="http://schemas.microsoft.com/office/drawing/2010/main" val="0"/>
+              </a:ext>
+            </a:extLst>
+          </a:blip>
+          <a:srcRect/>
+          <a:stretch>
+            <a:fillRect/>
+          </a:stretch>
+        </p:blipFill>
+        <p:spPr bwMode="auto">
+          <a:xfrm>
+            <a:off x="2577947" y="1791728"/>
+            <a:ext cx="1393214" cy="988651"/>
+          </a:xfrm>
+          <a:prstGeom prst="rect">
+            <a:avLst/>
+          </a:prstGeom>
+          <a:noFill/>
+          <a:extLst>
+            <a:ext uri="{909E8E84-426E-40DD-AFC4-6F175D3DCCD1}">
+              <a14:hiddenFill xmlns:a14="http://schemas.microsoft.com/office/drawing/2010/main">
+                <a:solidFill>
+                  <a:srgbClr val="FFFFFF"/>
+                </a:solidFill>
+              </a14:hiddenFill>
+            </a:ext>
+          </a:extLst>
+        </p:spPr>
+      </p:pic>
+      <p:pic>
+        <p:nvPicPr>
+          <p:cNvPr id="4098" name="Picture 2" descr="NRF52840-DK NORDIC SEMICONDUCTOR ...">
+            <a:extLst>
+              <a:ext uri="{FF2B5EF4-FFF2-40B4-BE49-F238E27FC236}">
+                <a16:creationId xmlns:a16="http://schemas.microsoft.com/office/drawing/2014/main" id="{05178218-F81B-63B7-09F1-16ED38282C47}"/>
+              </a:ext>
+            </a:extLst>
+          </p:cNvPr>
+          <p:cNvPicPr>
+            <a:picLocks noChangeAspect="1" noChangeArrowheads="1"/>
+          </p:cNvPicPr>
+          <p:nvPr/>
+        </p:nvPicPr>
+        <p:blipFill>
+          <a:blip r:embed="rId6" cstate="print">
+            <a:extLst>
+              <a:ext uri="{28A0092B-C50C-407E-A947-70E740481C1C}">
+                <a14:useLocalDpi xmlns:a14="http://schemas.microsoft.com/office/drawing/2010/main" val="0"/>
+              </a:ext>
+            </a:extLst>
+          </a:blip>
+          <a:srcRect/>
+          <a:stretch>
+            <a:fillRect/>
+          </a:stretch>
+        </p:blipFill>
+        <p:spPr bwMode="auto">
+          <a:xfrm>
+            <a:off x="2948353" y="4255476"/>
+            <a:ext cx="1258824" cy="561975"/>
+          </a:xfrm>
+          <a:prstGeom prst="rect">
+            <a:avLst/>
+          </a:prstGeom>
+          <a:noFill/>
+          <a:extLst>
+            <a:ext uri="{909E8E84-426E-40DD-AFC4-6F175D3DCCD1}">
+              <a14:hiddenFill xmlns:a14="http://schemas.microsoft.com/office/drawing/2010/main">
+                <a:solidFill>
+                  <a:srgbClr val="FFFFFF"/>
+                </a:solidFill>
+              </a14:hiddenFill>
+            </a:ext>
+          </a:extLst>
+        </p:spPr>
+      </p:pic>
+      <p:pic>
+        <p:nvPicPr>
           <p:cNvPr id="7" name="图片 6">
             <a:extLst>
               <a:ext uri="{FF2B5EF4-FFF2-40B4-BE49-F238E27FC236}">
@@ -8856,14 +9823,14 @@
           <p:nvPr/>
         </p:nvPicPr>
         <p:blipFill>
-          <a:blip r:embed="rId2"/>
+          <a:blip r:embed="rId7"/>
           <a:stretch>
             <a:fillRect/>
           </a:stretch>
         </p:blipFill>
         <p:spPr>
           <a:xfrm>
-            <a:off x="10214811" y="192089"/>
+            <a:off x="10091719" y="324708"/>
             <a:ext cx="1270905" cy="659432"/>
           </a:xfrm>
           <a:prstGeom prst="rect">
@@ -8885,8 +9852,8 @@
         </p:nvSpPr>
         <p:spPr>
           <a:xfrm>
-            <a:off x="486772" y="738682"/>
-            <a:ext cx="5609228" cy="769441"/>
+            <a:off x="486772" y="732820"/>
+            <a:ext cx="5575565" cy="707886"/>
           </a:xfrm>
           <a:prstGeom prst="rect">
             <a:avLst/>
@@ -8901,7 +9868,7 @@
           <a:p>
             <a:pPr algn="ctr"/>
             <a:r>
-              <a:rPr lang="en-US" altLang="zh-CN" sz="4400" b="0" cap="none" spc="0" dirty="0">
+              <a:rPr lang="en-US" altLang="zh-CN" sz="4000" b="0" cap="none" spc="0" dirty="0">
                 <a:ln w="0"/>
                 <a:solidFill>
                   <a:schemeClr val="tx1"/>
@@ -8913,10 +9880,12 @@
                     </a:schemeClr>
                   </a:outerShdw>
                 </a:effectLst>
+                <a:latin typeface="Arial" panose="020B0604020202020204" pitchFamily="34" charset="0"/>
+                <a:cs typeface="Arial" panose="020B0604020202020204" pitchFamily="34" charset="0"/>
               </a:rPr>
               <a:t>Hardware and Software</a:t>
             </a:r>
-            <a:endParaRPr lang="zh-CN" altLang="en-US" sz="4400" b="0" cap="none" spc="0" dirty="0">
+            <a:endParaRPr lang="zh-CN" altLang="en-US" sz="4000" b="0" cap="none" spc="0" dirty="0">
               <a:ln w="0"/>
               <a:solidFill>
                 <a:schemeClr val="tx1"/>
@@ -8928,6 +9897,8 @@
                   </a:schemeClr>
                 </a:outerShdw>
               </a:effectLst>
+              <a:latin typeface="Arial" panose="020B0604020202020204" pitchFamily="34" charset="0"/>
+              <a:cs typeface="Arial" panose="020B0604020202020204" pitchFamily="34" charset="0"/>
             </a:endParaRPr>
           </a:p>
         </p:txBody>
@@ -8947,7 +9918,7 @@
         <p:spPr>
           <a:xfrm>
             <a:off x="486772" y="1660666"/>
-            <a:ext cx="5919304" cy="4093428"/>
+            <a:ext cx="5919304" cy="4847481"/>
           </a:xfrm>
           <a:prstGeom prst="rect">
             <a:avLst/>
@@ -8971,6 +9942,9 @@
           </a:p>
           <a:p>
             <a:pPr marL="342900" indent="-342900">
+              <a:lnSpc>
+                <a:spcPct val="150000"/>
+              </a:lnSpc>
               <a:buFont typeface="Arial" panose="020B0604020202020204" pitchFamily="34" charset="0"/>
               <a:buChar char="•"/>
             </a:pPr>
@@ -8988,6 +9962,9 @@
           </a:p>
           <a:p>
             <a:pPr marL="342900" indent="-342900">
+              <a:lnSpc>
+                <a:spcPct val="150000"/>
+              </a:lnSpc>
               <a:buFont typeface="Arial" panose="020B0604020202020204" pitchFamily="34" charset="0"/>
               <a:buChar char="•"/>
             </a:pPr>
@@ -9005,44 +9982,36 @@
           </a:p>
           <a:p>
             <a:pPr marL="342900" indent="-342900">
+              <a:lnSpc>
+                <a:spcPct val="150000"/>
+              </a:lnSpc>
               <a:buFont typeface="Arial" panose="020B0604020202020204" pitchFamily="34" charset="0"/>
               <a:buChar char="•"/>
             </a:pPr>
             <a:r>
               <a:rPr lang="en-US" altLang="zh-CN" sz="2000" b="1" dirty="0"/>
-              <a:t>LED indicators</a:t>
-            </a:r>
-            <a:br>
-              <a:rPr lang="en-US" altLang="zh-CN" sz="2000" dirty="0"/>
-            </a:br>
-            <a:r>
-              <a:rPr lang="en-US" altLang="zh-CN" sz="2000" dirty="0"/>
-              <a:t>Visually mark space as occupied or free</a:t>
-            </a:r>
-          </a:p>
-          <a:p>
-            <a:pPr marL="342900" indent="-342900">
+              <a:t>nRF52840 boards</a:t>
+            </a:r>
+            <a:endParaRPr lang="en-US" altLang="zh-CN" sz="2000" dirty="0"/>
+          </a:p>
+          <a:p>
+            <a:pPr lvl="1">
+              <a:lnSpc>
+                <a:spcPct val="150000"/>
+              </a:lnSpc>
               <a:buFont typeface="Arial" panose="020B0604020202020204" pitchFamily="34" charset="0"/>
               <a:buChar char="•"/>
             </a:pPr>
             <a:r>
-              <a:rPr lang="en-US" altLang="zh-CN" sz="2000" b="1" dirty="0"/>
-              <a:t>nRF52840 boards</a:t>
-            </a:r>
-            <a:endParaRPr lang="en-US" altLang="zh-CN" sz="2000" dirty="0"/>
-          </a:p>
-          <a:p>
-            <a:pPr lvl="1">
-              <a:buFont typeface="Arial" panose="020B0604020202020204" pitchFamily="34" charset="0"/>
-              <a:buChar char="•"/>
-            </a:pPr>
-            <a:r>
               <a:rPr lang="en-US" altLang="zh-CN" sz="2000" dirty="0"/>
               <a:t>7 boards with sensors (each installed in one parking spot)</a:t>
             </a:r>
           </a:p>
           <a:p>
             <a:pPr lvl="1">
+              <a:lnSpc>
+                <a:spcPct val="150000"/>
+              </a:lnSpc>
               <a:buFont typeface="Arial" panose="020B0604020202020204" pitchFamily="34" charset="0"/>
               <a:buChar char="•"/>
             </a:pPr>
@@ -9071,7 +10040,7 @@
         <p:spPr>
           <a:xfrm>
             <a:off x="6611620" y="1660666"/>
-            <a:ext cx="4570856" cy="3200876"/>
+            <a:ext cx="4570856" cy="4542910"/>
           </a:xfrm>
           <a:prstGeom prst="rect">
             <a:avLst/>
@@ -9097,6 +10066,9 @@
           </a:p>
           <a:p>
             <a:pPr>
+              <a:lnSpc>
+                <a:spcPct val="150000"/>
+              </a:lnSpc>
               <a:buFont typeface="Arial" panose="020B0604020202020204" pitchFamily="34" charset="0"/>
               <a:buChar char="•"/>
             </a:pPr>
@@ -9104,28 +10076,29 @@
               <a:rPr lang="en-US" altLang="zh-CN" b="1" dirty="0"/>
               <a:t>Contiki-NG</a:t>
             </a:r>
-            <a:r>
-              <a:rPr lang="en-US" altLang="zh-CN" dirty="0"/>
-              <a:t> </a:t>
-            </a:r>
-            <a:r>
-              <a:rPr lang="en-US" altLang="zh-CN" i="1" dirty="0"/>
-              <a:t>(written in C)</a:t>
-            </a:r>
-            <a:endParaRPr lang="en-US" altLang="zh-CN" dirty="0"/>
-          </a:p>
-          <a:p>
-            <a:pPr marL="742950" lvl="1" indent="-285750">
+          </a:p>
+          <a:p>
+            <a:pPr lvl="1">
+              <a:lnSpc>
+                <a:spcPct val="150000"/>
+              </a:lnSpc>
               <a:buFont typeface="Arial" panose="020B0604020202020204" pitchFamily="34" charset="0"/>
               <a:buChar char="•"/>
             </a:pPr>
             <a:r>
+              <a:rPr lang="en-US" altLang="zh-CN" b="1" dirty="0"/>
+              <a:t>    </a:t>
+            </a:r>
+            <a:r>
               <a:rPr lang="en-US" altLang="zh-CN" dirty="0"/>
               <a:t>Runs on each node</a:t>
             </a:r>
           </a:p>
           <a:p>
             <a:pPr marL="742950" lvl="1" indent="-285750">
+              <a:lnSpc>
+                <a:spcPct val="150000"/>
+              </a:lnSpc>
               <a:buFont typeface="Arial" panose="020B0604020202020204" pitchFamily="34" charset="0"/>
               <a:buChar char="•"/>
             </a:pPr>
@@ -9136,6 +10109,9 @@
           </a:p>
           <a:p>
             <a:pPr marL="742950" lvl="1" indent="-285750">
+              <a:lnSpc>
+                <a:spcPct val="150000"/>
+              </a:lnSpc>
               <a:buFont typeface="Arial" panose="020B0604020202020204" pitchFamily="34" charset="0"/>
               <a:buChar char="•"/>
             </a:pPr>
@@ -9146,27 +10122,39 @@
           </a:p>
           <a:p>
             <a:pPr>
+              <a:lnSpc>
+                <a:spcPct val="150000"/>
+              </a:lnSpc>
               <a:buFont typeface="Arial" panose="020B0604020202020204" pitchFamily="34" charset="0"/>
               <a:buChar char="•"/>
             </a:pPr>
             <a:r>
               <a:rPr lang="en-US" altLang="zh-CN" b="1" dirty="0"/>
-              <a:t>QT GUI / Python (host-side)</a:t>
-            </a:r>
-            <a:endParaRPr lang="en-US" altLang="zh-CN" dirty="0"/>
-          </a:p>
-          <a:p>
-            <a:pPr marL="742950" lvl="1" indent="-285750">
+              <a:t>QT GUI </a:t>
+            </a:r>
+          </a:p>
+          <a:p>
+            <a:pPr lvl="1">
+              <a:lnSpc>
+                <a:spcPct val="150000"/>
+              </a:lnSpc>
               <a:buFont typeface="Arial" panose="020B0604020202020204" pitchFamily="34" charset="0"/>
               <a:buChar char="•"/>
             </a:pPr>
             <a:r>
+              <a:rPr lang="en-US" altLang="zh-CN" b="1" dirty="0"/>
+              <a:t>    </a:t>
+            </a:r>
+            <a:r>
               <a:rPr lang="en-US" altLang="zh-CN" dirty="0"/>
-              <a:t>Visual interface for drivers or developers</a:t>
+              <a:t>Visual interface for drivers and        developers</a:t>
             </a:r>
           </a:p>
           <a:p>
             <a:pPr marL="742950" lvl="1" indent="-285750">
+              <a:lnSpc>
+                <a:spcPct val="150000"/>
+              </a:lnSpc>
               <a:buFont typeface="Arial" panose="020B0604020202020204" pitchFamily="34" charset="0"/>
               <a:buChar char="•"/>
             </a:pPr>
@@ -9190,7 +10178,7 @@
 </p:sld>
 </file>
 
-<file path=ppt/slides/slide4.xml><?xml version="1.0" encoding="utf-8"?>
+<file path=ppt/slides/slide5.xml><?xml version="1.0" encoding="utf-8"?>
 <p:sld xmlns:a="http://schemas.openxmlformats.org/drawingml/2006/main" xmlns:r="http://schemas.openxmlformats.org/officeDocument/2006/relationships" xmlns:p="http://schemas.openxmlformats.org/presentationml/2006/main">
   <p:cSld>
     <p:spTree>
@@ -9225,49 +10213,359 @@
         </p:nvSpPr>
         <p:spPr>
           <a:xfrm>
-            <a:off x="779585" y="695447"/>
-            <a:ext cx="7221415" cy="1325563"/>
+            <a:off x="674077" y="666139"/>
+            <a:ext cx="10140461" cy="1325563"/>
           </a:xfrm>
         </p:spPr>
         <p:txBody>
-          <a:bodyPr/>
+          <a:bodyPr>
+            <a:normAutofit/>
+          </a:bodyPr>
           <a:lstStyle/>
           <a:p>
             <a:r>
-              <a:rPr lang="en-US" altLang="zh-CN" dirty="0"/>
+              <a:rPr lang="en-US" altLang="zh-CN" sz="4000" dirty="0">
+                <a:latin typeface="Arial" panose="020B0604020202020204" pitchFamily="34" charset="0"/>
+                <a:cs typeface="Arial" panose="020B0604020202020204" pitchFamily="34" charset="0"/>
+              </a:rPr>
               <a:t>Network description and routing technique</a:t>
             </a:r>
-            <a:endParaRPr lang="zh-CN" altLang="en-US" dirty="0"/>
-          </a:p>
-        </p:txBody>
-      </p:sp>
-      <p:sp>
-        <p:nvSpPr>
-          <p:cNvPr id="3" name="内容占位符 2">
+            <a:endParaRPr lang="zh-CN" altLang="en-US" sz="4000" dirty="0">
+              <a:latin typeface="Arial" panose="020B0604020202020204" pitchFamily="34" charset="0"/>
+              <a:cs typeface="Arial" panose="020B0604020202020204" pitchFamily="34" charset="0"/>
+            </a:endParaRPr>
+          </a:p>
+        </p:txBody>
+      </p:sp>
+      <p:sp>
+        <p:nvSpPr>
+          <p:cNvPr id="8" name="Rectangle 4">
             <a:extLst>
               <a:ext uri="{FF2B5EF4-FFF2-40B4-BE49-F238E27FC236}">
-                <a16:creationId xmlns:a16="http://schemas.microsoft.com/office/drawing/2014/main" id="{B078B511-E91A-BD80-3B1D-4C06E63F67A1}"/>
+                <a16:creationId xmlns:a16="http://schemas.microsoft.com/office/drawing/2014/main" id="{D6A59501-CB64-7D3F-4652-0B5ADE876169}"/>
               </a:ext>
             </a:extLst>
           </p:cNvPr>
           <p:cNvSpPr>
-            <a:spLocks noGrp="1"/>
+            <a:spLocks noGrp="1" noChangeArrowheads="1"/>
           </p:cNvSpPr>
           <p:nvPr>
             <p:ph idx="1"/>
           </p:nvPr>
         </p:nvSpPr>
-        <p:spPr>
+        <p:spPr bwMode="auto">
           <a:xfrm>
-            <a:off x="779585" y="2161687"/>
-            <a:ext cx="10515600" cy="4351338"/>
+            <a:off x="674077" y="1898299"/>
+            <a:ext cx="9487534" cy="3690177"/>
           </a:xfrm>
+          <a:prstGeom prst="rect">
+            <a:avLst/>
+          </a:prstGeom>
+          <a:noFill/>
+          <a:ln>
+            <a:noFill/>
+          </a:ln>
+          <a:effectLst/>
+          <a:extLst>
+            <a:ext uri="{909E8E84-426E-40DD-AFC4-6F175D3DCCD1}">
+              <a14:hiddenFill xmlns:a14="http://schemas.microsoft.com/office/drawing/2010/main">
+                <a:solidFill>
+                  <a:schemeClr val="accent1"/>
+                </a:solidFill>
+              </a14:hiddenFill>
+            </a:ext>
+            <a:ext uri="{91240B29-F687-4F45-9708-019B960494DF}">
+              <a14:hiddenLine xmlns:a14="http://schemas.microsoft.com/office/drawing/2010/main" w="9525">
+                <a:solidFill>
+                  <a:schemeClr val="tx1"/>
+                </a:solidFill>
+                <a:miter lim="800000"/>
+                <a:headEnd/>
+                <a:tailEnd/>
+              </a14:hiddenLine>
+            </a:ext>
+            <a:ext uri="{AF507438-7753-43E0-B8FC-AC1667EBCBE1}">
+              <a14:hiddenEffects xmlns:a14="http://schemas.microsoft.com/office/drawing/2010/main">
+                <a:effectLst>
+                  <a:outerShdw dist="35921" dir="2700000" algn="ctr" rotWithShape="0">
+                    <a:schemeClr val="bg2"/>
+                  </a:outerShdw>
+                </a:effectLst>
+              </a14:hiddenEffects>
+            </a:ext>
+          </a:extLst>
         </p:spPr>
         <p:txBody>
-          <a:bodyPr/>
+          <a:bodyPr vert="horz" wrap="none" lIns="91440" tIns="45720" rIns="91440" bIns="45720" numCol="1" anchor="ctr" anchorCtr="0" compatLnSpc="1">
+            <a:prstTxWarp prst="textNoShape">
+              <a:avLst/>
+            </a:prstTxWarp>
+            <a:spAutoFit/>
+          </a:bodyPr>
           <a:lstStyle/>
           <a:p>
-            <a:endParaRPr lang="zh-CN" altLang="en-US" dirty="0"/>
+            <a:pPr marL="0" marR="0" lvl="0" indent="0" algn="l" defTabSz="914400" rtl="0" eaLnBrk="0" fontAlgn="base" latinLnBrk="0" hangingPunct="0">
+              <a:lnSpc>
+                <a:spcPct val="200000"/>
+              </a:lnSpc>
+              <a:spcBef>
+                <a:spcPct val="0"/>
+              </a:spcBef>
+              <a:spcAft>
+                <a:spcPct val="0"/>
+              </a:spcAft>
+              <a:buClrTx/>
+              <a:buSzTx/>
+              <a:buFontTx/>
+              <a:buChar char="•"/>
+              <a:tabLst/>
+            </a:pPr>
+            <a:r>
+              <a:rPr kumimoji="0" lang="en-US" altLang="zh-CN" sz="2000" b="0" i="0" u="none" strike="noStrike" cap="none" normalizeH="0" baseline="0" dirty="0">
+                <a:ln>
+                  <a:noFill/>
+                </a:ln>
+                <a:solidFill>
+                  <a:schemeClr val="tx1"/>
+                </a:solidFill>
+                <a:effectLst/>
+                <a:latin typeface="Arial" panose="020B0604020202020204" pitchFamily="34" charset="0"/>
+              </a:rPr>
+              <a:t>   </a:t>
+            </a:r>
+            <a:r>
+              <a:rPr kumimoji="0" lang="zh-CN" altLang="zh-CN" sz="2000" b="0" i="0" u="none" strike="noStrike" cap="none" normalizeH="0" baseline="0" dirty="0">
+                <a:ln>
+                  <a:noFill/>
+                </a:ln>
+                <a:solidFill>
+                  <a:schemeClr val="tx1"/>
+                </a:solidFill>
+                <a:effectLst/>
+                <a:latin typeface="Arial" panose="020B0604020202020204" pitchFamily="34" charset="0"/>
+              </a:rPr>
+              <a:t>Custom RIP-based multi-hop protocol with self-organizing topology</a:t>
+            </a:r>
+          </a:p>
+          <a:p>
+            <a:pPr marL="0" marR="0" lvl="0" indent="0" algn="l" defTabSz="914400" rtl="0" eaLnBrk="0" fontAlgn="base" latinLnBrk="0" hangingPunct="0">
+              <a:lnSpc>
+                <a:spcPct val="200000"/>
+              </a:lnSpc>
+              <a:spcBef>
+                <a:spcPct val="0"/>
+              </a:spcBef>
+              <a:spcAft>
+                <a:spcPct val="0"/>
+              </a:spcAft>
+              <a:buClrTx/>
+              <a:buSzTx/>
+              <a:buFontTx/>
+              <a:buChar char="•"/>
+              <a:tabLst/>
+            </a:pPr>
+            <a:r>
+              <a:rPr kumimoji="0" lang="en-US" altLang="zh-CN" sz="2000" b="0" i="0" u="none" strike="noStrike" cap="none" normalizeH="0" baseline="0" dirty="0">
+                <a:ln>
+                  <a:noFill/>
+                </a:ln>
+                <a:solidFill>
+                  <a:schemeClr val="tx1"/>
+                </a:solidFill>
+                <a:effectLst/>
+                <a:latin typeface="Arial" panose="020B0604020202020204" pitchFamily="34" charset="0"/>
+              </a:rPr>
+              <a:t>   </a:t>
+            </a:r>
+            <a:r>
+              <a:rPr kumimoji="0" lang="zh-CN" altLang="zh-CN" sz="2000" b="0" i="0" u="none" strike="noStrike" cap="none" normalizeH="0" baseline="0" dirty="0">
+                <a:ln>
+                  <a:noFill/>
+                </a:ln>
+                <a:solidFill>
+                  <a:schemeClr val="tx1"/>
+                </a:solidFill>
+                <a:effectLst/>
+                <a:latin typeface="Arial" panose="020B0604020202020204" pitchFamily="34" charset="0"/>
+              </a:rPr>
+              <a:t>Cluster heads selected based on hop count, RSSI, and battery level</a:t>
+            </a:r>
+          </a:p>
+          <a:p>
+            <a:pPr marL="0" marR="0" lvl="0" indent="0" algn="l" defTabSz="914400" rtl="0" eaLnBrk="0" fontAlgn="base" latinLnBrk="0" hangingPunct="0">
+              <a:lnSpc>
+                <a:spcPct val="200000"/>
+              </a:lnSpc>
+              <a:spcBef>
+                <a:spcPct val="0"/>
+              </a:spcBef>
+              <a:spcAft>
+                <a:spcPct val="0"/>
+              </a:spcAft>
+              <a:buClrTx/>
+              <a:buSzTx/>
+              <a:buFontTx/>
+              <a:buChar char="•"/>
+              <a:tabLst/>
+            </a:pPr>
+            <a:r>
+              <a:rPr kumimoji="0" lang="en-US" altLang="zh-CN" sz="2000" b="0" i="0" u="none" strike="noStrike" cap="none" normalizeH="0" baseline="0" dirty="0">
+                <a:ln>
+                  <a:noFill/>
+                </a:ln>
+                <a:solidFill>
+                  <a:schemeClr val="tx1"/>
+                </a:solidFill>
+                <a:effectLst/>
+                <a:latin typeface="Arial" panose="020B0604020202020204" pitchFamily="34" charset="0"/>
+              </a:rPr>
+              <a:t>   </a:t>
+            </a:r>
+            <a:r>
+              <a:rPr kumimoji="0" lang="zh-CN" altLang="zh-CN" sz="2000" b="0" i="0" u="none" strike="noStrike" cap="none" normalizeH="0" baseline="0" dirty="0">
+                <a:ln>
+                  <a:noFill/>
+                </a:ln>
+                <a:solidFill>
+                  <a:schemeClr val="tx1"/>
+                </a:solidFill>
+                <a:effectLst/>
+                <a:latin typeface="Arial" panose="020B0604020202020204" pitchFamily="34" charset="0"/>
+              </a:rPr>
+              <a:t>Topology discovery via DIO/DAO exchange; routing tables updated dynamically</a:t>
+            </a:r>
+          </a:p>
+          <a:p>
+            <a:pPr marL="0" marR="0" lvl="0" indent="0" algn="l" defTabSz="914400" rtl="0" eaLnBrk="0" fontAlgn="base" latinLnBrk="0" hangingPunct="0">
+              <a:lnSpc>
+                <a:spcPct val="200000"/>
+              </a:lnSpc>
+              <a:spcBef>
+                <a:spcPct val="0"/>
+              </a:spcBef>
+              <a:spcAft>
+                <a:spcPct val="0"/>
+              </a:spcAft>
+              <a:buClrTx/>
+              <a:buSzTx/>
+              <a:buFontTx/>
+              <a:buChar char="•"/>
+              <a:tabLst/>
+            </a:pPr>
+            <a:r>
+              <a:rPr kumimoji="0" lang="en-US" altLang="zh-CN" sz="2000" b="0" i="0" u="none" strike="noStrike" cap="none" normalizeH="0" baseline="0" dirty="0">
+                <a:ln>
+                  <a:noFill/>
+                </a:ln>
+                <a:solidFill>
+                  <a:schemeClr val="tx1"/>
+                </a:solidFill>
+                <a:effectLst/>
+                <a:latin typeface="Arial" panose="020B0604020202020204" pitchFamily="34" charset="0"/>
+              </a:rPr>
+              <a:t>   </a:t>
+            </a:r>
+            <a:r>
+              <a:rPr kumimoji="0" lang="zh-CN" altLang="zh-CN" sz="2000" b="0" i="0" u="none" strike="noStrike" cap="none" normalizeH="0" baseline="0" dirty="0">
+                <a:ln>
+                  <a:noFill/>
+                </a:ln>
+                <a:solidFill>
+                  <a:schemeClr val="tx1"/>
+                </a:solidFill>
+                <a:effectLst/>
+                <a:latin typeface="Arial" panose="020B0604020202020204" pitchFamily="34" charset="0"/>
+              </a:rPr>
+              <a:t>Master node maintains global view and broadcasts cluster assignments</a:t>
+            </a:r>
+          </a:p>
+          <a:p>
+            <a:pPr marL="0" marR="0" lvl="0" indent="0" algn="l" defTabSz="914400" rtl="0" eaLnBrk="0" fontAlgn="base" latinLnBrk="0" hangingPunct="0">
+              <a:lnSpc>
+                <a:spcPct val="200000"/>
+              </a:lnSpc>
+              <a:spcBef>
+                <a:spcPct val="0"/>
+              </a:spcBef>
+              <a:spcAft>
+                <a:spcPct val="0"/>
+              </a:spcAft>
+              <a:buClrTx/>
+              <a:buSzTx/>
+              <a:buFontTx/>
+              <a:buChar char="•"/>
+              <a:tabLst/>
+            </a:pPr>
+            <a:r>
+              <a:rPr kumimoji="0" lang="en-US" altLang="zh-CN" sz="2000" b="0" i="0" u="none" strike="noStrike" cap="none" normalizeH="0" baseline="0" dirty="0">
+                <a:ln>
+                  <a:noFill/>
+                </a:ln>
+                <a:solidFill>
+                  <a:schemeClr val="tx1"/>
+                </a:solidFill>
+                <a:effectLst/>
+                <a:latin typeface="Arial" panose="020B0604020202020204" pitchFamily="34" charset="0"/>
+              </a:rPr>
+              <a:t>   </a:t>
+            </a:r>
+            <a:r>
+              <a:rPr kumimoji="0" lang="zh-CN" altLang="zh-CN" sz="2000" b="0" i="0" u="none" strike="noStrike" cap="none" normalizeH="0" baseline="0" dirty="0">
+                <a:ln>
+                  <a:noFill/>
+                </a:ln>
+                <a:solidFill>
+                  <a:schemeClr val="tx1"/>
+                </a:solidFill>
+                <a:effectLst/>
+                <a:latin typeface="Arial" panose="020B0604020202020204" pitchFamily="34" charset="0"/>
+              </a:rPr>
+              <a:t>Hierarchical data forwarding through cluster heads</a:t>
+            </a:r>
+          </a:p>
+          <a:p>
+            <a:pPr marL="0" marR="0" lvl="0" indent="0" algn="l" defTabSz="914400" rtl="0" eaLnBrk="0" fontAlgn="base" latinLnBrk="0" hangingPunct="0">
+              <a:lnSpc>
+                <a:spcPct val="200000"/>
+              </a:lnSpc>
+              <a:spcBef>
+                <a:spcPct val="0"/>
+              </a:spcBef>
+              <a:spcAft>
+                <a:spcPct val="0"/>
+              </a:spcAft>
+              <a:buClrTx/>
+              <a:buSzTx/>
+              <a:buFontTx/>
+              <a:buChar char="•"/>
+              <a:tabLst/>
+            </a:pPr>
+            <a:r>
+              <a:rPr kumimoji="0" lang="en-US" altLang="zh-CN" sz="2000" b="0" i="0" u="none" strike="noStrike" cap="none" normalizeH="0" baseline="0" dirty="0">
+                <a:ln>
+                  <a:noFill/>
+                </a:ln>
+                <a:solidFill>
+                  <a:schemeClr val="tx1"/>
+                </a:solidFill>
+                <a:effectLst/>
+                <a:latin typeface="Arial" panose="020B0604020202020204" pitchFamily="34" charset="0"/>
+              </a:rPr>
+              <a:t>   </a:t>
+            </a:r>
+            <a:r>
+              <a:rPr kumimoji="0" lang="zh-CN" altLang="zh-CN" sz="2000" b="0" i="0" u="none" strike="noStrike" cap="none" normalizeH="0" baseline="0" dirty="0">
+                <a:ln>
+                  <a:noFill/>
+                </a:ln>
+                <a:solidFill>
+                  <a:schemeClr val="tx1"/>
+                </a:solidFill>
+                <a:effectLst/>
+                <a:latin typeface="Arial" panose="020B0604020202020204" pitchFamily="34" charset="0"/>
+              </a:rPr>
+              <a:t>Dynamic node joining supported via DIO broadcast and topology re-initiation</a:t>
+            </a:r>
           </a:p>
         </p:txBody>
       </p:sp>
@@ -9284,7 +10582,7 @@
 </p:sld>
 </file>
 
-<file path=ppt/slides/slide5.xml><?xml version="1.0" encoding="utf-8"?>
+<file path=ppt/slides/slide6.xml><?xml version="1.0" encoding="utf-8"?>
 <p:sld xmlns:a="http://schemas.openxmlformats.org/drawingml/2006/main" xmlns:r="http://schemas.openxmlformats.org/officeDocument/2006/relationships" xmlns:p="http://schemas.openxmlformats.org/presentationml/2006/main">
   <p:cSld>
     <p:spTree>
@@ -9330,14 +10628,16 @@
           </a:xfrm>
         </p:spPr>
         <p:txBody>
-          <a:bodyPr/>
+          <a:bodyPr>
+            <a:normAutofit/>
+          </a:bodyPr>
           <a:lstStyle/>
           <a:p>
             <a:r>
-              <a:rPr lang="en-US" altLang="zh-CN" dirty="0"/>
+              <a:rPr lang="en-US" altLang="zh-CN" sz="4000" dirty="0"/>
               <a:t>Graphical user interface (GUI)</a:t>
             </a:r>
-            <a:endParaRPr lang="zh-CN" altLang="en-US" dirty="0"/>
+            <a:endParaRPr lang="zh-CN" altLang="en-US" sz="4000" dirty="0"/>
           </a:p>
         </p:txBody>
       </p:sp>
@@ -9371,11 +10671,274 @@
         </p:blipFill>
         <p:spPr>
           <a:xfrm>
-            <a:off x="903892" y="1781908"/>
-            <a:ext cx="4859765" cy="4467225"/>
+            <a:off x="909753" y="1609986"/>
+            <a:ext cx="5104185" cy="4691902"/>
           </a:xfrm>
         </p:spPr>
       </p:pic>
+      <p:sp>
+        <p:nvSpPr>
+          <p:cNvPr id="8" name="内容占位符 3">
+            <a:extLst>
+              <a:ext uri="{FF2B5EF4-FFF2-40B4-BE49-F238E27FC236}">
+                <a16:creationId xmlns:a16="http://schemas.microsoft.com/office/drawing/2014/main" id="{76FA3D19-E431-03F7-BF69-920833628B7C}"/>
+              </a:ext>
+            </a:extLst>
+          </p:cNvPr>
+          <p:cNvSpPr txBox="1">
+            <a:spLocks/>
+          </p:cNvSpPr>
+          <p:nvPr/>
+        </p:nvSpPr>
+        <p:spPr>
+          <a:xfrm>
+            <a:off x="6570784" y="1825625"/>
+            <a:ext cx="4964724" cy="4351338"/>
+          </a:xfrm>
+          <a:prstGeom prst="rect">
+            <a:avLst/>
+          </a:prstGeom>
+        </p:spPr>
+        <p:txBody>
+          <a:bodyPr vert="horz" lIns="91440" tIns="45720" rIns="91440" bIns="45720" rtlCol="0">
+            <a:normAutofit fontScale="92500" lnSpcReduction="10000"/>
+          </a:bodyPr>
+          <a:lstStyle>
+            <a:lvl1pPr marL="228600" indent="-228600" algn="l" defTabSz="914400" rtl="0" eaLnBrk="1" latinLnBrk="0" hangingPunct="1">
+              <a:lnSpc>
+                <a:spcPct val="90000"/>
+              </a:lnSpc>
+              <a:spcBef>
+                <a:spcPts val="1000"/>
+              </a:spcBef>
+              <a:buFont typeface="Arial" panose="020B0604020202020204" pitchFamily="34" charset="0"/>
+              <a:buChar char="•"/>
+              <a:defRPr sz="2800" kern="1200">
+                <a:solidFill>
+                  <a:schemeClr val="tx1"/>
+                </a:solidFill>
+                <a:latin typeface="+mn-lt"/>
+                <a:ea typeface="+mn-ea"/>
+                <a:cs typeface="+mn-cs"/>
+              </a:defRPr>
+            </a:lvl1pPr>
+            <a:lvl2pPr marL="685800" indent="-228600" algn="l" defTabSz="914400" rtl="0" eaLnBrk="1" latinLnBrk="0" hangingPunct="1">
+              <a:lnSpc>
+                <a:spcPct val="90000"/>
+              </a:lnSpc>
+              <a:spcBef>
+                <a:spcPts val="500"/>
+              </a:spcBef>
+              <a:buFont typeface="Arial" panose="020B0604020202020204" pitchFamily="34" charset="0"/>
+              <a:buChar char="•"/>
+              <a:defRPr sz="2400" kern="1200">
+                <a:solidFill>
+                  <a:schemeClr val="tx1"/>
+                </a:solidFill>
+                <a:latin typeface="+mn-lt"/>
+                <a:ea typeface="+mn-ea"/>
+                <a:cs typeface="+mn-cs"/>
+              </a:defRPr>
+            </a:lvl2pPr>
+            <a:lvl3pPr marL="1143000" indent="-228600" algn="l" defTabSz="914400" rtl="0" eaLnBrk="1" latinLnBrk="0" hangingPunct="1">
+              <a:lnSpc>
+                <a:spcPct val="90000"/>
+              </a:lnSpc>
+              <a:spcBef>
+                <a:spcPts val="500"/>
+              </a:spcBef>
+              <a:buFont typeface="Arial" panose="020B0604020202020204" pitchFamily="34" charset="0"/>
+              <a:buChar char="•"/>
+              <a:defRPr sz="2000" kern="1200">
+                <a:solidFill>
+                  <a:schemeClr val="tx1"/>
+                </a:solidFill>
+                <a:latin typeface="+mn-lt"/>
+                <a:ea typeface="+mn-ea"/>
+                <a:cs typeface="+mn-cs"/>
+              </a:defRPr>
+            </a:lvl3pPr>
+            <a:lvl4pPr marL="1600200" indent="-228600" algn="l" defTabSz="914400" rtl="0" eaLnBrk="1" latinLnBrk="0" hangingPunct="1">
+              <a:lnSpc>
+                <a:spcPct val="90000"/>
+              </a:lnSpc>
+              <a:spcBef>
+                <a:spcPts val="500"/>
+              </a:spcBef>
+              <a:buFont typeface="Arial" panose="020B0604020202020204" pitchFamily="34" charset="0"/>
+              <a:buChar char="•"/>
+              <a:defRPr sz="1800" kern="1200">
+                <a:solidFill>
+                  <a:schemeClr val="tx1"/>
+                </a:solidFill>
+                <a:latin typeface="+mn-lt"/>
+                <a:ea typeface="+mn-ea"/>
+                <a:cs typeface="+mn-cs"/>
+              </a:defRPr>
+            </a:lvl4pPr>
+            <a:lvl5pPr marL="2057400" indent="-228600" algn="l" defTabSz="914400" rtl="0" eaLnBrk="1" latinLnBrk="0" hangingPunct="1">
+              <a:lnSpc>
+                <a:spcPct val="90000"/>
+              </a:lnSpc>
+              <a:spcBef>
+                <a:spcPts val="500"/>
+              </a:spcBef>
+              <a:buFont typeface="Arial" panose="020B0604020202020204" pitchFamily="34" charset="0"/>
+              <a:buChar char="•"/>
+              <a:defRPr sz="1800" kern="1200">
+                <a:solidFill>
+                  <a:schemeClr val="tx1"/>
+                </a:solidFill>
+                <a:latin typeface="+mn-lt"/>
+                <a:ea typeface="+mn-ea"/>
+                <a:cs typeface="+mn-cs"/>
+              </a:defRPr>
+            </a:lvl5pPr>
+            <a:lvl6pPr marL="2514600" indent="-228600" algn="l" defTabSz="914400" rtl="0" eaLnBrk="1" latinLnBrk="0" hangingPunct="1">
+              <a:lnSpc>
+                <a:spcPct val="90000"/>
+              </a:lnSpc>
+              <a:spcBef>
+                <a:spcPts val="500"/>
+              </a:spcBef>
+              <a:buFont typeface="Arial" panose="020B0604020202020204" pitchFamily="34" charset="0"/>
+              <a:buChar char="•"/>
+              <a:defRPr sz="1800" kern="1200">
+                <a:solidFill>
+                  <a:schemeClr val="tx1"/>
+                </a:solidFill>
+                <a:latin typeface="+mn-lt"/>
+                <a:ea typeface="+mn-ea"/>
+                <a:cs typeface="+mn-cs"/>
+              </a:defRPr>
+            </a:lvl6pPr>
+            <a:lvl7pPr marL="2971800" indent="-228600" algn="l" defTabSz="914400" rtl="0" eaLnBrk="1" latinLnBrk="0" hangingPunct="1">
+              <a:lnSpc>
+                <a:spcPct val="90000"/>
+              </a:lnSpc>
+              <a:spcBef>
+                <a:spcPts val="500"/>
+              </a:spcBef>
+              <a:buFont typeface="Arial" panose="020B0604020202020204" pitchFamily="34" charset="0"/>
+              <a:buChar char="•"/>
+              <a:defRPr sz="1800" kern="1200">
+                <a:solidFill>
+                  <a:schemeClr val="tx1"/>
+                </a:solidFill>
+                <a:latin typeface="+mn-lt"/>
+                <a:ea typeface="+mn-ea"/>
+                <a:cs typeface="+mn-cs"/>
+              </a:defRPr>
+            </a:lvl7pPr>
+            <a:lvl8pPr marL="3429000" indent="-228600" algn="l" defTabSz="914400" rtl="0" eaLnBrk="1" latinLnBrk="0" hangingPunct="1">
+              <a:lnSpc>
+                <a:spcPct val="90000"/>
+              </a:lnSpc>
+              <a:spcBef>
+                <a:spcPts val="500"/>
+              </a:spcBef>
+              <a:buFont typeface="Arial" panose="020B0604020202020204" pitchFamily="34" charset="0"/>
+              <a:buChar char="•"/>
+              <a:defRPr sz="1800" kern="1200">
+                <a:solidFill>
+                  <a:schemeClr val="tx1"/>
+                </a:solidFill>
+                <a:latin typeface="+mn-lt"/>
+                <a:ea typeface="+mn-ea"/>
+                <a:cs typeface="+mn-cs"/>
+              </a:defRPr>
+            </a:lvl8pPr>
+            <a:lvl9pPr marL="3886200" indent="-228600" algn="l" defTabSz="914400" rtl="0" eaLnBrk="1" latinLnBrk="0" hangingPunct="1">
+              <a:lnSpc>
+                <a:spcPct val="90000"/>
+              </a:lnSpc>
+              <a:spcBef>
+                <a:spcPts val="500"/>
+              </a:spcBef>
+              <a:buFont typeface="Arial" panose="020B0604020202020204" pitchFamily="34" charset="0"/>
+              <a:buChar char="•"/>
+              <a:defRPr sz="1800" kern="1200">
+                <a:solidFill>
+                  <a:schemeClr val="tx1"/>
+                </a:solidFill>
+                <a:latin typeface="+mn-lt"/>
+                <a:ea typeface="+mn-ea"/>
+                <a:cs typeface="+mn-cs"/>
+              </a:defRPr>
+            </a:lvl9pPr>
+          </a:lstStyle>
+          <a:p>
+            <a:pPr>
+              <a:lnSpc>
+                <a:spcPct val="150000"/>
+              </a:lnSpc>
+            </a:pPr>
+            <a:r>
+              <a:rPr lang="en-US" altLang="zh-CN" dirty="0"/>
+              <a:t>Left panel of the GUI:</a:t>
+            </a:r>
+          </a:p>
+          <a:p>
+            <a:pPr lvl="1">
+              <a:lnSpc>
+                <a:spcPct val="150000"/>
+              </a:lnSpc>
+            </a:pPr>
+            <a:r>
+              <a:rPr lang="en-US" altLang="zh-CN" dirty="0"/>
+              <a:t>Open/close serial port, set transmit power</a:t>
+            </a:r>
+          </a:p>
+          <a:p>
+            <a:pPr lvl="1">
+              <a:lnSpc>
+                <a:spcPct val="150000"/>
+              </a:lnSpc>
+            </a:pPr>
+            <a:r>
+              <a:rPr lang="en-US" altLang="zh-CN" dirty="0"/>
+              <a:t>Show parsed messages from master</a:t>
+            </a:r>
+          </a:p>
+          <a:p>
+            <a:pPr lvl="1">
+              <a:lnSpc>
+                <a:spcPct val="150000"/>
+              </a:lnSpc>
+            </a:pPr>
+            <a:r>
+              <a:rPr lang="en-US" altLang="zh-CN" dirty="0"/>
+              <a:t>Display light, distance, battery per node</a:t>
+            </a:r>
+          </a:p>
+          <a:p>
+            <a:pPr lvl="1">
+              <a:lnSpc>
+                <a:spcPct val="150000"/>
+              </a:lnSpc>
+            </a:pPr>
+            <a:r>
+              <a:rPr lang="en-US" altLang="zh-CN" dirty="0"/>
+              <a:t>Indicate parking slot status</a:t>
+            </a:r>
+          </a:p>
+          <a:p>
+            <a:pPr lvl="1">
+              <a:lnSpc>
+                <a:spcPct val="150000"/>
+              </a:lnSpc>
+            </a:pPr>
+            <a:r>
+              <a:rPr lang="en-US" altLang="zh-CN" dirty="0"/>
+              <a:t>Indicate node status</a:t>
+            </a:r>
+          </a:p>
+          <a:p>
+            <a:pPr lvl="1"/>
+            <a:endParaRPr lang="en-US" altLang="zh-CN" dirty="0"/>
+          </a:p>
+        </p:txBody>
+      </p:sp>
     </p:spTree>
     <p:extLst>
       <p:ext uri="{BB962C8B-B14F-4D97-AF65-F5344CB8AC3E}">
@@ -9389,7 +10952,7 @@
 </p:sld>
 </file>
 
-<file path=ppt/slides/slide6.xml><?xml version="1.0" encoding="utf-8"?>
+<file path=ppt/slides/slide7.xml><?xml version="1.0" encoding="utf-8"?>
 <p:sld xmlns:a="http://schemas.openxmlformats.org/drawingml/2006/main" xmlns:r="http://schemas.openxmlformats.org/officeDocument/2006/relationships" xmlns:p="http://schemas.openxmlformats.org/presentationml/2006/main">
   <p:cSld>
     <p:spTree>
@@ -9435,14 +10998,16 @@
           </a:xfrm>
         </p:spPr>
         <p:txBody>
-          <a:bodyPr/>
+          <a:bodyPr>
+            <a:normAutofit/>
+          </a:bodyPr>
           <a:lstStyle/>
           <a:p>
             <a:r>
-              <a:rPr lang="en-US" altLang="zh-CN" dirty="0"/>
+              <a:rPr lang="en-US" altLang="zh-CN" sz="4000" dirty="0"/>
               <a:t>Graphical user interface (GUI)</a:t>
             </a:r>
-            <a:endParaRPr lang="zh-CN" altLang="en-US" dirty="0"/>
+            <a:endParaRPr lang="zh-CN" altLang="en-US" sz="4000" dirty="0"/>
           </a:p>
         </p:txBody>
       </p:sp>
@@ -9505,39 +11070,102 @@
           </a:xfrm>
         </p:spPr>
         <p:txBody>
-          <a:bodyPr/>
+          <a:bodyPr>
+            <a:normAutofit lnSpcReduction="10000"/>
+          </a:bodyPr>
           <a:lstStyle/>
           <a:p>
+            <a:pPr>
+              <a:lnSpc>
+                <a:spcPct val="150000"/>
+              </a:lnSpc>
+            </a:pPr>
             <a:r>
               <a:rPr lang="en-US" altLang="zh-CN" dirty="0"/>
-              <a:t>Right-hand-side of the GUI:</a:t>
-            </a:r>
-          </a:p>
-          <a:p>
-            <a:pPr marL="0" indent="0">
-              <a:buNone/>
+              <a:t>Right panel of the GUI:</a:t>
+            </a:r>
+          </a:p>
+          <a:p>
+            <a:pPr lvl="1">
+              <a:lnSpc>
+                <a:spcPct val="150000"/>
+              </a:lnSpc>
             </a:pPr>
             <a:r>
               <a:rPr lang="en-US" altLang="zh-CN" dirty="0"/>
-              <a:t>displays topology + network changes</a:t>
-            </a:r>
-          </a:p>
-          <a:p>
-            <a:pPr marL="0" indent="0">
-              <a:buNone/>
+              <a:t>Visualizes real-time network topology and routing updates</a:t>
+            </a:r>
+          </a:p>
+          <a:p>
+            <a:pPr lvl="1">
+              <a:lnSpc>
+                <a:spcPct val="150000"/>
+              </a:lnSpc>
             </a:pPr>
-            <a:endParaRPr lang="en-US" altLang="zh-CN" dirty="0"/>
-          </a:p>
-          <a:p>
             <a:r>
               <a:rPr lang="en-US" altLang="zh-CN" dirty="0"/>
-              <a:t>Use different color to mark different nodes (4 types </a:t>
-            </a:r>
-            <a:r>
-              <a:rPr lang="en-US" altLang="zh-CN"/>
-              <a:t>in total)</a:t>
-            </a:r>
-            <a:endParaRPr lang="zh-CN" altLang="en-US" dirty="0"/>
+              <a:t>Node types are color-coded:</a:t>
+            </a:r>
+          </a:p>
+          <a:p>
+            <a:pPr lvl="2">
+              <a:lnSpc>
+                <a:spcPct val="150000"/>
+              </a:lnSpc>
+            </a:pPr>
+            <a:r>
+              <a:rPr lang="zh-CN" altLang="en-US" dirty="0"/>
+              <a:t>🔴 </a:t>
+            </a:r>
+            <a:r>
+              <a:rPr lang="en-US" altLang="zh-CN" dirty="0"/>
+              <a:t>Red: Offline</a:t>
+            </a:r>
+          </a:p>
+          <a:p>
+            <a:pPr lvl="2">
+              <a:lnSpc>
+                <a:spcPct val="150000"/>
+              </a:lnSpc>
+            </a:pPr>
+            <a:r>
+              <a:rPr lang="zh-CN" altLang="en-US" dirty="0"/>
+              <a:t>🟠 </a:t>
+            </a:r>
+            <a:r>
+              <a:rPr lang="en-US" altLang="zh-CN" dirty="0"/>
+              <a:t>Orange: Normal node</a:t>
+            </a:r>
+          </a:p>
+          <a:p>
+            <a:pPr lvl="2">
+              <a:lnSpc>
+                <a:spcPct val="150000"/>
+              </a:lnSpc>
+            </a:pPr>
+            <a:r>
+              <a:rPr lang="zh-CN" altLang="en-US" dirty="0"/>
+              <a:t>🔵 </a:t>
+            </a:r>
+            <a:r>
+              <a:rPr lang="en-US" altLang="zh-CN" dirty="0"/>
+              <a:t>Light blue: Cluster head</a:t>
+            </a:r>
+          </a:p>
+          <a:p>
+            <a:pPr lvl="2">
+              <a:lnSpc>
+                <a:spcPct val="150000"/>
+              </a:lnSpc>
+            </a:pPr>
+            <a:r>
+              <a:rPr lang="zh-CN" altLang="en-US" dirty="0"/>
+              <a:t>🔷 </a:t>
+            </a:r>
+            <a:r>
+              <a:rPr lang="en-US" altLang="zh-CN" dirty="0"/>
+              <a:t>Dark blue: Master node</a:t>
+            </a:r>
           </a:p>
         </p:txBody>
       </p:sp>
@@ -9545,106 +11173,6 @@
     <p:extLst>
       <p:ext uri="{BB962C8B-B14F-4D97-AF65-F5344CB8AC3E}">
         <p14:creationId xmlns:p14="http://schemas.microsoft.com/office/powerpoint/2010/main" val="3879945958"/>
-      </p:ext>
-    </p:extLst>
-  </p:cSld>
-  <p:clrMapOvr>
-    <a:masterClrMapping/>
-  </p:clrMapOvr>
-</p:sld>
-</file>
-
-<file path=ppt/slides/slide7.xml><?xml version="1.0" encoding="utf-8"?>
-<p:sld xmlns:a="http://schemas.openxmlformats.org/drawingml/2006/main" xmlns:r="http://schemas.openxmlformats.org/officeDocument/2006/relationships" xmlns:p="http://schemas.openxmlformats.org/presentationml/2006/main">
-  <p:cSld>
-    <p:spTree>
-      <p:nvGrpSpPr>
-        <p:cNvPr id="1" name=""/>
-        <p:cNvGrpSpPr/>
-        <p:nvPr/>
-      </p:nvGrpSpPr>
-      <p:grpSpPr>
-        <a:xfrm>
-          <a:off x="0" y="0"/>
-          <a:ext cx="0" cy="0"/>
-          <a:chOff x="0" y="0"/>
-          <a:chExt cx="0" cy="0"/>
-        </a:xfrm>
-      </p:grpSpPr>
-      <p:sp>
-        <p:nvSpPr>
-          <p:cNvPr id="2" name="标题 1">
-            <a:extLst>
-              <a:ext uri="{FF2B5EF4-FFF2-40B4-BE49-F238E27FC236}">
-                <a16:creationId xmlns:a16="http://schemas.microsoft.com/office/drawing/2014/main" id="{8D3B5524-4C1F-6AAE-3281-FF904831A7D3}"/>
-              </a:ext>
-            </a:extLst>
-          </p:cNvPr>
-          <p:cNvSpPr>
-            <a:spLocks noGrp="1"/>
-          </p:cNvSpPr>
-          <p:nvPr>
-            <p:ph type="title"/>
-          </p:nvPr>
-        </p:nvSpPr>
-        <p:spPr/>
-        <p:txBody>
-          <a:bodyPr/>
-          <a:lstStyle/>
-          <a:p>
-            <a:r>
-              <a:rPr lang="en-US" altLang="zh-CN" dirty="0"/>
-              <a:t>Application-specific features </a:t>
-            </a:r>
-            <a:endParaRPr lang="zh-CN" altLang="en-US" dirty="0"/>
-          </a:p>
-        </p:txBody>
-      </p:sp>
-      <p:sp>
-        <p:nvSpPr>
-          <p:cNvPr id="3" name="内容占位符 2">
-            <a:extLst>
-              <a:ext uri="{FF2B5EF4-FFF2-40B4-BE49-F238E27FC236}">
-                <a16:creationId xmlns:a16="http://schemas.microsoft.com/office/drawing/2014/main" id="{B0C141C0-1A9B-0B80-9BF4-5CC8B76810DD}"/>
-              </a:ext>
-            </a:extLst>
-          </p:cNvPr>
-          <p:cNvSpPr>
-            <a:spLocks noGrp="1"/>
-          </p:cNvSpPr>
-          <p:nvPr>
-            <p:ph idx="1"/>
-          </p:nvPr>
-        </p:nvSpPr>
-        <p:spPr/>
-        <p:txBody>
-          <a:bodyPr/>
-          <a:lstStyle/>
-          <a:p>
-            <a:pPr marL="514350" indent="-514350">
-              <a:buAutoNum type="arabicPeriod"/>
-            </a:pPr>
-            <a:r>
-              <a:rPr lang="en-US" altLang="zh-CN" dirty="0"/>
-              <a:t>Routing Protocol  </a:t>
-            </a:r>
-          </a:p>
-          <a:p>
-            <a:pPr marL="514350" indent="-514350">
-              <a:buAutoNum type="arabicPeriod"/>
-            </a:pPr>
-            <a:r>
-              <a:rPr lang="en-US" altLang="zh-CN" dirty="0"/>
-              <a:t>Value filter system in network and GUI</a:t>
-            </a:r>
-            <a:endParaRPr lang="zh-CN" altLang="en-US" dirty="0"/>
-          </a:p>
-        </p:txBody>
-      </p:sp>
-    </p:spTree>
-    <p:extLst>
-      <p:ext uri="{BB962C8B-B14F-4D97-AF65-F5344CB8AC3E}">
-        <p14:creationId xmlns:p14="http://schemas.microsoft.com/office/powerpoint/2010/main" val="2957170577"/>
       </p:ext>
     </p:extLst>
   </p:cSld>
@@ -9676,7 +11204,7 @@
           <p:cNvPr id="2" name="标题 1">
             <a:extLst>
               <a:ext uri="{FF2B5EF4-FFF2-40B4-BE49-F238E27FC236}">
-                <a16:creationId xmlns:a16="http://schemas.microsoft.com/office/drawing/2014/main" id="{1F49A434-85AD-5400-39C8-687CCA487C63}"/>
+                <a16:creationId xmlns:a16="http://schemas.microsoft.com/office/drawing/2014/main" id="{AD5E9941-E3A6-E480-15D4-5FDB0D14E74E}"/>
               </a:ext>
             </a:extLst>
           </p:cNvPr>
@@ -9694,41 +11222,159 @@
           <a:p>
             <a:r>
               <a:rPr lang="en-US" altLang="zh-CN" dirty="0"/>
-              <a:t>Demonstration cases  </a:t>
+              <a:t>Network in different condition </a:t>
             </a:r>
             <a:endParaRPr lang="zh-CN" altLang="en-US" dirty="0"/>
           </a:p>
         </p:txBody>
       </p:sp>
-      <p:sp>
-        <p:nvSpPr>
-          <p:cNvPr id="4" name="文本占位符 3">
+      <p:pic>
+        <p:nvPicPr>
+          <p:cNvPr id="5" name="内容占位符 4">
             <a:extLst>
               <a:ext uri="{FF2B5EF4-FFF2-40B4-BE49-F238E27FC236}">
-                <a16:creationId xmlns:a16="http://schemas.microsoft.com/office/drawing/2014/main" id="{50427620-1FCF-C79D-E372-8620C8806ECE}"/>
+                <a16:creationId xmlns:a16="http://schemas.microsoft.com/office/drawing/2014/main" id="{921AD6F2-CCF6-0320-97FE-85DB3AAB6BB8}"/>
               </a:ext>
             </a:extLst>
           </p:cNvPr>
-          <p:cNvSpPr>
-            <a:spLocks noGrp="1"/>
-          </p:cNvSpPr>
-          <p:nvPr>
-            <p:ph type="body" idx="1"/>
-          </p:nvPr>
-        </p:nvSpPr>
-        <p:spPr/>
-        <p:txBody>
-          <a:bodyPr/>
+          <p:cNvPicPr>
+            <a:picLocks noGrp="1" noChangeAspect="1"/>
+          </p:cNvPicPr>
+          <p:nvPr>
+            <p:ph idx="1"/>
+          </p:nvPr>
+        </p:nvPicPr>
+        <p:blipFill>
+          <a:blip r:embed="rId2">
+            <a:extLst>
+              <a:ext uri="{28A0092B-C50C-407E-A947-70E740481C1C}">
+                <a14:useLocalDpi xmlns:a14="http://schemas.microsoft.com/office/drawing/2010/main" val="0"/>
+              </a:ext>
+            </a:extLst>
+          </a:blip>
+          <a:stretch>
+            <a:fillRect/>
+          </a:stretch>
+        </p:blipFill>
+        <p:spPr>
+          <a:xfrm>
+            <a:off x="1108173" y="1835824"/>
+            <a:ext cx="3956576" cy="3937855"/>
+          </a:xfrm>
+        </p:spPr>
+      </p:pic>
+      <p:pic>
+        <p:nvPicPr>
+          <p:cNvPr id="7" name="图片 6">
+            <a:extLst>
+              <a:ext uri="{FF2B5EF4-FFF2-40B4-BE49-F238E27FC236}">
+                <a16:creationId xmlns:a16="http://schemas.microsoft.com/office/drawing/2014/main" id="{2A395546-6DAC-5C97-52DE-5D11659F9454}"/>
+              </a:ext>
+            </a:extLst>
+          </p:cNvPr>
+          <p:cNvPicPr>
+            <a:picLocks noChangeAspect="1"/>
+          </p:cNvPicPr>
+          <p:nvPr/>
+        </p:nvPicPr>
+        <p:blipFill>
+          <a:blip r:embed="rId3">
+            <a:extLst>
+              <a:ext uri="{28A0092B-C50C-407E-A947-70E740481C1C}">
+                <a14:useLocalDpi xmlns:a14="http://schemas.microsoft.com/office/drawing/2010/main" val="0"/>
+              </a:ext>
+            </a:extLst>
+          </a:blip>
+          <a:stretch>
+            <a:fillRect/>
+          </a:stretch>
+        </p:blipFill>
+        <p:spPr>
+          <a:xfrm>
+            <a:off x="6588330" y="1835824"/>
+            <a:ext cx="3956579" cy="3937856"/>
+          </a:xfrm>
+          <a:prstGeom prst="rect">
+            <a:avLst/>
+          </a:prstGeom>
+        </p:spPr>
+      </p:pic>
+      <p:sp>
+        <p:nvSpPr>
+          <p:cNvPr id="8" name="文本框 7">
+            <a:extLst>
+              <a:ext uri="{FF2B5EF4-FFF2-40B4-BE49-F238E27FC236}">
+                <a16:creationId xmlns:a16="http://schemas.microsoft.com/office/drawing/2014/main" id="{7C38E760-1CBA-825F-F823-02A84BA62C3D}"/>
+              </a:ext>
+            </a:extLst>
+          </p:cNvPr>
+          <p:cNvSpPr txBox="1"/>
+          <p:nvPr/>
+        </p:nvSpPr>
+        <p:spPr>
+          <a:xfrm>
+            <a:off x="1037492" y="6060831"/>
+            <a:ext cx="4097216" cy="369277"/>
+          </a:xfrm>
+          <a:prstGeom prst="rect">
+            <a:avLst/>
+          </a:prstGeom>
+          <a:noFill/>
+        </p:spPr>
+        <p:txBody>
+          <a:bodyPr wrap="square" rtlCol="0">
+            <a:spAutoFit/>
+          </a:bodyPr>
           <a:lstStyle/>
           <a:p>
-            <a:endParaRPr lang="zh-CN" altLang="en-US"/>
+            <a:r>
+              <a:rPr lang="en-US" altLang="zh-CN" dirty="0"/>
+              <a:t>All nodes working -&gt; network constructed </a:t>
+            </a:r>
+            <a:endParaRPr lang="zh-CN" altLang="en-US" dirty="0"/>
+          </a:p>
+        </p:txBody>
+      </p:sp>
+      <p:sp>
+        <p:nvSpPr>
+          <p:cNvPr id="10" name="文本框 9">
+            <a:extLst>
+              <a:ext uri="{FF2B5EF4-FFF2-40B4-BE49-F238E27FC236}">
+                <a16:creationId xmlns:a16="http://schemas.microsoft.com/office/drawing/2014/main" id="{D2B711A2-3F9D-C0C5-9FF8-3FFF30C470A1}"/>
+              </a:ext>
+            </a:extLst>
+          </p:cNvPr>
+          <p:cNvSpPr txBox="1"/>
+          <p:nvPr/>
+        </p:nvSpPr>
+        <p:spPr>
+          <a:xfrm>
+            <a:off x="6494585" y="6088374"/>
+            <a:ext cx="5193323" cy="369332"/>
+          </a:xfrm>
+          <a:prstGeom prst="rect">
+            <a:avLst/>
+          </a:prstGeom>
+          <a:noFill/>
+        </p:spPr>
+        <p:txBody>
+          <a:bodyPr wrap="square" rtlCol="0">
+            <a:spAutoFit/>
+          </a:bodyPr>
+          <a:lstStyle/>
+          <a:p>
+            <a:r>
+              <a:rPr lang="en-US" altLang="zh-CN" dirty="0"/>
+              <a:t>Only one node is working -&gt; selected as cluster head</a:t>
+            </a:r>
+            <a:endParaRPr lang="zh-CN" altLang="en-US" dirty="0"/>
           </a:p>
         </p:txBody>
       </p:sp>
     </p:spTree>
     <p:extLst>
       <p:ext uri="{BB962C8B-B14F-4D97-AF65-F5344CB8AC3E}">
-        <p14:creationId xmlns:p14="http://schemas.microsoft.com/office/powerpoint/2010/main" val="3517742803"/>
+        <p14:creationId xmlns:p14="http://schemas.microsoft.com/office/powerpoint/2010/main" val="3827599773"/>
       </p:ext>
     </p:extLst>
   </p:cSld>
@@ -9757,10 +11403,10 @@
       </p:grpSpPr>
       <p:sp>
         <p:nvSpPr>
-          <p:cNvPr id="4" name="标题 3">
+          <p:cNvPr id="2" name="标题 1">
             <a:extLst>
               <a:ext uri="{FF2B5EF4-FFF2-40B4-BE49-F238E27FC236}">
-                <a16:creationId xmlns:a16="http://schemas.microsoft.com/office/drawing/2014/main" id="{CBBC0695-91F6-A944-9E3A-0F0E3BD75B70}"/>
+                <a16:creationId xmlns:a16="http://schemas.microsoft.com/office/drawing/2014/main" id="{8D3B5524-4C1F-6AAE-3281-FF904831A7D3}"/>
               </a:ext>
             </a:extLst>
           </p:cNvPr>
@@ -9771,30 +11417,27 @@
             <p:ph type="title"/>
           </p:nvPr>
         </p:nvSpPr>
-        <p:spPr>
-          <a:xfrm>
-            <a:off x="838200" y="693371"/>
-            <a:ext cx="10515600" cy="1325563"/>
-          </a:xfrm>
-        </p:spPr>
-        <p:txBody>
-          <a:bodyPr/>
+        <p:spPr/>
+        <p:txBody>
+          <a:bodyPr>
+            <a:normAutofit/>
+          </a:bodyPr>
           <a:lstStyle/>
           <a:p>
             <a:r>
-              <a:rPr lang="en-US" altLang="zh-CN" dirty="0"/>
-              <a:t>Case 1: Initialization and network establishment</a:t>
-            </a:r>
-            <a:endParaRPr lang="zh-CN" altLang="en-US" dirty="0"/>
-          </a:p>
-        </p:txBody>
-      </p:sp>
-      <p:sp>
-        <p:nvSpPr>
-          <p:cNvPr id="5" name="内容占位符 4">
+              <a:rPr lang="en-US" altLang="zh-CN" sz="4000" dirty="0"/>
+              <a:t>Application-specific features </a:t>
+            </a:r>
+            <a:endParaRPr lang="zh-CN" altLang="en-US" sz="4000" dirty="0"/>
+          </a:p>
+        </p:txBody>
+      </p:sp>
+      <p:sp>
+        <p:nvSpPr>
+          <p:cNvPr id="3" name="内容占位符 2">
             <a:extLst>
               <a:ext uri="{FF2B5EF4-FFF2-40B4-BE49-F238E27FC236}">
-                <a16:creationId xmlns:a16="http://schemas.microsoft.com/office/drawing/2014/main" id="{720FBC12-0A06-BD07-EE46-3FD3602535A1}"/>
+                <a16:creationId xmlns:a16="http://schemas.microsoft.com/office/drawing/2014/main" id="{B0C141C0-1A9B-0B80-9BF4-5CC8B76810DD}"/>
               </a:ext>
             </a:extLst>
           </p:cNvPr>
@@ -9805,67 +11448,118 @@
             <p:ph idx="1"/>
           </p:nvPr>
         </p:nvSpPr>
-        <p:spPr>
+        <p:spPr/>
+        <p:txBody>
+          <a:bodyPr>
+            <a:normAutofit/>
+          </a:bodyPr>
+          <a:lstStyle/>
+          <a:p>
+            <a:pPr marL="914400" lvl="1" indent="-457200">
+              <a:lnSpc>
+                <a:spcPct val="150000"/>
+              </a:lnSpc>
+              <a:buFont typeface="+mj-lt"/>
+              <a:buAutoNum type="arabicPeriod"/>
+            </a:pPr>
+            <a:r>
+              <a:rPr lang="en-US" altLang="zh-CN" dirty="0"/>
+              <a:t>Customized cluster-based routing with head selection logic</a:t>
+            </a:r>
+          </a:p>
+          <a:p>
+            <a:pPr marL="914400" lvl="1" indent="-457200">
+              <a:lnSpc>
+                <a:spcPct val="150000"/>
+              </a:lnSpc>
+              <a:buFont typeface="+mj-lt"/>
+              <a:buAutoNum type="arabicPeriod"/>
+            </a:pPr>
+            <a:r>
+              <a:rPr lang="en-US" altLang="zh-CN" dirty="0"/>
+              <a:t>Routing decisions consider hop count, RSSI, and battery level</a:t>
+            </a:r>
+          </a:p>
+          <a:p>
+            <a:pPr marL="914400" lvl="1" indent="-457200">
+              <a:lnSpc>
+                <a:spcPct val="150000"/>
+              </a:lnSpc>
+              <a:buFont typeface="+mj-lt"/>
+              <a:buAutoNum type="arabicPeriod"/>
+            </a:pPr>
+            <a:r>
+              <a:rPr lang="en-US" altLang="zh-CN" dirty="0"/>
+              <a:t>GUI filters short-term value fluctuations to improve display stability and avoid wrong detection</a:t>
+            </a:r>
+          </a:p>
+          <a:p>
+            <a:pPr marL="914400" lvl="1" indent="-457200">
+              <a:lnSpc>
+                <a:spcPct val="150000"/>
+              </a:lnSpc>
+              <a:buFont typeface="+mj-lt"/>
+              <a:buAutoNum type="arabicPeriod"/>
+            </a:pPr>
+            <a:r>
+              <a:rPr lang="en-US" altLang="zh-CN" dirty="0"/>
+              <a:t>Sensor data transmission triggered only on significant changes</a:t>
+            </a:r>
+            <a:endParaRPr lang="zh-CN" altLang="en-US" dirty="0"/>
+          </a:p>
+        </p:txBody>
+      </p:sp>
+      <p:pic>
+        <p:nvPicPr>
+          <p:cNvPr id="1030" name="Picture 6" descr="Clustering Based Routing Protocol for Wireless Sensor Networks Using the  Concept of Zonal Division of Network Field | Journal of Signal Processing  Systems">
+            <a:extLst>
+              <a:ext uri="{FF2B5EF4-FFF2-40B4-BE49-F238E27FC236}">
+                <a16:creationId xmlns:a16="http://schemas.microsoft.com/office/drawing/2014/main" id="{23893971-736A-8FCE-20D1-83317F9B101F}"/>
+              </a:ext>
+            </a:extLst>
+          </p:cNvPr>
+          <p:cNvPicPr>
+            <a:picLocks noChangeAspect="1" noChangeArrowheads="1"/>
+          </p:cNvPicPr>
+          <p:nvPr/>
+        </p:nvPicPr>
+        <p:blipFill>
+          <a:blip r:embed="rId2" cstate="print">
+            <a:extLst>
+              <a:ext uri="{28A0092B-C50C-407E-A947-70E740481C1C}">
+                <a14:useLocalDpi xmlns:a14="http://schemas.microsoft.com/office/drawing/2010/main" val="0"/>
+              </a:ext>
+            </a:extLst>
+          </a:blip>
+          <a:srcRect/>
+          <a:stretch>
+            <a:fillRect/>
+          </a:stretch>
+        </p:blipFill>
+        <p:spPr bwMode="auto">
           <a:xfrm>
-            <a:off x="838200" y="2200153"/>
-            <a:ext cx="10515600" cy="4023092"/>
+            <a:off x="4047027" y="5105399"/>
+            <a:ext cx="2366915" cy="1471979"/>
           </a:xfrm>
+          <a:prstGeom prst="rect">
+            <a:avLst/>
+          </a:prstGeom>
+          <a:noFill/>
+          <a:extLst>
+            <a:ext uri="{909E8E84-426E-40DD-AFC4-6F175D3DCCD1}">
+              <a14:hiddenFill xmlns:a14="http://schemas.microsoft.com/office/drawing/2010/main">
+                <a:solidFill>
+                  <a:srgbClr val="FFFFFF"/>
+                </a:solidFill>
+              </a14:hiddenFill>
+            </a:ext>
+          </a:extLst>
         </p:spPr>
-        <p:txBody>
-          <a:bodyPr/>
-          <a:lstStyle/>
-          <a:p>
-            <a:pPr>
-              <a:lnSpc>
-                <a:spcPct val="200000"/>
-              </a:lnSpc>
-            </a:pPr>
-            <a:r>
-              <a:rPr lang="en-US" altLang="zh-CN" dirty="0"/>
-              <a:t>Turn on all 7 boards -&gt; topology establishment</a:t>
-            </a:r>
-          </a:p>
-          <a:p>
-            <a:pPr>
-              <a:lnSpc>
-                <a:spcPct val="200000"/>
-              </a:lnSpc>
-            </a:pPr>
-            <a:r>
-              <a:rPr lang="en-US" altLang="zh-CN" dirty="0"/>
-              <a:t>Sensor value readout and display</a:t>
-            </a:r>
-          </a:p>
-          <a:p>
-            <a:pPr>
-              <a:lnSpc>
-                <a:spcPct val="100000"/>
-              </a:lnSpc>
-            </a:pPr>
-            <a:r>
-              <a:rPr lang="en-US" altLang="zh-CN" dirty="0"/>
-              <a:t>Evaluation of parking slot status (green -&gt; parking slot available, </a:t>
-            </a:r>
-          </a:p>
-          <a:p>
-            <a:pPr marL="0" indent="0">
-              <a:lnSpc>
-                <a:spcPct val="100000"/>
-              </a:lnSpc>
-              <a:buNone/>
-            </a:pPr>
-            <a:r>
-              <a:rPr lang="en-US" altLang="zh-CN" dirty="0"/>
-              <a:t>Red -&gt; parking slot possessed)</a:t>
-            </a:r>
-            <a:endParaRPr lang="zh-CN" altLang="en-US" dirty="0"/>
-          </a:p>
-        </p:txBody>
-      </p:sp>
+      </p:pic>
     </p:spTree>
     <p:extLst>
       <p:ext uri="{BB962C8B-B14F-4D97-AF65-F5344CB8AC3E}">
-        <p14:creationId xmlns:p14="http://schemas.microsoft.com/office/powerpoint/2010/main" val="835081325"/>
+        <p14:creationId xmlns:p14="http://schemas.microsoft.com/office/powerpoint/2010/main" val="2957170577"/>
       </p:ext>
     </p:extLst>
   </p:cSld>

--- a/wsnlab-ss25-final-group2.pptx
+++ b/wsnlab-ss25-final-group2.pptx
@@ -16,13 +16,13 @@
     <p:sldId id="432" r:id="rId10"/>
     <p:sldId id="434" r:id="rId11"/>
     <p:sldId id="431" r:id="rId12"/>
-    <p:sldId id="357" r:id="rId13"/>
-    <p:sldId id="358" r:id="rId14"/>
-    <p:sldId id="426" r:id="rId15"/>
-    <p:sldId id="435" r:id="rId16"/>
-    <p:sldId id="427" r:id="rId17"/>
-    <p:sldId id="428" r:id="rId18"/>
-    <p:sldId id="262" r:id="rId19"/>
+    <p:sldId id="262" r:id="rId13"/>
+    <p:sldId id="357" r:id="rId14"/>
+    <p:sldId id="358" r:id="rId15"/>
+    <p:sldId id="426" r:id="rId16"/>
+    <p:sldId id="435" r:id="rId17"/>
+    <p:sldId id="427" r:id="rId18"/>
+    <p:sldId id="428" r:id="rId19"/>
   </p:sldIdLst>
   <p:sldSz cx="12192000" cy="6858000"/>
   <p:notesSz cx="6858000" cy="9144000"/>
@@ -8050,819 +8050,6 @@
   <p:cSld>
     <p:spTree>
       <p:nvGrpSpPr>
-        <p:cNvPr id="1" name=""/>
-        <p:cNvGrpSpPr/>
-        <p:nvPr/>
-      </p:nvGrpSpPr>
-      <p:grpSpPr>
-        <a:xfrm>
-          <a:off x="0" y="0"/>
-          <a:ext cx="0" cy="0"/>
-          <a:chOff x="0" y="0"/>
-          <a:chExt cx="0" cy="0"/>
-        </a:xfrm>
-      </p:grpSpPr>
-      <p:sp>
-        <p:nvSpPr>
-          <p:cNvPr id="2" name="标题 1">
-            <a:extLst>
-              <a:ext uri="{FF2B5EF4-FFF2-40B4-BE49-F238E27FC236}">
-                <a16:creationId xmlns:a16="http://schemas.microsoft.com/office/drawing/2014/main" id="{1F49A434-85AD-5400-39C8-687CCA487C63}"/>
-              </a:ext>
-            </a:extLst>
-          </p:cNvPr>
-          <p:cNvSpPr>
-            <a:spLocks noGrp="1"/>
-          </p:cNvSpPr>
-          <p:nvPr>
-            <p:ph type="title"/>
-          </p:nvPr>
-        </p:nvSpPr>
-        <p:spPr/>
-        <p:txBody>
-          <a:bodyPr/>
-          <a:lstStyle/>
-          <a:p>
-            <a:r>
-              <a:rPr lang="en-US" altLang="zh-CN" dirty="0"/>
-              <a:t>Demonstration cases  </a:t>
-            </a:r>
-            <a:endParaRPr lang="zh-CN" altLang="en-US" dirty="0"/>
-          </a:p>
-        </p:txBody>
-      </p:sp>
-      <p:sp>
-        <p:nvSpPr>
-          <p:cNvPr id="4" name="文本占位符 3">
-            <a:extLst>
-              <a:ext uri="{FF2B5EF4-FFF2-40B4-BE49-F238E27FC236}">
-                <a16:creationId xmlns:a16="http://schemas.microsoft.com/office/drawing/2014/main" id="{50427620-1FCF-C79D-E372-8620C8806ECE}"/>
-              </a:ext>
-            </a:extLst>
-          </p:cNvPr>
-          <p:cNvSpPr>
-            <a:spLocks noGrp="1"/>
-          </p:cNvSpPr>
-          <p:nvPr>
-            <p:ph type="body" idx="1"/>
-          </p:nvPr>
-        </p:nvSpPr>
-        <p:spPr/>
-        <p:txBody>
-          <a:bodyPr/>
-          <a:lstStyle/>
-          <a:p>
-            <a:endParaRPr lang="zh-CN" altLang="en-US"/>
-          </a:p>
-        </p:txBody>
-      </p:sp>
-      <p:pic>
-        <p:nvPicPr>
-          <p:cNvPr id="7172" name="Picture 4" descr="Demo Time - Live demos &amp; slides in VS Code">
-            <a:extLst>
-              <a:ext uri="{FF2B5EF4-FFF2-40B4-BE49-F238E27FC236}">
-                <a16:creationId xmlns:a16="http://schemas.microsoft.com/office/drawing/2014/main" id="{994F66A0-3F49-0FF7-8451-612211E05453}"/>
-              </a:ext>
-            </a:extLst>
-          </p:cNvPr>
-          <p:cNvPicPr>
-            <a:picLocks noChangeAspect="1" noChangeArrowheads="1"/>
-          </p:cNvPicPr>
-          <p:nvPr/>
-        </p:nvPicPr>
-        <p:blipFill>
-          <a:blip r:embed="rId2">
-            <a:extLst>
-              <a:ext uri="{28A0092B-C50C-407E-A947-70E740481C1C}">
-                <a14:useLocalDpi xmlns:a14="http://schemas.microsoft.com/office/drawing/2010/main" val="0"/>
-              </a:ext>
-            </a:extLst>
-          </a:blip>
-          <a:srcRect/>
-          <a:stretch>
-            <a:fillRect/>
-          </a:stretch>
-        </p:blipFill>
-        <p:spPr bwMode="auto">
-          <a:xfrm>
-            <a:off x="8456369" y="2400300"/>
-            <a:ext cx="2964237" cy="2747962"/>
-          </a:xfrm>
-          <a:prstGeom prst="rect">
-            <a:avLst/>
-          </a:prstGeom>
-          <a:noFill/>
-          <a:extLst>
-            <a:ext uri="{909E8E84-426E-40DD-AFC4-6F175D3DCCD1}">
-              <a14:hiddenFill xmlns:a14="http://schemas.microsoft.com/office/drawing/2010/main">
-                <a:solidFill>
-                  <a:srgbClr val="FFFFFF"/>
-                </a:solidFill>
-              </a14:hiddenFill>
-            </a:ext>
-          </a:extLst>
-        </p:spPr>
-      </p:pic>
-    </p:spTree>
-    <p:extLst>
-      <p:ext uri="{BB962C8B-B14F-4D97-AF65-F5344CB8AC3E}">
-        <p14:creationId xmlns:p14="http://schemas.microsoft.com/office/powerpoint/2010/main" val="3517742803"/>
-      </p:ext>
-    </p:extLst>
-  </p:cSld>
-  <p:clrMapOvr>
-    <a:masterClrMapping/>
-  </p:clrMapOvr>
-</p:sld>
-</file>
-
-<file path=ppt/slides/slide11.xml><?xml version="1.0" encoding="utf-8"?>
-<p:sld xmlns:a="http://schemas.openxmlformats.org/drawingml/2006/main" xmlns:r="http://schemas.openxmlformats.org/officeDocument/2006/relationships" xmlns:p="http://schemas.openxmlformats.org/presentationml/2006/main">
-  <p:cSld>
-    <p:spTree>
-      <p:nvGrpSpPr>
-        <p:cNvPr id="1" name=""/>
-        <p:cNvGrpSpPr/>
-        <p:nvPr/>
-      </p:nvGrpSpPr>
-      <p:grpSpPr>
-        <a:xfrm>
-          <a:off x="0" y="0"/>
-          <a:ext cx="0" cy="0"/>
-          <a:chOff x="0" y="0"/>
-          <a:chExt cx="0" cy="0"/>
-        </a:xfrm>
-      </p:grpSpPr>
-      <p:sp>
-        <p:nvSpPr>
-          <p:cNvPr id="4" name="标题 3">
-            <a:extLst>
-              <a:ext uri="{FF2B5EF4-FFF2-40B4-BE49-F238E27FC236}">
-                <a16:creationId xmlns:a16="http://schemas.microsoft.com/office/drawing/2014/main" id="{CBBC0695-91F6-A944-9E3A-0F0E3BD75B70}"/>
-              </a:ext>
-            </a:extLst>
-          </p:cNvPr>
-          <p:cNvSpPr>
-            <a:spLocks noGrp="1"/>
-          </p:cNvSpPr>
-          <p:nvPr>
-            <p:ph type="title"/>
-          </p:nvPr>
-        </p:nvSpPr>
-        <p:spPr>
-          <a:xfrm>
-            <a:off x="838200" y="734402"/>
-            <a:ext cx="10515600" cy="1325563"/>
-          </a:xfrm>
-        </p:spPr>
-        <p:txBody>
-          <a:bodyPr/>
-          <a:lstStyle/>
-          <a:p>
-            <a:r>
-              <a:rPr lang="en-US" altLang="zh-CN" dirty="0"/>
-              <a:t>Case 1: Initialization and network establishment</a:t>
-            </a:r>
-            <a:endParaRPr lang="zh-CN" altLang="en-US" dirty="0"/>
-          </a:p>
-        </p:txBody>
-      </p:sp>
-      <p:sp>
-        <p:nvSpPr>
-          <p:cNvPr id="5" name="内容占位符 4">
-            <a:extLst>
-              <a:ext uri="{FF2B5EF4-FFF2-40B4-BE49-F238E27FC236}">
-                <a16:creationId xmlns:a16="http://schemas.microsoft.com/office/drawing/2014/main" id="{720FBC12-0A06-BD07-EE46-3FD3602535A1}"/>
-              </a:ext>
-            </a:extLst>
-          </p:cNvPr>
-          <p:cNvSpPr>
-            <a:spLocks noGrp="1"/>
-          </p:cNvSpPr>
-          <p:nvPr>
-            <p:ph idx="1"/>
-          </p:nvPr>
-        </p:nvSpPr>
-        <p:spPr>
-          <a:xfrm>
-            <a:off x="838200" y="2200153"/>
-            <a:ext cx="10515600" cy="4023092"/>
-          </a:xfrm>
-        </p:spPr>
-        <p:txBody>
-          <a:bodyPr/>
-          <a:lstStyle/>
-          <a:p>
-            <a:pPr>
-              <a:lnSpc>
-                <a:spcPct val="150000"/>
-              </a:lnSpc>
-            </a:pPr>
-            <a:r>
-              <a:rPr lang="en-US" altLang="zh-CN" dirty="0"/>
-              <a:t>Turn on all 7 boards -&gt; topology establishment</a:t>
-            </a:r>
-          </a:p>
-          <a:p>
-            <a:pPr>
-              <a:lnSpc>
-                <a:spcPct val="150000"/>
-              </a:lnSpc>
-            </a:pPr>
-            <a:r>
-              <a:rPr lang="en-US" altLang="zh-CN" dirty="0"/>
-              <a:t>Sensor value readout and display</a:t>
-            </a:r>
-          </a:p>
-          <a:p>
-            <a:pPr>
-              <a:lnSpc>
-                <a:spcPct val="150000"/>
-              </a:lnSpc>
-            </a:pPr>
-            <a:r>
-              <a:rPr lang="en-US" altLang="zh-CN" dirty="0"/>
-              <a:t>Evaluation of parking slot status (green -&gt; parking slot available, </a:t>
-            </a:r>
-          </a:p>
-          <a:p>
-            <a:pPr marL="0" indent="0">
-              <a:lnSpc>
-                <a:spcPct val="150000"/>
-              </a:lnSpc>
-              <a:buNone/>
-            </a:pPr>
-            <a:r>
-              <a:rPr lang="en-US" altLang="zh-CN" dirty="0"/>
-              <a:t>red -&gt; parking slot possessed)</a:t>
-            </a:r>
-            <a:endParaRPr lang="zh-CN" altLang="en-US" dirty="0"/>
-          </a:p>
-        </p:txBody>
-      </p:sp>
-    </p:spTree>
-    <p:extLst>
-      <p:ext uri="{BB962C8B-B14F-4D97-AF65-F5344CB8AC3E}">
-        <p14:creationId xmlns:p14="http://schemas.microsoft.com/office/powerpoint/2010/main" val="835081325"/>
-      </p:ext>
-    </p:extLst>
-  </p:cSld>
-  <p:clrMapOvr>
-    <a:masterClrMapping/>
-  </p:clrMapOvr>
-</p:sld>
-</file>
-
-<file path=ppt/slides/slide12.xml><?xml version="1.0" encoding="utf-8"?>
-<p:sld xmlns:a="http://schemas.openxmlformats.org/drawingml/2006/main" xmlns:r="http://schemas.openxmlformats.org/officeDocument/2006/relationships" xmlns:p="http://schemas.openxmlformats.org/presentationml/2006/main">
-  <p:cSld>
-    <p:spTree>
-      <p:nvGrpSpPr>
-        <p:cNvPr id="1" name="">
-          <a:extLst>
-            <a:ext uri="{FF2B5EF4-FFF2-40B4-BE49-F238E27FC236}">
-              <a16:creationId xmlns:a16="http://schemas.microsoft.com/office/drawing/2014/main" id="{44FB16A6-A5F0-DCAC-8200-54363589F528}"/>
-            </a:ext>
-          </a:extLst>
-        </p:cNvPr>
-        <p:cNvGrpSpPr/>
-        <p:nvPr/>
-      </p:nvGrpSpPr>
-      <p:grpSpPr>
-        <a:xfrm>
-          <a:off x="0" y="0"/>
-          <a:ext cx="0" cy="0"/>
-          <a:chOff x="0" y="0"/>
-          <a:chExt cx="0" cy="0"/>
-        </a:xfrm>
-      </p:grpSpPr>
-      <p:sp>
-        <p:nvSpPr>
-          <p:cNvPr id="4" name="标题 3">
-            <a:extLst>
-              <a:ext uri="{FF2B5EF4-FFF2-40B4-BE49-F238E27FC236}">
-                <a16:creationId xmlns:a16="http://schemas.microsoft.com/office/drawing/2014/main" id="{9BA46F41-84C7-7A44-E258-BE779E59565F}"/>
-              </a:ext>
-            </a:extLst>
-          </p:cNvPr>
-          <p:cNvSpPr>
-            <a:spLocks noGrp="1"/>
-          </p:cNvSpPr>
-          <p:nvPr>
-            <p:ph type="title"/>
-          </p:nvPr>
-        </p:nvSpPr>
-        <p:spPr>
-          <a:xfrm>
-            <a:off x="838200" y="681037"/>
-            <a:ext cx="10515600" cy="1325563"/>
-          </a:xfrm>
-        </p:spPr>
-        <p:txBody>
-          <a:bodyPr/>
-          <a:lstStyle/>
-          <a:p>
-            <a:r>
-              <a:rPr lang="en-US" altLang="zh-CN" dirty="0"/>
-              <a:t>Case 2: Dynamic routing </a:t>
-            </a:r>
-            <a:endParaRPr lang="zh-CN" altLang="en-US" dirty="0"/>
-          </a:p>
-        </p:txBody>
-      </p:sp>
-      <p:sp>
-        <p:nvSpPr>
-          <p:cNvPr id="5" name="内容占位符 4">
-            <a:extLst>
-              <a:ext uri="{FF2B5EF4-FFF2-40B4-BE49-F238E27FC236}">
-                <a16:creationId xmlns:a16="http://schemas.microsoft.com/office/drawing/2014/main" id="{691D7C80-19FE-A52F-263F-DECA43DEFA71}"/>
-              </a:ext>
-            </a:extLst>
-          </p:cNvPr>
-          <p:cNvSpPr>
-            <a:spLocks noGrp="1"/>
-          </p:cNvSpPr>
-          <p:nvPr>
-            <p:ph idx="1"/>
-          </p:nvPr>
-        </p:nvSpPr>
-        <p:spPr/>
-        <p:txBody>
-          <a:bodyPr>
-            <a:normAutofit lnSpcReduction="10000"/>
-          </a:bodyPr>
-          <a:lstStyle/>
-          <a:p>
-            <a:pPr>
-              <a:lnSpc>
-                <a:spcPct val="150000"/>
-              </a:lnSpc>
-            </a:pPr>
-            <a:r>
-              <a:rPr lang="en-US" altLang="zh-CN" dirty="0"/>
-              <a:t>New node discovery: </a:t>
-            </a:r>
-          </a:p>
-          <a:p>
-            <a:pPr marL="0" indent="0">
-              <a:lnSpc>
-                <a:spcPct val="150000"/>
-              </a:lnSpc>
-              <a:buNone/>
-            </a:pPr>
-            <a:r>
-              <a:rPr lang="en-US" altLang="zh-CN" dirty="0"/>
-              <a:t>	1. turn on a new board (e.g. node 6)</a:t>
-            </a:r>
-          </a:p>
-          <a:p>
-            <a:pPr marL="0" indent="0">
-              <a:lnSpc>
-                <a:spcPct val="150000"/>
-              </a:lnSpc>
-              <a:buNone/>
-            </a:pPr>
-            <a:r>
-              <a:rPr lang="en-US" altLang="zh-CN" dirty="0"/>
-              <a:t>	2. Node listens to channel 12 for 5 times </a:t>
-            </a:r>
-          </a:p>
-          <a:p>
-            <a:pPr marL="0" indent="0">
-              <a:lnSpc>
-                <a:spcPct val="150000"/>
-              </a:lnSpc>
-              <a:buNone/>
-            </a:pPr>
-            <a:r>
-              <a:rPr lang="en-US" altLang="zh-CN" dirty="0"/>
-              <a:t>	3. if no flooding message is received </a:t>
-            </a:r>
-          </a:p>
-          <a:p>
-            <a:pPr marL="0" indent="0">
-              <a:lnSpc>
-                <a:spcPct val="150000"/>
-              </a:lnSpc>
-              <a:buNone/>
-            </a:pPr>
-            <a:r>
-              <a:rPr lang="en-US" altLang="zh-CN" dirty="0"/>
-              <a:t>	4. send discovery signal to neighbor nodes </a:t>
-            </a:r>
-          </a:p>
-          <a:p>
-            <a:pPr marL="0" indent="0">
-              <a:lnSpc>
-                <a:spcPct val="150000"/>
-              </a:lnSpc>
-              <a:buNone/>
-            </a:pPr>
-            <a:r>
-              <a:rPr lang="en-US" altLang="zh-CN" dirty="0"/>
-              <a:t>	5. master initialize network reset </a:t>
-            </a:r>
-          </a:p>
-          <a:p>
-            <a:pPr marL="0" indent="0">
-              <a:lnSpc>
-                <a:spcPct val="150000"/>
-              </a:lnSpc>
-              <a:buNone/>
-            </a:pPr>
-            <a:endParaRPr lang="en-US" altLang="zh-CN" dirty="0"/>
-          </a:p>
-          <a:p>
-            <a:pPr marL="0" indent="0">
-              <a:buNone/>
-            </a:pPr>
-            <a:endParaRPr lang="zh-CN" altLang="en-US" dirty="0"/>
-          </a:p>
-        </p:txBody>
-      </p:sp>
-    </p:spTree>
-    <p:extLst>
-      <p:ext uri="{BB962C8B-B14F-4D97-AF65-F5344CB8AC3E}">
-        <p14:creationId xmlns:p14="http://schemas.microsoft.com/office/powerpoint/2010/main" val="1376155735"/>
-      </p:ext>
-    </p:extLst>
-  </p:cSld>
-  <p:clrMapOvr>
-    <a:masterClrMapping/>
-  </p:clrMapOvr>
-</p:sld>
-</file>
-
-<file path=ppt/slides/slide13.xml><?xml version="1.0" encoding="utf-8"?>
-<p:sld xmlns:a="http://schemas.openxmlformats.org/drawingml/2006/main" xmlns:r="http://schemas.openxmlformats.org/officeDocument/2006/relationships" xmlns:p="http://schemas.openxmlformats.org/presentationml/2006/main">
-  <p:cSld>
-    <p:spTree>
-      <p:nvGrpSpPr>
-        <p:cNvPr id="1" name="">
-          <a:extLst>
-            <a:ext uri="{FF2B5EF4-FFF2-40B4-BE49-F238E27FC236}">
-              <a16:creationId xmlns:a16="http://schemas.microsoft.com/office/drawing/2014/main" id="{FAFD2680-F76C-34B5-1D4C-8D08503A56C6}"/>
-            </a:ext>
-          </a:extLst>
-        </p:cNvPr>
-        <p:cNvGrpSpPr/>
-        <p:nvPr/>
-      </p:nvGrpSpPr>
-      <p:grpSpPr>
-        <a:xfrm>
-          <a:off x="0" y="0"/>
-          <a:ext cx="0" cy="0"/>
-          <a:chOff x="0" y="0"/>
-          <a:chExt cx="0" cy="0"/>
-        </a:xfrm>
-      </p:grpSpPr>
-      <p:sp>
-        <p:nvSpPr>
-          <p:cNvPr id="4" name="标题 3">
-            <a:extLst>
-              <a:ext uri="{FF2B5EF4-FFF2-40B4-BE49-F238E27FC236}">
-                <a16:creationId xmlns:a16="http://schemas.microsoft.com/office/drawing/2014/main" id="{4AD5A190-036A-E844-2AEA-0CD5AF2DD0AE}"/>
-              </a:ext>
-            </a:extLst>
-          </p:cNvPr>
-          <p:cNvSpPr>
-            <a:spLocks noGrp="1"/>
-          </p:cNvSpPr>
-          <p:nvPr>
-            <p:ph type="title"/>
-          </p:nvPr>
-        </p:nvSpPr>
-        <p:spPr>
-          <a:xfrm>
-            <a:off x="838200" y="681037"/>
-            <a:ext cx="10515600" cy="1325563"/>
-          </a:xfrm>
-        </p:spPr>
-        <p:txBody>
-          <a:bodyPr/>
-          <a:lstStyle/>
-          <a:p>
-            <a:r>
-              <a:rPr lang="en-US" altLang="zh-CN" dirty="0"/>
-              <a:t>Case 2: Dynamic routing </a:t>
-            </a:r>
-            <a:endParaRPr lang="zh-CN" altLang="en-US" dirty="0"/>
-          </a:p>
-        </p:txBody>
-      </p:sp>
-      <p:sp>
-        <p:nvSpPr>
-          <p:cNvPr id="5" name="内容占位符 4">
-            <a:extLst>
-              <a:ext uri="{FF2B5EF4-FFF2-40B4-BE49-F238E27FC236}">
-                <a16:creationId xmlns:a16="http://schemas.microsoft.com/office/drawing/2014/main" id="{75F21884-71FD-EF92-B9EF-9781A94CCF58}"/>
-              </a:ext>
-            </a:extLst>
-          </p:cNvPr>
-          <p:cNvSpPr>
-            <a:spLocks noGrp="1"/>
-          </p:cNvSpPr>
-          <p:nvPr>
-            <p:ph idx="1"/>
-          </p:nvPr>
-        </p:nvSpPr>
-        <p:spPr/>
-        <p:txBody>
-          <a:bodyPr>
-            <a:normAutofit/>
-          </a:bodyPr>
-          <a:lstStyle/>
-          <a:p>
-            <a:pPr>
-              <a:lnSpc>
-                <a:spcPct val="150000"/>
-              </a:lnSpc>
-            </a:pPr>
-            <a:r>
-              <a:rPr lang="en-US" altLang="zh-CN" dirty="0"/>
-              <a:t>Existing node failure: </a:t>
-            </a:r>
-          </a:p>
-          <a:p>
-            <a:pPr marL="914400" lvl="1" indent="-457200">
-              <a:lnSpc>
-                <a:spcPct val="150000"/>
-              </a:lnSpc>
-              <a:buAutoNum type="arabicPeriod"/>
-            </a:pPr>
-            <a:r>
-              <a:rPr lang="en-US" altLang="zh-CN" dirty="0"/>
-              <a:t>turn off a working node (simulate node failure)</a:t>
-            </a:r>
-          </a:p>
-          <a:p>
-            <a:pPr marL="914400" lvl="1" indent="-457200">
-              <a:lnSpc>
-                <a:spcPct val="150000"/>
-              </a:lnSpc>
-              <a:buAutoNum type="arabicPeriod"/>
-            </a:pPr>
-            <a:r>
-              <a:rPr lang="en-US" altLang="zh-CN" dirty="0"/>
-              <a:t>master does not receive its heartbeat signal </a:t>
-            </a:r>
-          </a:p>
-          <a:p>
-            <a:pPr marL="914400" lvl="1" indent="-457200">
-              <a:lnSpc>
-                <a:spcPct val="150000"/>
-              </a:lnSpc>
-              <a:buAutoNum type="arabicPeriod"/>
-            </a:pPr>
-            <a:r>
-              <a:rPr lang="en-US" altLang="zh-CN" dirty="0"/>
-              <a:t>master initialize network reset </a:t>
-            </a:r>
-          </a:p>
-          <a:p>
-            <a:pPr marL="0" indent="0">
-              <a:lnSpc>
-                <a:spcPct val="150000"/>
-              </a:lnSpc>
-              <a:buNone/>
-            </a:pPr>
-            <a:endParaRPr lang="en-US" altLang="zh-CN" dirty="0"/>
-          </a:p>
-          <a:p>
-            <a:pPr marL="0" indent="0">
-              <a:buNone/>
-            </a:pPr>
-            <a:endParaRPr lang="zh-CN" altLang="en-US" dirty="0"/>
-          </a:p>
-        </p:txBody>
-      </p:sp>
-    </p:spTree>
-    <p:extLst>
-      <p:ext uri="{BB962C8B-B14F-4D97-AF65-F5344CB8AC3E}">
-        <p14:creationId xmlns:p14="http://schemas.microsoft.com/office/powerpoint/2010/main" val="83175394"/>
-      </p:ext>
-    </p:extLst>
-  </p:cSld>
-  <p:clrMapOvr>
-    <a:masterClrMapping/>
-  </p:clrMapOvr>
-</p:sld>
-</file>
-
-<file path=ppt/slides/slide14.xml><?xml version="1.0" encoding="utf-8"?>
-<p:sld xmlns:a="http://schemas.openxmlformats.org/drawingml/2006/main" xmlns:r="http://schemas.openxmlformats.org/officeDocument/2006/relationships" xmlns:p="http://schemas.openxmlformats.org/presentationml/2006/main">
-  <p:cSld>
-    <p:spTree>
-      <p:nvGrpSpPr>
-        <p:cNvPr id="1" name="">
-          <a:extLst>
-            <a:ext uri="{FF2B5EF4-FFF2-40B4-BE49-F238E27FC236}">
-              <a16:creationId xmlns:a16="http://schemas.microsoft.com/office/drawing/2014/main" id="{7670DE80-71AA-BBC3-FF9D-4B97D0CFDC7D}"/>
-            </a:ext>
-          </a:extLst>
-        </p:cNvPr>
-        <p:cNvGrpSpPr/>
-        <p:nvPr/>
-      </p:nvGrpSpPr>
-      <p:grpSpPr>
-        <a:xfrm>
-          <a:off x="0" y="0"/>
-          <a:ext cx="0" cy="0"/>
-          <a:chOff x="0" y="0"/>
-          <a:chExt cx="0" cy="0"/>
-        </a:xfrm>
-      </p:grpSpPr>
-      <p:sp>
-        <p:nvSpPr>
-          <p:cNvPr id="4" name="标题 3">
-            <a:extLst>
-              <a:ext uri="{FF2B5EF4-FFF2-40B4-BE49-F238E27FC236}">
-                <a16:creationId xmlns:a16="http://schemas.microsoft.com/office/drawing/2014/main" id="{9DB51283-FE0C-A834-19B7-C2138A6A2CAF}"/>
-              </a:ext>
-            </a:extLst>
-          </p:cNvPr>
-          <p:cNvSpPr>
-            <a:spLocks noGrp="1"/>
-          </p:cNvSpPr>
-          <p:nvPr>
-            <p:ph type="title"/>
-          </p:nvPr>
-        </p:nvSpPr>
-        <p:spPr>
-          <a:xfrm>
-            <a:off x="838200" y="681649"/>
-            <a:ext cx="8575431" cy="1325563"/>
-          </a:xfrm>
-        </p:spPr>
-        <p:txBody>
-          <a:bodyPr/>
-          <a:lstStyle/>
-          <a:p>
-            <a:r>
-              <a:rPr lang="en-US" altLang="zh-CN" dirty="0"/>
-              <a:t>Case 3: Reactive network</a:t>
-            </a:r>
-            <a:endParaRPr lang="zh-CN" altLang="en-US" dirty="0"/>
-          </a:p>
-        </p:txBody>
-      </p:sp>
-      <p:sp>
-        <p:nvSpPr>
-          <p:cNvPr id="5" name="内容占位符 4">
-            <a:extLst>
-              <a:ext uri="{FF2B5EF4-FFF2-40B4-BE49-F238E27FC236}">
-                <a16:creationId xmlns:a16="http://schemas.microsoft.com/office/drawing/2014/main" id="{7767E8BA-A499-793E-711B-4BE85D248262}"/>
-              </a:ext>
-            </a:extLst>
-          </p:cNvPr>
-          <p:cNvSpPr>
-            <a:spLocks noGrp="1"/>
-          </p:cNvSpPr>
-          <p:nvPr>
-            <p:ph idx="1"/>
-          </p:nvPr>
-        </p:nvSpPr>
-        <p:spPr>
-          <a:xfrm>
-            <a:off x="838200" y="2223598"/>
-            <a:ext cx="10515600" cy="4351338"/>
-          </a:xfrm>
-        </p:spPr>
-        <p:txBody>
-          <a:bodyPr/>
-          <a:lstStyle/>
-          <a:p>
-            <a:pPr>
-              <a:lnSpc>
-                <a:spcPct val="150000"/>
-              </a:lnSpc>
-            </a:pPr>
-            <a:r>
-              <a:rPr lang="en-US" altLang="zh-CN" dirty="0"/>
-              <a:t>Sensor value will only be transmitted and displayed when it changes dramatically (change of light &gt; 50 lux or distance &gt; 10cm)</a:t>
-            </a:r>
-            <a:endParaRPr lang="zh-CN" altLang="en-US" dirty="0"/>
-          </a:p>
-        </p:txBody>
-      </p:sp>
-    </p:spTree>
-    <p:extLst>
-      <p:ext uri="{BB962C8B-B14F-4D97-AF65-F5344CB8AC3E}">
-        <p14:creationId xmlns:p14="http://schemas.microsoft.com/office/powerpoint/2010/main" val="3782980413"/>
-      </p:ext>
-    </p:extLst>
-  </p:cSld>
-  <p:clrMapOvr>
-    <a:masterClrMapping/>
-  </p:clrMapOvr>
-</p:sld>
-</file>
-
-<file path=ppt/slides/slide15.xml><?xml version="1.0" encoding="utf-8"?>
-<p:sld xmlns:a="http://schemas.openxmlformats.org/drawingml/2006/main" xmlns:r="http://schemas.openxmlformats.org/officeDocument/2006/relationships" xmlns:p="http://schemas.openxmlformats.org/presentationml/2006/main">
-  <p:cSld>
-    <p:spTree>
-      <p:nvGrpSpPr>
-        <p:cNvPr id="1" name="">
-          <a:extLst>
-            <a:ext uri="{FF2B5EF4-FFF2-40B4-BE49-F238E27FC236}">
-              <a16:creationId xmlns:a16="http://schemas.microsoft.com/office/drawing/2014/main" id="{7EB5FBD8-F322-A349-450B-E738F819F082}"/>
-            </a:ext>
-          </a:extLst>
-        </p:cNvPr>
-        <p:cNvGrpSpPr/>
-        <p:nvPr/>
-      </p:nvGrpSpPr>
-      <p:grpSpPr>
-        <a:xfrm>
-          <a:off x="0" y="0"/>
-          <a:ext cx="0" cy="0"/>
-          <a:chOff x="0" y="0"/>
-          <a:chExt cx="0" cy="0"/>
-        </a:xfrm>
-      </p:grpSpPr>
-      <p:sp>
-        <p:nvSpPr>
-          <p:cNvPr id="4" name="标题 3">
-            <a:extLst>
-              <a:ext uri="{FF2B5EF4-FFF2-40B4-BE49-F238E27FC236}">
-                <a16:creationId xmlns:a16="http://schemas.microsoft.com/office/drawing/2014/main" id="{40FEA80F-EC0D-2E34-C8B7-208901881140}"/>
-              </a:ext>
-            </a:extLst>
-          </p:cNvPr>
-          <p:cNvSpPr>
-            <a:spLocks noGrp="1"/>
-          </p:cNvSpPr>
-          <p:nvPr>
-            <p:ph type="title"/>
-          </p:nvPr>
-        </p:nvSpPr>
-        <p:spPr>
-          <a:xfrm>
-            <a:off x="838200" y="500062"/>
-            <a:ext cx="10515600" cy="1325563"/>
-          </a:xfrm>
-        </p:spPr>
-        <p:txBody>
-          <a:bodyPr/>
-          <a:lstStyle/>
-          <a:p>
-            <a:r>
-              <a:rPr lang="en-US" altLang="zh-CN" dirty="0"/>
-              <a:t>Case 4: Low-energy awareness routing</a:t>
-            </a:r>
-            <a:endParaRPr lang="zh-CN" altLang="en-US" dirty="0"/>
-          </a:p>
-        </p:txBody>
-      </p:sp>
-      <p:sp>
-        <p:nvSpPr>
-          <p:cNvPr id="5" name="内容占位符 4">
-            <a:extLst>
-              <a:ext uri="{FF2B5EF4-FFF2-40B4-BE49-F238E27FC236}">
-                <a16:creationId xmlns:a16="http://schemas.microsoft.com/office/drawing/2014/main" id="{1F9CBB7B-50DE-C537-68AD-ACCFF553EDAC}"/>
-              </a:ext>
-            </a:extLst>
-          </p:cNvPr>
-          <p:cNvSpPr>
-            <a:spLocks noGrp="1"/>
-          </p:cNvSpPr>
-          <p:nvPr>
-            <p:ph idx="1"/>
-          </p:nvPr>
-        </p:nvSpPr>
-        <p:spPr>
-          <a:xfrm>
-            <a:off x="838200" y="1925271"/>
-            <a:ext cx="10515600" cy="4351338"/>
-          </a:xfrm>
-        </p:spPr>
-        <p:txBody>
-          <a:bodyPr/>
-          <a:lstStyle/>
-          <a:p>
-            <a:endParaRPr lang="zh-CN" altLang="en-US" dirty="0"/>
-          </a:p>
-        </p:txBody>
-      </p:sp>
-    </p:spTree>
-    <p:extLst>
-      <p:ext uri="{BB962C8B-B14F-4D97-AF65-F5344CB8AC3E}">
-        <p14:creationId xmlns:p14="http://schemas.microsoft.com/office/powerpoint/2010/main" val="1859502817"/>
-      </p:ext>
-    </p:extLst>
-  </p:cSld>
-  <p:clrMapOvr>
-    <a:masterClrMapping/>
-  </p:clrMapOvr>
-</p:sld>
-</file>
-
-<file path=ppt/slides/slide16.xml><?xml version="1.0" encoding="utf-8"?>
-<p:sld xmlns:a="http://schemas.openxmlformats.org/drawingml/2006/main" xmlns:r="http://schemas.openxmlformats.org/officeDocument/2006/relationships" xmlns:p="http://schemas.openxmlformats.org/presentationml/2006/main">
-  <p:cSld>
-    <p:spTree>
-      <p:nvGrpSpPr>
         <p:cNvPr id="1" name="">
           <a:extLst>
             <a:ext uri="{FF2B5EF4-FFF2-40B4-BE49-F238E27FC236}">
@@ -8925,8 +8112,8 @@
         </p:nvSpPr>
         <p:spPr>
           <a:xfrm>
-            <a:off x="2132096" y="2129135"/>
-            <a:ext cx="7927811" cy="1754326"/>
+            <a:off x="2412044" y="2129135"/>
+            <a:ext cx="7367914" cy="1754326"/>
           </a:xfrm>
           <a:prstGeom prst="rect">
             <a:avLst/>
@@ -8954,8 +8141,60 @@
                   </a:outerShdw>
                 </a:effectLst>
               </a:rPr>
-              <a:t>Thanks for Listening</a:t>
-            </a:r>
+              <a:t>Thanks for </a:t>
+            </a:r>
+            <a:r>
+              <a:rPr lang="en-US" altLang="zh-CN" sz="5400" dirty="0">
+                <a:ln w="0"/>
+                <a:effectLst>
+                  <a:outerShdw blurRad="38100" dist="19050" dir="2700000" algn="tl" rotWithShape="0">
+                    <a:schemeClr val="dk1">
+                      <a:alpha val="40000"/>
+                    </a:schemeClr>
+                  </a:outerShdw>
+                </a:effectLst>
+              </a:rPr>
+              <a:t>your</a:t>
+            </a:r>
+            <a:r>
+              <a:rPr lang="zh-CN" altLang="en-US" sz="5400" dirty="0">
+                <a:ln w="0"/>
+                <a:effectLst>
+                  <a:outerShdw blurRad="38100" dist="19050" dir="2700000" algn="tl" rotWithShape="0">
+                    <a:schemeClr val="dk1">
+                      <a:alpha val="40000"/>
+                    </a:schemeClr>
+                  </a:outerShdw>
+                </a:effectLst>
+              </a:rPr>
+              <a:t> </a:t>
+            </a:r>
+            <a:r>
+              <a:rPr lang="en-US" altLang="zh-CN" sz="5400" dirty="0">
+                <a:ln w="0"/>
+                <a:effectLst>
+                  <a:outerShdw blurRad="38100" dist="19050" dir="2700000" algn="tl" rotWithShape="0">
+                    <a:schemeClr val="dk1">
+                      <a:alpha val="40000"/>
+                    </a:schemeClr>
+                  </a:outerShdw>
+                </a:effectLst>
+              </a:rPr>
+              <a:t>Attention</a:t>
+            </a:r>
+            <a:endParaRPr lang="en-US" altLang="zh-CN" sz="5400" b="0" cap="none" spc="0" dirty="0">
+              <a:ln w="0"/>
+              <a:solidFill>
+                <a:schemeClr val="tx1"/>
+              </a:solidFill>
+              <a:effectLst>
+                <a:outerShdw blurRad="38100" dist="19050" dir="2700000" algn="tl" rotWithShape="0">
+                  <a:schemeClr val="dk1">
+                    <a:alpha val="40000"/>
+                  </a:schemeClr>
+                </a:outerShdw>
+              </a:effectLst>
+            </a:endParaRPr>
           </a:p>
           <a:p>
             <a:pPr algn="ctr"/>
@@ -8973,7 +8212,7 @@
                   </a:outerShdw>
                 </a:effectLst>
               </a:rPr>
-              <a:t>Any questions or feedback?</a:t>
+              <a:t>Any questions?</a:t>
             </a:r>
             <a:endParaRPr lang="zh-CN" altLang="en-US" sz="5400" b="0" cap="none" spc="0" dirty="0">
               <a:ln w="0"/>
@@ -9095,6 +8334,822 @@
   <p:clrMapOvr>
     <a:masterClrMapping/>
   </p:clrMapOvr>
+  <p:transition spd="slow">
+    <p:wipe/>
+  </p:transition>
+</p:sld>
+</file>
+
+<file path=ppt/slides/slide11.xml><?xml version="1.0" encoding="utf-8"?>
+<p:sld xmlns:a="http://schemas.openxmlformats.org/drawingml/2006/main" xmlns:r="http://schemas.openxmlformats.org/officeDocument/2006/relationships" xmlns:p="http://schemas.openxmlformats.org/presentationml/2006/main">
+  <p:cSld>
+    <p:spTree>
+      <p:nvGrpSpPr>
+        <p:cNvPr id="1" name=""/>
+        <p:cNvGrpSpPr/>
+        <p:nvPr/>
+      </p:nvGrpSpPr>
+      <p:grpSpPr>
+        <a:xfrm>
+          <a:off x="0" y="0"/>
+          <a:ext cx="0" cy="0"/>
+          <a:chOff x="0" y="0"/>
+          <a:chExt cx="0" cy="0"/>
+        </a:xfrm>
+      </p:grpSpPr>
+      <p:sp>
+        <p:nvSpPr>
+          <p:cNvPr id="2" name="标题 1">
+            <a:extLst>
+              <a:ext uri="{FF2B5EF4-FFF2-40B4-BE49-F238E27FC236}">
+                <a16:creationId xmlns:a16="http://schemas.microsoft.com/office/drawing/2014/main" id="{1F49A434-85AD-5400-39C8-687CCA487C63}"/>
+              </a:ext>
+            </a:extLst>
+          </p:cNvPr>
+          <p:cNvSpPr>
+            <a:spLocks noGrp="1"/>
+          </p:cNvSpPr>
+          <p:nvPr>
+            <p:ph type="title"/>
+          </p:nvPr>
+        </p:nvSpPr>
+        <p:spPr/>
+        <p:txBody>
+          <a:bodyPr/>
+          <a:lstStyle/>
+          <a:p>
+            <a:r>
+              <a:rPr lang="en-US" altLang="zh-CN" dirty="0"/>
+              <a:t>Demonstration cases  </a:t>
+            </a:r>
+            <a:endParaRPr lang="zh-CN" altLang="en-US" dirty="0"/>
+          </a:p>
+        </p:txBody>
+      </p:sp>
+      <p:sp>
+        <p:nvSpPr>
+          <p:cNvPr id="4" name="文本占位符 3">
+            <a:extLst>
+              <a:ext uri="{FF2B5EF4-FFF2-40B4-BE49-F238E27FC236}">
+                <a16:creationId xmlns:a16="http://schemas.microsoft.com/office/drawing/2014/main" id="{50427620-1FCF-C79D-E372-8620C8806ECE}"/>
+              </a:ext>
+            </a:extLst>
+          </p:cNvPr>
+          <p:cNvSpPr>
+            <a:spLocks noGrp="1"/>
+          </p:cNvSpPr>
+          <p:nvPr>
+            <p:ph type="body" idx="1"/>
+          </p:nvPr>
+        </p:nvSpPr>
+        <p:spPr/>
+        <p:txBody>
+          <a:bodyPr/>
+          <a:lstStyle/>
+          <a:p>
+            <a:endParaRPr lang="zh-CN" altLang="en-US"/>
+          </a:p>
+        </p:txBody>
+      </p:sp>
+      <p:pic>
+        <p:nvPicPr>
+          <p:cNvPr id="7172" name="Picture 4" descr="Demo Time - Live demos &amp; slides in VS Code">
+            <a:extLst>
+              <a:ext uri="{FF2B5EF4-FFF2-40B4-BE49-F238E27FC236}">
+                <a16:creationId xmlns:a16="http://schemas.microsoft.com/office/drawing/2014/main" id="{994F66A0-3F49-0FF7-8451-612211E05453}"/>
+              </a:ext>
+            </a:extLst>
+          </p:cNvPr>
+          <p:cNvPicPr>
+            <a:picLocks noChangeAspect="1" noChangeArrowheads="1"/>
+          </p:cNvPicPr>
+          <p:nvPr/>
+        </p:nvPicPr>
+        <p:blipFill>
+          <a:blip r:embed="rId2">
+            <a:extLst>
+              <a:ext uri="{28A0092B-C50C-407E-A947-70E740481C1C}">
+                <a14:useLocalDpi xmlns:a14="http://schemas.microsoft.com/office/drawing/2010/main" val="0"/>
+              </a:ext>
+            </a:extLst>
+          </a:blip>
+          <a:srcRect/>
+          <a:stretch>
+            <a:fillRect/>
+          </a:stretch>
+        </p:blipFill>
+        <p:spPr bwMode="auto">
+          <a:xfrm>
+            <a:off x="8456369" y="2400300"/>
+            <a:ext cx="2964237" cy="2747962"/>
+          </a:xfrm>
+          <a:prstGeom prst="rect">
+            <a:avLst/>
+          </a:prstGeom>
+          <a:noFill/>
+          <a:extLst>
+            <a:ext uri="{909E8E84-426E-40DD-AFC4-6F175D3DCCD1}">
+              <a14:hiddenFill xmlns:a14="http://schemas.microsoft.com/office/drawing/2010/main">
+                <a:solidFill>
+                  <a:srgbClr val="FFFFFF"/>
+                </a:solidFill>
+              </a14:hiddenFill>
+            </a:ext>
+          </a:extLst>
+        </p:spPr>
+      </p:pic>
+    </p:spTree>
+    <p:extLst>
+      <p:ext uri="{BB962C8B-B14F-4D97-AF65-F5344CB8AC3E}">
+        <p14:creationId xmlns:p14="http://schemas.microsoft.com/office/powerpoint/2010/main" val="3517742803"/>
+      </p:ext>
+    </p:extLst>
+  </p:cSld>
+  <p:clrMapOvr>
+    <a:masterClrMapping/>
+  </p:clrMapOvr>
+</p:sld>
+</file>
+
+<file path=ppt/slides/slide12.xml><?xml version="1.0" encoding="utf-8"?>
+<p:sld xmlns:a="http://schemas.openxmlformats.org/drawingml/2006/main" xmlns:r="http://schemas.openxmlformats.org/officeDocument/2006/relationships" xmlns:p="http://schemas.openxmlformats.org/presentationml/2006/main">
+  <p:cSld>
+    <p:spTree>
+      <p:nvGrpSpPr>
+        <p:cNvPr id="1" name=""/>
+        <p:cNvGrpSpPr/>
+        <p:nvPr/>
+      </p:nvGrpSpPr>
+      <p:grpSpPr>
+        <a:xfrm>
+          <a:off x="0" y="0"/>
+          <a:ext cx="0" cy="0"/>
+          <a:chOff x="0" y="0"/>
+          <a:chExt cx="0" cy="0"/>
+        </a:xfrm>
+      </p:grpSpPr>
+      <p:sp>
+        <p:nvSpPr>
+          <p:cNvPr id="4" name="标题 3">
+            <a:extLst>
+              <a:ext uri="{FF2B5EF4-FFF2-40B4-BE49-F238E27FC236}">
+                <a16:creationId xmlns:a16="http://schemas.microsoft.com/office/drawing/2014/main" id="{CBBC0695-91F6-A944-9E3A-0F0E3BD75B70}"/>
+              </a:ext>
+            </a:extLst>
+          </p:cNvPr>
+          <p:cNvSpPr>
+            <a:spLocks noGrp="1"/>
+          </p:cNvSpPr>
+          <p:nvPr>
+            <p:ph type="title"/>
+          </p:nvPr>
+        </p:nvSpPr>
+        <p:spPr>
+          <a:xfrm>
+            <a:off x="838200" y="734402"/>
+            <a:ext cx="10515600" cy="1325563"/>
+          </a:xfrm>
+        </p:spPr>
+        <p:txBody>
+          <a:bodyPr/>
+          <a:lstStyle/>
+          <a:p>
+            <a:r>
+              <a:rPr lang="en-US" altLang="zh-CN" dirty="0"/>
+              <a:t>Case 1: Initialization and network establishment</a:t>
+            </a:r>
+            <a:endParaRPr lang="zh-CN" altLang="en-US" dirty="0"/>
+          </a:p>
+        </p:txBody>
+      </p:sp>
+      <p:sp>
+        <p:nvSpPr>
+          <p:cNvPr id="5" name="内容占位符 4">
+            <a:extLst>
+              <a:ext uri="{FF2B5EF4-FFF2-40B4-BE49-F238E27FC236}">
+                <a16:creationId xmlns:a16="http://schemas.microsoft.com/office/drawing/2014/main" id="{720FBC12-0A06-BD07-EE46-3FD3602535A1}"/>
+              </a:ext>
+            </a:extLst>
+          </p:cNvPr>
+          <p:cNvSpPr>
+            <a:spLocks noGrp="1"/>
+          </p:cNvSpPr>
+          <p:nvPr>
+            <p:ph idx="1"/>
+          </p:nvPr>
+        </p:nvSpPr>
+        <p:spPr>
+          <a:xfrm>
+            <a:off x="838200" y="2200153"/>
+            <a:ext cx="10515600" cy="4023092"/>
+          </a:xfrm>
+        </p:spPr>
+        <p:txBody>
+          <a:bodyPr/>
+          <a:lstStyle/>
+          <a:p>
+            <a:pPr>
+              <a:lnSpc>
+                <a:spcPct val="150000"/>
+              </a:lnSpc>
+            </a:pPr>
+            <a:r>
+              <a:rPr lang="en-US" altLang="zh-CN" dirty="0"/>
+              <a:t>Turn on all 7 boards -&gt; topology establishment</a:t>
+            </a:r>
+          </a:p>
+          <a:p>
+            <a:pPr>
+              <a:lnSpc>
+                <a:spcPct val="150000"/>
+              </a:lnSpc>
+            </a:pPr>
+            <a:r>
+              <a:rPr lang="en-US" altLang="zh-CN" dirty="0"/>
+              <a:t>Sensor value readout and display</a:t>
+            </a:r>
+          </a:p>
+          <a:p>
+            <a:pPr>
+              <a:lnSpc>
+                <a:spcPct val="150000"/>
+              </a:lnSpc>
+            </a:pPr>
+            <a:r>
+              <a:rPr lang="en-US" altLang="zh-CN" dirty="0"/>
+              <a:t>Evaluation of parking slot status (green -&gt; parking slot available, </a:t>
+            </a:r>
+          </a:p>
+          <a:p>
+            <a:pPr marL="0" indent="0">
+              <a:lnSpc>
+                <a:spcPct val="150000"/>
+              </a:lnSpc>
+              <a:buNone/>
+            </a:pPr>
+            <a:r>
+              <a:rPr lang="en-US" altLang="zh-CN" dirty="0"/>
+              <a:t>red -&gt; parking slot possessed)</a:t>
+            </a:r>
+            <a:endParaRPr lang="zh-CN" altLang="en-US" dirty="0"/>
+          </a:p>
+        </p:txBody>
+      </p:sp>
+    </p:spTree>
+    <p:extLst>
+      <p:ext uri="{BB962C8B-B14F-4D97-AF65-F5344CB8AC3E}">
+        <p14:creationId xmlns:p14="http://schemas.microsoft.com/office/powerpoint/2010/main" val="835081325"/>
+      </p:ext>
+    </p:extLst>
+  </p:cSld>
+  <p:clrMapOvr>
+    <a:masterClrMapping/>
+  </p:clrMapOvr>
+</p:sld>
+</file>
+
+<file path=ppt/slides/slide13.xml><?xml version="1.0" encoding="utf-8"?>
+<p:sld xmlns:a="http://schemas.openxmlformats.org/drawingml/2006/main" xmlns:r="http://schemas.openxmlformats.org/officeDocument/2006/relationships" xmlns:p="http://schemas.openxmlformats.org/presentationml/2006/main">
+  <p:cSld>
+    <p:spTree>
+      <p:nvGrpSpPr>
+        <p:cNvPr id="1" name="">
+          <a:extLst>
+            <a:ext uri="{FF2B5EF4-FFF2-40B4-BE49-F238E27FC236}">
+              <a16:creationId xmlns:a16="http://schemas.microsoft.com/office/drawing/2014/main" id="{44FB16A6-A5F0-DCAC-8200-54363589F528}"/>
+            </a:ext>
+          </a:extLst>
+        </p:cNvPr>
+        <p:cNvGrpSpPr/>
+        <p:nvPr/>
+      </p:nvGrpSpPr>
+      <p:grpSpPr>
+        <a:xfrm>
+          <a:off x="0" y="0"/>
+          <a:ext cx="0" cy="0"/>
+          <a:chOff x="0" y="0"/>
+          <a:chExt cx="0" cy="0"/>
+        </a:xfrm>
+      </p:grpSpPr>
+      <p:sp>
+        <p:nvSpPr>
+          <p:cNvPr id="4" name="标题 3">
+            <a:extLst>
+              <a:ext uri="{FF2B5EF4-FFF2-40B4-BE49-F238E27FC236}">
+                <a16:creationId xmlns:a16="http://schemas.microsoft.com/office/drawing/2014/main" id="{9BA46F41-84C7-7A44-E258-BE779E59565F}"/>
+              </a:ext>
+            </a:extLst>
+          </p:cNvPr>
+          <p:cNvSpPr>
+            <a:spLocks noGrp="1"/>
+          </p:cNvSpPr>
+          <p:nvPr>
+            <p:ph type="title"/>
+          </p:nvPr>
+        </p:nvSpPr>
+        <p:spPr>
+          <a:xfrm>
+            <a:off x="838200" y="681037"/>
+            <a:ext cx="10515600" cy="1325563"/>
+          </a:xfrm>
+        </p:spPr>
+        <p:txBody>
+          <a:bodyPr/>
+          <a:lstStyle/>
+          <a:p>
+            <a:r>
+              <a:rPr lang="en-US" altLang="zh-CN" dirty="0"/>
+              <a:t>Case 2: Dynamic routing </a:t>
+            </a:r>
+            <a:endParaRPr lang="zh-CN" altLang="en-US" dirty="0"/>
+          </a:p>
+        </p:txBody>
+      </p:sp>
+      <p:sp>
+        <p:nvSpPr>
+          <p:cNvPr id="5" name="内容占位符 4">
+            <a:extLst>
+              <a:ext uri="{FF2B5EF4-FFF2-40B4-BE49-F238E27FC236}">
+                <a16:creationId xmlns:a16="http://schemas.microsoft.com/office/drawing/2014/main" id="{691D7C80-19FE-A52F-263F-DECA43DEFA71}"/>
+              </a:ext>
+            </a:extLst>
+          </p:cNvPr>
+          <p:cNvSpPr>
+            <a:spLocks noGrp="1"/>
+          </p:cNvSpPr>
+          <p:nvPr>
+            <p:ph idx="1"/>
+          </p:nvPr>
+        </p:nvSpPr>
+        <p:spPr/>
+        <p:txBody>
+          <a:bodyPr>
+            <a:normAutofit lnSpcReduction="10000"/>
+          </a:bodyPr>
+          <a:lstStyle/>
+          <a:p>
+            <a:pPr>
+              <a:lnSpc>
+                <a:spcPct val="150000"/>
+              </a:lnSpc>
+            </a:pPr>
+            <a:r>
+              <a:rPr lang="en-US" altLang="zh-CN" dirty="0"/>
+              <a:t>New node discovery: </a:t>
+            </a:r>
+          </a:p>
+          <a:p>
+            <a:pPr marL="0" indent="0">
+              <a:lnSpc>
+                <a:spcPct val="150000"/>
+              </a:lnSpc>
+              <a:buNone/>
+            </a:pPr>
+            <a:r>
+              <a:rPr lang="en-US" altLang="zh-CN" dirty="0"/>
+              <a:t>	1. turn on a new board (e.g. node 6)</a:t>
+            </a:r>
+          </a:p>
+          <a:p>
+            <a:pPr marL="0" indent="0">
+              <a:lnSpc>
+                <a:spcPct val="150000"/>
+              </a:lnSpc>
+              <a:buNone/>
+            </a:pPr>
+            <a:r>
+              <a:rPr lang="en-US" altLang="zh-CN" dirty="0"/>
+              <a:t>	2. Node listens to channel 12 for 5 times </a:t>
+            </a:r>
+          </a:p>
+          <a:p>
+            <a:pPr marL="0" indent="0">
+              <a:lnSpc>
+                <a:spcPct val="150000"/>
+              </a:lnSpc>
+              <a:buNone/>
+            </a:pPr>
+            <a:r>
+              <a:rPr lang="en-US" altLang="zh-CN" dirty="0"/>
+              <a:t>	3. if no flooding message is received </a:t>
+            </a:r>
+          </a:p>
+          <a:p>
+            <a:pPr marL="0" indent="0">
+              <a:lnSpc>
+                <a:spcPct val="150000"/>
+              </a:lnSpc>
+              <a:buNone/>
+            </a:pPr>
+            <a:r>
+              <a:rPr lang="en-US" altLang="zh-CN" dirty="0"/>
+              <a:t>	4. send discovery signal to neighbor nodes </a:t>
+            </a:r>
+          </a:p>
+          <a:p>
+            <a:pPr marL="0" indent="0">
+              <a:lnSpc>
+                <a:spcPct val="150000"/>
+              </a:lnSpc>
+              <a:buNone/>
+            </a:pPr>
+            <a:r>
+              <a:rPr lang="en-US" altLang="zh-CN" dirty="0"/>
+              <a:t>	5. master initialize network reset </a:t>
+            </a:r>
+          </a:p>
+          <a:p>
+            <a:pPr marL="0" indent="0">
+              <a:lnSpc>
+                <a:spcPct val="150000"/>
+              </a:lnSpc>
+              <a:buNone/>
+            </a:pPr>
+            <a:endParaRPr lang="en-US" altLang="zh-CN" dirty="0"/>
+          </a:p>
+          <a:p>
+            <a:pPr marL="0" indent="0">
+              <a:buNone/>
+            </a:pPr>
+            <a:endParaRPr lang="zh-CN" altLang="en-US" dirty="0"/>
+          </a:p>
+        </p:txBody>
+      </p:sp>
+    </p:spTree>
+    <p:extLst>
+      <p:ext uri="{BB962C8B-B14F-4D97-AF65-F5344CB8AC3E}">
+        <p14:creationId xmlns:p14="http://schemas.microsoft.com/office/powerpoint/2010/main" val="1376155735"/>
+      </p:ext>
+    </p:extLst>
+  </p:cSld>
+  <p:clrMapOvr>
+    <a:masterClrMapping/>
+  </p:clrMapOvr>
+</p:sld>
+</file>
+
+<file path=ppt/slides/slide14.xml><?xml version="1.0" encoding="utf-8"?>
+<p:sld xmlns:a="http://schemas.openxmlformats.org/drawingml/2006/main" xmlns:r="http://schemas.openxmlformats.org/officeDocument/2006/relationships" xmlns:p="http://schemas.openxmlformats.org/presentationml/2006/main">
+  <p:cSld>
+    <p:spTree>
+      <p:nvGrpSpPr>
+        <p:cNvPr id="1" name="">
+          <a:extLst>
+            <a:ext uri="{FF2B5EF4-FFF2-40B4-BE49-F238E27FC236}">
+              <a16:creationId xmlns:a16="http://schemas.microsoft.com/office/drawing/2014/main" id="{FAFD2680-F76C-34B5-1D4C-8D08503A56C6}"/>
+            </a:ext>
+          </a:extLst>
+        </p:cNvPr>
+        <p:cNvGrpSpPr/>
+        <p:nvPr/>
+      </p:nvGrpSpPr>
+      <p:grpSpPr>
+        <a:xfrm>
+          <a:off x="0" y="0"/>
+          <a:ext cx="0" cy="0"/>
+          <a:chOff x="0" y="0"/>
+          <a:chExt cx="0" cy="0"/>
+        </a:xfrm>
+      </p:grpSpPr>
+      <p:sp>
+        <p:nvSpPr>
+          <p:cNvPr id="4" name="标题 3">
+            <a:extLst>
+              <a:ext uri="{FF2B5EF4-FFF2-40B4-BE49-F238E27FC236}">
+                <a16:creationId xmlns:a16="http://schemas.microsoft.com/office/drawing/2014/main" id="{4AD5A190-036A-E844-2AEA-0CD5AF2DD0AE}"/>
+              </a:ext>
+            </a:extLst>
+          </p:cNvPr>
+          <p:cNvSpPr>
+            <a:spLocks noGrp="1"/>
+          </p:cNvSpPr>
+          <p:nvPr>
+            <p:ph type="title"/>
+          </p:nvPr>
+        </p:nvSpPr>
+        <p:spPr>
+          <a:xfrm>
+            <a:off x="838200" y="681037"/>
+            <a:ext cx="10515600" cy="1325563"/>
+          </a:xfrm>
+        </p:spPr>
+        <p:txBody>
+          <a:bodyPr/>
+          <a:lstStyle/>
+          <a:p>
+            <a:r>
+              <a:rPr lang="en-US" altLang="zh-CN" dirty="0"/>
+              <a:t>Case 2: Dynamic routing </a:t>
+            </a:r>
+            <a:endParaRPr lang="zh-CN" altLang="en-US" dirty="0"/>
+          </a:p>
+        </p:txBody>
+      </p:sp>
+      <p:sp>
+        <p:nvSpPr>
+          <p:cNvPr id="5" name="内容占位符 4">
+            <a:extLst>
+              <a:ext uri="{FF2B5EF4-FFF2-40B4-BE49-F238E27FC236}">
+                <a16:creationId xmlns:a16="http://schemas.microsoft.com/office/drawing/2014/main" id="{75F21884-71FD-EF92-B9EF-9781A94CCF58}"/>
+              </a:ext>
+            </a:extLst>
+          </p:cNvPr>
+          <p:cNvSpPr>
+            <a:spLocks noGrp="1"/>
+          </p:cNvSpPr>
+          <p:nvPr>
+            <p:ph idx="1"/>
+          </p:nvPr>
+        </p:nvSpPr>
+        <p:spPr/>
+        <p:txBody>
+          <a:bodyPr>
+            <a:normAutofit/>
+          </a:bodyPr>
+          <a:lstStyle/>
+          <a:p>
+            <a:pPr>
+              <a:lnSpc>
+                <a:spcPct val="150000"/>
+              </a:lnSpc>
+            </a:pPr>
+            <a:r>
+              <a:rPr lang="en-US" altLang="zh-CN" dirty="0"/>
+              <a:t>Existing node failure: </a:t>
+            </a:r>
+          </a:p>
+          <a:p>
+            <a:pPr marL="914400" lvl="1" indent="-457200">
+              <a:lnSpc>
+                <a:spcPct val="150000"/>
+              </a:lnSpc>
+              <a:buAutoNum type="arabicPeriod"/>
+            </a:pPr>
+            <a:r>
+              <a:rPr lang="en-US" altLang="zh-CN" dirty="0"/>
+              <a:t>turn off a working node (simulate node failure)</a:t>
+            </a:r>
+          </a:p>
+          <a:p>
+            <a:pPr marL="914400" lvl="1" indent="-457200">
+              <a:lnSpc>
+                <a:spcPct val="150000"/>
+              </a:lnSpc>
+              <a:buAutoNum type="arabicPeriod"/>
+            </a:pPr>
+            <a:r>
+              <a:rPr lang="en-US" altLang="zh-CN" dirty="0"/>
+              <a:t>master does not receive its heartbeat signal </a:t>
+            </a:r>
+          </a:p>
+          <a:p>
+            <a:pPr marL="914400" lvl="1" indent="-457200">
+              <a:lnSpc>
+                <a:spcPct val="150000"/>
+              </a:lnSpc>
+              <a:buAutoNum type="arabicPeriod"/>
+            </a:pPr>
+            <a:r>
+              <a:rPr lang="en-US" altLang="zh-CN" dirty="0"/>
+              <a:t>master initialize network reset </a:t>
+            </a:r>
+          </a:p>
+          <a:p>
+            <a:pPr marL="0" indent="0">
+              <a:lnSpc>
+                <a:spcPct val="150000"/>
+              </a:lnSpc>
+              <a:buNone/>
+            </a:pPr>
+            <a:endParaRPr lang="en-US" altLang="zh-CN" dirty="0"/>
+          </a:p>
+          <a:p>
+            <a:pPr marL="0" indent="0">
+              <a:buNone/>
+            </a:pPr>
+            <a:endParaRPr lang="zh-CN" altLang="en-US" dirty="0"/>
+          </a:p>
+        </p:txBody>
+      </p:sp>
+    </p:spTree>
+    <p:extLst>
+      <p:ext uri="{BB962C8B-B14F-4D97-AF65-F5344CB8AC3E}">
+        <p14:creationId xmlns:p14="http://schemas.microsoft.com/office/powerpoint/2010/main" val="83175394"/>
+      </p:ext>
+    </p:extLst>
+  </p:cSld>
+  <p:clrMapOvr>
+    <a:masterClrMapping/>
+  </p:clrMapOvr>
+</p:sld>
+</file>
+
+<file path=ppt/slides/slide15.xml><?xml version="1.0" encoding="utf-8"?>
+<p:sld xmlns:a="http://schemas.openxmlformats.org/drawingml/2006/main" xmlns:r="http://schemas.openxmlformats.org/officeDocument/2006/relationships" xmlns:p="http://schemas.openxmlformats.org/presentationml/2006/main">
+  <p:cSld>
+    <p:spTree>
+      <p:nvGrpSpPr>
+        <p:cNvPr id="1" name="">
+          <a:extLst>
+            <a:ext uri="{FF2B5EF4-FFF2-40B4-BE49-F238E27FC236}">
+              <a16:creationId xmlns:a16="http://schemas.microsoft.com/office/drawing/2014/main" id="{7670DE80-71AA-BBC3-FF9D-4B97D0CFDC7D}"/>
+            </a:ext>
+          </a:extLst>
+        </p:cNvPr>
+        <p:cNvGrpSpPr/>
+        <p:nvPr/>
+      </p:nvGrpSpPr>
+      <p:grpSpPr>
+        <a:xfrm>
+          <a:off x="0" y="0"/>
+          <a:ext cx="0" cy="0"/>
+          <a:chOff x="0" y="0"/>
+          <a:chExt cx="0" cy="0"/>
+        </a:xfrm>
+      </p:grpSpPr>
+      <p:sp>
+        <p:nvSpPr>
+          <p:cNvPr id="4" name="标题 3">
+            <a:extLst>
+              <a:ext uri="{FF2B5EF4-FFF2-40B4-BE49-F238E27FC236}">
+                <a16:creationId xmlns:a16="http://schemas.microsoft.com/office/drawing/2014/main" id="{9DB51283-FE0C-A834-19B7-C2138A6A2CAF}"/>
+              </a:ext>
+            </a:extLst>
+          </p:cNvPr>
+          <p:cNvSpPr>
+            <a:spLocks noGrp="1"/>
+          </p:cNvSpPr>
+          <p:nvPr>
+            <p:ph type="title"/>
+          </p:nvPr>
+        </p:nvSpPr>
+        <p:spPr>
+          <a:xfrm>
+            <a:off x="838200" y="681649"/>
+            <a:ext cx="8575431" cy="1325563"/>
+          </a:xfrm>
+        </p:spPr>
+        <p:txBody>
+          <a:bodyPr/>
+          <a:lstStyle/>
+          <a:p>
+            <a:r>
+              <a:rPr lang="en-US" altLang="zh-CN" dirty="0"/>
+              <a:t>Case 3: Reactive network</a:t>
+            </a:r>
+            <a:endParaRPr lang="zh-CN" altLang="en-US" dirty="0"/>
+          </a:p>
+        </p:txBody>
+      </p:sp>
+      <p:sp>
+        <p:nvSpPr>
+          <p:cNvPr id="5" name="内容占位符 4">
+            <a:extLst>
+              <a:ext uri="{FF2B5EF4-FFF2-40B4-BE49-F238E27FC236}">
+                <a16:creationId xmlns:a16="http://schemas.microsoft.com/office/drawing/2014/main" id="{7767E8BA-A499-793E-711B-4BE85D248262}"/>
+              </a:ext>
+            </a:extLst>
+          </p:cNvPr>
+          <p:cNvSpPr>
+            <a:spLocks noGrp="1"/>
+          </p:cNvSpPr>
+          <p:nvPr>
+            <p:ph idx="1"/>
+          </p:nvPr>
+        </p:nvSpPr>
+        <p:spPr>
+          <a:xfrm>
+            <a:off x="838200" y="2223598"/>
+            <a:ext cx="10515600" cy="4351338"/>
+          </a:xfrm>
+        </p:spPr>
+        <p:txBody>
+          <a:bodyPr/>
+          <a:lstStyle/>
+          <a:p>
+            <a:pPr>
+              <a:lnSpc>
+                <a:spcPct val="150000"/>
+              </a:lnSpc>
+            </a:pPr>
+            <a:r>
+              <a:rPr lang="en-US" altLang="zh-CN" dirty="0"/>
+              <a:t>Sensor value will only be transmitted and displayed when it changes dramatically (change of light &gt; 50 lux or distance &gt; 10cm)</a:t>
+            </a:r>
+            <a:endParaRPr lang="zh-CN" altLang="en-US" dirty="0"/>
+          </a:p>
+        </p:txBody>
+      </p:sp>
+    </p:spTree>
+    <p:extLst>
+      <p:ext uri="{BB962C8B-B14F-4D97-AF65-F5344CB8AC3E}">
+        <p14:creationId xmlns:p14="http://schemas.microsoft.com/office/powerpoint/2010/main" val="3782980413"/>
+      </p:ext>
+    </p:extLst>
+  </p:cSld>
+  <p:clrMapOvr>
+    <a:masterClrMapping/>
+  </p:clrMapOvr>
+</p:sld>
+</file>
+
+<file path=ppt/slides/slide16.xml><?xml version="1.0" encoding="utf-8"?>
+<p:sld xmlns:a="http://schemas.openxmlformats.org/drawingml/2006/main" xmlns:r="http://schemas.openxmlformats.org/officeDocument/2006/relationships" xmlns:p="http://schemas.openxmlformats.org/presentationml/2006/main">
+  <p:cSld>
+    <p:spTree>
+      <p:nvGrpSpPr>
+        <p:cNvPr id="1" name="">
+          <a:extLst>
+            <a:ext uri="{FF2B5EF4-FFF2-40B4-BE49-F238E27FC236}">
+              <a16:creationId xmlns:a16="http://schemas.microsoft.com/office/drawing/2014/main" id="{7EB5FBD8-F322-A349-450B-E738F819F082}"/>
+            </a:ext>
+          </a:extLst>
+        </p:cNvPr>
+        <p:cNvGrpSpPr/>
+        <p:nvPr/>
+      </p:nvGrpSpPr>
+      <p:grpSpPr>
+        <a:xfrm>
+          <a:off x="0" y="0"/>
+          <a:ext cx="0" cy="0"/>
+          <a:chOff x="0" y="0"/>
+          <a:chExt cx="0" cy="0"/>
+        </a:xfrm>
+      </p:grpSpPr>
+      <p:sp>
+        <p:nvSpPr>
+          <p:cNvPr id="4" name="标题 3">
+            <a:extLst>
+              <a:ext uri="{FF2B5EF4-FFF2-40B4-BE49-F238E27FC236}">
+                <a16:creationId xmlns:a16="http://schemas.microsoft.com/office/drawing/2014/main" id="{40FEA80F-EC0D-2E34-C8B7-208901881140}"/>
+              </a:ext>
+            </a:extLst>
+          </p:cNvPr>
+          <p:cNvSpPr>
+            <a:spLocks noGrp="1"/>
+          </p:cNvSpPr>
+          <p:nvPr>
+            <p:ph type="title"/>
+          </p:nvPr>
+        </p:nvSpPr>
+        <p:spPr>
+          <a:xfrm>
+            <a:off x="838200" y="500062"/>
+            <a:ext cx="10515600" cy="1325563"/>
+          </a:xfrm>
+        </p:spPr>
+        <p:txBody>
+          <a:bodyPr/>
+          <a:lstStyle/>
+          <a:p>
+            <a:r>
+              <a:rPr lang="en-US" altLang="zh-CN" dirty="0"/>
+              <a:t>Case 4: Low-energy awareness routing</a:t>
+            </a:r>
+            <a:endParaRPr lang="zh-CN" altLang="en-US" dirty="0"/>
+          </a:p>
+        </p:txBody>
+      </p:sp>
+      <p:sp>
+        <p:nvSpPr>
+          <p:cNvPr id="5" name="内容占位符 4">
+            <a:extLst>
+              <a:ext uri="{FF2B5EF4-FFF2-40B4-BE49-F238E27FC236}">
+                <a16:creationId xmlns:a16="http://schemas.microsoft.com/office/drawing/2014/main" id="{1F9CBB7B-50DE-C537-68AD-ACCFF553EDAC}"/>
+              </a:ext>
+            </a:extLst>
+          </p:cNvPr>
+          <p:cNvSpPr>
+            <a:spLocks noGrp="1"/>
+          </p:cNvSpPr>
+          <p:nvPr>
+            <p:ph idx="1"/>
+          </p:nvPr>
+        </p:nvSpPr>
+        <p:spPr>
+          <a:xfrm>
+            <a:off x="838200" y="1925271"/>
+            <a:ext cx="10515600" cy="4351338"/>
+          </a:xfrm>
+        </p:spPr>
+        <p:txBody>
+          <a:bodyPr/>
+          <a:lstStyle/>
+          <a:p>
+            <a:endParaRPr lang="zh-CN" altLang="en-US" dirty="0"/>
+          </a:p>
+        </p:txBody>
+      </p:sp>
+    </p:spTree>
+    <p:extLst>
+      <p:ext uri="{BB962C8B-B14F-4D97-AF65-F5344CB8AC3E}">
+        <p14:creationId xmlns:p14="http://schemas.microsoft.com/office/powerpoint/2010/main" val="1859502817"/>
+      </p:ext>
+    </p:extLst>
+  </p:cSld>
+  <p:clrMapOvr>
+    <a:masterClrMapping/>
+  </p:clrMapOvr>
 </p:sld>
 </file>
 
@@ -9427,7 +9482,7 @@
             </a:pPr>
             <a:r>
               <a:rPr lang="en-US" altLang="zh-CN" sz="2000" dirty="0"/>
-              <a:t>Integrate two sensor types for reliable detection and fault tolerance</a:t>
+              <a:t>Integrate two types of sensor for reliable detection and fault tolerance</a:t>
             </a:r>
             <a:endParaRPr lang="en-US" altLang="zh-CN" sz="1900" dirty="0"/>
           </a:p>
@@ -9443,6 +9498,18 @@
   <p:clrMapOvr>
     <a:masterClrMapping/>
   </p:clrMapOvr>
+  <mc:AlternateContent xmlns:mc="http://schemas.openxmlformats.org/markup-compatibility/2006">
+    <mc:Choice xmlns:p159="http://schemas.microsoft.com/office/powerpoint/2015/09/main" Requires="p159">
+      <p:transition xmlns:p14="http://schemas.microsoft.com/office/powerpoint/2010/main" spd="slow" p14:dur="2000">
+        <p159:morph option="byObject"/>
+      </p:transition>
+    </mc:Choice>
+    <mc:Fallback>
+      <p:transition spd="slow">
+        <p:fade/>
+      </p:transition>
+    </mc:Fallback>
+  </mc:AlternateContent>
 </p:sld>
 </file>
 
@@ -9519,8 +9586,8 @@
         </p:blipFill>
         <p:spPr bwMode="auto">
           <a:xfrm>
-            <a:off x="2325208" y="896815"/>
-            <a:ext cx="7541584" cy="5279109"/>
+            <a:off x="2214750" y="779584"/>
+            <a:ext cx="7762500" cy="5433750"/>
           </a:xfrm>
           <a:prstGeom prst="rect">
             <a:avLst/>
@@ -9547,6 +9614,18 @@
   <p:clrMapOvr>
     <a:masterClrMapping/>
   </p:clrMapOvr>
+  <mc:AlternateContent xmlns:mc="http://schemas.openxmlformats.org/markup-compatibility/2006">
+    <mc:Choice xmlns:p14="http://schemas.microsoft.com/office/powerpoint/2010/main" Requires="p14">
+      <p:transition spd="med" p14:dur="700">
+        <p:fade/>
+      </p:transition>
+    </mc:Choice>
+    <mc:Fallback>
+      <p:transition spd="med">
+        <p:fade/>
+      </p:transition>
+    </mc:Fallback>
+  </mc:AlternateContent>
 </p:sld>
 </file>
 
@@ -10175,6 +10254,9 @@
   <p:clrMapOvr>
     <a:masterClrMapping/>
   </p:clrMapOvr>
+  <p:transition spd="slow">
+    <p:wipe/>
+  </p:transition>
 </p:sld>
 </file>
 
@@ -10579,6 +10661,9 @@
   <p:clrMapOvr>
     <a:masterClrMapping/>
   </p:clrMapOvr>
+  <p:transition spd="slow">
+    <p:wipe/>
+  </p:transition>
 </p:sld>
 </file>
 
@@ -10949,6 +11034,9 @@
   <p:clrMapOvr>
     <a:masterClrMapping/>
   </p:clrMapOvr>
+  <p:transition spd="slow">
+    <p:wipe/>
+  </p:transition>
 </p:sld>
 </file>
 
@@ -11179,6 +11267,9 @@
   <p:clrMapOvr>
     <a:masterClrMapping/>
   </p:clrMapOvr>
+  <p:transition spd="slow">
+    <p:wipe/>
+  </p:transition>
 </p:sld>
 </file>
 
@@ -11222,7 +11313,7 @@
           <a:p>
             <a:r>
               <a:rPr lang="en-US" altLang="zh-CN" dirty="0"/>
-              <a:t>Network in different condition </a:t>
+              <a:t>Network in different states </a:t>
             </a:r>
             <a:endParaRPr lang="zh-CN" altLang="en-US" dirty="0"/>
           </a:p>
@@ -11314,7 +11405,7 @@
         <p:spPr>
           <a:xfrm>
             <a:off x="1037492" y="6060831"/>
-            <a:ext cx="4097216" cy="369277"/>
+            <a:ext cx="4097216" cy="369332"/>
           </a:xfrm>
           <a:prstGeom prst="rect">
             <a:avLst/>
@@ -11329,7 +11420,7 @@
           <a:p>
             <a:r>
               <a:rPr lang="en-US" altLang="zh-CN" dirty="0"/>
-              <a:t>All nodes working -&gt; network constructed </a:t>
+              <a:t>Stable state: all nodes working </a:t>
             </a:r>
             <a:endParaRPr lang="zh-CN" altLang="en-US" dirty="0"/>
           </a:p>
@@ -11350,7 +11441,7 @@
         <p:spPr>
           <a:xfrm>
             <a:off x="6494585" y="6088374"/>
-            <a:ext cx="5193323" cy="369332"/>
+            <a:ext cx="5193323" cy="646331"/>
           </a:xfrm>
           <a:prstGeom prst="rect">
             <a:avLst/>
@@ -11365,7 +11456,7 @@
           <a:p>
             <a:r>
               <a:rPr lang="en-US" altLang="zh-CN" dirty="0"/>
-              <a:t>Only one node is working -&gt; selected as cluster head</a:t>
+              <a:t>Init state: only one node is working -&gt; selected as cluster head</a:t>
             </a:r>
             <a:endParaRPr lang="zh-CN" altLang="en-US" dirty="0"/>
           </a:p>
@@ -11381,6 +11472,9 @@
   <p:clrMapOvr>
     <a:masterClrMapping/>
   </p:clrMapOvr>
+  <p:transition spd="slow">
+    <p:wipe/>
+  </p:transition>
 </p:sld>
 </file>
 
@@ -11477,7 +11571,7 @@
             </a:pPr>
             <a:r>
               <a:rPr lang="en-US" altLang="zh-CN" dirty="0"/>
-              <a:t>Routing decisions consider hop count, RSSI, and battery level</a:t>
+              <a:t>Cluster head selection considers hop count, RSSI, and battery level</a:t>
             </a:r>
           </a:p>
           <a:p>
@@ -11490,22 +11584,32 @@
             </a:pPr>
             <a:r>
               <a:rPr lang="en-US" altLang="zh-CN" dirty="0"/>
-              <a:t>GUI filters short-term value fluctuations to improve display stability and avoid wrong detection</a:t>
-            </a:r>
-          </a:p>
-          <a:p>
-            <a:pPr marL="914400" lvl="1" indent="-457200">
+              <a:t>Sensor data transmission triggered only on significant changes appear </a:t>
+            </a:r>
+          </a:p>
+          <a:p>
+            <a:pPr marL="457200" lvl="1" indent="0">
               <a:lnSpc>
                 <a:spcPct val="150000"/>
               </a:lnSpc>
-              <a:buFont typeface="+mj-lt"/>
-              <a:buAutoNum type="arabicPeriod"/>
+              <a:buNone/>
             </a:pPr>
             <a:r>
               <a:rPr lang="en-US" altLang="zh-CN" dirty="0"/>
-              <a:t>Sensor data transmission triggered only on significant changes</a:t>
-            </a:r>
-            <a:endParaRPr lang="zh-CN" altLang="en-US" dirty="0"/>
+              <a:t>	-&gt; energy saving</a:t>
+            </a:r>
+          </a:p>
+          <a:p>
+            <a:pPr marL="457200" lvl="1" indent="0">
+              <a:lnSpc>
+                <a:spcPct val="150000"/>
+              </a:lnSpc>
+              <a:buNone/>
+            </a:pPr>
+            <a:r>
+              <a:rPr lang="en-US" altLang="zh-CN" dirty="0"/>
+              <a:t>4.   GUI filters short-term value fluctuations to improve display stability and avoid wrong detection</a:t>
+            </a:r>
           </a:p>
         </p:txBody>
       </p:sp>
@@ -11538,8 +11642,8 @@
         </p:blipFill>
         <p:spPr bwMode="auto">
           <a:xfrm>
-            <a:off x="4047027" y="5105399"/>
-            <a:ext cx="2366915" cy="1471979"/>
+            <a:off x="6151320" y="4978140"/>
+            <a:ext cx="2863726" cy="1780945"/>
           </a:xfrm>
           <a:prstGeom prst="rect">
             <a:avLst/>
@@ -11566,6 +11670,9 @@
   <p:clrMapOvr>
     <a:masterClrMapping/>
   </p:clrMapOvr>
+  <p:transition spd="slow">
+    <p:wipe/>
+  </p:transition>
 </p:sld>
 </file>
 
